--- a/materials/slides/ch02-htmlBasic1.pptx
+++ b/materials/slides/ch02-htmlBasic1.pptx
@@ -16,8 +16,8 @@
     <p:sldId id="522" r:id="rId8"/>
     <p:sldId id="507" r:id="rId9"/>
     <p:sldId id="523" r:id="rId10"/>
-    <p:sldId id="527" r:id="rId11"/>
-    <p:sldId id="528" r:id="rId12"/>
+    <p:sldId id="528" r:id="rId11"/>
+    <p:sldId id="527" r:id="rId12"/>
     <p:sldId id="529" r:id="rId13"/>
     <p:sldId id="530" r:id="rId14"/>
     <p:sldId id="548" r:id="rId15"/>
@@ -5543,16 +5543,16 @@
           <a:bodyPr/>
           <a:p>
             <a:r>
-              <a:rPr lang="zh-CN" altLang="en-US"/>
-              <a:t>常用</a:t>
-            </a:r>
-            <a:r>
               <a:rPr lang="en-US" altLang="zh-CN"/>
               <a:t>HTML</a:t>
             </a:r>
             <a:r>
               <a:rPr lang="zh-CN" altLang="en-US"/>
               <a:t>标签</a:t>
+            </a:r>
+            <a:r>
+              <a:rPr lang="zh-CN" altLang="en-US"/>
+              <a:t>三要素</a:t>
             </a:r>
             <a:endParaRPr lang="zh-CN" altLang="en-US"/>
           </a:p>
@@ -5568,691 +5568,155 @@
             <p:ph sz="half" idx="1"/>
           </p:nvPr>
         </p:nvSpPr>
-        <p:spPr>
-          <a:xfrm>
-            <a:off x="638895" y="1086137"/>
-            <a:ext cx="11106646" cy="4875092"/>
-          </a:xfrm>
-        </p:spPr>
+        <p:spPr/>
         <p:txBody>
-          <a:bodyPr>
-            <a:normAutofit lnSpcReduction="10000"/>
-          </a:bodyPr>
+          <a:bodyPr/>
           <a:p>
-            <a:endParaRPr>
-              <a:solidFill>
-                <a:srgbClr val="FF0000"/>
-              </a:solidFill>
-            </a:endParaRPr>
+            <a:r>
+              <a:rPr lang="zh-CN" altLang="en-US"/>
+              <a:t>学习</a:t>
+            </a:r>
+            <a:r>
+              <a:t>HTML</a:t>
+            </a:r>
+            <a:r>
+              <a:rPr lang="zh-CN" altLang="en-US"/>
+              <a:t>标签</a:t>
+            </a:r>
+            <a:r>
+              <a:rPr lang="zh-CN" altLang="en-US"/>
+              <a:t>的三个要点</a:t>
+            </a:r>
+            <a:endParaRPr lang="zh-CN" altLang="en-US"/>
           </a:p>
           <a:p>
-            <a:endParaRPr>
-              <a:solidFill>
-                <a:srgbClr val="FF0000"/>
-              </a:solidFill>
-            </a:endParaRPr>
+            <a:pPr lvl="1"/>
+            <a:r>
+              <a:rPr lang="zh-CN" altLang="en-US">
+                <a:solidFill>
+                  <a:srgbClr val="C00000"/>
+                </a:solidFill>
+              </a:rPr>
+              <a:t>词汇</a:t>
+            </a:r>
+            <a:r>
+              <a:rPr lang="zh-CN" altLang="en-US"/>
+              <a:t>（标签）</a:t>
+            </a:r>
+            <a:endParaRPr lang="zh-CN" altLang="en-US"/>
           </a:p>
           <a:p>
-            <a:endParaRPr>
-              <a:solidFill>
-                <a:srgbClr val="FF0000"/>
-              </a:solidFill>
-            </a:endParaRPr>
+            <a:pPr lvl="1"/>
+            <a:r>
+              <a:rPr lang="zh-CN" altLang="en-US">
+                <a:solidFill>
+                  <a:srgbClr val="C00000"/>
+                </a:solidFill>
+              </a:rPr>
+              <a:t>语法</a:t>
+            </a:r>
+            <a:r>
+              <a:rPr lang="zh-CN" altLang="en-US"/>
+              <a:t>（标签的使用规定）</a:t>
+            </a:r>
+            <a:endParaRPr lang="zh-CN" altLang="en-US"/>
           </a:p>
           <a:p>
-            <a:endParaRPr>
-              <a:solidFill>
-                <a:srgbClr val="FF0000"/>
-              </a:solidFill>
-            </a:endParaRPr>
-          </a:p>
-          <a:p>
-            <a:endParaRPr>
-              <a:solidFill>
-                <a:srgbClr val="FF0000"/>
-              </a:solidFill>
-            </a:endParaRPr>
-          </a:p>
-          <a:p>
-            <a:r>
-              <a:rPr>
-                <a:solidFill>
-                  <a:srgbClr val="FF0000"/>
-                </a:solidFill>
-              </a:rPr>
-              <a:t>HTML</a:t>
+            <a:pPr lvl="1"/>
+            <a:r>
+              <a:rPr lang="zh-CN" altLang="en-US">
+                <a:solidFill>
+                  <a:srgbClr val="C00000"/>
+                </a:solidFill>
+              </a:rPr>
+              <a:t>语义</a:t>
             </a:r>
             <a:r>
               <a:rPr lang="zh-CN" altLang="en-US"/>
-              <a:t>标记标签通常被成为</a:t>
-            </a:r>
-            <a:r>
-              <a:t>HTML</a:t>
-            </a:r>
-            <a:r>
-              <a:rPr>
-                <a:solidFill>
-                  <a:srgbClr val="FF0000"/>
-                </a:solidFill>
-              </a:rPr>
-              <a:t>标签</a:t>
+              <a:t>（浏览器</a:t>
+            </a:r>
+            <a:r>
+              <a:t>“</a:t>
             </a:r>
             <a:r>
               <a:rPr lang="zh-CN" altLang="en-US"/>
-              <a:t>，它是由</a:t>
-            </a:r>
-            <a:r>
-              <a:rPr>
-                <a:solidFill>
-                  <a:srgbClr val="FF0000"/>
-                </a:solidFill>
-              </a:rPr>
-              <a:t>尖括号包围的关键词</a:t>
+              <a:t>理解</a:t>
+            </a:r>
+            <a:r>
+              <a:t>”</a:t>
             </a:r>
             <a:r>
               <a:rPr lang="zh-CN" altLang="en-US"/>
-              <a:t>，如</a:t>
-            </a:r>
-            <a:r>
-              <a:t>&lt;html&gt;</a:t>
-            </a:r>
+              <a:t>的标签含义）</a:t>
+            </a:r>
+            <a:endParaRPr lang="zh-CN" altLang="en-US"/>
           </a:p>
         </p:txBody>
       </p:sp>
-      <p:graphicFrame>
-        <p:nvGraphicFramePr>
-          <p:cNvPr id="5" name="内容占位符 4"/>
-          <p:cNvGraphicFramePr/>
+      <p:pic>
+        <p:nvPicPr>
+          <p:cNvPr id="6" name="Picture 3"/>
+          <p:cNvPicPr>
+            <a:picLocks noChangeAspect="1" noChangeArrowheads="1"/>
+          </p:cNvPicPr>
           <p:nvPr/>
-        </p:nvGraphicFramePr>
-        <p:xfrm>
-          <a:off x="1815163" y="1231900"/>
-          <a:ext cx="8754110" cy="3627120"/>
-        </p:xfrm>
-        <a:graphic>
-          <a:graphicData uri="http://schemas.openxmlformats.org/drawingml/2006/table">
-            <a:tbl>
-              <a:tblPr firstRow="1" bandRow="1">
-                <a:tableStyleId>{D7AC3CCA-C797-4891-BE02-D94E43425B78}</a:tableStyleId>
-              </a:tblPr>
-              <a:tblGrid>
-                <a:gridCol w="2091690"/>
-                <a:gridCol w="2199005"/>
-                <a:gridCol w="2085340"/>
-                <a:gridCol w="2378075"/>
-              </a:tblGrid>
-              <a:tr h="518160">
-                <a:tc>
-                  <a:txBody>
-                    <a:bodyPr/>
-                    <a:p>
-                      <a:pPr algn="l"/>
-                      <a:r>
-                        <a:rPr lang="en-US" altLang="zh-CN" sz="2800" dirty="0" smtClean="0"/>
-                        <a:t>&lt;html&gt;</a:t>
-                      </a:r>
-                      <a:endParaRPr lang="zh-CN" altLang="en-US" sz="2800" b="1" dirty="0">
-                        <a:latin typeface="Courier New" panose="02070309020205020404" pitchFamily="49" charset="0"/>
-                        <a:cs typeface="Courier New" panose="02070309020205020404" pitchFamily="49" charset="0"/>
-                      </a:endParaRPr>
-                    </a:p>
-                  </a:txBody>
-                  <a:tcPr marL="90325" marR="90325"/>
-                </a:tc>
-                <a:tc>
-                  <a:txBody>
-                    <a:bodyPr/>
-                    <a:p>
-                      <a:pPr algn="l"/>
-                      <a:r>
-                        <a:rPr lang="en-US" altLang="zh-CN" sz="2800" dirty="0" smtClean="0"/>
-                        <a:t>&lt;head&gt;</a:t>
-                      </a:r>
-                      <a:endParaRPr lang="zh-CN" altLang="en-US" sz="2800" b="1" dirty="0">
-                        <a:latin typeface="Courier New" panose="02070309020205020404" pitchFamily="49" charset="0"/>
-                        <a:cs typeface="Courier New" panose="02070309020205020404" pitchFamily="49" charset="0"/>
-                      </a:endParaRPr>
-                    </a:p>
-                  </a:txBody>
-                  <a:tcPr marL="90325" marR="90325"/>
-                </a:tc>
-                <a:tc>
-                  <a:txBody>
-                    <a:bodyPr/>
-                    <a:p>
-                      <a:pPr algn="l"/>
-                      <a:r>
-                        <a:rPr lang="en-US" altLang="zh-CN" sz="2800" dirty="0" smtClean="0"/>
-                        <a:t>&lt;body&gt;</a:t>
-                      </a:r>
-                      <a:endParaRPr lang="zh-CN" altLang="en-US" sz="2800" b="1" dirty="0">
-                        <a:latin typeface="Courier New" panose="02070309020205020404" pitchFamily="49" charset="0"/>
-                        <a:cs typeface="Courier New" panose="02070309020205020404" pitchFamily="49" charset="0"/>
-                      </a:endParaRPr>
-                    </a:p>
-                  </a:txBody>
-                  <a:tcPr marL="90325" marR="90325"/>
-                </a:tc>
-                <a:tc>
-                  <a:txBody>
-                    <a:bodyPr/>
-                    <a:p>
-                      <a:pPr algn="l"/>
-                      <a:r>
-                        <a:rPr lang="en-US" altLang="zh-CN" sz="2800" dirty="0" smtClean="0"/>
-                        <a:t>&lt;title&gt;</a:t>
-                      </a:r>
-                      <a:endParaRPr lang="zh-CN" altLang="en-US" sz="2800" b="1" dirty="0">
-                        <a:latin typeface="Courier New" panose="02070309020205020404" pitchFamily="49" charset="0"/>
-                        <a:cs typeface="Courier New" panose="02070309020205020404" pitchFamily="49" charset="0"/>
-                      </a:endParaRPr>
-                    </a:p>
-                  </a:txBody>
-                  <a:tcPr marL="90325" marR="90325"/>
-                </a:tc>
-              </a:tr>
-              <a:tr h="518160">
-                <a:tc>
-                  <a:txBody>
-                    <a:bodyPr/>
-                    <a:p>
-                      <a:pPr algn="l"/>
-                      <a:r>
-                        <a:rPr lang="en-US" altLang="zh-CN" sz="2800" dirty="0" smtClean="0"/>
-                        <a:t>&lt;</a:t>
-                      </a:r>
-                      <a:r>
-                        <a:rPr lang="en-US" altLang="zh-CN" sz="2800" dirty="0" err="1" smtClean="0"/>
-                        <a:t>br</a:t>
-                      </a:r>
-                      <a:r>
-                        <a:rPr lang="en-US" altLang="zh-CN" sz="2800" dirty="0" smtClean="0"/>
-                        <a:t>&gt;</a:t>
-                      </a:r>
-                      <a:endParaRPr lang="zh-CN" altLang="en-US" sz="2800" b="1" dirty="0">
-                        <a:latin typeface="Courier New" panose="02070309020205020404" pitchFamily="49" charset="0"/>
-                        <a:cs typeface="Courier New" panose="02070309020205020404" pitchFamily="49" charset="0"/>
-                      </a:endParaRPr>
-                    </a:p>
-                  </a:txBody>
-                  <a:tcPr marL="90325" marR="90325"/>
-                </a:tc>
-                <a:tc>
-                  <a:txBody>
-                    <a:bodyPr/>
-                    <a:p>
-                      <a:pPr marL="0" marR="0" indent="0" algn="l" defTabSz="914400" rtl="0" eaLnBrk="1" fontAlgn="auto" latinLnBrk="0" hangingPunct="1">
-                        <a:lnSpc>
-                          <a:spcPct val="100000"/>
-                        </a:lnSpc>
-                        <a:spcBef>
-                          <a:spcPts val="0"/>
-                        </a:spcBef>
-                        <a:spcAft>
-                          <a:spcPts val="0"/>
-                        </a:spcAft>
-                        <a:buClrTx/>
-                        <a:buSzTx/>
-                        <a:buFontTx/>
-                        <a:buNone/>
-                        <a:defRPr/>
-                      </a:pPr>
-                      <a:r>
-                        <a:rPr lang="en-US" altLang="zh-CN" sz="2800" dirty="0" smtClean="0"/>
-                        <a:t>&lt;h1&gt;</a:t>
-                      </a:r>
-                      <a:endParaRPr lang="zh-CN" altLang="en-US" sz="2800" b="1" dirty="0" smtClean="0">
-                        <a:latin typeface="Courier New" panose="02070309020205020404" pitchFamily="49" charset="0"/>
-                        <a:cs typeface="Courier New" panose="02070309020205020404" pitchFamily="49" charset="0"/>
-                      </a:endParaRPr>
-                    </a:p>
-                  </a:txBody>
-                  <a:tcPr marL="90325" marR="90325"/>
-                </a:tc>
-                <a:tc>
-                  <a:txBody>
-                    <a:bodyPr/>
-                    <a:p>
-                      <a:pPr algn="l"/>
-                      <a:r>
-                        <a:rPr lang="en-US" altLang="zh-CN" sz="2800" dirty="0" smtClean="0"/>
-                        <a:t>&lt;p&gt;</a:t>
-                      </a:r>
-                      <a:endParaRPr lang="zh-CN" altLang="en-US" sz="2800" b="1" dirty="0">
-                        <a:latin typeface="Courier New" panose="02070309020205020404" pitchFamily="49" charset="0"/>
-                        <a:cs typeface="Courier New" panose="02070309020205020404" pitchFamily="49" charset="0"/>
-                      </a:endParaRPr>
-                    </a:p>
-                  </a:txBody>
-                  <a:tcPr marL="90325" marR="90325"/>
-                </a:tc>
-                <a:tc>
-                  <a:txBody>
-                    <a:bodyPr/>
-                    <a:p>
-                      <a:pPr marL="0" marR="0" indent="0" algn="l" defTabSz="914400" rtl="0" eaLnBrk="1" fontAlgn="auto" latinLnBrk="0" hangingPunct="1">
-                        <a:lnSpc>
-                          <a:spcPct val="100000"/>
-                        </a:lnSpc>
-                        <a:spcBef>
-                          <a:spcPts val="0"/>
-                        </a:spcBef>
-                        <a:spcAft>
-                          <a:spcPts val="0"/>
-                        </a:spcAft>
-                        <a:buClrTx/>
-                        <a:buSzTx/>
-                        <a:buFontTx/>
-                        <a:buNone/>
-                        <a:defRPr/>
-                      </a:pPr>
-                      <a:r>
-                        <a:rPr lang="en-US" altLang="zh-CN" sz="2800" dirty="0" smtClean="0"/>
-                        <a:t>&lt;</a:t>
-                      </a:r>
-                      <a:r>
-                        <a:rPr lang="en-US" altLang="zh-CN" sz="2800" dirty="0" err="1" smtClean="0"/>
-                        <a:t>img</a:t>
-                      </a:r>
-                      <a:r>
-                        <a:rPr lang="en-US" altLang="zh-CN" sz="2800" dirty="0" smtClean="0"/>
-                        <a:t>&gt;</a:t>
-                      </a:r>
-                      <a:endParaRPr lang="zh-CN" altLang="en-US" sz="2800" b="1" dirty="0" smtClean="0">
-                        <a:latin typeface="Courier New" panose="02070309020205020404" pitchFamily="49" charset="0"/>
-                        <a:cs typeface="Courier New" panose="02070309020205020404" pitchFamily="49" charset="0"/>
-                      </a:endParaRPr>
-                    </a:p>
-                  </a:txBody>
-                  <a:tcPr marL="90325" marR="90325"/>
-                </a:tc>
-              </a:tr>
-              <a:tr h="518160">
-                <a:tc>
-                  <a:txBody>
-                    <a:bodyPr/>
-                    <a:p>
-                      <a:pPr marL="0" marR="0" indent="0" algn="l" defTabSz="914400" rtl="0" eaLnBrk="1" fontAlgn="auto" latinLnBrk="0" hangingPunct="1">
-                        <a:lnSpc>
-                          <a:spcPct val="100000"/>
-                        </a:lnSpc>
-                        <a:spcBef>
-                          <a:spcPts val="0"/>
-                        </a:spcBef>
-                        <a:spcAft>
-                          <a:spcPts val="0"/>
-                        </a:spcAft>
-                        <a:buClrTx/>
-                        <a:buSzTx/>
-                        <a:buFontTx/>
-                        <a:buNone/>
-                        <a:defRPr/>
-                      </a:pPr>
-                      <a:r>
-                        <a:rPr lang="en-US" altLang="zh-CN" sz="2800" dirty="0" smtClean="0"/>
-                        <a:t>&lt;a&gt;</a:t>
-                      </a:r>
-                      <a:endParaRPr lang="zh-CN" altLang="en-US" sz="2800" b="1" dirty="0" smtClean="0">
-                        <a:latin typeface="Courier New" panose="02070309020205020404" pitchFamily="49" charset="0"/>
-                        <a:cs typeface="Courier New" panose="02070309020205020404" pitchFamily="49" charset="0"/>
-                      </a:endParaRPr>
-                    </a:p>
-                  </a:txBody>
-                  <a:tcPr marL="90325" marR="90325"/>
-                </a:tc>
-                <a:tc>
-                  <a:txBody>
-                    <a:bodyPr/>
-                    <a:p>
-                      <a:pPr algn="l"/>
-                      <a:r>
-                        <a:rPr lang="en-US" altLang="zh-CN" sz="2800" dirty="0" smtClean="0"/>
-                        <a:t>&lt;</a:t>
-                      </a:r>
-                      <a:r>
-                        <a:rPr lang="en-US" altLang="zh-CN" sz="2800" dirty="0" err="1" smtClean="0"/>
-                        <a:t>ul</a:t>
-                      </a:r>
-                      <a:r>
-                        <a:rPr lang="en-US" altLang="zh-CN" sz="2800" dirty="0" smtClean="0"/>
-                        <a:t>&gt;</a:t>
-                      </a:r>
-                      <a:endParaRPr lang="zh-CN" altLang="en-US" sz="2800" b="1" dirty="0">
-                        <a:latin typeface="Courier New" panose="02070309020205020404" pitchFamily="49" charset="0"/>
-                        <a:cs typeface="Courier New" panose="02070309020205020404" pitchFamily="49" charset="0"/>
-                      </a:endParaRPr>
-                    </a:p>
-                  </a:txBody>
-                  <a:tcPr marL="90325" marR="90325"/>
-                </a:tc>
-                <a:tc>
-                  <a:txBody>
-                    <a:bodyPr/>
-                    <a:p>
-                      <a:pPr algn="l"/>
-                      <a:r>
-                        <a:rPr lang="en-US" altLang="zh-CN" sz="2800" dirty="0" smtClean="0"/>
-                        <a:t>&lt;</a:t>
-                      </a:r>
-                      <a:r>
-                        <a:rPr lang="en-US" altLang="zh-CN" sz="2800" dirty="0" err="1" smtClean="0"/>
-                        <a:t>ol</a:t>
-                      </a:r>
-                      <a:r>
-                        <a:rPr lang="en-US" altLang="zh-CN" sz="2800" dirty="0" smtClean="0"/>
-                        <a:t>&gt;</a:t>
-                      </a:r>
-                      <a:endParaRPr lang="zh-CN" altLang="en-US" sz="2800" b="1" dirty="0">
-                        <a:latin typeface="Courier New" panose="02070309020205020404" pitchFamily="49" charset="0"/>
-                        <a:cs typeface="Courier New" panose="02070309020205020404" pitchFamily="49" charset="0"/>
-                      </a:endParaRPr>
-                    </a:p>
-                  </a:txBody>
-                  <a:tcPr marL="90325" marR="90325"/>
-                </a:tc>
-                <a:tc>
-                  <a:txBody>
-                    <a:bodyPr/>
-                    <a:p>
-                      <a:pPr algn="l"/>
-                      <a:r>
-                        <a:rPr lang="en-US" altLang="zh-CN" sz="2800" dirty="0" smtClean="0"/>
-                        <a:t>&lt;li&gt;</a:t>
-                      </a:r>
-                      <a:endParaRPr lang="en-US" altLang="zh-CN" sz="2800" b="1" dirty="0" smtClean="0">
-                        <a:latin typeface="Courier New" panose="02070309020205020404" pitchFamily="49" charset="0"/>
-                        <a:cs typeface="Courier New" panose="02070309020205020404" pitchFamily="49" charset="0"/>
-                      </a:endParaRPr>
-                    </a:p>
-                  </a:txBody>
-                  <a:tcPr marL="90325" marR="90325"/>
-                </a:tc>
-              </a:tr>
-              <a:tr h="518160">
-                <a:tc>
-                  <a:txBody>
-                    <a:bodyPr/>
-                    <a:p>
-                      <a:pPr marL="0" marR="0" indent="0" algn="l" defTabSz="914400" rtl="0" eaLnBrk="1" fontAlgn="auto" latinLnBrk="0" hangingPunct="1">
-                        <a:lnSpc>
-                          <a:spcPct val="100000"/>
-                        </a:lnSpc>
-                        <a:spcBef>
-                          <a:spcPts val="0"/>
-                        </a:spcBef>
-                        <a:spcAft>
-                          <a:spcPts val="0"/>
-                        </a:spcAft>
-                        <a:buClrTx/>
-                        <a:buSzTx/>
-                        <a:buFontTx/>
-                        <a:buNone/>
-                        <a:defRPr/>
-                      </a:pPr>
-                      <a:r>
-                        <a:rPr lang="en-US" altLang="zh-CN" sz="2800" dirty="0" smtClean="0"/>
-                        <a:t>&lt;table&gt;</a:t>
-                      </a:r>
-                      <a:endParaRPr lang="zh-CN" altLang="en-US" sz="2800" b="1" dirty="0" smtClean="0">
-                        <a:latin typeface="Courier New" panose="02070309020205020404" pitchFamily="49" charset="0"/>
-                        <a:cs typeface="Courier New" panose="02070309020205020404" pitchFamily="49" charset="0"/>
-                      </a:endParaRPr>
-                    </a:p>
-                  </a:txBody>
-                  <a:tcPr marL="90325" marR="90325"/>
-                </a:tc>
-                <a:tc>
-                  <a:txBody>
-                    <a:bodyPr/>
-                    <a:p>
-                      <a:pPr algn="l"/>
-                      <a:r>
-                        <a:rPr lang="en-US" altLang="zh-CN" sz="2800" dirty="0" smtClean="0"/>
-                        <a:t>&lt;</a:t>
-                      </a:r>
-                      <a:r>
-                        <a:rPr lang="en-US" altLang="zh-CN" sz="2800" dirty="0" err="1" smtClean="0"/>
-                        <a:t>tr</a:t>
-                      </a:r>
-                      <a:r>
-                        <a:rPr lang="en-US" altLang="zh-CN" sz="2800" dirty="0" smtClean="0"/>
-                        <a:t>&gt;</a:t>
-                      </a:r>
-                      <a:endParaRPr lang="zh-CN" altLang="en-US" sz="2800" b="1" dirty="0">
-                        <a:latin typeface="Courier New" panose="02070309020205020404" pitchFamily="49" charset="0"/>
-                        <a:cs typeface="Courier New" panose="02070309020205020404" pitchFamily="49" charset="0"/>
-                      </a:endParaRPr>
-                    </a:p>
-                  </a:txBody>
-                  <a:tcPr marL="90325" marR="90325"/>
-                </a:tc>
-                <a:tc>
-                  <a:txBody>
-                    <a:bodyPr/>
-                    <a:p>
-                      <a:pPr algn="l"/>
-                      <a:r>
-                        <a:rPr lang="en-US" altLang="zh-CN" sz="2800" dirty="0" smtClean="0"/>
-                        <a:t>&lt;</a:t>
-                      </a:r>
-                      <a:r>
-                        <a:rPr lang="en-US" altLang="zh-CN" sz="2800" dirty="0" err="1" smtClean="0"/>
-                        <a:t>th</a:t>
-                      </a:r>
-                      <a:r>
-                        <a:rPr lang="en-US" altLang="zh-CN" sz="2800" dirty="0" smtClean="0"/>
-                        <a:t>&gt;</a:t>
-                      </a:r>
-                      <a:endParaRPr lang="zh-CN" altLang="en-US" sz="2800" b="1" dirty="0">
-                        <a:latin typeface="Courier New" panose="02070309020205020404" pitchFamily="49" charset="0"/>
-                        <a:cs typeface="Courier New" panose="02070309020205020404" pitchFamily="49" charset="0"/>
-                      </a:endParaRPr>
-                    </a:p>
-                  </a:txBody>
-                  <a:tcPr marL="90325" marR="90325"/>
-                </a:tc>
-                <a:tc>
-                  <a:txBody>
-                    <a:bodyPr/>
-                    <a:p>
-                      <a:pPr algn="l"/>
-                      <a:r>
-                        <a:rPr lang="en-US" altLang="zh-CN" sz="2800" dirty="0" smtClean="0"/>
-                        <a:t>&lt;td&gt;</a:t>
-                      </a:r>
-                      <a:endParaRPr lang="en-US" altLang="zh-CN" sz="2800" b="1" dirty="0" smtClean="0">
-                        <a:latin typeface="Courier New" panose="02070309020205020404" pitchFamily="49" charset="0"/>
-                        <a:cs typeface="Courier New" panose="02070309020205020404" pitchFamily="49" charset="0"/>
-                      </a:endParaRPr>
-                    </a:p>
-                  </a:txBody>
-                  <a:tcPr marL="90325" marR="90325"/>
-                </a:tc>
-              </a:tr>
-              <a:tr h="518160">
-                <a:tc>
-                  <a:txBody>
-                    <a:bodyPr/>
-                    <a:p>
-                      <a:pPr marL="0" marR="0" indent="0" algn="l" defTabSz="914400" rtl="0" eaLnBrk="1" fontAlgn="auto" latinLnBrk="0" hangingPunct="1">
-                        <a:lnSpc>
-                          <a:spcPct val="100000"/>
-                        </a:lnSpc>
-                        <a:spcBef>
-                          <a:spcPts val="0"/>
-                        </a:spcBef>
-                        <a:spcAft>
-                          <a:spcPts val="0"/>
-                        </a:spcAft>
-                        <a:buClrTx/>
-                        <a:buSzTx/>
-                        <a:buFontTx/>
-                        <a:buNone/>
-                        <a:defRPr/>
-                      </a:pPr>
-                      <a:r>
-                        <a:rPr lang="en-US" altLang="zh-CN" sz="2800" dirty="0" smtClean="0"/>
-                        <a:t>&lt;form&gt;</a:t>
-                      </a:r>
-                      <a:endParaRPr lang="zh-CN" altLang="en-US" sz="2800" b="1" dirty="0" smtClean="0">
-                        <a:latin typeface="Courier New" panose="02070309020205020404" pitchFamily="49" charset="0"/>
-                        <a:cs typeface="Courier New" panose="02070309020205020404" pitchFamily="49" charset="0"/>
-                      </a:endParaRPr>
-                    </a:p>
-                  </a:txBody>
-                  <a:tcPr marL="90325" marR="90325"/>
-                </a:tc>
-                <a:tc>
-                  <a:txBody>
-                    <a:bodyPr/>
-                    <a:p>
-                      <a:pPr algn="l"/>
-                      <a:r>
-                        <a:rPr lang="en-US" altLang="zh-CN" sz="2800" dirty="0" smtClean="0"/>
-                        <a:t>&lt;input&gt;</a:t>
-                      </a:r>
-                      <a:endParaRPr lang="zh-CN" altLang="en-US" sz="2800" b="1" dirty="0">
-                        <a:latin typeface="Courier New" panose="02070309020205020404" pitchFamily="49" charset="0"/>
-                        <a:cs typeface="Courier New" panose="02070309020205020404" pitchFamily="49" charset="0"/>
-                      </a:endParaRPr>
-                    </a:p>
-                  </a:txBody>
-                  <a:tcPr marL="90325" marR="90325"/>
-                </a:tc>
-                <a:tc>
-                  <a:txBody>
-                    <a:bodyPr/>
-                    <a:p>
-                      <a:pPr algn="l"/>
-                      <a:r>
-                        <a:rPr lang="en-US" altLang="zh-CN" sz="2800" dirty="0" smtClean="0"/>
-                        <a:t>&lt;select&gt;</a:t>
-                      </a:r>
-                      <a:endParaRPr lang="zh-CN" altLang="en-US" sz="2800" b="1" dirty="0">
-                        <a:latin typeface="Courier New" panose="02070309020205020404" pitchFamily="49" charset="0"/>
-                        <a:cs typeface="Courier New" panose="02070309020205020404" pitchFamily="49" charset="0"/>
-                      </a:endParaRPr>
-                    </a:p>
-                  </a:txBody>
-                  <a:tcPr marL="90325" marR="90325"/>
-                </a:tc>
-                <a:tc>
-                  <a:txBody>
-                    <a:bodyPr/>
-                    <a:p>
-                      <a:pPr algn="l"/>
-                      <a:r>
-                        <a:rPr lang="en-US" altLang="zh-CN" sz="2800" dirty="0" smtClean="0"/>
-                        <a:t>&lt;option&gt;</a:t>
-                      </a:r>
-                      <a:endParaRPr lang="en-US" altLang="zh-CN" sz="2800" b="1" dirty="0" smtClean="0">
-                        <a:latin typeface="Courier New" panose="02070309020205020404" pitchFamily="49" charset="0"/>
-                        <a:cs typeface="Courier New" panose="02070309020205020404" pitchFamily="49" charset="0"/>
-                      </a:endParaRPr>
-                    </a:p>
-                  </a:txBody>
-                  <a:tcPr marL="90325" marR="90325"/>
-                </a:tc>
-              </a:tr>
-              <a:tr h="518160">
-                <a:tc>
-                  <a:txBody>
-                    <a:bodyPr/>
-                    <a:p>
-                      <a:pPr marL="0" marR="0" indent="0" algn="l" defTabSz="914400" rtl="0" eaLnBrk="1" fontAlgn="auto" latinLnBrk="0" hangingPunct="1">
-                        <a:lnSpc>
-                          <a:spcPct val="100000"/>
-                        </a:lnSpc>
-                        <a:spcBef>
-                          <a:spcPts val="0"/>
-                        </a:spcBef>
-                        <a:spcAft>
-                          <a:spcPts val="0"/>
-                        </a:spcAft>
-                        <a:buClrTx/>
-                        <a:buSzTx/>
-                        <a:buFontTx/>
-                        <a:buNone/>
-                        <a:defRPr/>
-                      </a:pPr>
-                      <a:r>
-                        <a:rPr lang="en-US" altLang="zh-CN" sz="2800" dirty="0" smtClean="0"/>
-                        <a:t>&lt;</a:t>
-                      </a:r>
-                      <a:r>
-                        <a:rPr lang="en-US" altLang="zh-CN" sz="2800" dirty="0" err="1" smtClean="0"/>
-                        <a:t>textarea</a:t>
-                      </a:r>
-                      <a:r>
-                        <a:rPr lang="en-US" altLang="zh-CN" sz="2800" dirty="0" smtClean="0"/>
-                        <a:t>&gt;</a:t>
-                      </a:r>
-                      <a:endParaRPr lang="zh-CN" altLang="en-US" sz="2800" b="1" dirty="0" smtClean="0">
-                        <a:latin typeface="Courier New" panose="02070309020205020404" pitchFamily="49" charset="0"/>
-                        <a:cs typeface="Courier New" panose="02070309020205020404" pitchFamily="49" charset="0"/>
-                      </a:endParaRPr>
-                    </a:p>
-                  </a:txBody>
-                  <a:tcPr marL="90325" marR="90325"/>
-                </a:tc>
-                <a:tc>
-                  <a:txBody>
-                    <a:bodyPr/>
-                    <a:p>
-                      <a:pPr algn="l"/>
-                      <a:r>
-                        <a:rPr lang="en-US" altLang="zh-CN" sz="2800" dirty="0" smtClean="0"/>
-                        <a:t>&lt;span&gt;</a:t>
-                      </a:r>
-                      <a:endParaRPr lang="zh-CN" altLang="en-US" sz="2800" b="1" dirty="0">
-                        <a:latin typeface="Courier New" panose="02070309020205020404" pitchFamily="49" charset="0"/>
-                        <a:cs typeface="Courier New" panose="02070309020205020404" pitchFamily="49" charset="0"/>
-                      </a:endParaRPr>
-                    </a:p>
-                  </a:txBody>
-                  <a:tcPr marL="90325" marR="90325"/>
-                </a:tc>
-                <a:tc>
-                  <a:txBody>
-                    <a:bodyPr/>
-                    <a:p>
-                      <a:pPr algn="l"/>
-                      <a:r>
-                        <a:rPr lang="en-US" altLang="zh-CN" sz="2800" dirty="0" smtClean="0"/>
-                        <a:t>&lt;div&gt;</a:t>
-                      </a:r>
-                      <a:endParaRPr lang="zh-CN" altLang="en-US" sz="2800" b="1" dirty="0">
-                        <a:latin typeface="Courier New" panose="02070309020205020404" pitchFamily="49" charset="0"/>
-                        <a:cs typeface="Courier New" panose="02070309020205020404" pitchFamily="49" charset="0"/>
-                      </a:endParaRPr>
-                    </a:p>
-                  </a:txBody>
-                  <a:tcPr marL="90325" marR="90325"/>
-                </a:tc>
-                <a:tc>
-                  <a:txBody>
-                    <a:bodyPr/>
-                    <a:p>
-                      <a:pPr algn="l"/>
-                      <a:r>
-                        <a:rPr lang="en-US" altLang="zh-CN" sz="2800" dirty="0" smtClean="0">
-                          <a:sym typeface="+mn-ea"/>
-                        </a:rPr>
-                        <a:t>…….</a:t>
-                      </a:r>
-                      <a:endParaRPr lang="en-US" altLang="zh-CN" sz="2800" b="1" dirty="0" smtClean="0">
-                        <a:latin typeface="Courier New" panose="02070309020205020404" pitchFamily="49" charset="0"/>
-                        <a:cs typeface="Courier New" panose="02070309020205020404" pitchFamily="49" charset="0"/>
-                      </a:endParaRPr>
-                    </a:p>
-                  </a:txBody>
-                  <a:tcPr marL="90325" marR="90325"/>
-                </a:tc>
-              </a:tr>
-            </a:tbl>
-          </a:graphicData>
-        </a:graphic>
-      </p:graphicFrame>
+        </p:nvPicPr>
+        <p:blipFill>
+          <a:blip r:embed="rId1" cstate="print">
+            <a:extLst>
+              <a:ext uri="{28A0092B-C50C-407E-A947-70E740481C1C}">
+                <a14:useLocalDpi xmlns:a14="http://schemas.microsoft.com/office/drawing/2010/main" val="0"/>
+              </a:ext>
+            </a:extLst>
+          </a:blip>
+          <a:srcRect/>
+          <a:stretch>
+            <a:fillRect/>
+          </a:stretch>
+        </p:blipFill>
+        <p:spPr bwMode="auto">
+          <a:xfrm>
+            <a:off x="10030242" y="4077072"/>
+            <a:ext cx="1610374" cy="2101602"/>
+          </a:xfrm>
+          <a:prstGeom prst="rect">
+            <a:avLst/>
+          </a:prstGeom>
+          <a:noFill/>
+          <a:ln>
+            <a:noFill/>
+          </a:ln>
+          <a:effectLst/>
+          <a:extLst>
+            <a:ext uri="{909E8E84-426E-40DD-AFC4-6F175D3DCCD1}">
+              <a14:hiddenFill xmlns:a14="http://schemas.microsoft.com/office/drawing/2010/main">
+                <a:solidFill>
+                  <a:schemeClr val="accent1"/>
+                </a:solidFill>
+              </a14:hiddenFill>
+            </a:ext>
+            <a:ext uri="{91240B29-F687-4F45-9708-019B960494DF}">
+              <a14:hiddenLine xmlns:a14="http://schemas.microsoft.com/office/drawing/2010/main" w="9525">
+                <a:solidFill>
+                  <a:schemeClr val="tx1"/>
+                </a:solidFill>
+                <a:miter lim="800000"/>
+                <a:headEnd/>
+                <a:tailEnd/>
+              </a14:hiddenLine>
+            </a:ext>
+            <a:ext uri="{AF507438-7753-43E0-B8FC-AC1667EBCBE1}">
+              <a14:hiddenEffects xmlns:a14="http://schemas.microsoft.com/office/drawing/2010/main">
+                <a:effectLst>
+                  <a:outerShdw dist="35921" dir="2700000" algn="ctr" rotWithShape="0">
+                    <a:schemeClr val="bg2"/>
+                  </a:outerShdw>
+                </a:effectLst>
+              </a14:hiddenEffects>
+            </a:ext>
+          </a:extLst>
+        </p:spPr>
+      </p:pic>
     </p:spTree>
   </p:cSld>
   <p:clrMapOvr>
@@ -6269,7 +5733,132 @@
   <p:timing>
     <p:tnLst>
       <p:par>
-        <p:cTn id="1" dur="indefinite" restart="never" nodeType="tmRoot"/>
+        <p:cTn id="1" dur="indefinite" restart="never" nodeType="tmRoot">
+          <p:childTnLst>
+            <p:seq concurrent="1" nextAc="seek">
+              <p:cTn id="2" dur="indefinite" nodeType="mainSeq">
+                <p:childTnLst>
+                  <p:par>
+                    <p:cTn id="3" fill="hold">
+                      <p:stCondLst>
+                        <p:cond delay="indefinite"/>
+                        <p:cond evt="onBegin" delay="0">
+                          <p:tn val="2"/>
+                        </p:cond>
+                      </p:stCondLst>
+                      <p:childTnLst>
+                        <p:par>
+                          <p:cTn id="4" fill="hold">
+                            <p:stCondLst>
+                              <p:cond delay="0"/>
+                            </p:stCondLst>
+                            <p:childTnLst>
+                              <p:par>
+                                <p:cTn id="5" presetID="53" presetClass="entr" presetSubtype="16" fill="hold" nodeType="withEffect">
+                                  <p:stCondLst>
+                                    <p:cond delay="0"/>
+                                  </p:stCondLst>
+                                  <p:childTnLst>
+                                    <p:set>
+                                      <p:cBhvr>
+                                        <p:cTn id="6" dur="1" fill="hold">
+                                          <p:stCondLst>
+                                            <p:cond delay="0"/>
+                                          </p:stCondLst>
+                                        </p:cTn>
+                                        <p:tgtEl>
+                                          <p:spTgt spid="6"/>
+                                        </p:tgtEl>
+                                        <p:attrNameLst>
+                                          <p:attrName>style.visibility</p:attrName>
+                                        </p:attrNameLst>
+                                      </p:cBhvr>
+                                      <p:to>
+                                        <p:strVal val="visible"/>
+                                      </p:to>
+                                    </p:set>
+                                    <p:anim calcmode="lin" valueType="num">
+                                      <p:cBhvr>
+                                        <p:cTn id="7" dur="500" fill="hold"/>
+                                        <p:tgtEl>
+                                          <p:spTgt spid="6"/>
+                                        </p:tgtEl>
+                                        <p:attrNameLst>
+                                          <p:attrName>ppt_w</p:attrName>
+                                        </p:attrNameLst>
+                                      </p:cBhvr>
+                                      <p:tavLst>
+                                        <p:tav tm="0">
+                                          <p:val>
+                                            <p:fltVal val="0"/>
+                                          </p:val>
+                                        </p:tav>
+                                        <p:tav tm="100000">
+                                          <p:val>
+                                            <p:strVal val="#ppt_w"/>
+                                          </p:val>
+                                        </p:tav>
+                                      </p:tavLst>
+                                    </p:anim>
+                                    <p:anim calcmode="lin" valueType="num">
+                                      <p:cBhvr>
+                                        <p:cTn id="8" dur="500" fill="hold"/>
+                                        <p:tgtEl>
+                                          <p:spTgt spid="6"/>
+                                        </p:tgtEl>
+                                        <p:attrNameLst>
+                                          <p:attrName>ppt_h</p:attrName>
+                                        </p:attrNameLst>
+                                      </p:cBhvr>
+                                      <p:tavLst>
+                                        <p:tav tm="0">
+                                          <p:val>
+                                            <p:fltVal val="0"/>
+                                          </p:val>
+                                        </p:tav>
+                                        <p:tav tm="100000">
+                                          <p:val>
+                                            <p:strVal val="#ppt_h"/>
+                                          </p:val>
+                                        </p:tav>
+                                      </p:tavLst>
+                                    </p:anim>
+                                    <p:animEffect transition="in" filter="fade">
+                                      <p:cBhvr>
+                                        <p:cTn id="9" dur="500"/>
+                                        <p:tgtEl>
+                                          <p:spTgt spid="6"/>
+                                        </p:tgtEl>
+                                      </p:cBhvr>
+                                    </p:animEffect>
+                                  </p:childTnLst>
+                                </p:cTn>
+                              </p:par>
+                            </p:childTnLst>
+                          </p:cTn>
+                        </p:par>
+                      </p:childTnLst>
+                    </p:cTn>
+                  </p:par>
+                </p:childTnLst>
+              </p:cTn>
+              <p:prevCondLst>
+                <p:cond evt="onPrev" delay="0">
+                  <p:tgtEl>
+                    <p:sldTgt/>
+                  </p:tgtEl>
+                </p:cond>
+              </p:prevCondLst>
+              <p:nextCondLst>
+                <p:cond evt="onNext" delay="0">
+                  <p:tgtEl>
+                    <p:sldTgt/>
+                  </p:tgtEl>
+                </p:cond>
+              </p:nextCondLst>
+            </p:seq>
+          </p:childTnLst>
+        </p:cTn>
       </p:par>
     </p:tnLst>
   </p:timing>
@@ -13175,7 +12764,7 @@
               <a:rPr lang="zh-CN" altLang="en-US">
                 <a:sym typeface="+mn-ea"/>
               </a:rPr>
-              <a:t>的前面。如下：</a:t>
+              <a:t>的前面。</a:t>
             </a:r>
             <a:endParaRPr lang="zh-CN" altLang="en-US">
               <a:sym typeface="+mn-ea"/>
@@ -16467,10 +16056,10 @@
         </p:nvGrpSpPr>
         <p:grpSpPr>
           <a:xfrm>
-            <a:off x="4199253" y="836712"/>
-            <a:ext cx="4722564" cy="521970"/>
-            <a:chOff x="4199253" y="1085850"/>
-            <a:chExt cx="4722564" cy="521970"/>
+            <a:off x="4199254" y="836712"/>
+            <a:ext cx="4722563" cy="521970"/>
+            <a:chOff x="4199254" y="1085850"/>
+            <a:chExt cx="4722563" cy="521970"/>
           </a:xfrm>
         </p:grpSpPr>
         <p:sp>
@@ -16542,9 +16131,9 @@
             <a:lstStyle/>
             <a:p>
               <a:r>
-                <a:rPr lang="zh-CN" altLang="en-US" sz="2800" dirty="0" smtClean="0">
+                <a:rPr lang="en-US" altLang="zh-CN" sz="2800" dirty="0" smtClean="0">
                   <a:solidFill>
-                    <a:schemeClr val="tx1"/>
+                    <a:srgbClr val="595E64"/>
                   </a:solidFill>
                   <a:latin typeface="微软雅黑" panose="020B0503020204020204" pitchFamily="34" charset="-122"/>
                   <a:ea typeface="微软雅黑" panose="020B0503020204020204" pitchFamily="34" charset="-122"/>
@@ -21308,7 +20897,7 @@
                             </p:stCondLst>
                             <p:childTnLst>
                               <p:par>
-                                <p:cTn id="29" presetID="53" presetClass="entr" presetSubtype="528" fill="hold" grpId="0" nodeType="clickEffect">
+                                <p:cTn id="29" presetID="2" presetClass="entr" presetSubtype="4" fill="hold" nodeType="clickEffect">
                                   <p:stCondLst>
                                     <p:cond delay="0"/>
                                   </p:stCondLst>
@@ -21316,6 +20905,97 @@
                                     <p:set>
                                       <p:cBhvr>
                                         <p:cTn id="30" dur="1" fill="hold">
+                                          <p:stCondLst>
+                                            <p:cond delay="0"/>
+                                          </p:stCondLst>
+                                        </p:cTn>
+                                        <p:tgtEl>
+                                          <p:spTgt spid="5"/>
+                                        </p:tgtEl>
+                                        <p:attrNameLst>
+                                          <p:attrName>style.visibility</p:attrName>
+                                        </p:attrNameLst>
+                                      </p:cBhvr>
+                                      <p:to>
+                                        <p:strVal val="visible"/>
+                                      </p:to>
+                                    </p:set>
+                                    <p:anim calcmode="lin" valueType="num">
+                                      <p:cBhvr additive="base">
+                                        <p:cTn id="31" dur="500" fill="hold"/>
+                                        <p:tgtEl>
+                                          <p:spTgt spid="5"/>
+                                        </p:tgtEl>
+                                        <p:attrNameLst>
+                                          <p:attrName>ppt_x</p:attrName>
+                                        </p:attrNameLst>
+                                      </p:cBhvr>
+                                      <p:tavLst>
+                                        <p:tav tm="0">
+                                          <p:val>
+                                            <p:strVal val="#ppt_x"/>
+                                          </p:val>
+                                        </p:tav>
+                                        <p:tav tm="100000">
+                                          <p:val>
+                                            <p:strVal val="#ppt_x"/>
+                                          </p:val>
+                                        </p:tav>
+                                      </p:tavLst>
+                                    </p:anim>
+                                    <p:anim calcmode="lin" valueType="num">
+                                      <p:cBhvr additive="base">
+                                        <p:cTn id="32" dur="500" fill="hold"/>
+                                        <p:tgtEl>
+                                          <p:spTgt spid="5"/>
+                                        </p:tgtEl>
+                                        <p:attrNameLst>
+                                          <p:attrName>ppt_y</p:attrName>
+                                        </p:attrNameLst>
+                                      </p:cBhvr>
+                                      <p:tavLst>
+                                        <p:tav tm="0">
+                                          <p:val>
+                                            <p:strVal val="1+#ppt_h/2"/>
+                                          </p:val>
+                                        </p:tav>
+                                        <p:tav tm="100000">
+                                          <p:val>
+                                            <p:strVal val="#ppt_y"/>
+                                          </p:val>
+                                        </p:tav>
+                                      </p:tavLst>
+                                    </p:anim>
+                                  </p:childTnLst>
+                                </p:cTn>
+                              </p:par>
+                            </p:childTnLst>
+                          </p:cTn>
+                        </p:par>
+                      </p:childTnLst>
+                    </p:cTn>
+                  </p:par>
+                  <p:par>
+                    <p:cTn id="33" fill="hold">
+                      <p:stCondLst>
+                        <p:cond delay="indefinite"/>
+                      </p:stCondLst>
+                      <p:childTnLst>
+                        <p:par>
+                          <p:cTn id="34" fill="hold">
+                            <p:stCondLst>
+                              <p:cond delay="0"/>
+                            </p:stCondLst>
+                            <p:childTnLst>
+                              <p:par>
+                                <p:cTn id="35" presetID="53" presetClass="entr" presetSubtype="528" fill="hold" grpId="0" nodeType="clickEffect">
+                                  <p:stCondLst>
+                                    <p:cond delay="0"/>
+                                  </p:stCondLst>
+                                  <p:childTnLst>
+                                    <p:set>
+                                      <p:cBhvr>
+                                        <p:cTn id="36" dur="1" fill="hold">
                                           <p:stCondLst>
                                             <p:cond delay="0"/>
                                           </p:stCondLst>
@@ -21333,7 +21013,7 @@
                                     </p:set>
                                     <p:anim calcmode="lin" valueType="num">
                                       <p:cBhvr>
-                                        <p:cTn id="31" dur="500" fill="hold"/>
+                                        <p:cTn id="37" dur="500" fill="hold"/>
                                         <p:tgtEl>
                                           <p:spTgt spid="4"/>
                                         </p:tgtEl>
@@ -21356,7 +21036,7 @@
                                     </p:anim>
                                     <p:anim calcmode="lin" valueType="num">
                                       <p:cBhvr>
-                                        <p:cTn id="32" dur="500" fill="hold"/>
+                                        <p:cTn id="38" dur="500" fill="hold"/>
                                         <p:tgtEl>
                                           <p:spTgt spid="4"/>
                                         </p:tgtEl>
@@ -21379,7 +21059,7 @@
                                     </p:anim>
                                     <p:animEffect transition="in" filter="fade">
                                       <p:cBhvr>
-                                        <p:cTn id="33" dur="500"/>
+                                        <p:cTn id="39" dur="500"/>
                                         <p:tgtEl>
                                           <p:spTgt spid="4"/>
                                         </p:tgtEl>
@@ -21387,7 +21067,7 @@
                                     </p:animEffect>
                                     <p:anim calcmode="lin" valueType="num">
                                       <p:cBhvr>
-                                        <p:cTn id="34" dur="500" fill="hold"/>
+                                        <p:cTn id="40" dur="500" fill="hold"/>
                                         <p:tgtEl>
                                           <p:spTgt spid="4"/>
                                         </p:tgtEl>
@@ -21410,7 +21090,7 @@
                                     </p:anim>
                                     <p:anim calcmode="lin" valueType="num">
                                       <p:cBhvr>
-                                        <p:cTn id="35" dur="500" fill="hold"/>
+                                        <p:cTn id="41" dur="500" fill="hold"/>
                                         <p:tgtEl>
                                           <p:spTgt spid="4"/>
                                         </p:tgtEl>
@@ -22182,10 +21862,10 @@
         </p:nvGrpSpPr>
         <p:grpSpPr>
           <a:xfrm>
-            <a:off x="4199253" y="836712"/>
-            <a:ext cx="4722564" cy="521970"/>
-            <a:chOff x="4199253" y="1085850"/>
-            <a:chExt cx="4722564" cy="521970"/>
+            <a:off x="4199254" y="836712"/>
+            <a:ext cx="4722563" cy="521970"/>
+            <a:chOff x="4199254" y="1085850"/>
+            <a:chExt cx="4722563" cy="521970"/>
           </a:xfrm>
         </p:grpSpPr>
         <p:sp>
@@ -22257,9 +21937,9 @@
             <a:lstStyle/>
             <a:p>
               <a:r>
-                <a:rPr lang="zh-CN" altLang="en-US" sz="2800" dirty="0" smtClean="0">
+                <a:rPr lang="en-US" altLang="zh-CN" sz="2800" dirty="0" smtClean="0">
                   <a:solidFill>
-                    <a:schemeClr val="tx1"/>
+                    <a:srgbClr val="595E64"/>
                   </a:solidFill>
                   <a:latin typeface="微软雅黑" panose="020B0503020204020204" pitchFamily="34" charset="-122"/>
                   <a:ea typeface="微软雅黑" panose="020B0503020204020204" pitchFamily="34" charset="-122"/>
@@ -23072,6 +22752,51 @@
           </a:p>
         </p:txBody>
       </p:sp>
+      <p:sp>
+        <p:nvSpPr>
+          <p:cNvPr id="4" name="矩形 3"/>
+          <p:cNvSpPr/>
+          <p:nvPr/>
+        </p:nvSpPr>
+        <p:spPr>
+          <a:xfrm>
+            <a:off x="2007235" y="2804795"/>
+            <a:ext cx="5455285" cy="3443605"/>
+          </a:xfrm>
+          <a:prstGeom prst="rect">
+            <a:avLst/>
+          </a:prstGeom>
+          <a:noFill/>
+          <a:ln w="44450">
+            <a:solidFill>
+              <a:srgbClr val="FF0000"/>
+            </a:solidFill>
+          </a:ln>
+        </p:spPr>
+        <p:style>
+          <a:lnRef idx="2">
+            <a:schemeClr val="accent1">
+              <a:shade val="50000"/>
+            </a:schemeClr>
+          </a:lnRef>
+          <a:fillRef idx="1">
+            <a:schemeClr val="accent1"/>
+          </a:fillRef>
+          <a:effectRef idx="0">
+            <a:schemeClr val="accent1"/>
+          </a:effectRef>
+          <a:fontRef idx="minor">
+            <a:schemeClr val="lt1"/>
+          </a:fontRef>
+        </p:style>
+        <p:txBody>
+          <a:bodyPr rtlCol="0" anchor="ctr"/>
+          <a:p>
+            <a:pPr algn="ctr"/>
+            <a:endParaRPr lang="zh-CN" altLang="en-US"/>
+          </a:p>
+        </p:txBody>
+      </p:sp>
     </p:spTree>
   </p:cSld>
   <p:clrMapOvr>
@@ -23097,9 +22822,6 @@
                     <p:cTn id="3" fill="hold">
                       <p:stCondLst>
                         <p:cond delay="indefinite"/>
-                        <p:cond evt="onBegin" delay="0">
-                          <p:tn val="2"/>
-                        </p:cond>
                       </p:stCondLst>
                       <p:childTnLst>
                         <p:par>
@@ -23109,7 +22831,7 @@
                             </p:stCondLst>
                             <p:childTnLst>
                               <p:par>
-                                <p:cTn id="5" presetID="53" presetClass="entr" presetSubtype="16" fill="hold" grpId="0" nodeType="afterEffect">
+                                <p:cTn id="5" presetID="1" presetClass="entr" presetSubtype="0" fill="hold" grpId="0" nodeType="clickEffect">
                                   <p:stCondLst>
                                     <p:cond delay="0"/>
                                   </p:stCondLst>
@@ -23117,6 +22839,42 @@
                                     <p:set>
                                       <p:cBhvr>
                                         <p:cTn id="6" dur="1" fill="hold">
+                                          <p:stCondLst>
+                                            <p:cond delay="0"/>
+                                          </p:stCondLst>
+                                        </p:cTn>
+                                        <p:tgtEl>
+                                          <p:spTgt spid="4"/>
+                                        </p:tgtEl>
+                                        <p:attrNameLst>
+                                          <p:attrName>style.visibility</p:attrName>
+                                        </p:attrNameLst>
+                                      </p:cBhvr>
+                                      <p:to>
+                                        <p:strVal val="visible"/>
+                                      </p:to>
+                                    </p:set>
+                                  </p:childTnLst>
+                                </p:cTn>
+                              </p:par>
+                            </p:childTnLst>
+                          </p:cTn>
+                        </p:par>
+                        <p:par>
+                          <p:cTn id="7" fill="hold">
+                            <p:stCondLst>
+                              <p:cond delay="0"/>
+                            </p:stCondLst>
+                            <p:childTnLst>
+                              <p:par>
+                                <p:cTn id="8" presetID="53" presetClass="entr" presetSubtype="16" fill="hold" grpId="0" nodeType="afterEffect">
+                                  <p:stCondLst>
+                                    <p:cond delay="0"/>
+                                  </p:stCondLst>
+                                  <p:childTnLst>
+                                    <p:set>
+                                      <p:cBhvr>
+                                        <p:cTn id="9" dur="1" fill="hold">
                                           <p:stCondLst>
                                             <p:cond delay="0"/>
                                           </p:stCondLst>
@@ -23134,7 +22892,7 @@
                                     </p:set>
                                     <p:anim calcmode="lin" valueType="num">
                                       <p:cBhvr>
-                                        <p:cTn id="7" dur="1000" fill="hold"/>
+                                        <p:cTn id="10" dur="1000" fill="hold"/>
                                         <p:tgtEl>
                                           <p:spTgt spid="7"/>
                                         </p:tgtEl>
@@ -23157,7 +22915,7 @@
                                     </p:anim>
                                     <p:anim calcmode="lin" valueType="num">
                                       <p:cBhvr>
-                                        <p:cTn id="8" dur="1000" fill="hold"/>
+                                        <p:cTn id="11" dur="1000" fill="hold"/>
                                         <p:tgtEl>
                                           <p:spTgt spid="7"/>
                                         </p:tgtEl>
@@ -23180,7 +22938,7 @@
                                     </p:anim>
                                     <p:animEffect transition="in" filter="fade">
                                       <p:cBhvr>
-                                        <p:cTn id="9" dur="1000"/>
+                                        <p:cTn id="12" dur="1000"/>
                                         <p:tgtEl>
                                           <p:spTgt spid="7"/>
                                         </p:tgtEl>
@@ -23218,6 +22976,7 @@
     </p:tnLst>
     <p:bldLst>
       <p:bldP spid="7" grpId="0"/>
+      <p:bldP spid="4" grpId="0" animBg="1"/>
     </p:bldLst>
   </p:timing>
 </p:sld>
@@ -24556,9 +24315,191 @@
   <p:timing>
     <p:tnLst>
       <p:par>
-        <p:cTn id="1" dur="indefinite" restart="never" nodeType="tmRoot"/>
+        <p:cTn id="1" dur="indefinite" restart="never" nodeType="tmRoot">
+          <p:childTnLst>
+            <p:seq concurrent="1" nextAc="seek">
+              <p:cTn id="2" dur="indefinite" nodeType="mainSeq">
+                <p:childTnLst>
+                  <p:par>
+                    <p:cTn id="3" fill="hold">
+                      <p:stCondLst>
+                        <p:cond delay="indefinite"/>
+                      </p:stCondLst>
+                      <p:childTnLst>
+                        <p:par>
+                          <p:cTn id="4" fill="hold">
+                            <p:stCondLst>
+                              <p:cond delay="0"/>
+                            </p:stCondLst>
+                            <p:childTnLst>
+                              <p:par>
+                                <p:cTn id="5" presetID="1" presetClass="entr" presetSubtype="0" fill="hold" nodeType="clickEffect">
+                                  <p:stCondLst>
+                                    <p:cond delay="0"/>
+                                  </p:stCondLst>
+                                  <p:childTnLst>
+                                    <p:set>
+                                      <p:cBhvr>
+                                        <p:cTn id="6" dur="1" fill="hold">
+                                          <p:stCondLst>
+                                            <p:cond delay="0"/>
+                                          </p:stCondLst>
+                                        </p:cTn>
+                                        <p:tgtEl>
+                                          <p:spTgt spid="3">
+                                            <p:txEl>
+                                              <p:pRg st="5" end="5"/>
+                                            </p:txEl>
+                                          </p:spTgt>
+                                        </p:tgtEl>
+                                        <p:attrNameLst>
+                                          <p:attrName>style.visibility</p:attrName>
+                                        </p:attrNameLst>
+                                      </p:cBhvr>
+                                      <p:to>
+                                        <p:strVal val="visible"/>
+                                      </p:to>
+                                    </p:set>
+                                  </p:childTnLst>
+                                </p:cTn>
+                              </p:par>
+                              <p:par>
+                                <p:cTn id="7" presetID="1" presetClass="entr" presetSubtype="0" fill="hold" nodeType="withEffect">
+                                  <p:stCondLst>
+                                    <p:cond delay="0"/>
+                                  </p:stCondLst>
+                                  <p:childTnLst>
+                                    <p:set>
+                                      <p:cBhvr>
+                                        <p:cTn id="8" dur="1" fill="hold">
+                                          <p:stCondLst>
+                                            <p:cond delay="0"/>
+                                          </p:stCondLst>
+                                        </p:cTn>
+                                        <p:tgtEl>
+                                          <p:spTgt spid="3">
+                                            <p:txEl>
+                                              <p:pRg st="6" end="6"/>
+                                            </p:txEl>
+                                          </p:spTgt>
+                                        </p:tgtEl>
+                                        <p:attrNameLst>
+                                          <p:attrName>style.visibility</p:attrName>
+                                        </p:attrNameLst>
+                                      </p:cBhvr>
+                                      <p:to>
+                                        <p:strVal val="visible"/>
+                                      </p:to>
+                                    </p:set>
+                                  </p:childTnLst>
+                                </p:cTn>
+                              </p:par>
+                              <p:par>
+                                <p:cTn id="9" presetID="1" presetClass="entr" presetSubtype="0" fill="hold" nodeType="withEffect">
+                                  <p:stCondLst>
+                                    <p:cond delay="0"/>
+                                  </p:stCondLst>
+                                  <p:childTnLst>
+                                    <p:set>
+                                      <p:cBhvr>
+                                        <p:cTn id="10" dur="1" fill="hold">
+                                          <p:stCondLst>
+                                            <p:cond delay="0"/>
+                                          </p:stCondLst>
+                                        </p:cTn>
+                                        <p:tgtEl>
+                                          <p:spTgt spid="3">
+                                            <p:txEl>
+                                              <p:pRg st="7" end="7"/>
+                                            </p:txEl>
+                                          </p:spTgt>
+                                        </p:tgtEl>
+                                        <p:attrNameLst>
+                                          <p:attrName>style.visibility</p:attrName>
+                                        </p:attrNameLst>
+                                      </p:cBhvr>
+                                      <p:to>
+                                        <p:strVal val="visible"/>
+                                      </p:to>
+                                    </p:set>
+                                  </p:childTnLst>
+                                </p:cTn>
+                              </p:par>
+                            </p:childTnLst>
+                          </p:cTn>
+                        </p:par>
+                      </p:childTnLst>
+                    </p:cTn>
+                  </p:par>
+                  <p:par>
+                    <p:cTn id="11" fill="hold">
+                      <p:stCondLst>
+                        <p:cond delay="indefinite"/>
+                      </p:stCondLst>
+                      <p:childTnLst>
+                        <p:par>
+                          <p:cTn id="12" fill="hold">
+                            <p:stCondLst>
+                              <p:cond delay="0"/>
+                            </p:stCondLst>
+                            <p:childTnLst>
+                              <p:par>
+                                <p:cTn id="13" presetID="1" presetClass="entr" presetSubtype="0" fill="hold" grpId="0" nodeType="clickEffect">
+                                  <p:stCondLst>
+                                    <p:cond delay="0"/>
+                                  </p:stCondLst>
+                                  <p:childTnLst>
+                                    <p:set>
+                                      <p:cBhvr>
+                                        <p:cTn id="14" dur="1" fill="hold">
+                                          <p:stCondLst>
+                                            <p:cond delay="0"/>
+                                          </p:stCondLst>
+                                        </p:cTn>
+                                        <p:tgtEl>
+                                          <p:spTgt spid="5"/>
+                                        </p:tgtEl>
+                                        <p:attrNameLst>
+                                          <p:attrName>style.visibility</p:attrName>
+                                        </p:attrNameLst>
+                                      </p:cBhvr>
+                                      <p:to>
+                                        <p:strVal val="visible"/>
+                                      </p:to>
+                                    </p:set>
+                                  </p:childTnLst>
+                                </p:cTn>
+                              </p:par>
+                            </p:childTnLst>
+                          </p:cTn>
+                        </p:par>
+                      </p:childTnLst>
+                    </p:cTn>
+                  </p:par>
+                </p:childTnLst>
+              </p:cTn>
+              <p:prevCondLst>
+                <p:cond evt="onPrev" delay="0">
+                  <p:tgtEl>
+                    <p:sldTgt/>
+                  </p:tgtEl>
+                </p:cond>
+              </p:prevCondLst>
+              <p:nextCondLst>
+                <p:cond evt="onNext" delay="0">
+                  <p:tgtEl>
+                    <p:sldTgt/>
+                  </p:tgtEl>
+                </p:cond>
+              </p:nextCondLst>
+            </p:seq>
+          </p:childTnLst>
+        </p:cTn>
       </p:par>
     </p:tnLst>
+    <p:bldLst>
+      <p:bldP spid="5" grpId="0"/>
+    </p:bldLst>
   </p:timing>
 </p:sld>
 </file>
@@ -27002,10 +26943,10 @@
         </p:nvGrpSpPr>
         <p:grpSpPr>
           <a:xfrm>
-            <a:off x="4199253" y="836712"/>
-            <a:ext cx="4722564" cy="521970"/>
-            <a:chOff x="4199253" y="1085850"/>
-            <a:chExt cx="4722564" cy="521970"/>
+            <a:off x="4199254" y="836712"/>
+            <a:ext cx="4722563" cy="521970"/>
+            <a:chOff x="4199254" y="1085850"/>
+            <a:chExt cx="4722563" cy="521970"/>
           </a:xfrm>
         </p:grpSpPr>
         <p:sp>
@@ -27077,9 +27018,9 @@
             <a:lstStyle/>
             <a:p>
               <a:r>
-                <a:rPr lang="zh-CN" altLang="en-US" sz="2800" dirty="0" smtClean="0">
+                <a:rPr lang="en-US" altLang="zh-CN" sz="2800" dirty="0" smtClean="0">
                   <a:solidFill>
-                    <a:schemeClr val="tx1"/>
+                    <a:srgbClr val="595E64"/>
                   </a:solidFill>
                   <a:latin typeface="微软雅黑" panose="020B0503020204020204" pitchFamily="34" charset="-122"/>
                   <a:ea typeface="微软雅黑" panose="020B0503020204020204" pitchFamily="34" charset="-122"/>
@@ -28468,7 +28409,17 @@
               </a:rPr>
               <a:t>&lt;/a&gt;</a:t>
             </a:r>
-            <a:endParaRPr>
+            <a:r>
+              <a:rPr lang="zh-CN">
+                <a:solidFill>
+                  <a:schemeClr val="tx1"/>
+                </a:solidFill>
+                <a:ea typeface="宋体" panose="02010600030101010101" pitchFamily="2" charset="-122"/>
+                <a:sym typeface="+mn-ea"/>
+              </a:rPr>
+              <a:t>。</a:t>
+            </a:r>
+            <a:endParaRPr lang="zh-CN">
               <a:solidFill>
                 <a:schemeClr val="tx1"/>
               </a:solidFill>
@@ -30448,10 +30399,10 @@
         </p:nvGrpSpPr>
         <p:grpSpPr>
           <a:xfrm>
-            <a:off x="4199253" y="836712"/>
-            <a:ext cx="4722564" cy="521970"/>
-            <a:chOff x="4199253" y="1085850"/>
-            <a:chExt cx="4722564" cy="521970"/>
+            <a:off x="4199254" y="836712"/>
+            <a:ext cx="4722563" cy="521970"/>
+            <a:chOff x="4199254" y="1085850"/>
+            <a:chExt cx="4722563" cy="521970"/>
           </a:xfrm>
         </p:grpSpPr>
         <p:sp>
@@ -30523,9 +30474,9 @@
             <a:lstStyle/>
             <a:p>
               <a:r>
-                <a:rPr lang="zh-CN" altLang="en-US" sz="2800" dirty="0" smtClean="0">
+                <a:rPr lang="en-US" altLang="zh-CN" sz="2800" dirty="0" smtClean="0">
                   <a:solidFill>
-                    <a:schemeClr val="tx1"/>
+                    <a:srgbClr val="595E64"/>
                   </a:solidFill>
                   <a:latin typeface="微软雅黑" panose="020B0503020204020204" pitchFamily="34" charset="-122"/>
                   <a:ea typeface="微软雅黑" panose="020B0503020204020204" pitchFamily="34" charset="-122"/>
@@ -31983,7 +31934,7 @@
               <a:rPr lang="zh-CN" altLang="en-US">
                 <a:sym typeface="+mn-ea"/>
               </a:rPr>
-              <a:t>标签。每个列表项使用 </a:t>
+              <a:t>标签，每个列表项使用 </a:t>
             </a:r>
             <a:r>
               <a:rPr>
@@ -32649,7 +32600,7 @@
                 </a:solidFill>
                 <a:sym typeface="+mn-ea"/>
               </a:rPr>
-              <a:t>&lt;</a:t>
+              <a:t>&lt;o</a:t>
             </a:r>
             <a:r>
               <a:rPr dirty="0" err="1">
@@ -32658,7 +32609,7 @@
                 </a:solidFill>
                 <a:sym typeface="+mn-ea"/>
               </a:rPr>
-              <a:t>ul</a:t>
+              <a:t>l</a:t>
             </a:r>
             <a:r>
               <a:rPr>
@@ -32673,7 +32624,7 @@
               <a:rPr lang="zh-CN" altLang="en-US">
                 <a:sym typeface="+mn-ea"/>
               </a:rPr>
-              <a:t>标签。每个列表项使用 </a:t>
+              <a:t>标签，每个列表项使用 </a:t>
             </a:r>
             <a:r>
               <a:rPr>
@@ -32728,16 +32679,7 @@
                 </a:solidFill>
                 <a:sym typeface="+mn-ea"/>
               </a:rPr>
-              <a:t>粗</a:t>
-            </a:r>
-            <a:r>
-              <a:rPr lang="zh-CN" altLang="en-US" smtClean="0">
-                <a:solidFill>
-                  <a:srgbClr val="FF0000"/>
-                </a:solidFill>
-                <a:sym typeface="+mn-ea"/>
-              </a:rPr>
-              <a:t>体圆点</a:t>
+              <a:t>数字</a:t>
             </a:r>
             <a:r>
               <a:rPr lang="zh-CN" altLang="en-US" smtClean="0">
@@ -34904,10 +34846,10 @@
         </p:nvGrpSpPr>
         <p:grpSpPr>
           <a:xfrm>
-            <a:off x="4199253" y="836712"/>
-            <a:ext cx="4722564" cy="521970"/>
-            <a:chOff x="4199253" y="1085850"/>
-            <a:chExt cx="4722564" cy="521970"/>
+            <a:off x="4199254" y="836712"/>
+            <a:ext cx="4722563" cy="521970"/>
+            <a:chOff x="4199254" y="1085850"/>
+            <a:chExt cx="4722563" cy="521970"/>
           </a:xfrm>
         </p:grpSpPr>
         <p:sp>
@@ -34981,7 +34923,7 @@
               <a:r>
                 <a:rPr lang="zh-CN" altLang="en-US" sz="2800" dirty="0" smtClean="0">
                   <a:solidFill>
-                    <a:schemeClr val="tx1"/>
+                    <a:srgbClr val="595E64"/>
                   </a:solidFill>
                   <a:latin typeface="微软雅黑" panose="020B0503020204020204" pitchFamily="34" charset="-122"/>
                   <a:ea typeface="微软雅黑" panose="020B0503020204020204" pitchFamily="34" charset="-122"/>
@@ -35749,7 +35691,7 @@
               <a:rPr lang="zh-CN" altLang="en-US" smtClean="0">
                 <a:sym typeface="+mn-ea"/>
               </a:rPr>
-              <a:t>文件名中不要包含</a:t>
+              <a:t>文件名中</a:t>
             </a:r>
             <a:r>
               <a:rPr lang="zh-CN" altLang="en-US" smtClean="0">
@@ -35758,7 +35700,13 @@
                 </a:solidFill>
                 <a:sym typeface="+mn-ea"/>
               </a:rPr>
-              <a:t>特殊符号</a:t>
+              <a:t>不要</a:t>
+            </a:r>
+            <a:r>
+              <a:rPr lang="zh-CN" altLang="en-US" smtClean="0">
+                <a:sym typeface="+mn-ea"/>
+              </a:rPr>
+              <a:t>包含特殊符号</a:t>
             </a:r>
             <a:r>
               <a:rPr lang="zh-CN" altLang="en-US" smtClean="0">
@@ -36803,10 +36751,16 @@
               <a:t>&gt; </a:t>
             </a:r>
             <a:r>
+              <a:rPr lang="zh-CN" altLang="en-US" smtClean="0">
+                <a:sym typeface="+mn-ea"/>
+              </a:rPr>
+              <a:t>，</a:t>
+            </a:r>
+            <a:r>
               <a:rPr dirty="0" err="1" smtClean="0">
                 <a:sym typeface="+mn-ea"/>
               </a:rPr>
-              <a:t>src</a:t>
+              <a:t> </a:t>
             </a:r>
             <a:r>
               <a:rPr lang="zh-CN" altLang="en-US" smtClean="0">
@@ -38986,9 +38940,6 @@
             <a:pPr lvl="1"/>
             <a:r>
               <a:rPr lang="zh-CN" altLang="en-US">
-                <a:solidFill>
-                  <a:srgbClr val="C00000"/>
-                </a:solidFill>
                 <a:sym typeface="+mn-ea"/>
               </a:rPr>
               <a:t>文本文件</a:t>
@@ -39394,10 +39345,10 @@
         </p:nvGrpSpPr>
         <p:grpSpPr>
           <a:xfrm>
-            <a:off x="4199253" y="836712"/>
-            <a:ext cx="4722564" cy="521970"/>
-            <a:chOff x="4199253" y="1085850"/>
-            <a:chExt cx="4722564" cy="521970"/>
+            <a:off x="4199254" y="836712"/>
+            <a:ext cx="4722563" cy="521970"/>
+            <a:chOff x="4199254" y="1085850"/>
+            <a:chExt cx="4722563" cy="521970"/>
           </a:xfrm>
         </p:grpSpPr>
         <p:sp>
@@ -39469,9 +39420,9 @@
             <a:lstStyle/>
             <a:p>
               <a:r>
-                <a:rPr lang="zh-CN" altLang="en-US" sz="2800" dirty="0" smtClean="0">
+                <a:rPr lang="en-US" altLang="zh-CN" sz="2800" dirty="0" smtClean="0">
                   <a:solidFill>
-                    <a:schemeClr val="tx1"/>
+                    <a:srgbClr val="595E64"/>
                   </a:solidFill>
                   <a:latin typeface="微软雅黑" panose="020B0503020204020204" pitchFamily="34" charset="-122"/>
                   <a:ea typeface="微软雅黑" panose="020B0503020204020204" pitchFamily="34" charset="-122"/>
@@ -40295,7 +40246,7 @@
             </a:r>
             <a:r>
               <a:rPr lang="zh-CN" altLang="en-US" dirty="0"/>
-              <a:t>。标记语言是一套标标签，</a:t>
+              <a:t>。标记语言是一套标签，</a:t>
             </a:r>
             <a:r>
               <a:rPr dirty="0"/>
@@ -40303,7 +40254,7 @@
             </a:r>
             <a:r>
               <a:rPr lang="zh-CN" altLang="en-US" dirty="0"/>
-              <a:t>使用标记标签来描述网页。</a:t>
+              <a:t>使用标签来描述网页。</a:t>
             </a:r>
             <a:endParaRPr lang="zh-CN" altLang="en-US" dirty="0"/>
           </a:p>
@@ -40721,12 +40672,16 @@
           <a:bodyPr/>
           <a:p>
             <a:r>
+              <a:rPr lang="zh-CN" altLang="en-US"/>
+              <a:t>常用</a:t>
+            </a:r>
+            <a:r>
               <a:rPr lang="en-US" altLang="zh-CN"/>
               <a:t>HTML</a:t>
             </a:r>
             <a:r>
               <a:rPr lang="zh-CN" altLang="en-US"/>
-              <a:t>语言三要素</a:t>
+              <a:t>标签</a:t>
             </a:r>
             <a:endParaRPr lang="zh-CN" altLang="en-US"/>
           </a:p>
@@ -40742,151 +40697,691 @@
             <p:ph sz="half" idx="1"/>
           </p:nvPr>
         </p:nvSpPr>
-        <p:spPr/>
+        <p:spPr>
+          <a:xfrm>
+            <a:off x="638895" y="1086137"/>
+            <a:ext cx="11106646" cy="4875092"/>
+          </a:xfrm>
+        </p:spPr>
         <p:txBody>
-          <a:bodyPr/>
+          <a:bodyPr>
+            <a:normAutofit lnSpcReduction="10000"/>
+          </a:bodyPr>
           <a:p>
-            <a:r>
-              <a:rPr lang="zh-CN" altLang="en-US"/>
-              <a:t>学习</a:t>
-            </a:r>
-            <a:r>
-              <a:t>HTML</a:t>
-            </a:r>
-            <a:r>
-              <a:rPr lang="zh-CN" altLang="en-US"/>
-              <a:t>语言的三个要点</a:t>
-            </a:r>
-            <a:endParaRPr lang="zh-CN" altLang="en-US"/>
+            <a:endParaRPr>
+              <a:solidFill>
+                <a:srgbClr val="FF0000"/>
+              </a:solidFill>
+            </a:endParaRPr>
           </a:p>
           <a:p>
-            <a:pPr lvl="1"/>
-            <a:r>
-              <a:rPr lang="zh-CN" altLang="en-US">
-                <a:solidFill>
-                  <a:srgbClr val="C00000"/>
-                </a:solidFill>
-              </a:rPr>
-              <a:t>词汇</a:t>
-            </a:r>
-            <a:r>
-              <a:rPr lang="zh-CN" altLang="en-US"/>
-              <a:t>（标签）</a:t>
-            </a:r>
-            <a:endParaRPr lang="zh-CN" altLang="en-US"/>
+            <a:endParaRPr>
+              <a:solidFill>
+                <a:srgbClr val="FF0000"/>
+              </a:solidFill>
+            </a:endParaRPr>
           </a:p>
           <a:p>
-            <a:pPr lvl="1"/>
-            <a:r>
-              <a:rPr lang="zh-CN" altLang="en-US">
-                <a:solidFill>
-                  <a:srgbClr val="C00000"/>
-                </a:solidFill>
-              </a:rPr>
-              <a:t>语法</a:t>
-            </a:r>
-            <a:r>
-              <a:rPr lang="zh-CN" altLang="en-US"/>
-              <a:t>（标签的使用规定）</a:t>
-            </a:r>
-            <a:endParaRPr lang="zh-CN" altLang="en-US"/>
+            <a:endParaRPr>
+              <a:solidFill>
+                <a:srgbClr val="FF0000"/>
+              </a:solidFill>
+            </a:endParaRPr>
           </a:p>
           <a:p>
-            <a:pPr lvl="1"/>
-            <a:r>
-              <a:rPr lang="zh-CN" altLang="en-US">
-                <a:solidFill>
-                  <a:srgbClr val="C00000"/>
-                </a:solidFill>
-              </a:rPr>
-              <a:t>语义</a:t>
+            <a:endParaRPr>
+              <a:solidFill>
+                <a:srgbClr val="FF0000"/>
+              </a:solidFill>
+            </a:endParaRPr>
+          </a:p>
+          <a:p>
+            <a:endParaRPr>
+              <a:solidFill>
+                <a:srgbClr val="FF0000"/>
+              </a:solidFill>
+            </a:endParaRPr>
+          </a:p>
+          <a:p>
+            <a:r>
+              <a:rPr>
+                <a:solidFill>
+                  <a:srgbClr val="FF0000"/>
+                </a:solidFill>
+              </a:rPr>
+              <a:t>HTML</a:t>
             </a:r>
             <a:r>
               <a:rPr lang="zh-CN" altLang="en-US"/>
-              <a:t>（浏览器</a:t>
-            </a:r>
-            <a:r>
-              <a:t>“</a:t>
+              <a:t>标记标签通常被成为</a:t>
+            </a:r>
+            <a:r>
+              <a:t>HTML</a:t>
+            </a:r>
+            <a:r>
+              <a:rPr>
+                <a:solidFill>
+                  <a:srgbClr val="FF0000"/>
+                </a:solidFill>
+              </a:rPr>
+              <a:t>标签</a:t>
             </a:r>
             <a:r>
               <a:rPr lang="zh-CN" altLang="en-US"/>
-              <a:t>理解</a:t>
-            </a:r>
-            <a:r>
-              <a:t>”</a:t>
+              <a:t>，它是由</a:t>
+            </a:r>
+            <a:r>
+              <a:rPr>
+                <a:solidFill>
+                  <a:srgbClr val="FF0000"/>
+                </a:solidFill>
+              </a:rPr>
+              <a:t>尖括号包围的关键词</a:t>
             </a:r>
             <a:r>
               <a:rPr lang="zh-CN" altLang="en-US"/>
-              <a:t>的标签含义）</a:t>
-            </a:r>
-            <a:endParaRPr lang="zh-CN" altLang="en-US"/>
+              <a:t>，如</a:t>
+            </a:r>
+            <a:r>
+              <a:t>&lt;html&gt;</a:t>
+            </a:r>
           </a:p>
         </p:txBody>
       </p:sp>
-      <p:pic>
-        <p:nvPicPr>
-          <p:cNvPr id="6" name="Picture 3"/>
-          <p:cNvPicPr>
-            <a:picLocks noChangeAspect="1" noChangeArrowheads="1"/>
-          </p:cNvPicPr>
+      <p:graphicFrame>
+        <p:nvGraphicFramePr>
+          <p:cNvPr id="5" name="内容占位符 4"/>
+          <p:cNvGraphicFramePr/>
           <p:nvPr/>
-        </p:nvPicPr>
-        <p:blipFill>
-          <a:blip r:embed="rId1" cstate="print">
-            <a:extLst>
-              <a:ext uri="{28A0092B-C50C-407E-A947-70E740481C1C}">
-                <a14:useLocalDpi xmlns:a14="http://schemas.microsoft.com/office/drawing/2010/main" val="0"/>
-              </a:ext>
-            </a:extLst>
-          </a:blip>
-          <a:srcRect/>
-          <a:stretch>
-            <a:fillRect/>
-          </a:stretch>
-        </p:blipFill>
-        <p:spPr bwMode="auto">
-          <a:xfrm>
-            <a:off x="10030242" y="4077072"/>
-            <a:ext cx="1610374" cy="2101602"/>
-          </a:xfrm>
-          <a:prstGeom prst="rect">
-            <a:avLst/>
-          </a:prstGeom>
-          <a:noFill/>
-          <a:ln>
-            <a:noFill/>
-          </a:ln>
-          <a:effectLst/>
-          <a:extLst>
-            <a:ext uri="{909E8E84-426E-40DD-AFC4-6F175D3DCCD1}">
-              <a14:hiddenFill xmlns:a14="http://schemas.microsoft.com/office/drawing/2010/main">
-                <a:solidFill>
-                  <a:schemeClr val="accent1"/>
-                </a:solidFill>
-              </a14:hiddenFill>
-            </a:ext>
-            <a:ext uri="{91240B29-F687-4F45-9708-019B960494DF}">
-              <a14:hiddenLine xmlns:a14="http://schemas.microsoft.com/office/drawing/2010/main" w="9525">
-                <a:solidFill>
-                  <a:schemeClr val="tx1"/>
-                </a:solidFill>
-                <a:miter lim="800000"/>
-                <a:headEnd/>
-                <a:tailEnd/>
-              </a14:hiddenLine>
-            </a:ext>
-            <a:ext uri="{AF507438-7753-43E0-B8FC-AC1667EBCBE1}">
-              <a14:hiddenEffects xmlns:a14="http://schemas.microsoft.com/office/drawing/2010/main">
-                <a:effectLst>
-                  <a:outerShdw dist="35921" dir="2700000" algn="ctr" rotWithShape="0">
-                    <a:schemeClr val="bg2"/>
-                  </a:outerShdw>
-                </a:effectLst>
-              </a14:hiddenEffects>
-            </a:ext>
-          </a:extLst>
-        </p:spPr>
-      </p:pic>
+        </p:nvGraphicFramePr>
+        <p:xfrm>
+          <a:off x="1815163" y="1231900"/>
+          <a:ext cx="8754110" cy="3627120"/>
+        </p:xfrm>
+        <a:graphic>
+          <a:graphicData uri="http://schemas.openxmlformats.org/drawingml/2006/table">
+            <a:tbl>
+              <a:tblPr firstRow="1" bandRow="1">
+                <a:tableStyleId>{D7AC3CCA-C797-4891-BE02-D94E43425B78}</a:tableStyleId>
+              </a:tblPr>
+              <a:tblGrid>
+                <a:gridCol w="2091690"/>
+                <a:gridCol w="2199005"/>
+                <a:gridCol w="2085340"/>
+                <a:gridCol w="2378075"/>
+              </a:tblGrid>
+              <a:tr h="518160">
+                <a:tc>
+                  <a:txBody>
+                    <a:bodyPr/>
+                    <a:p>
+                      <a:pPr algn="l"/>
+                      <a:r>
+                        <a:rPr lang="en-US" altLang="zh-CN" sz="2800" dirty="0" smtClean="0"/>
+                        <a:t>&lt;html&gt;</a:t>
+                      </a:r>
+                      <a:endParaRPr lang="zh-CN" altLang="en-US" sz="2800" b="1" dirty="0">
+                        <a:latin typeface="Courier New" panose="02070309020205020404" pitchFamily="49" charset="0"/>
+                        <a:cs typeface="Courier New" panose="02070309020205020404" pitchFamily="49" charset="0"/>
+                      </a:endParaRPr>
+                    </a:p>
+                  </a:txBody>
+                  <a:tcPr marL="90325" marR="90325"/>
+                </a:tc>
+                <a:tc>
+                  <a:txBody>
+                    <a:bodyPr/>
+                    <a:p>
+                      <a:pPr algn="l"/>
+                      <a:r>
+                        <a:rPr lang="en-US" altLang="zh-CN" sz="2800" dirty="0" smtClean="0"/>
+                        <a:t>&lt;head&gt;</a:t>
+                      </a:r>
+                      <a:endParaRPr lang="zh-CN" altLang="en-US" sz="2800" b="1" dirty="0">
+                        <a:latin typeface="Courier New" panose="02070309020205020404" pitchFamily="49" charset="0"/>
+                        <a:cs typeface="Courier New" panose="02070309020205020404" pitchFamily="49" charset="0"/>
+                      </a:endParaRPr>
+                    </a:p>
+                  </a:txBody>
+                  <a:tcPr marL="90325" marR="90325"/>
+                </a:tc>
+                <a:tc>
+                  <a:txBody>
+                    <a:bodyPr/>
+                    <a:p>
+                      <a:pPr algn="l"/>
+                      <a:r>
+                        <a:rPr lang="en-US" altLang="zh-CN" sz="2800" dirty="0" smtClean="0"/>
+                        <a:t>&lt;body&gt;</a:t>
+                      </a:r>
+                      <a:endParaRPr lang="zh-CN" altLang="en-US" sz="2800" b="1" dirty="0">
+                        <a:latin typeface="Courier New" panose="02070309020205020404" pitchFamily="49" charset="0"/>
+                        <a:cs typeface="Courier New" panose="02070309020205020404" pitchFamily="49" charset="0"/>
+                      </a:endParaRPr>
+                    </a:p>
+                  </a:txBody>
+                  <a:tcPr marL="90325" marR="90325"/>
+                </a:tc>
+                <a:tc>
+                  <a:txBody>
+                    <a:bodyPr/>
+                    <a:p>
+                      <a:pPr algn="l"/>
+                      <a:r>
+                        <a:rPr lang="en-US" altLang="zh-CN" sz="2800" dirty="0" smtClean="0"/>
+                        <a:t>&lt;title&gt;</a:t>
+                      </a:r>
+                      <a:endParaRPr lang="zh-CN" altLang="en-US" sz="2800" b="1" dirty="0">
+                        <a:latin typeface="Courier New" panose="02070309020205020404" pitchFamily="49" charset="0"/>
+                        <a:cs typeface="Courier New" panose="02070309020205020404" pitchFamily="49" charset="0"/>
+                      </a:endParaRPr>
+                    </a:p>
+                  </a:txBody>
+                  <a:tcPr marL="90325" marR="90325"/>
+                </a:tc>
+              </a:tr>
+              <a:tr h="518160">
+                <a:tc>
+                  <a:txBody>
+                    <a:bodyPr/>
+                    <a:p>
+                      <a:pPr algn="l"/>
+                      <a:r>
+                        <a:rPr lang="en-US" altLang="zh-CN" sz="2800" dirty="0" smtClean="0"/>
+                        <a:t>&lt;</a:t>
+                      </a:r>
+                      <a:r>
+                        <a:rPr lang="en-US" altLang="zh-CN" sz="2800" dirty="0" err="1" smtClean="0"/>
+                        <a:t>br</a:t>
+                      </a:r>
+                      <a:r>
+                        <a:rPr lang="en-US" altLang="zh-CN" sz="2800" dirty="0" smtClean="0"/>
+                        <a:t>&gt;</a:t>
+                      </a:r>
+                      <a:endParaRPr lang="zh-CN" altLang="en-US" sz="2800" b="1" dirty="0">
+                        <a:latin typeface="Courier New" panose="02070309020205020404" pitchFamily="49" charset="0"/>
+                        <a:cs typeface="Courier New" panose="02070309020205020404" pitchFamily="49" charset="0"/>
+                      </a:endParaRPr>
+                    </a:p>
+                  </a:txBody>
+                  <a:tcPr marL="90325" marR="90325"/>
+                </a:tc>
+                <a:tc>
+                  <a:txBody>
+                    <a:bodyPr/>
+                    <a:p>
+                      <a:pPr marL="0" marR="0" indent="0" algn="l" defTabSz="914400" rtl="0" eaLnBrk="1" fontAlgn="auto" latinLnBrk="0" hangingPunct="1">
+                        <a:lnSpc>
+                          <a:spcPct val="100000"/>
+                        </a:lnSpc>
+                        <a:spcBef>
+                          <a:spcPts val="0"/>
+                        </a:spcBef>
+                        <a:spcAft>
+                          <a:spcPts val="0"/>
+                        </a:spcAft>
+                        <a:buClrTx/>
+                        <a:buSzTx/>
+                        <a:buFontTx/>
+                        <a:buNone/>
+                        <a:defRPr/>
+                      </a:pPr>
+                      <a:r>
+                        <a:rPr lang="en-US" altLang="zh-CN" sz="2800" dirty="0" smtClean="0"/>
+                        <a:t>&lt;h1&gt;</a:t>
+                      </a:r>
+                      <a:endParaRPr lang="zh-CN" altLang="en-US" sz="2800" b="1" dirty="0" smtClean="0">
+                        <a:latin typeface="Courier New" panose="02070309020205020404" pitchFamily="49" charset="0"/>
+                        <a:cs typeface="Courier New" panose="02070309020205020404" pitchFamily="49" charset="0"/>
+                      </a:endParaRPr>
+                    </a:p>
+                  </a:txBody>
+                  <a:tcPr marL="90325" marR="90325"/>
+                </a:tc>
+                <a:tc>
+                  <a:txBody>
+                    <a:bodyPr/>
+                    <a:p>
+                      <a:pPr algn="l"/>
+                      <a:r>
+                        <a:rPr lang="en-US" altLang="zh-CN" sz="2800" dirty="0" smtClean="0"/>
+                        <a:t>&lt;p&gt;</a:t>
+                      </a:r>
+                      <a:endParaRPr lang="zh-CN" altLang="en-US" sz="2800" b="1" dirty="0">
+                        <a:latin typeface="Courier New" panose="02070309020205020404" pitchFamily="49" charset="0"/>
+                        <a:cs typeface="Courier New" panose="02070309020205020404" pitchFamily="49" charset="0"/>
+                      </a:endParaRPr>
+                    </a:p>
+                  </a:txBody>
+                  <a:tcPr marL="90325" marR="90325"/>
+                </a:tc>
+                <a:tc>
+                  <a:txBody>
+                    <a:bodyPr/>
+                    <a:p>
+                      <a:pPr marL="0" marR="0" indent="0" algn="l" defTabSz="914400" rtl="0" eaLnBrk="1" fontAlgn="auto" latinLnBrk="0" hangingPunct="1">
+                        <a:lnSpc>
+                          <a:spcPct val="100000"/>
+                        </a:lnSpc>
+                        <a:spcBef>
+                          <a:spcPts val="0"/>
+                        </a:spcBef>
+                        <a:spcAft>
+                          <a:spcPts val="0"/>
+                        </a:spcAft>
+                        <a:buClrTx/>
+                        <a:buSzTx/>
+                        <a:buFontTx/>
+                        <a:buNone/>
+                        <a:defRPr/>
+                      </a:pPr>
+                      <a:r>
+                        <a:rPr lang="en-US" altLang="zh-CN" sz="2800" dirty="0" smtClean="0"/>
+                        <a:t>&lt;</a:t>
+                      </a:r>
+                      <a:r>
+                        <a:rPr lang="en-US" altLang="zh-CN" sz="2800" dirty="0" err="1" smtClean="0"/>
+                        <a:t>img</a:t>
+                      </a:r>
+                      <a:r>
+                        <a:rPr lang="en-US" altLang="zh-CN" sz="2800" dirty="0" smtClean="0"/>
+                        <a:t>&gt;</a:t>
+                      </a:r>
+                      <a:endParaRPr lang="zh-CN" altLang="en-US" sz="2800" b="1" dirty="0" smtClean="0">
+                        <a:latin typeface="Courier New" panose="02070309020205020404" pitchFamily="49" charset="0"/>
+                        <a:cs typeface="Courier New" panose="02070309020205020404" pitchFamily="49" charset="0"/>
+                      </a:endParaRPr>
+                    </a:p>
+                  </a:txBody>
+                  <a:tcPr marL="90325" marR="90325"/>
+                </a:tc>
+              </a:tr>
+              <a:tr h="518160">
+                <a:tc>
+                  <a:txBody>
+                    <a:bodyPr/>
+                    <a:p>
+                      <a:pPr marL="0" marR="0" indent="0" algn="l" defTabSz="914400" rtl="0" eaLnBrk="1" fontAlgn="auto" latinLnBrk="0" hangingPunct="1">
+                        <a:lnSpc>
+                          <a:spcPct val="100000"/>
+                        </a:lnSpc>
+                        <a:spcBef>
+                          <a:spcPts val="0"/>
+                        </a:spcBef>
+                        <a:spcAft>
+                          <a:spcPts val="0"/>
+                        </a:spcAft>
+                        <a:buClrTx/>
+                        <a:buSzTx/>
+                        <a:buFontTx/>
+                        <a:buNone/>
+                        <a:defRPr/>
+                      </a:pPr>
+                      <a:r>
+                        <a:rPr lang="en-US" altLang="zh-CN" sz="2800" dirty="0" smtClean="0"/>
+                        <a:t>&lt;a&gt;</a:t>
+                      </a:r>
+                      <a:endParaRPr lang="zh-CN" altLang="en-US" sz="2800" b="1" dirty="0" smtClean="0">
+                        <a:latin typeface="Courier New" panose="02070309020205020404" pitchFamily="49" charset="0"/>
+                        <a:cs typeface="Courier New" panose="02070309020205020404" pitchFamily="49" charset="0"/>
+                      </a:endParaRPr>
+                    </a:p>
+                  </a:txBody>
+                  <a:tcPr marL="90325" marR="90325"/>
+                </a:tc>
+                <a:tc>
+                  <a:txBody>
+                    <a:bodyPr/>
+                    <a:p>
+                      <a:pPr algn="l"/>
+                      <a:r>
+                        <a:rPr lang="en-US" altLang="zh-CN" sz="2800" dirty="0" smtClean="0"/>
+                        <a:t>&lt;</a:t>
+                      </a:r>
+                      <a:r>
+                        <a:rPr lang="en-US" altLang="zh-CN" sz="2800" dirty="0" err="1" smtClean="0"/>
+                        <a:t>ul</a:t>
+                      </a:r>
+                      <a:r>
+                        <a:rPr lang="en-US" altLang="zh-CN" sz="2800" dirty="0" smtClean="0"/>
+                        <a:t>&gt;</a:t>
+                      </a:r>
+                      <a:endParaRPr lang="zh-CN" altLang="en-US" sz="2800" b="1" dirty="0">
+                        <a:latin typeface="Courier New" panose="02070309020205020404" pitchFamily="49" charset="0"/>
+                        <a:cs typeface="Courier New" panose="02070309020205020404" pitchFamily="49" charset="0"/>
+                      </a:endParaRPr>
+                    </a:p>
+                  </a:txBody>
+                  <a:tcPr marL="90325" marR="90325"/>
+                </a:tc>
+                <a:tc>
+                  <a:txBody>
+                    <a:bodyPr/>
+                    <a:p>
+                      <a:pPr algn="l"/>
+                      <a:r>
+                        <a:rPr lang="en-US" altLang="zh-CN" sz="2800" dirty="0" smtClean="0"/>
+                        <a:t>&lt;</a:t>
+                      </a:r>
+                      <a:r>
+                        <a:rPr lang="en-US" altLang="zh-CN" sz="2800" dirty="0" err="1" smtClean="0"/>
+                        <a:t>ol</a:t>
+                      </a:r>
+                      <a:r>
+                        <a:rPr lang="en-US" altLang="zh-CN" sz="2800" dirty="0" smtClean="0"/>
+                        <a:t>&gt;</a:t>
+                      </a:r>
+                      <a:endParaRPr lang="zh-CN" altLang="en-US" sz="2800" b="1" dirty="0">
+                        <a:latin typeface="Courier New" panose="02070309020205020404" pitchFamily="49" charset="0"/>
+                        <a:cs typeface="Courier New" panose="02070309020205020404" pitchFamily="49" charset="0"/>
+                      </a:endParaRPr>
+                    </a:p>
+                  </a:txBody>
+                  <a:tcPr marL="90325" marR="90325"/>
+                </a:tc>
+                <a:tc>
+                  <a:txBody>
+                    <a:bodyPr/>
+                    <a:p>
+                      <a:pPr algn="l"/>
+                      <a:r>
+                        <a:rPr lang="en-US" altLang="zh-CN" sz="2800" dirty="0" smtClean="0"/>
+                        <a:t>&lt;li&gt;</a:t>
+                      </a:r>
+                      <a:endParaRPr lang="en-US" altLang="zh-CN" sz="2800" b="1" dirty="0" smtClean="0">
+                        <a:latin typeface="Courier New" panose="02070309020205020404" pitchFamily="49" charset="0"/>
+                        <a:cs typeface="Courier New" panose="02070309020205020404" pitchFamily="49" charset="0"/>
+                      </a:endParaRPr>
+                    </a:p>
+                  </a:txBody>
+                  <a:tcPr marL="90325" marR="90325"/>
+                </a:tc>
+              </a:tr>
+              <a:tr h="518160">
+                <a:tc>
+                  <a:txBody>
+                    <a:bodyPr/>
+                    <a:p>
+                      <a:pPr marL="0" marR="0" indent="0" algn="l" defTabSz="914400" rtl="0" eaLnBrk="1" fontAlgn="auto" latinLnBrk="0" hangingPunct="1">
+                        <a:lnSpc>
+                          <a:spcPct val="100000"/>
+                        </a:lnSpc>
+                        <a:spcBef>
+                          <a:spcPts val="0"/>
+                        </a:spcBef>
+                        <a:spcAft>
+                          <a:spcPts val="0"/>
+                        </a:spcAft>
+                        <a:buClrTx/>
+                        <a:buSzTx/>
+                        <a:buFontTx/>
+                        <a:buNone/>
+                        <a:defRPr/>
+                      </a:pPr>
+                      <a:r>
+                        <a:rPr lang="en-US" altLang="zh-CN" sz="2800" dirty="0" smtClean="0"/>
+                        <a:t>&lt;table&gt;</a:t>
+                      </a:r>
+                      <a:endParaRPr lang="zh-CN" altLang="en-US" sz="2800" b="1" dirty="0" smtClean="0">
+                        <a:latin typeface="Courier New" panose="02070309020205020404" pitchFamily="49" charset="0"/>
+                        <a:cs typeface="Courier New" panose="02070309020205020404" pitchFamily="49" charset="0"/>
+                      </a:endParaRPr>
+                    </a:p>
+                  </a:txBody>
+                  <a:tcPr marL="90325" marR="90325"/>
+                </a:tc>
+                <a:tc>
+                  <a:txBody>
+                    <a:bodyPr/>
+                    <a:p>
+                      <a:pPr algn="l"/>
+                      <a:r>
+                        <a:rPr lang="en-US" altLang="zh-CN" sz="2800" dirty="0" smtClean="0"/>
+                        <a:t>&lt;</a:t>
+                      </a:r>
+                      <a:r>
+                        <a:rPr lang="en-US" altLang="zh-CN" sz="2800" dirty="0" err="1" smtClean="0"/>
+                        <a:t>tr</a:t>
+                      </a:r>
+                      <a:r>
+                        <a:rPr lang="en-US" altLang="zh-CN" sz="2800" dirty="0" smtClean="0"/>
+                        <a:t>&gt;</a:t>
+                      </a:r>
+                      <a:endParaRPr lang="zh-CN" altLang="en-US" sz="2800" b="1" dirty="0">
+                        <a:latin typeface="Courier New" panose="02070309020205020404" pitchFamily="49" charset="0"/>
+                        <a:cs typeface="Courier New" panose="02070309020205020404" pitchFamily="49" charset="0"/>
+                      </a:endParaRPr>
+                    </a:p>
+                  </a:txBody>
+                  <a:tcPr marL="90325" marR="90325"/>
+                </a:tc>
+                <a:tc>
+                  <a:txBody>
+                    <a:bodyPr/>
+                    <a:p>
+                      <a:pPr algn="l"/>
+                      <a:r>
+                        <a:rPr lang="en-US" altLang="zh-CN" sz="2800" dirty="0" smtClean="0"/>
+                        <a:t>&lt;</a:t>
+                      </a:r>
+                      <a:r>
+                        <a:rPr lang="en-US" altLang="zh-CN" sz="2800" dirty="0" err="1" smtClean="0"/>
+                        <a:t>th</a:t>
+                      </a:r>
+                      <a:r>
+                        <a:rPr lang="en-US" altLang="zh-CN" sz="2800" dirty="0" smtClean="0"/>
+                        <a:t>&gt;</a:t>
+                      </a:r>
+                      <a:endParaRPr lang="zh-CN" altLang="en-US" sz="2800" b="1" dirty="0">
+                        <a:latin typeface="Courier New" panose="02070309020205020404" pitchFamily="49" charset="0"/>
+                        <a:cs typeface="Courier New" panose="02070309020205020404" pitchFamily="49" charset="0"/>
+                      </a:endParaRPr>
+                    </a:p>
+                  </a:txBody>
+                  <a:tcPr marL="90325" marR="90325"/>
+                </a:tc>
+                <a:tc>
+                  <a:txBody>
+                    <a:bodyPr/>
+                    <a:p>
+                      <a:pPr algn="l"/>
+                      <a:r>
+                        <a:rPr lang="en-US" altLang="zh-CN" sz="2800" dirty="0" smtClean="0"/>
+                        <a:t>&lt;td&gt;</a:t>
+                      </a:r>
+                      <a:endParaRPr lang="en-US" altLang="zh-CN" sz="2800" b="1" dirty="0" smtClean="0">
+                        <a:latin typeface="Courier New" panose="02070309020205020404" pitchFamily="49" charset="0"/>
+                        <a:cs typeface="Courier New" panose="02070309020205020404" pitchFamily="49" charset="0"/>
+                      </a:endParaRPr>
+                    </a:p>
+                  </a:txBody>
+                  <a:tcPr marL="90325" marR="90325"/>
+                </a:tc>
+              </a:tr>
+              <a:tr h="518160">
+                <a:tc>
+                  <a:txBody>
+                    <a:bodyPr/>
+                    <a:p>
+                      <a:pPr marL="0" marR="0" indent="0" algn="l" defTabSz="914400" rtl="0" eaLnBrk="1" fontAlgn="auto" latinLnBrk="0" hangingPunct="1">
+                        <a:lnSpc>
+                          <a:spcPct val="100000"/>
+                        </a:lnSpc>
+                        <a:spcBef>
+                          <a:spcPts val="0"/>
+                        </a:spcBef>
+                        <a:spcAft>
+                          <a:spcPts val="0"/>
+                        </a:spcAft>
+                        <a:buClrTx/>
+                        <a:buSzTx/>
+                        <a:buFontTx/>
+                        <a:buNone/>
+                        <a:defRPr/>
+                      </a:pPr>
+                      <a:r>
+                        <a:rPr lang="en-US" altLang="zh-CN" sz="2800" dirty="0" smtClean="0"/>
+                        <a:t>&lt;form&gt;</a:t>
+                      </a:r>
+                      <a:endParaRPr lang="zh-CN" altLang="en-US" sz="2800" b="1" dirty="0" smtClean="0">
+                        <a:latin typeface="Courier New" panose="02070309020205020404" pitchFamily="49" charset="0"/>
+                        <a:cs typeface="Courier New" panose="02070309020205020404" pitchFamily="49" charset="0"/>
+                      </a:endParaRPr>
+                    </a:p>
+                  </a:txBody>
+                  <a:tcPr marL="90325" marR="90325"/>
+                </a:tc>
+                <a:tc>
+                  <a:txBody>
+                    <a:bodyPr/>
+                    <a:p>
+                      <a:pPr algn="l"/>
+                      <a:r>
+                        <a:rPr lang="en-US" altLang="zh-CN" sz="2800" dirty="0" smtClean="0"/>
+                        <a:t>&lt;input&gt;</a:t>
+                      </a:r>
+                      <a:endParaRPr lang="zh-CN" altLang="en-US" sz="2800" b="1" dirty="0">
+                        <a:latin typeface="Courier New" panose="02070309020205020404" pitchFamily="49" charset="0"/>
+                        <a:cs typeface="Courier New" panose="02070309020205020404" pitchFamily="49" charset="0"/>
+                      </a:endParaRPr>
+                    </a:p>
+                  </a:txBody>
+                  <a:tcPr marL="90325" marR="90325"/>
+                </a:tc>
+                <a:tc>
+                  <a:txBody>
+                    <a:bodyPr/>
+                    <a:p>
+                      <a:pPr algn="l"/>
+                      <a:r>
+                        <a:rPr lang="en-US" altLang="zh-CN" sz="2800" dirty="0" smtClean="0"/>
+                        <a:t>&lt;select&gt;</a:t>
+                      </a:r>
+                      <a:endParaRPr lang="zh-CN" altLang="en-US" sz="2800" b="1" dirty="0">
+                        <a:latin typeface="Courier New" panose="02070309020205020404" pitchFamily="49" charset="0"/>
+                        <a:cs typeface="Courier New" panose="02070309020205020404" pitchFamily="49" charset="0"/>
+                      </a:endParaRPr>
+                    </a:p>
+                  </a:txBody>
+                  <a:tcPr marL="90325" marR="90325"/>
+                </a:tc>
+                <a:tc>
+                  <a:txBody>
+                    <a:bodyPr/>
+                    <a:p>
+                      <a:pPr algn="l"/>
+                      <a:r>
+                        <a:rPr lang="en-US" altLang="zh-CN" sz="2800" dirty="0" smtClean="0"/>
+                        <a:t>&lt;option&gt;</a:t>
+                      </a:r>
+                      <a:endParaRPr lang="en-US" altLang="zh-CN" sz="2800" b="1" dirty="0" smtClean="0">
+                        <a:latin typeface="Courier New" panose="02070309020205020404" pitchFamily="49" charset="0"/>
+                        <a:cs typeface="Courier New" panose="02070309020205020404" pitchFamily="49" charset="0"/>
+                      </a:endParaRPr>
+                    </a:p>
+                  </a:txBody>
+                  <a:tcPr marL="90325" marR="90325"/>
+                </a:tc>
+              </a:tr>
+              <a:tr h="518160">
+                <a:tc>
+                  <a:txBody>
+                    <a:bodyPr/>
+                    <a:p>
+                      <a:pPr marL="0" marR="0" indent="0" algn="l" defTabSz="914400" rtl="0" eaLnBrk="1" fontAlgn="auto" latinLnBrk="0" hangingPunct="1">
+                        <a:lnSpc>
+                          <a:spcPct val="100000"/>
+                        </a:lnSpc>
+                        <a:spcBef>
+                          <a:spcPts val="0"/>
+                        </a:spcBef>
+                        <a:spcAft>
+                          <a:spcPts val="0"/>
+                        </a:spcAft>
+                        <a:buClrTx/>
+                        <a:buSzTx/>
+                        <a:buFontTx/>
+                        <a:buNone/>
+                        <a:defRPr/>
+                      </a:pPr>
+                      <a:r>
+                        <a:rPr lang="en-US" altLang="zh-CN" sz="2800" dirty="0" smtClean="0"/>
+                        <a:t>&lt;</a:t>
+                      </a:r>
+                      <a:r>
+                        <a:rPr lang="en-US" altLang="zh-CN" sz="2800" dirty="0" err="1" smtClean="0"/>
+                        <a:t>textarea</a:t>
+                      </a:r>
+                      <a:r>
+                        <a:rPr lang="en-US" altLang="zh-CN" sz="2800" dirty="0" smtClean="0"/>
+                        <a:t>&gt;</a:t>
+                      </a:r>
+                      <a:endParaRPr lang="zh-CN" altLang="en-US" sz="2800" b="1" dirty="0" smtClean="0">
+                        <a:latin typeface="Courier New" panose="02070309020205020404" pitchFamily="49" charset="0"/>
+                        <a:cs typeface="Courier New" panose="02070309020205020404" pitchFamily="49" charset="0"/>
+                      </a:endParaRPr>
+                    </a:p>
+                  </a:txBody>
+                  <a:tcPr marL="90325" marR="90325"/>
+                </a:tc>
+                <a:tc>
+                  <a:txBody>
+                    <a:bodyPr/>
+                    <a:p>
+                      <a:pPr algn="l"/>
+                      <a:r>
+                        <a:rPr lang="en-US" altLang="zh-CN" sz="2800" dirty="0" smtClean="0"/>
+                        <a:t>&lt;span&gt;</a:t>
+                      </a:r>
+                      <a:endParaRPr lang="zh-CN" altLang="en-US" sz="2800" b="1" dirty="0">
+                        <a:latin typeface="Courier New" panose="02070309020205020404" pitchFamily="49" charset="0"/>
+                        <a:cs typeface="Courier New" panose="02070309020205020404" pitchFamily="49" charset="0"/>
+                      </a:endParaRPr>
+                    </a:p>
+                  </a:txBody>
+                  <a:tcPr marL="90325" marR="90325"/>
+                </a:tc>
+                <a:tc>
+                  <a:txBody>
+                    <a:bodyPr/>
+                    <a:p>
+                      <a:pPr algn="l"/>
+                      <a:r>
+                        <a:rPr lang="en-US" altLang="zh-CN" sz="2800" dirty="0" smtClean="0"/>
+                        <a:t>&lt;div&gt;</a:t>
+                      </a:r>
+                      <a:endParaRPr lang="zh-CN" altLang="en-US" sz="2800" b="1" dirty="0">
+                        <a:latin typeface="Courier New" panose="02070309020205020404" pitchFamily="49" charset="0"/>
+                        <a:cs typeface="Courier New" panose="02070309020205020404" pitchFamily="49" charset="0"/>
+                      </a:endParaRPr>
+                    </a:p>
+                  </a:txBody>
+                  <a:tcPr marL="90325" marR="90325"/>
+                </a:tc>
+                <a:tc>
+                  <a:txBody>
+                    <a:bodyPr/>
+                    <a:p>
+                      <a:pPr algn="l"/>
+                      <a:r>
+                        <a:rPr lang="en-US" altLang="zh-CN" sz="2800" dirty="0" smtClean="0">
+                          <a:sym typeface="+mn-ea"/>
+                        </a:rPr>
+                        <a:t>…….</a:t>
+                      </a:r>
+                      <a:endParaRPr lang="en-US" altLang="zh-CN" sz="2800" b="1" dirty="0" smtClean="0">
+                        <a:latin typeface="Courier New" panose="02070309020205020404" pitchFamily="49" charset="0"/>
+                        <a:cs typeface="Courier New" panose="02070309020205020404" pitchFamily="49" charset="0"/>
+                      </a:endParaRPr>
+                    </a:p>
+                  </a:txBody>
+                  <a:tcPr marL="90325" marR="90325"/>
+                </a:tc>
+              </a:tr>
+            </a:tbl>
+          </a:graphicData>
+        </a:graphic>
+      </p:graphicFrame>
     </p:spTree>
   </p:cSld>
   <p:clrMapOvr>
@@ -40903,132 +41398,7 @@
   <p:timing>
     <p:tnLst>
       <p:par>
-        <p:cTn id="1" dur="indefinite" restart="never" nodeType="tmRoot">
-          <p:childTnLst>
-            <p:seq concurrent="1" nextAc="seek">
-              <p:cTn id="2" dur="indefinite" nodeType="mainSeq">
-                <p:childTnLst>
-                  <p:par>
-                    <p:cTn id="3" fill="hold">
-                      <p:stCondLst>
-                        <p:cond delay="indefinite"/>
-                        <p:cond evt="onBegin" delay="0">
-                          <p:tn val="2"/>
-                        </p:cond>
-                      </p:stCondLst>
-                      <p:childTnLst>
-                        <p:par>
-                          <p:cTn id="4" fill="hold">
-                            <p:stCondLst>
-                              <p:cond delay="0"/>
-                            </p:stCondLst>
-                            <p:childTnLst>
-                              <p:par>
-                                <p:cTn id="5" presetID="53" presetClass="entr" presetSubtype="16" fill="hold" nodeType="withEffect">
-                                  <p:stCondLst>
-                                    <p:cond delay="0"/>
-                                  </p:stCondLst>
-                                  <p:childTnLst>
-                                    <p:set>
-                                      <p:cBhvr>
-                                        <p:cTn id="6" dur="1" fill="hold">
-                                          <p:stCondLst>
-                                            <p:cond delay="0"/>
-                                          </p:stCondLst>
-                                        </p:cTn>
-                                        <p:tgtEl>
-                                          <p:spTgt spid="6"/>
-                                        </p:tgtEl>
-                                        <p:attrNameLst>
-                                          <p:attrName>style.visibility</p:attrName>
-                                        </p:attrNameLst>
-                                      </p:cBhvr>
-                                      <p:to>
-                                        <p:strVal val="visible"/>
-                                      </p:to>
-                                    </p:set>
-                                    <p:anim calcmode="lin" valueType="num">
-                                      <p:cBhvr>
-                                        <p:cTn id="7" dur="500" fill="hold"/>
-                                        <p:tgtEl>
-                                          <p:spTgt spid="6"/>
-                                        </p:tgtEl>
-                                        <p:attrNameLst>
-                                          <p:attrName>ppt_w</p:attrName>
-                                        </p:attrNameLst>
-                                      </p:cBhvr>
-                                      <p:tavLst>
-                                        <p:tav tm="0">
-                                          <p:val>
-                                            <p:fltVal val="0"/>
-                                          </p:val>
-                                        </p:tav>
-                                        <p:tav tm="100000">
-                                          <p:val>
-                                            <p:strVal val="#ppt_w"/>
-                                          </p:val>
-                                        </p:tav>
-                                      </p:tavLst>
-                                    </p:anim>
-                                    <p:anim calcmode="lin" valueType="num">
-                                      <p:cBhvr>
-                                        <p:cTn id="8" dur="500" fill="hold"/>
-                                        <p:tgtEl>
-                                          <p:spTgt spid="6"/>
-                                        </p:tgtEl>
-                                        <p:attrNameLst>
-                                          <p:attrName>ppt_h</p:attrName>
-                                        </p:attrNameLst>
-                                      </p:cBhvr>
-                                      <p:tavLst>
-                                        <p:tav tm="0">
-                                          <p:val>
-                                            <p:fltVal val="0"/>
-                                          </p:val>
-                                        </p:tav>
-                                        <p:tav tm="100000">
-                                          <p:val>
-                                            <p:strVal val="#ppt_h"/>
-                                          </p:val>
-                                        </p:tav>
-                                      </p:tavLst>
-                                    </p:anim>
-                                    <p:animEffect transition="in" filter="fade">
-                                      <p:cBhvr>
-                                        <p:cTn id="9" dur="500"/>
-                                        <p:tgtEl>
-                                          <p:spTgt spid="6"/>
-                                        </p:tgtEl>
-                                      </p:cBhvr>
-                                    </p:animEffect>
-                                  </p:childTnLst>
-                                </p:cTn>
-                              </p:par>
-                            </p:childTnLst>
-                          </p:cTn>
-                        </p:par>
-                      </p:childTnLst>
-                    </p:cTn>
-                  </p:par>
-                </p:childTnLst>
-              </p:cTn>
-              <p:prevCondLst>
-                <p:cond evt="onPrev" delay="0">
-                  <p:tgtEl>
-                    <p:sldTgt/>
-                  </p:tgtEl>
-                </p:cond>
-              </p:prevCondLst>
-              <p:nextCondLst>
-                <p:cond evt="onNext" delay="0">
-                  <p:tgtEl>
-                    <p:sldTgt/>
-                  </p:tgtEl>
-                </p:cond>
-              </p:nextCondLst>
-            </p:seq>
-          </p:childTnLst>
-        </p:cTn>
+        <p:cTn id="1" dur="indefinite" restart="never" nodeType="tmRoot"/>
       </p:par>
     </p:tnLst>
   </p:timing>

--- a/materials/slides/ch02-htmlBasic1.pptx
+++ b/materials/slides/ch02-htmlBasic1.pptx
@@ -5,7 +5,7 @@
     <p:sldMasterId id="2147483648" r:id="rId1"/>
   </p:sldMasterIdLst>
   <p:notesMasterIdLst>
-    <p:notesMasterId r:id="rId47"/>
+    <p:notesMasterId r:id="rId12"/>
   </p:notesMasterIdLst>
   <p:sldIdLst>
     <p:sldId id="447" r:id="rId3"/>
@@ -14,40 +14,39 @@
     <p:sldId id="516" r:id="rId6"/>
     <p:sldId id="521" r:id="rId7"/>
     <p:sldId id="522" r:id="rId8"/>
-    <p:sldId id="507" r:id="rId9"/>
+    <p:sldId id="592" r:id="rId9"/>
     <p:sldId id="523" r:id="rId10"/>
     <p:sldId id="528" r:id="rId11"/>
-    <p:sldId id="527" r:id="rId12"/>
-    <p:sldId id="529" r:id="rId13"/>
-    <p:sldId id="530" r:id="rId14"/>
-    <p:sldId id="548" r:id="rId15"/>
-    <p:sldId id="549" r:id="rId16"/>
-    <p:sldId id="532" r:id="rId17"/>
-    <p:sldId id="551" r:id="rId18"/>
-    <p:sldId id="555" r:id="rId19"/>
-    <p:sldId id="508" r:id="rId20"/>
-    <p:sldId id="556" r:id="rId21"/>
-    <p:sldId id="557" r:id="rId22"/>
-    <p:sldId id="558" r:id="rId23"/>
-    <p:sldId id="559" r:id="rId24"/>
-    <p:sldId id="560" r:id="rId25"/>
-    <p:sldId id="561" r:id="rId26"/>
-    <p:sldId id="509" r:id="rId27"/>
-    <p:sldId id="564" r:id="rId28"/>
-    <p:sldId id="565" r:id="rId29"/>
-    <p:sldId id="566" r:id="rId30"/>
-    <p:sldId id="567" r:id="rId31"/>
-    <p:sldId id="568" r:id="rId32"/>
-    <p:sldId id="510" r:id="rId33"/>
-    <p:sldId id="569" r:id="rId34"/>
-    <p:sldId id="570" r:id="rId35"/>
-    <p:sldId id="573" r:id="rId36"/>
+    <p:sldId id="527" r:id="rId13"/>
+    <p:sldId id="529" r:id="rId14"/>
+    <p:sldId id="530" r:id="rId15"/>
+    <p:sldId id="548" r:id="rId16"/>
+    <p:sldId id="549" r:id="rId17"/>
+    <p:sldId id="532" r:id="rId18"/>
+    <p:sldId id="551" r:id="rId19"/>
+    <p:sldId id="555" r:id="rId20"/>
+    <p:sldId id="593" r:id="rId21"/>
+    <p:sldId id="556" r:id="rId22"/>
+    <p:sldId id="557" r:id="rId23"/>
+    <p:sldId id="558" r:id="rId24"/>
+    <p:sldId id="559" r:id="rId25"/>
+    <p:sldId id="560" r:id="rId26"/>
+    <p:sldId id="561" r:id="rId27"/>
+    <p:sldId id="595" r:id="rId28"/>
+    <p:sldId id="564" r:id="rId29"/>
+    <p:sldId id="565" r:id="rId30"/>
+    <p:sldId id="566" r:id="rId31"/>
+    <p:sldId id="567" r:id="rId32"/>
+    <p:sldId id="568" r:id="rId33"/>
+    <p:sldId id="596" r:id="rId34"/>
+    <p:sldId id="569" r:id="rId35"/>
+    <p:sldId id="570" r:id="rId36"/>
     <p:sldId id="571" r:id="rId37"/>
-    <p:sldId id="511" r:id="rId38"/>
+    <p:sldId id="597" r:id="rId38"/>
     <p:sldId id="574" r:id="rId39"/>
     <p:sldId id="575" r:id="rId40"/>
-    <p:sldId id="576" r:id="rId41"/>
-    <p:sldId id="512" r:id="rId42"/>
+    <p:sldId id="586" r:id="rId41"/>
+    <p:sldId id="598" r:id="rId42"/>
     <p:sldId id="578" r:id="rId43"/>
     <p:sldId id="579" r:id="rId44"/>
     <p:sldId id="582" r:id="rId45"/>
@@ -498,6 +497,155 @@
     </a:lvl9pPr>
   </p:notesStyle>
 </p:notesMaster>
+</file>
+
+<file path=ppt/notesSlides/notesSlide1.xml><?xml version="1.0" encoding="utf-8"?>
+<p:notes xmlns:a="http://schemas.openxmlformats.org/drawingml/2006/main" xmlns:r="http://schemas.openxmlformats.org/officeDocument/2006/relationships" xmlns:p="http://schemas.openxmlformats.org/presentationml/2006/main">
+  <p:cSld>
+    <p:spTree>
+      <p:nvGrpSpPr>
+        <p:cNvPr id="1" name=""/>
+        <p:cNvGrpSpPr/>
+        <p:nvPr/>
+      </p:nvGrpSpPr>
+      <p:grpSpPr/>
+      <p:sp>
+        <p:nvSpPr>
+          <p:cNvPr id="2" name="幻灯片图像占位符 1"/>
+          <p:cNvSpPr/>
+          <p:nvPr>
+            <p:ph type="sldImg" idx="2"/>
+          </p:nvPr>
+        </p:nvSpPr>
+        <p:spPr/>
+      </p:sp>
+      <p:sp>
+        <p:nvSpPr>
+          <p:cNvPr id="3" name="文本占位符 2"/>
+          <p:cNvSpPr/>
+          <p:nvPr>
+            <p:ph type="body" idx="3"/>
+          </p:nvPr>
+        </p:nvSpPr>
+        <p:spPr/>
+        <p:txBody>
+          <a:bodyPr/>
+          <a:p>
+            <a:r>
+              <a:rPr lang="zh-CN" altLang="en-US"/>
+              <a:t>这些标记名称大都为相应的英文单词或者单词的首字母或单词的缩写，便于记忆。</a:t>
+            </a:r>
+            <a:endParaRPr lang="zh-CN" altLang="en-US"/>
+          </a:p>
+        </p:txBody>
+      </p:sp>
+    </p:spTree>
+  </p:cSld>
+  <p:clrMapOvr>
+    <a:masterClrMapping/>
+  </p:clrMapOvr>
+</p:notes>
+</file>
+
+<file path=ppt/notesSlides/notesSlide2.xml><?xml version="1.0" encoding="utf-8"?>
+<p:notes xmlns:a="http://schemas.openxmlformats.org/drawingml/2006/main" xmlns:r="http://schemas.openxmlformats.org/officeDocument/2006/relationships" xmlns:p="http://schemas.openxmlformats.org/presentationml/2006/main">
+  <p:cSld>
+    <p:spTree>
+      <p:nvGrpSpPr>
+        <p:cNvPr id="1" name=""/>
+        <p:cNvGrpSpPr/>
+        <p:nvPr/>
+      </p:nvGrpSpPr>
+      <p:grpSpPr/>
+      <p:sp>
+        <p:nvSpPr>
+          <p:cNvPr id="2" name="幻灯片图像占位符 1"/>
+          <p:cNvSpPr/>
+          <p:nvPr>
+            <p:ph type="sldImg" idx="2"/>
+          </p:nvPr>
+        </p:nvSpPr>
+        <p:spPr/>
+      </p:sp>
+      <p:sp>
+        <p:nvSpPr>
+          <p:cNvPr id="3" name="文本占位符 2"/>
+          <p:cNvSpPr/>
+          <p:nvPr>
+            <p:ph type="body" idx="3"/>
+          </p:nvPr>
+        </p:nvSpPr>
+        <p:spPr/>
+        <p:txBody>
+          <a:bodyPr/>
+          <a:p>
+            <a:r>
+              <a:rPr>
+                <a:sym typeface="+mn-ea"/>
+              </a:rPr>
+              <a:t>&lt;!DOCTYPE&gt;声明有助于浏览器中正确显示网页。</a:t>
+            </a:r>
+            <a:endParaRPr>
+              <a:sym typeface="+mn-ea"/>
+            </a:endParaRPr>
+          </a:p>
+          <a:p>
+            <a:r>
+              <a:rPr>
+                <a:sym typeface="+mn-ea"/>
+              </a:rPr>
+              <a:t>网络上有很多不同的文件，如果能够正确声明HTML的版本，浏览器就能正确显示网页内容。</a:t>
+            </a:r>
+            <a:endParaRPr>
+              <a:sym typeface="+mn-ea"/>
+            </a:endParaRPr>
+          </a:p>
+          <a:p>
+            <a:endParaRPr>
+              <a:sym typeface="+mn-ea"/>
+            </a:endParaRPr>
+          </a:p>
+          <a:p>
+            <a:r>
+              <a:rPr>
+                <a:sym typeface="+mn-ea"/>
+              </a:rPr>
+              <a:t>&lt;title&gt; 元素可定义文档的标题。</a:t>
+            </a:r>
+            <a:endParaRPr>
+              <a:sym typeface="+mn-ea"/>
+            </a:endParaRPr>
+          </a:p>
+          <a:p>
+            <a:r>
+              <a:rPr>
+                <a:sym typeface="+mn-ea"/>
+              </a:rPr>
+              <a:t>浏览器会以特殊的方式来使用标题，并且通常把它放置在浏览器窗口的标题栏或状态栏上。</a:t>
+            </a:r>
+            <a:endParaRPr>
+              <a:sym typeface="+mn-ea"/>
+            </a:endParaRPr>
+          </a:p>
+          <a:p>
+            <a:r>
+              <a:rPr>
+                <a:sym typeface="+mn-ea"/>
+              </a:rPr>
+              <a:t>同样，当把文档加入用户的链接列表或者收藏夹或书签列表时，标题将成为该文档链接的默认名称。</a:t>
+            </a:r>
+            <a:endParaRPr>
+              <a:sym typeface="+mn-ea"/>
+            </a:endParaRPr>
+          </a:p>
+        </p:txBody>
+      </p:sp>
+    </p:spTree>
+  </p:cSld>
+  <p:clrMapOvr>
+    <a:masterClrMapping/>
+  </p:clrMapOvr>
+</p:notes>
 </file>
 
 <file path=ppt/slideLayouts/slideLayout1.xml><?xml version="1.0" encoding="utf-8"?>
@@ -5548,11 +5696,7 @@
             </a:r>
             <a:r>
               <a:rPr lang="zh-CN" altLang="en-US"/>
-              <a:t>标签</a:t>
-            </a:r>
-            <a:r>
-              <a:rPr lang="zh-CN" altLang="en-US"/>
-              <a:t>三要素</a:t>
+              <a:t>标签三要素</a:t>
             </a:r>
             <a:endParaRPr lang="zh-CN" altLang="en-US"/>
           </a:p>
@@ -5574,18 +5718,14 @@
           <a:p>
             <a:r>
               <a:rPr lang="zh-CN" altLang="en-US"/>
-              <a:t>学习</a:t>
-            </a:r>
-            <a:r>
-              <a:t>HTML</a:t>
+              <a:t>学习 </a:t>
+            </a:r>
+            <a:r>
+              <a:t>HTML </a:t>
             </a:r>
             <a:r>
               <a:rPr lang="zh-CN" altLang="en-US"/>
-              <a:t>标签</a:t>
-            </a:r>
-            <a:r>
-              <a:rPr lang="zh-CN" altLang="en-US"/>
-              <a:t>的三个要点</a:t>
+              <a:t>标签的三个要点</a:t>
             </a:r>
             <a:endParaRPr lang="zh-CN" altLang="en-US"/>
           </a:p>
@@ -7436,6 +7576,41 @@
                 <a:srgbClr val="FF0000"/>
               </a:solidFill>
               <a:ea typeface="宋体" panose="02010600030101010101" pitchFamily="2" charset="-122"/>
+            </a:endParaRPr>
+          </a:p>
+        </p:txBody>
+      </p:sp>
+      <p:sp>
+        <p:nvSpPr>
+          <p:cNvPr id="4" name="文本框 10"/>
+          <p:cNvSpPr txBox="1"/>
+          <p:nvPr/>
+        </p:nvSpPr>
+        <p:spPr>
+          <a:xfrm>
+            <a:off x="9330368" y="5584507"/>
+            <a:ext cx="2163445" cy="508000"/>
+          </a:xfrm>
+          <a:prstGeom prst="rect">
+            <a:avLst/>
+          </a:prstGeom>
+          <a:noFill/>
+        </p:spPr>
+        <p:txBody>
+          <a:bodyPr wrap="none" lIns="108850" tIns="54425" rIns="108850" bIns="54425" rtlCol="0">
+            <a:spAutoFit/>
+          </a:bodyPr>
+          <a:p>
+            <a:r>
+              <a:rPr lang="en-US" altLang="zh-CN" sz="2600" dirty="0" smtClean="0">
+                <a:latin typeface="微软雅黑" panose="020B0503020204020204" pitchFamily="34" charset="-122"/>
+                <a:ea typeface="微软雅黑" panose="020B0503020204020204" pitchFamily="34" charset="-122"/>
+              </a:rPr>
+              <a:t>demo2-1.txt</a:t>
+            </a:r>
+            <a:endParaRPr lang="zh-CN" altLang="en-US" sz="2600" dirty="0">
+              <a:latin typeface="微软雅黑" panose="020B0503020204020204" pitchFamily="34" charset="-122"/>
+              <a:ea typeface="微软雅黑" panose="020B0503020204020204" pitchFamily="34" charset="-122"/>
             </a:endParaRPr>
           </a:p>
         </p:txBody>
@@ -8648,14 +8823,14 @@
                           <a:latin typeface="微软雅黑" panose="020B0503020204020204" pitchFamily="34" charset="-122"/>
                           <a:ea typeface="微软雅黑" panose="020B0503020204020204" pitchFamily="34" charset="-122"/>
                         </a:rPr>
-                        <a:t>嵌套于</a:t>
+                        <a:t>嵌套于 </a:t>
                       </a:r>
                       <a:r>
                         <a:rPr lang="en-US" altLang="zh-CN" sz="2200" baseline="0" dirty="0" smtClean="0">
                           <a:latin typeface="微软雅黑" panose="020B0503020204020204" pitchFamily="34" charset="-122"/>
                           <a:ea typeface="微软雅黑" panose="020B0503020204020204" pitchFamily="34" charset="-122"/>
                         </a:rPr>
-                        <a:t>html</a:t>
+                        <a:t>html </a:t>
                       </a:r>
                       <a:r>
                         <a:rPr lang="zh-CN" altLang="en-US" sz="2200" baseline="0" dirty="0" smtClean="0">
@@ -8682,14 +8857,14 @@
                           <a:latin typeface="微软雅黑" panose="020B0503020204020204" pitchFamily="34" charset="-122"/>
                           <a:ea typeface="微软雅黑" panose="020B0503020204020204" pitchFamily="34" charset="-122"/>
                         </a:rPr>
-                        <a:t>位于</a:t>
+                        <a:t>位于 </a:t>
                       </a:r>
                       <a:r>
                         <a:rPr lang="en-US" altLang="zh-CN" sz="2200" baseline="0" dirty="0" smtClean="0">
                           <a:latin typeface="微软雅黑" panose="020B0503020204020204" pitchFamily="34" charset="-122"/>
                           <a:ea typeface="微软雅黑" panose="020B0503020204020204" pitchFamily="34" charset="-122"/>
                         </a:rPr>
-                        <a:t>body</a:t>
+                        <a:t>body </a:t>
                       </a:r>
                       <a:r>
                         <a:rPr lang="zh-CN" altLang="en-US" sz="2200" baseline="0" dirty="0" smtClean="0">
@@ -9079,14 +9254,14 @@
                           <a:latin typeface="微软雅黑" panose="020B0503020204020204" pitchFamily="34" charset="-122"/>
                           <a:ea typeface="微软雅黑" panose="020B0503020204020204" pitchFamily="34" charset="-122"/>
                         </a:rPr>
-                        <a:t>嵌套于</a:t>
+                        <a:t>嵌套于 </a:t>
                       </a:r>
                       <a:r>
                         <a:rPr lang="en-US" altLang="zh-CN" sz="2200" baseline="0" dirty="0" smtClean="0">
                           <a:latin typeface="微软雅黑" panose="020B0503020204020204" pitchFamily="34" charset="-122"/>
                           <a:ea typeface="微软雅黑" panose="020B0503020204020204" pitchFamily="34" charset="-122"/>
                         </a:rPr>
-                        <a:t>html</a:t>
+                        <a:t>html </a:t>
                       </a:r>
                       <a:r>
                         <a:rPr lang="zh-CN" altLang="en-US" sz="2200" baseline="0" dirty="0" smtClean="0">
@@ -9113,14 +9288,14 @@
                           <a:latin typeface="微软雅黑" panose="020B0503020204020204" pitchFamily="34" charset="-122"/>
                           <a:ea typeface="微软雅黑" panose="020B0503020204020204" pitchFamily="34" charset="-122"/>
                         </a:rPr>
-                        <a:t>位于</a:t>
+                        <a:t>位于 </a:t>
                       </a:r>
                       <a:r>
                         <a:rPr lang="en-US" altLang="zh-CN" sz="2200" baseline="0" dirty="0" smtClean="0">
                           <a:latin typeface="微软雅黑" panose="020B0503020204020204" pitchFamily="34" charset="-122"/>
                           <a:ea typeface="微软雅黑" panose="020B0503020204020204" pitchFamily="34" charset="-122"/>
                         </a:rPr>
-                        <a:t>body</a:t>
+                        <a:t>body </a:t>
                       </a:r>
                       <a:r>
                         <a:rPr lang="zh-CN" altLang="en-US" sz="2200" baseline="0" dirty="0" smtClean="0">
@@ -9164,53 +9339,24 @@
                           <a:latin typeface="微软雅黑" panose="020B0503020204020204" pitchFamily="34" charset="-122"/>
                           <a:ea typeface="微软雅黑" panose="020B0503020204020204" pitchFamily="34" charset="-122"/>
                         </a:rPr>
-                        <a:t>&lt;title&gt;</a:t>
-                      </a:r>
-                      <a:endParaRPr lang="en-US" altLang="zh-CN" sz="2200" dirty="0" smtClean="0">
-                        <a:latin typeface="微软雅黑" panose="020B0503020204020204" pitchFamily="34" charset="-122"/>
-                        <a:ea typeface="微软雅黑" panose="020B0503020204020204" pitchFamily="34" charset="-122"/>
-                      </a:endParaRPr>
-                    </a:p>
-                    <a:p>
-                      <a:pPr marL="0" marR="0" indent="0" algn="l" defTabSz="914400" rtl="0" eaLnBrk="1" fontAlgn="auto" latinLnBrk="0" hangingPunct="1">
-                        <a:lnSpc>
-                          <a:spcPct val="100000"/>
-                        </a:lnSpc>
-                        <a:spcBef>
-                          <a:spcPts val="0"/>
-                        </a:spcBef>
-                        <a:spcAft>
-                          <a:spcPts val="0"/>
-                        </a:spcAft>
-                        <a:buClrTx/>
-                        <a:buSzTx/>
-                        <a:buFontTx/>
-                        <a:buNone/>
-                        <a:defRPr/>
-                      </a:pPr>
-                      <a:r>
-                        <a:rPr lang="en-US" altLang="zh-CN" sz="2200" dirty="0" smtClean="0">
-                          <a:latin typeface="微软雅黑" panose="020B0503020204020204" pitchFamily="34" charset="-122"/>
-                          <a:ea typeface="微软雅黑" panose="020B0503020204020204" pitchFamily="34" charset="-122"/>
-                        </a:rPr>
-                        <a:t>&lt;</a:t>
+                        <a:t>&lt;meta</a:t>
                       </a:r>
                       <a:r>
-                        <a:rPr lang="en-US" altLang="zh-CN" sz="2200" b="1" dirty="0" smtClean="0">
+                        <a:rPr lang="en-US" altLang="zh-CN" sz="2200" b="1" baseline="0" dirty="0" smtClean="0">
                           <a:solidFill>
                             <a:srgbClr val="FF0000"/>
                           </a:solidFill>
                           <a:latin typeface="微软雅黑" panose="020B0503020204020204" pitchFamily="34" charset="-122"/>
                           <a:ea typeface="微软雅黑" panose="020B0503020204020204" pitchFamily="34" charset="-122"/>
                         </a:rPr>
-                        <a:t>/</a:t>
+                        <a:t> /</a:t>
                       </a:r>
                       <a:r>
-                        <a:rPr lang="en-US" altLang="zh-CN" sz="2200" dirty="0" smtClean="0">
+                        <a:rPr lang="en-US" altLang="zh-CN" sz="2200" baseline="0" dirty="0" smtClean="0">
                           <a:latin typeface="微软雅黑" panose="020B0503020204020204" pitchFamily="34" charset="-122"/>
                           <a:ea typeface="微软雅黑" panose="020B0503020204020204" pitchFamily="34" charset="-122"/>
                         </a:rPr>
-                        <a:t>title&gt;</a:t>
+                        <a:t>&gt;</a:t>
                       </a:r>
                       <a:endParaRPr lang="en-US" altLang="zh-CN" sz="2200" dirty="0" smtClean="0">
                         <a:latin typeface="微软雅黑" panose="020B0503020204020204" pitchFamily="34" charset="-122"/>
@@ -9229,7 +9375,7 @@
                           <a:latin typeface="微软雅黑" panose="020B0503020204020204" pitchFamily="34" charset="-122"/>
                           <a:ea typeface="微软雅黑" panose="020B0503020204020204" pitchFamily="34" charset="-122"/>
                         </a:rPr>
-                        <a:t>在浏览器标题栏显示的文档标题</a:t>
+                        <a:t>定义页面有关信息，如页面编码、关键词、页面描述</a:t>
                       </a:r>
                       <a:endParaRPr lang="zh-CN" altLang="en-US" sz="2200" dirty="0">
                         <a:latin typeface="微软雅黑" panose="020B0503020204020204" pitchFamily="34" charset="-122"/>
@@ -9244,52 +9390,33 @@
                     <a:bodyPr/>
                     <a:p>
                       <a:r>
-                        <a:rPr lang="en-US" altLang="zh-CN" sz="2200" dirty="0" smtClean="0">
+                        <a:rPr lang="en-US" altLang="zh-CN" sz="2200" baseline="0" dirty="0" smtClean="0">
                           <a:latin typeface="微软雅黑" panose="020B0503020204020204" pitchFamily="34" charset="-122"/>
                           <a:ea typeface="微软雅黑" panose="020B0503020204020204" pitchFamily="34" charset="-122"/>
                         </a:rPr>
-                        <a:t>1. </a:t>
+                        <a:t>1</a:t>
                       </a:r>
-                      <a:r>
-                        <a:rPr lang="zh-CN" altLang="en-US" sz="2200" dirty="0" smtClean="0">
-                          <a:latin typeface="微软雅黑" panose="020B0503020204020204" pitchFamily="34" charset="-122"/>
-                          <a:ea typeface="微软雅黑" panose="020B0503020204020204" pitchFamily="34" charset="-122"/>
-                        </a:rPr>
-                        <a:t>成对出现</a:t>
-                      </a:r>
-                      <a:endParaRPr lang="en-US" altLang="zh-CN" sz="2200" dirty="0" smtClean="0">
-                        <a:latin typeface="微软雅黑" panose="020B0503020204020204" pitchFamily="34" charset="-122"/>
-                        <a:ea typeface="微软雅黑" panose="020B0503020204020204" pitchFamily="34" charset="-122"/>
-                      </a:endParaRPr>
-                    </a:p>
-                    <a:p>
                       <a:r>
                         <a:rPr lang="en-US" altLang="zh-CN" sz="2200" dirty="0" smtClean="0">
                           <a:latin typeface="微软雅黑" panose="020B0503020204020204" pitchFamily="34" charset="-122"/>
                           <a:ea typeface="微软雅黑" panose="020B0503020204020204" pitchFamily="34" charset="-122"/>
+                          <a:sym typeface="+mn-ea"/>
                         </a:rPr>
-                        <a:t>2.</a:t>
+                        <a:t>. </a:t>
+                      </a:r>
+                      <a:r>
+                        <a:rPr lang="zh-CN" altLang="en-US" sz="2200" baseline="0" dirty="0" smtClean="0">
+                          <a:latin typeface="微软雅黑" panose="020B0503020204020204" pitchFamily="34" charset="-122"/>
+                          <a:ea typeface="微软雅黑" panose="020B0503020204020204" pitchFamily="34" charset="-122"/>
+                        </a:rPr>
+                        <a:t>单标签，必须在 </a:t>
                       </a:r>
                       <a:r>
                         <a:rPr lang="en-US" altLang="zh-CN" sz="2200" baseline="0" dirty="0" smtClean="0">
                           <a:latin typeface="微软雅黑" panose="020B0503020204020204" pitchFamily="34" charset="-122"/>
                           <a:ea typeface="微软雅黑" panose="020B0503020204020204" pitchFamily="34" charset="-122"/>
                         </a:rPr>
-                        <a:t> </a:t>
-                      </a:r>
-                      <a:r>
-                        <a:rPr lang="zh-CN" altLang="en-US" sz="2200" baseline="0" dirty="0" smtClean="0">
-                          <a:latin typeface="微软雅黑" panose="020B0503020204020204" pitchFamily="34" charset="-122"/>
-                          <a:ea typeface="微软雅黑" panose="020B0503020204020204" pitchFamily="34" charset="-122"/>
-                        </a:rPr>
-                        <a:t>嵌套于</a:t>
-                      </a:r>
-                      <a:r>
-                        <a:rPr lang="en-US" altLang="zh-CN" sz="2200" baseline="0" dirty="0" smtClean="0">
-                          <a:latin typeface="微软雅黑" panose="020B0503020204020204" pitchFamily="34" charset="-122"/>
-                          <a:ea typeface="微软雅黑" panose="020B0503020204020204" pitchFamily="34" charset="-122"/>
-                        </a:rPr>
-                        <a:t>head</a:t>
+                        <a:t>head </a:t>
                       </a:r>
                       <a:r>
                         <a:rPr lang="zh-CN" altLang="en-US" sz="2200" baseline="0" dirty="0" smtClean="0">
@@ -9297,6 +9424,34 @@
                           <a:ea typeface="微软雅黑" panose="020B0503020204020204" pitchFamily="34" charset="-122"/>
                         </a:rPr>
                         <a:t>标签内</a:t>
+                      </a:r>
+                      <a:endParaRPr lang="en-US" altLang="zh-CN" sz="2200" baseline="0" dirty="0" smtClean="0">
+                        <a:latin typeface="微软雅黑" panose="020B0503020204020204" pitchFamily="34" charset="-122"/>
+                        <a:ea typeface="微软雅黑" panose="020B0503020204020204" pitchFamily="34" charset="-122"/>
+                      </a:endParaRPr>
+                    </a:p>
+                    <a:p>
+                      <a:r>
+                        <a:rPr lang="en-US" altLang="zh-CN" sz="2200" baseline="0" dirty="0" smtClean="0">
+                          <a:latin typeface="微软雅黑" panose="020B0503020204020204" pitchFamily="34" charset="-122"/>
+                          <a:ea typeface="微软雅黑" panose="020B0503020204020204" pitchFamily="34" charset="-122"/>
+                        </a:rPr>
+                        <a:t>2</a:t>
+                      </a:r>
+                      <a:r>
+                        <a:rPr lang="en-US" altLang="zh-CN" sz="2200" dirty="0" smtClean="0">
+                          <a:latin typeface="微软雅黑" panose="020B0503020204020204" pitchFamily="34" charset="-122"/>
+                          <a:ea typeface="微软雅黑" panose="020B0503020204020204" pitchFamily="34" charset="-122"/>
+                          <a:sym typeface="+mn-ea"/>
+                        </a:rPr>
+                        <a:t>. </a:t>
+                      </a:r>
+                      <a:r>
+                        <a:rPr lang="zh-CN" altLang="en-US" sz="2200" baseline="0" dirty="0" smtClean="0">
+                          <a:latin typeface="微软雅黑" panose="020B0503020204020204" pitchFamily="34" charset="-122"/>
+                          <a:ea typeface="微软雅黑" panose="020B0503020204020204" pitchFamily="34" charset="-122"/>
+                        </a:rPr>
+                        <a:t>利用属性值进行设置</a:t>
                       </a:r>
                       <a:endParaRPr lang="en-US" altLang="zh-CN" sz="2200" baseline="0" dirty="0" smtClean="0">
                         <a:latin typeface="微软雅黑" panose="020B0503020204020204" pitchFamily="34" charset="-122"/>
@@ -9679,14 +9834,14 @@
                           <a:latin typeface="微软雅黑" panose="020B0503020204020204" pitchFamily="34" charset="-122"/>
                           <a:ea typeface="微软雅黑" panose="020B0503020204020204" pitchFamily="34" charset="-122"/>
                         </a:rPr>
-                        <a:t>嵌套于</a:t>
+                        <a:t>嵌套于 </a:t>
                       </a:r>
                       <a:r>
                         <a:rPr lang="en-US" altLang="zh-CN" sz="2200" baseline="0" dirty="0" smtClean="0">
                           <a:latin typeface="微软雅黑" panose="020B0503020204020204" pitchFamily="34" charset="-122"/>
                           <a:ea typeface="微软雅黑" panose="020B0503020204020204" pitchFamily="34" charset="-122"/>
                         </a:rPr>
-                        <a:t>html</a:t>
+                        <a:t>html </a:t>
                       </a:r>
                       <a:r>
                         <a:rPr lang="zh-CN" altLang="en-US" sz="2200" baseline="0" dirty="0" smtClean="0">
@@ -9713,14 +9868,14 @@
                           <a:latin typeface="微软雅黑" panose="020B0503020204020204" pitchFamily="34" charset="-122"/>
                           <a:ea typeface="微软雅黑" panose="020B0503020204020204" pitchFamily="34" charset="-122"/>
                         </a:rPr>
-                        <a:t>位于</a:t>
+                        <a:t>位于 </a:t>
                       </a:r>
                       <a:r>
                         <a:rPr lang="en-US" altLang="zh-CN" sz="2200" baseline="0" dirty="0" smtClean="0">
                           <a:latin typeface="微软雅黑" panose="020B0503020204020204" pitchFamily="34" charset="-122"/>
                           <a:ea typeface="微软雅黑" panose="020B0503020204020204" pitchFamily="34" charset="-122"/>
                         </a:rPr>
-                        <a:t>body</a:t>
+                        <a:t>body </a:t>
                       </a:r>
                       <a:r>
                         <a:rPr lang="zh-CN" altLang="en-US" sz="2200" baseline="0" dirty="0" smtClean="0">
@@ -9739,6 +9894,155 @@
                 </a:tc>
               </a:tr>
               <a:tr h="859790">
+                <a:tc>
+                  <a:txBody>
+                    <a:bodyPr/>
+                    <a:p>
+                      <a:pPr marL="0" marR="0" indent="0" algn="l" defTabSz="914400" rtl="0" eaLnBrk="1" fontAlgn="auto" latinLnBrk="0" hangingPunct="1">
+                        <a:lnSpc>
+                          <a:spcPct val="100000"/>
+                        </a:lnSpc>
+                        <a:spcBef>
+                          <a:spcPts val="0"/>
+                        </a:spcBef>
+                        <a:spcAft>
+                          <a:spcPts val="0"/>
+                        </a:spcAft>
+                        <a:buClrTx/>
+                        <a:buSzTx/>
+                        <a:buFontTx/>
+                        <a:buNone/>
+                        <a:defRPr/>
+                      </a:pPr>
+                      <a:r>
+                        <a:rPr lang="en-US" altLang="zh-CN" sz="2200" dirty="0" smtClean="0">
+                          <a:latin typeface="微软雅黑" panose="020B0503020204020204" pitchFamily="34" charset="-122"/>
+                          <a:ea typeface="微软雅黑" panose="020B0503020204020204" pitchFamily="34" charset="-122"/>
+                        </a:rPr>
+                        <a:t>&lt;meta</a:t>
+                      </a:r>
+                      <a:r>
+                        <a:rPr lang="en-US" altLang="zh-CN" sz="2200" b="1" baseline="0" dirty="0" smtClean="0">
+                          <a:solidFill>
+                            <a:srgbClr val="FF0000"/>
+                          </a:solidFill>
+                          <a:latin typeface="微软雅黑" panose="020B0503020204020204" pitchFamily="34" charset="-122"/>
+                          <a:ea typeface="微软雅黑" panose="020B0503020204020204" pitchFamily="34" charset="-122"/>
+                        </a:rPr>
+                        <a:t> /</a:t>
+                      </a:r>
+                      <a:r>
+                        <a:rPr lang="en-US" altLang="zh-CN" sz="2200" baseline="0" dirty="0" smtClean="0">
+                          <a:latin typeface="微软雅黑" panose="020B0503020204020204" pitchFamily="34" charset="-122"/>
+                          <a:ea typeface="微软雅黑" panose="020B0503020204020204" pitchFamily="34" charset="-122"/>
+                        </a:rPr>
+                        <a:t>&gt;</a:t>
+                      </a:r>
+                      <a:endParaRPr lang="en-US" altLang="zh-CN" sz="2200" dirty="0" smtClean="0">
+                        <a:latin typeface="微软雅黑" panose="020B0503020204020204" pitchFamily="34" charset="-122"/>
+                        <a:ea typeface="微软雅黑" panose="020B0503020204020204" pitchFamily="34" charset="-122"/>
+                      </a:endParaRPr>
+                    </a:p>
+                  </a:txBody>
+                  <a:tcPr marT="45706" marB="45706"/>
+                </a:tc>
+                <a:tc>
+                  <a:txBody>
+                    <a:bodyPr/>
+                    <a:p>
+                      <a:r>
+                        <a:rPr lang="zh-CN" altLang="en-US" sz="2200" dirty="0" smtClean="0">
+                          <a:latin typeface="微软雅黑" panose="020B0503020204020204" pitchFamily="34" charset="-122"/>
+                          <a:ea typeface="微软雅黑" panose="020B0503020204020204" pitchFamily="34" charset="-122"/>
+                        </a:rPr>
+                        <a:t>定义页面有关信息，如页面编码、关键词、页面描述</a:t>
+                      </a:r>
+                      <a:endParaRPr lang="zh-CN" altLang="en-US" sz="2200" dirty="0">
+                        <a:latin typeface="微软雅黑" panose="020B0503020204020204" pitchFamily="34" charset="-122"/>
+                        <a:ea typeface="微软雅黑" panose="020B0503020204020204" pitchFamily="34" charset="-122"/>
+                      </a:endParaRPr>
+                    </a:p>
+                  </a:txBody>
+                  <a:tcPr marT="45706" marB="45706"/>
+                </a:tc>
+                <a:tc>
+                  <a:txBody>
+                    <a:bodyPr/>
+                    <a:p>
+                      <a:r>
+                        <a:rPr lang="en-US" altLang="zh-CN" sz="2200" baseline="0" dirty="0" smtClean="0">
+                          <a:latin typeface="微软雅黑" panose="020B0503020204020204" pitchFamily="34" charset="-122"/>
+                          <a:ea typeface="微软雅黑" panose="020B0503020204020204" pitchFamily="34" charset="-122"/>
+                        </a:rPr>
+                        <a:t>1</a:t>
+                      </a:r>
+                      <a:r>
+                        <a:rPr lang="en-US" altLang="zh-CN" sz="2200" dirty="0" smtClean="0">
+                          <a:latin typeface="微软雅黑" panose="020B0503020204020204" pitchFamily="34" charset="-122"/>
+                          <a:ea typeface="微软雅黑" panose="020B0503020204020204" pitchFamily="34" charset="-122"/>
+                          <a:sym typeface="+mn-ea"/>
+                        </a:rPr>
+                        <a:t>. </a:t>
+                      </a:r>
+                      <a:r>
+                        <a:rPr lang="zh-CN" altLang="en-US" sz="2200" baseline="0" dirty="0" smtClean="0">
+                          <a:latin typeface="微软雅黑" panose="020B0503020204020204" pitchFamily="34" charset="-122"/>
+                          <a:ea typeface="微软雅黑" panose="020B0503020204020204" pitchFamily="34" charset="-122"/>
+                        </a:rPr>
+                        <a:t>单标签，必须在 </a:t>
+                      </a:r>
+                      <a:r>
+                        <a:rPr lang="en-US" altLang="zh-CN" sz="2200" baseline="0" dirty="0" smtClean="0">
+                          <a:latin typeface="微软雅黑" panose="020B0503020204020204" pitchFamily="34" charset="-122"/>
+                          <a:ea typeface="微软雅黑" panose="020B0503020204020204" pitchFamily="34" charset="-122"/>
+                        </a:rPr>
+                        <a:t>head </a:t>
+                      </a:r>
+                      <a:r>
+                        <a:rPr lang="zh-CN" altLang="en-US" sz="2200" baseline="0" dirty="0" smtClean="0">
+                          <a:latin typeface="微软雅黑" panose="020B0503020204020204" pitchFamily="34" charset="-122"/>
+                          <a:ea typeface="微软雅黑" panose="020B0503020204020204" pitchFamily="34" charset="-122"/>
+                        </a:rPr>
+                        <a:t>标签内</a:t>
+                      </a:r>
+                      <a:endParaRPr lang="en-US" altLang="zh-CN" sz="2200" baseline="0" dirty="0" smtClean="0">
+                        <a:latin typeface="微软雅黑" panose="020B0503020204020204" pitchFamily="34" charset="-122"/>
+                        <a:ea typeface="微软雅黑" panose="020B0503020204020204" pitchFamily="34" charset="-122"/>
+                      </a:endParaRPr>
+                    </a:p>
+                    <a:p>
+                      <a:r>
+                        <a:rPr lang="en-US" altLang="zh-CN" sz="2200" baseline="0" dirty="0" smtClean="0">
+                          <a:latin typeface="微软雅黑" panose="020B0503020204020204" pitchFamily="34" charset="-122"/>
+                          <a:ea typeface="微软雅黑" panose="020B0503020204020204" pitchFamily="34" charset="-122"/>
+                        </a:rPr>
+                        <a:t>2</a:t>
+                      </a:r>
+                      <a:r>
+                        <a:rPr lang="en-US" altLang="zh-CN" sz="2200" dirty="0" smtClean="0">
+                          <a:latin typeface="微软雅黑" panose="020B0503020204020204" pitchFamily="34" charset="-122"/>
+                          <a:ea typeface="微软雅黑" panose="020B0503020204020204" pitchFamily="34" charset="-122"/>
+                          <a:sym typeface="+mn-ea"/>
+                        </a:rPr>
+                        <a:t>. </a:t>
+                      </a:r>
+                      <a:r>
+                        <a:rPr lang="zh-CN" altLang="en-US" sz="2200" baseline="0" dirty="0" smtClean="0">
+                          <a:latin typeface="微软雅黑" panose="020B0503020204020204" pitchFamily="34" charset="-122"/>
+                          <a:ea typeface="微软雅黑" panose="020B0503020204020204" pitchFamily="34" charset="-122"/>
+                        </a:rPr>
+                        <a:t>利用属性值进行设置</a:t>
+                      </a:r>
+                      <a:endParaRPr lang="en-US" altLang="zh-CN" sz="2200" baseline="0" dirty="0" smtClean="0">
+                        <a:latin typeface="微软雅黑" panose="020B0503020204020204" pitchFamily="34" charset="-122"/>
+                        <a:ea typeface="微软雅黑" panose="020B0503020204020204" pitchFamily="34" charset="-122"/>
+                      </a:endParaRPr>
+                    </a:p>
+                  </a:txBody>
+                  <a:tcPr marT="45706" marB="45706"/>
+                </a:tc>
+              </a:tr>
+              <a:tr h="807720">
                 <a:tc>
                   <a:txBody>
                     <a:bodyPr/>
@@ -9882,14 +10186,14 @@
                           <a:latin typeface="微软雅黑" panose="020B0503020204020204" pitchFamily="34" charset="-122"/>
                           <a:ea typeface="微软雅黑" panose="020B0503020204020204" pitchFamily="34" charset="-122"/>
                         </a:rPr>
-                        <a:t>嵌套于</a:t>
+                        <a:t>嵌套于 </a:t>
                       </a:r>
                       <a:r>
                         <a:rPr lang="en-US" altLang="zh-CN" sz="2200" baseline="0" dirty="0" smtClean="0">
                           <a:latin typeface="微软雅黑" panose="020B0503020204020204" pitchFamily="34" charset="-122"/>
                           <a:ea typeface="微软雅黑" panose="020B0503020204020204" pitchFamily="34" charset="-122"/>
                         </a:rPr>
-                        <a:t>head</a:t>
+                        <a:t>head </a:t>
                       </a:r>
                       <a:r>
                         <a:rPr lang="zh-CN" altLang="en-US" sz="2200" baseline="0" dirty="0" smtClean="0">
@@ -9897,155 +10201,6 @@
                           <a:ea typeface="微软雅黑" panose="020B0503020204020204" pitchFamily="34" charset="-122"/>
                         </a:rPr>
                         <a:t>标签内</a:t>
-                      </a:r>
-                      <a:endParaRPr lang="en-US" altLang="zh-CN" sz="2200" baseline="0" dirty="0" smtClean="0">
-                        <a:latin typeface="微软雅黑" panose="020B0503020204020204" pitchFamily="34" charset="-122"/>
-                        <a:ea typeface="微软雅黑" panose="020B0503020204020204" pitchFamily="34" charset="-122"/>
-                      </a:endParaRPr>
-                    </a:p>
-                  </a:txBody>
-                  <a:tcPr marT="45706" marB="45706"/>
-                </a:tc>
-              </a:tr>
-              <a:tr h="807720">
-                <a:tc>
-                  <a:txBody>
-                    <a:bodyPr/>
-                    <a:p>
-                      <a:pPr marL="0" marR="0" indent="0" algn="l" defTabSz="914400" rtl="0" eaLnBrk="1" fontAlgn="auto" latinLnBrk="0" hangingPunct="1">
-                        <a:lnSpc>
-                          <a:spcPct val="100000"/>
-                        </a:lnSpc>
-                        <a:spcBef>
-                          <a:spcPts val="0"/>
-                        </a:spcBef>
-                        <a:spcAft>
-                          <a:spcPts val="0"/>
-                        </a:spcAft>
-                        <a:buClrTx/>
-                        <a:buSzTx/>
-                        <a:buFontTx/>
-                        <a:buNone/>
-                        <a:defRPr/>
-                      </a:pPr>
-                      <a:r>
-                        <a:rPr lang="en-US" altLang="zh-CN" sz="2200" dirty="0" smtClean="0">
-                          <a:latin typeface="微软雅黑" panose="020B0503020204020204" pitchFamily="34" charset="-122"/>
-                          <a:ea typeface="微软雅黑" panose="020B0503020204020204" pitchFamily="34" charset="-122"/>
-                        </a:rPr>
-                        <a:t>&lt;meta</a:t>
-                      </a:r>
-                      <a:r>
-                        <a:rPr lang="en-US" altLang="zh-CN" sz="2200" b="1" baseline="0" dirty="0" smtClean="0">
-                          <a:solidFill>
-                            <a:srgbClr val="FF0000"/>
-                          </a:solidFill>
-                          <a:latin typeface="微软雅黑" panose="020B0503020204020204" pitchFamily="34" charset="-122"/>
-                          <a:ea typeface="微软雅黑" panose="020B0503020204020204" pitchFamily="34" charset="-122"/>
-                        </a:rPr>
-                        <a:t> /</a:t>
-                      </a:r>
-                      <a:r>
-                        <a:rPr lang="en-US" altLang="zh-CN" sz="2200" baseline="0" dirty="0" smtClean="0">
-                          <a:latin typeface="微软雅黑" panose="020B0503020204020204" pitchFamily="34" charset="-122"/>
-                          <a:ea typeface="微软雅黑" panose="020B0503020204020204" pitchFamily="34" charset="-122"/>
-                        </a:rPr>
-                        <a:t>&gt;</a:t>
-                      </a:r>
-                      <a:endParaRPr lang="en-US" altLang="zh-CN" sz="2200" dirty="0" smtClean="0">
-                        <a:latin typeface="微软雅黑" panose="020B0503020204020204" pitchFamily="34" charset="-122"/>
-                        <a:ea typeface="微软雅黑" panose="020B0503020204020204" pitchFamily="34" charset="-122"/>
-                      </a:endParaRPr>
-                    </a:p>
-                  </a:txBody>
-                  <a:tcPr marT="45706" marB="45706"/>
-                </a:tc>
-                <a:tc>
-                  <a:txBody>
-                    <a:bodyPr/>
-                    <a:p>
-                      <a:r>
-                        <a:rPr lang="zh-CN" altLang="en-US" sz="2200" dirty="0" smtClean="0">
-                          <a:latin typeface="微软雅黑" panose="020B0503020204020204" pitchFamily="34" charset="-122"/>
-                          <a:ea typeface="微软雅黑" panose="020B0503020204020204" pitchFamily="34" charset="-122"/>
-                        </a:rPr>
-                        <a:t>定义页面有关信息，如页面编码、关键词、页面描述</a:t>
-                      </a:r>
-                      <a:endParaRPr lang="zh-CN" altLang="en-US" sz="2200" dirty="0">
-                        <a:latin typeface="微软雅黑" panose="020B0503020204020204" pitchFamily="34" charset="-122"/>
-                        <a:ea typeface="微软雅黑" panose="020B0503020204020204" pitchFamily="34" charset="-122"/>
-                      </a:endParaRPr>
-                    </a:p>
-                  </a:txBody>
-                  <a:tcPr marT="45706" marB="45706"/>
-                </a:tc>
-                <a:tc>
-                  <a:txBody>
-                    <a:bodyPr/>
-                    <a:p>
-                      <a:r>
-                        <a:rPr lang="en-US" altLang="zh-CN" sz="2200" baseline="0" dirty="0" smtClean="0">
-                          <a:latin typeface="微软雅黑" panose="020B0503020204020204" pitchFamily="34" charset="-122"/>
-                          <a:ea typeface="微软雅黑" panose="020B0503020204020204" pitchFamily="34" charset="-122"/>
-                        </a:rPr>
-                        <a:t>1</a:t>
-                      </a:r>
-                      <a:r>
-                        <a:rPr lang="en-US" altLang="zh-CN" sz="2200" dirty="0" smtClean="0">
-                          <a:latin typeface="微软雅黑" panose="020B0503020204020204" pitchFamily="34" charset="-122"/>
-                          <a:ea typeface="微软雅黑" panose="020B0503020204020204" pitchFamily="34" charset="-122"/>
-                          <a:sym typeface="+mn-ea"/>
-                        </a:rPr>
-                        <a:t>. </a:t>
-                      </a:r>
-                      <a:r>
-                        <a:rPr lang="zh-CN" altLang="en-US" sz="2200" baseline="0" dirty="0" smtClean="0">
-                          <a:latin typeface="微软雅黑" panose="020B0503020204020204" pitchFamily="34" charset="-122"/>
-                          <a:ea typeface="微软雅黑" panose="020B0503020204020204" pitchFamily="34" charset="-122"/>
-                        </a:rPr>
-                        <a:t>单标签，必须在</a:t>
-                      </a:r>
-                      <a:r>
-                        <a:rPr lang="en-US" altLang="zh-CN" sz="2200" baseline="0" dirty="0" smtClean="0">
-                          <a:latin typeface="微软雅黑" panose="020B0503020204020204" pitchFamily="34" charset="-122"/>
-                          <a:ea typeface="微软雅黑" panose="020B0503020204020204" pitchFamily="34" charset="-122"/>
-                        </a:rPr>
-                        <a:t>head</a:t>
-                      </a:r>
-                      <a:r>
-                        <a:rPr lang="zh-CN" altLang="en-US" sz="2200" baseline="0" dirty="0" smtClean="0">
-                          <a:latin typeface="微软雅黑" panose="020B0503020204020204" pitchFamily="34" charset="-122"/>
-                          <a:ea typeface="微软雅黑" panose="020B0503020204020204" pitchFamily="34" charset="-122"/>
-                        </a:rPr>
-                        <a:t>标签内</a:t>
-                      </a:r>
-                      <a:endParaRPr lang="en-US" altLang="zh-CN" sz="2200" baseline="0" dirty="0" smtClean="0">
-                        <a:latin typeface="微软雅黑" panose="020B0503020204020204" pitchFamily="34" charset="-122"/>
-                        <a:ea typeface="微软雅黑" panose="020B0503020204020204" pitchFamily="34" charset="-122"/>
-                      </a:endParaRPr>
-                    </a:p>
-                    <a:p>
-                      <a:r>
-                        <a:rPr lang="en-US" altLang="zh-CN" sz="2200" baseline="0" dirty="0" smtClean="0">
-                          <a:latin typeface="微软雅黑" panose="020B0503020204020204" pitchFamily="34" charset="-122"/>
-                          <a:ea typeface="微软雅黑" panose="020B0503020204020204" pitchFamily="34" charset="-122"/>
-                        </a:rPr>
-                        <a:t>2</a:t>
-                      </a:r>
-                      <a:r>
-                        <a:rPr lang="en-US" altLang="zh-CN" sz="2200" dirty="0" smtClean="0">
-                          <a:latin typeface="微软雅黑" panose="020B0503020204020204" pitchFamily="34" charset="-122"/>
-                          <a:ea typeface="微软雅黑" panose="020B0503020204020204" pitchFamily="34" charset="-122"/>
-                          <a:sym typeface="+mn-ea"/>
-                        </a:rPr>
-                        <a:t>. </a:t>
-                      </a:r>
-                      <a:r>
-                        <a:rPr lang="zh-CN" altLang="en-US" sz="2200" baseline="0" dirty="0" smtClean="0">
-                          <a:latin typeface="微软雅黑" panose="020B0503020204020204" pitchFamily="34" charset="-122"/>
-                          <a:ea typeface="微软雅黑" panose="020B0503020204020204" pitchFamily="34" charset="-122"/>
-                        </a:rPr>
-                        <a:t>利用属性值进行设置</a:t>
                       </a:r>
                       <a:endParaRPr lang="en-US" altLang="zh-CN" sz="2200" baseline="0" dirty="0" smtClean="0">
                         <a:latin typeface="微软雅黑" panose="020B0503020204020204" pitchFamily="34" charset="-122"/>
@@ -10428,14 +10583,14 @@
                           <a:latin typeface="微软雅黑" panose="020B0503020204020204" pitchFamily="34" charset="-122"/>
                           <a:ea typeface="微软雅黑" panose="020B0503020204020204" pitchFamily="34" charset="-122"/>
                         </a:rPr>
-                        <a:t>嵌套于</a:t>
+                        <a:t>嵌套于 </a:t>
                       </a:r>
                       <a:r>
                         <a:rPr lang="en-US" altLang="zh-CN" sz="2200" baseline="0" dirty="0" smtClean="0">
                           <a:latin typeface="微软雅黑" panose="020B0503020204020204" pitchFamily="34" charset="-122"/>
                           <a:ea typeface="微软雅黑" panose="020B0503020204020204" pitchFamily="34" charset="-122"/>
                         </a:rPr>
-                        <a:t>html</a:t>
+                        <a:t>html </a:t>
                       </a:r>
                       <a:r>
                         <a:rPr lang="zh-CN" altLang="en-US" sz="2200" baseline="0" dirty="0" smtClean="0">
@@ -10462,14 +10617,14 @@
                           <a:latin typeface="微软雅黑" panose="020B0503020204020204" pitchFamily="34" charset="-122"/>
                           <a:ea typeface="微软雅黑" panose="020B0503020204020204" pitchFamily="34" charset="-122"/>
                         </a:rPr>
-                        <a:t>位于</a:t>
+                        <a:t>位于 </a:t>
                       </a:r>
                       <a:r>
                         <a:rPr lang="en-US" altLang="zh-CN" sz="2200" baseline="0" dirty="0" smtClean="0">
                           <a:latin typeface="微软雅黑" panose="020B0503020204020204" pitchFamily="34" charset="-122"/>
                           <a:ea typeface="微软雅黑" panose="020B0503020204020204" pitchFamily="34" charset="-122"/>
                         </a:rPr>
-                        <a:t>body</a:t>
+                        <a:t>body </a:t>
                       </a:r>
                       <a:r>
                         <a:rPr lang="zh-CN" altLang="en-US" sz="2200" baseline="0" dirty="0" smtClean="0">
@@ -10488,6 +10643,155 @@
                 </a:tc>
               </a:tr>
               <a:tr h="859790">
+                <a:tc>
+                  <a:txBody>
+                    <a:bodyPr/>
+                    <a:p>
+                      <a:pPr marL="0" marR="0" indent="0" algn="l" defTabSz="914400" rtl="0" eaLnBrk="1" fontAlgn="auto" latinLnBrk="0" hangingPunct="1">
+                        <a:lnSpc>
+                          <a:spcPct val="100000"/>
+                        </a:lnSpc>
+                        <a:spcBef>
+                          <a:spcPts val="0"/>
+                        </a:spcBef>
+                        <a:spcAft>
+                          <a:spcPts val="0"/>
+                        </a:spcAft>
+                        <a:buClrTx/>
+                        <a:buSzTx/>
+                        <a:buFontTx/>
+                        <a:buNone/>
+                        <a:defRPr/>
+                      </a:pPr>
+                      <a:r>
+                        <a:rPr lang="en-US" altLang="zh-CN" sz="2200" dirty="0" smtClean="0">
+                          <a:latin typeface="微软雅黑" panose="020B0503020204020204" pitchFamily="34" charset="-122"/>
+                          <a:ea typeface="微软雅黑" panose="020B0503020204020204" pitchFamily="34" charset="-122"/>
+                        </a:rPr>
+                        <a:t>&lt;meta</a:t>
+                      </a:r>
+                      <a:r>
+                        <a:rPr lang="en-US" altLang="zh-CN" sz="2200" b="1" baseline="0" dirty="0" smtClean="0">
+                          <a:solidFill>
+                            <a:srgbClr val="FF0000"/>
+                          </a:solidFill>
+                          <a:latin typeface="微软雅黑" panose="020B0503020204020204" pitchFamily="34" charset="-122"/>
+                          <a:ea typeface="微软雅黑" panose="020B0503020204020204" pitchFamily="34" charset="-122"/>
+                        </a:rPr>
+                        <a:t> /</a:t>
+                      </a:r>
+                      <a:r>
+                        <a:rPr lang="en-US" altLang="zh-CN" sz="2200" baseline="0" dirty="0" smtClean="0">
+                          <a:latin typeface="微软雅黑" panose="020B0503020204020204" pitchFamily="34" charset="-122"/>
+                          <a:ea typeface="微软雅黑" panose="020B0503020204020204" pitchFamily="34" charset="-122"/>
+                        </a:rPr>
+                        <a:t>&gt;</a:t>
+                      </a:r>
+                      <a:endParaRPr lang="en-US" altLang="zh-CN" sz="2200" dirty="0" smtClean="0">
+                        <a:latin typeface="微软雅黑" panose="020B0503020204020204" pitchFamily="34" charset="-122"/>
+                        <a:ea typeface="微软雅黑" panose="020B0503020204020204" pitchFamily="34" charset="-122"/>
+                      </a:endParaRPr>
+                    </a:p>
+                  </a:txBody>
+                  <a:tcPr marT="45706" marB="45706"/>
+                </a:tc>
+                <a:tc>
+                  <a:txBody>
+                    <a:bodyPr/>
+                    <a:p>
+                      <a:r>
+                        <a:rPr lang="zh-CN" altLang="en-US" sz="2200" dirty="0" smtClean="0">
+                          <a:latin typeface="微软雅黑" panose="020B0503020204020204" pitchFamily="34" charset="-122"/>
+                          <a:ea typeface="微软雅黑" panose="020B0503020204020204" pitchFamily="34" charset="-122"/>
+                        </a:rPr>
+                        <a:t>定义页面有关信息，如页面编码、关键词、页面描述</a:t>
+                      </a:r>
+                      <a:endParaRPr lang="zh-CN" altLang="en-US" sz="2200" dirty="0">
+                        <a:latin typeface="微软雅黑" panose="020B0503020204020204" pitchFamily="34" charset="-122"/>
+                        <a:ea typeface="微软雅黑" panose="020B0503020204020204" pitchFamily="34" charset="-122"/>
+                      </a:endParaRPr>
+                    </a:p>
+                  </a:txBody>
+                  <a:tcPr marT="45706" marB="45706"/>
+                </a:tc>
+                <a:tc>
+                  <a:txBody>
+                    <a:bodyPr/>
+                    <a:p>
+                      <a:r>
+                        <a:rPr lang="en-US" altLang="zh-CN" sz="2200" baseline="0" dirty="0" smtClean="0">
+                          <a:latin typeface="微软雅黑" panose="020B0503020204020204" pitchFamily="34" charset="-122"/>
+                          <a:ea typeface="微软雅黑" panose="020B0503020204020204" pitchFamily="34" charset="-122"/>
+                        </a:rPr>
+                        <a:t>1</a:t>
+                      </a:r>
+                      <a:r>
+                        <a:rPr lang="en-US" altLang="zh-CN" sz="2200" dirty="0" smtClean="0">
+                          <a:latin typeface="微软雅黑" panose="020B0503020204020204" pitchFamily="34" charset="-122"/>
+                          <a:ea typeface="微软雅黑" panose="020B0503020204020204" pitchFamily="34" charset="-122"/>
+                          <a:sym typeface="+mn-ea"/>
+                        </a:rPr>
+                        <a:t>. </a:t>
+                      </a:r>
+                      <a:r>
+                        <a:rPr lang="zh-CN" altLang="en-US" sz="2200" baseline="0" dirty="0" smtClean="0">
+                          <a:latin typeface="微软雅黑" panose="020B0503020204020204" pitchFamily="34" charset="-122"/>
+                          <a:ea typeface="微软雅黑" panose="020B0503020204020204" pitchFamily="34" charset="-122"/>
+                        </a:rPr>
+                        <a:t>单标签，必须在 </a:t>
+                      </a:r>
+                      <a:r>
+                        <a:rPr lang="en-US" altLang="zh-CN" sz="2200" baseline="0" dirty="0" smtClean="0">
+                          <a:latin typeface="微软雅黑" panose="020B0503020204020204" pitchFamily="34" charset="-122"/>
+                          <a:ea typeface="微软雅黑" panose="020B0503020204020204" pitchFamily="34" charset="-122"/>
+                        </a:rPr>
+                        <a:t>head </a:t>
+                      </a:r>
+                      <a:r>
+                        <a:rPr lang="zh-CN" altLang="en-US" sz="2200" baseline="0" dirty="0" smtClean="0">
+                          <a:latin typeface="微软雅黑" panose="020B0503020204020204" pitchFamily="34" charset="-122"/>
+                          <a:ea typeface="微软雅黑" panose="020B0503020204020204" pitchFamily="34" charset="-122"/>
+                        </a:rPr>
+                        <a:t>标签内</a:t>
+                      </a:r>
+                      <a:endParaRPr lang="en-US" altLang="zh-CN" sz="2200" baseline="0" dirty="0" smtClean="0">
+                        <a:latin typeface="微软雅黑" panose="020B0503020204020204" pitchFamily="34" charset="-122"/>
+                        <a:ea typeface="微软雅黑" panose="020B0503020204020204" pitchFamily="34" charset="-122"/>
+                      </a:endParaRPr>
+                    </a:p>
+                    <a:p>
+                      <a:r>
+                        <a:rPr lang="en-US" altLang="zh-CN" sz="2200" baseline="0" dirty="0" smtClean="0">
+                          <a:latin typeface="微软雅黑" panose="020B0503020204020204" pitchFamily="34" charset="-122"/>
+                          <a:ea typeface="微软雅黑" panose="020B0503020204020204" pitchFamily="34" charset="-122"/>
+                        </a:rPr>
+                        <a:t>2</a:t>
+                      </a:r>
+                      <a:r>
+                        <a:rPr lang="en-US" altLang="zh-CN" sz="2200" dirty="0" smtClean="0">
+                          <a:latin typeface="微软雅黑" panose="020B0503020204020204" pitchFamily="34" charset="-122"/>
+                          <a:ea typeface="微软雅黑" panose="020B0503020204020204" pitchFamily="34" charset="-122"/>
+                          <a:sym typeface="+mn-ea"/>
+                        </a:rPr>
+                        <a:t>. </a:t>
+                      </a:r>
+                      <a:r>
+                        <a:rPr lang="zh-CN" altLang="en-US" sz="2200" baseline="0" dirty="0" smtClean="0">
+                          <a:latin typeface="微软雅黑" panose="020B0503020204020204" pitchFamily="34" charset="-122"/>
+                          <a:ea typeface="微软雅黑" panose="020B0503020204020204" pitchFamily="34" charset="-122"/>
+                        </a:rPr>
+                        <a:t>利用属性值进行设置</a:t>
+                      </a:r>
+                      <a:endParaRPr lang="en-US" altLang="zh-CN" sz="2200" baseline="0" dirty="0" smtClean="0">
+                        <a:latin typeface="微软雅黑" panose="020B0503020204020204" pitchFamily="34" charset="-122"/>
+                        <a:ea typeface="微软雅黑" panose="020B0503020204020204" pitchFamily="34" charset="-122"/>
+                      </a:endParaRPr>
+                    </a:p>
+                  </a:txBody>
+                  <a:tcPr marT="45706" marB="45706"/>
+                </a:tc>
+              </a:tr>
+              <a:tr h="807720">
                 <a:tc>
                   <a:txBody>
                     <a:bodyPr/>
@@ -10631,14 +10935,14 @@
                           <a:latin typeface="微软雅黑" panose="020B0503020204020204" pitchFamily="34" charset="-122"/>
                           <a:ea typeface="微软雅黑" panose="020B0503020204020204" pitchFamily="34" charset="-122"/>
                         </a:rPr>
-                        <a:t>嵌套于</a:t>
+                        <a:t>嵌套于 </a:t>
                       </a:r>
                       <a:r>
                         <a:rPr lang="en-US" altLang="zh-CN" sz="2200" baseline="0" dirty="0" smtClean="0">
                           <a:latin typeface="微软雅黑" panose="020B0503020204020204" pitchFamily="34" charset="-122"/>
                           <a:ea typeface="微软雅黑" panose="020B0503020204020204" pitchFamily="34" charset="-122"/>
                         </a:rPr>
-                        <a:t>head</a:t>
+                        <a:t>head </a:t>
                       </a:r>
                       <a:r>
                         <a:rPr lang="zh-CN" altLang="en-US" sz="2200" baseline="0" dirty="0" smtClean="0">
@@ -10646,155 +10950,6 @@
                           <a:ea typeface="微软雅黑" panose="020B0503020204020204" pitchFamily="34" charset="-122"/>
                         </a:rPr>
                         <a:t>标签内</a:t>
-                      </a:r>
-                      <a:endParaRPr lang="en-US" altLang="zh-CN" sz="2200" baseline="0" dirty="0" smtClean="0">
-                        <a:latin typeface="微软雅黑" panose="020B0503020204020204" pitchFamily="34" charset="-122"/>
-                        <a:ea typeface="微软雅黑" panose="020B0503020204020204" pitchFamily="34" charset="-122"/>
-                      </a:endParaRPr>
-                    </a:p>
-                  </a:txBody>
-                  <a:tcPr marT="45706" marB="45706"/>
-                </a:tc>
-              </a:tr>
-              <a:tr h="807720">
-                <a:tc>
-                  <a:txBody>
-                    <a:bodyPr/>
-                    <a:p>
-                      <a:pPr marL="0" marR="0" indent="0" algn="l" defTabSz="914400" rtl="0" eaLnBrk="1" fontAlgn="auto" latinLnBrk="0" hangingPunct="1">
-                        <a:lnSpc>
-                          <a:spcPct val="100000"/>
-                        </a:lnSpc>
-                        <a:spcBef>
-                          <a:spcPts val="0"/>
-                        </a:spcBef>
-                        <a:spcAft>
-                          <a:spcPts val="0"/>
-                        </a:spcAft>
-                        <a:buClrTx/>
-                        <a:buSzTx/>
-                        <a:buFontTx/>
-                        <a:buNone/>
-                        <a:defRPr/>
-                      </a:pPr>
-                      <a:r>
-                        <a:rPr lang="en-US" altLang="zh-CN" sz="2200" dirty="0" smtClean="0">
-                          <a:latin typeface="微软雅黑" panose="020B0503020204020204" pitchFamily="34" charset="-122"/>
-                          <a:ea typeface="微软雅黑" panose="020B0503020204020204" pitchFamily="34" charset="-122"/>
-                        </a:rPr>
-                        <a:t>&lt;meta</a:t>
-                      </a:r>
-                      <a:r>
-                        <a:rPr lang="en-US" altLang="zh-CN" sz="2200" b="1" baseline="0" dirty="0" smtClean="0">
-                          <a:solidFill>
-                            <a:srgbClr val="FF0000"/>
-                          </a:solidFill>
-                          <a:latin typeface="微软雅黑" panose="020B0503020204020204" pitchFamily="34" charset="-122"/>
-                          <a:ea typeface="微软雅黑" panose="020B0503020204020204" pitchFamily="34" charset="-122"/>
-                        </a:rPr>
-                        <a:t> /</a:t>
-                      </a:r>
-                      <a:r>
-                        <a:rPr lang="en-US" altLang="zh-CN" sz="2200" baseline="0" dirty="0" smtClean="0">
-                          <a:latin typeface="微软雅黑" panose="020B0503020204020204" pitchFamily="34" charset="-122"/>
-                          <a:ea typeface="微软雅黑" panose="020B0503020204020204" pitchFamily="34" charset="-122"/>
-                        </a:rPr>
-                        <a:t>&gt;</a:t>
-                      </a:r>
-                      <a:endParaRPr lang="en-US" altLang="zh-CN" sz="2200" dirty="0" smtClean="0">
-                        <a:latin typeface="微软雅黑" panose="020B0503020204020204" pitchFamily="34" charset="-122"/>
-                        <a:ea typeface="微软雅黑" panose="020B0503020204020204" pitchFamily="34" charset="-122"/>
-                      </a:endParaRPr>
-                    </a:p>
-                  </a:txBody>
-                  <a:tcPr marT="45706" marB="45706"/>
-                </a:tc>
-                <a:tc>
-                  <a:txBody>
-                    <a:bodyPr/>
-                    <a:p>
-                      <a:r>
-                        <a:rPr lang="zh-CN" altLang="en-US" sz="2200" dirty="0" smtClean="0">
-                          <a:latin typeface="微软雅黑" panose="020B0503020204020204" pitchFamily="34" charset="-122"/>
-                          <a:ea typeface="微软雅黑" panose="020B0503020204020204" pitchFamily="34" charset="-122"/>
-                        </a:rPr>
-                        <a:t>定义页面有关信息，如页面编码、关键词、页面描述</a:t>
-                      </a:r>
-                      <a:endParaRPr lang="zh-CN" altLang="en-US" sz="2200" dirty="0">
-                        <a:latin typeface="微软雅黑" panose="020B0503020204020204" pitchFamily="34" charset="-122"/>
-                        <a:ea typeface="微软雅黑" panose="020B0503020204020204" pitchFamily="34" charset="-122"/>
-                      </a:endParaRPr>
-                    </a:p>
-                  </a:txBody>
-                  <a:tcPr marT="45706" marB="45706"/>
-                </a:tc>
-                <a:tc>
-                  <a:txBody>
-                    <a:bodyPr/>
-                    <a:p>
-                      <a:r>
-                        <a:rPr lang="en-US" altLang="zh-CN" sz="2200" baseline="0" dirty="0" smtClean="0">
-                          <a:latin typeface="微软雅黑" panose="020B0503020204020204" pitchFamily="34" charset="-122"/>
-                          <a:ea typeface="微软雅黑" panose="020B0503020204020204" pitchFamily="34" charset="-122"/>
-                        </a:rPr>
-                        <a:t>1</a:t>
-                      </a:r>
-                      <a:r>
-                        <a:rPr lang="en-US" altLang="zh-CN" sz="2200" dirty="0" smtClean="0">
-                          <a:latin typeface="微软雅黑" panose="020B0503020204020204" pitchFamily="34" charset="-122"/>
-                          <a:ea typeface="微软雅黑" panose="020B0503020204020204" pitchFamily="34" charset="-122"/>
-                          <a:sym typeface="+mn-ea"/>
-                        </a:rPr>
-                        <a:t>. </a:t>
-                      </a:r>
-                      <a:r>
-                        <a:rPr lang="zh-CN" altLang="en-US" sz="2200" baseline="0" dirty="0" smtClean="0">
-                          <a:latin typeface="微软雅黑" panose="020B0503020204020204" pitchFamily="34" charset="-122"/>
-                          <a:ea typeface="微软雅黑" panose="020B0503020204020204" pitchFamily="34" charset="-122"/>
-                        </a:rPr>
-                        <a:t>单标签，必须在</a:t>
-                      </a:r>
-                      <a:r>
-                        <a:rPr lang="en-US" altLang="zh-CN" sz="2200" baseline="0" dirty="0" smtClean="0">
-                          <a:latin typeface="微软雅黑" panose="020B0503020204020204" pitchFamily="34" charset="-122"/>
-                          <a:ea typeface="微软雅黑" panose="020B0503020204020204" pitchFamily="34" charset="-122"/>
-                        </a:rPr>
-                        <a:t>head</a:t>
-                      </a:r>
-                      <a:r>
-                        <a:rPr lang="zh-CN" altLang="en-US" sz="2200" baseline="0" dirty="0" smtClean="0">
-                          <a:latin typeface="微软雅黑" panose="020B0503020204020204" pitchFamily="34" charset="-122"/>
-                          <a:ea typeface="微软雅黑" panose="020B0503020204020204" pitchFamily="34" charset="-122"/>
-                        </a:rPr>
-                        <a:t>标签内</a:t>
-                      </a:r>
-                      <a:endParaRPr lang="en-US" altLang="zh-CN" sz="2200" baseline="0" dirty="0" smtClean="0">
-                        <a:latin typeface="微软雅黑" panose="020B0503020204020204" pitchFamily="34" charset="-122"/>
-                        <a:ea typeface="微软雅黑" panose="020B0503020204020204" pitchFamily="34" charset="-122"/>
-                      </a:endParaRPr>
-                    </a:p>
-                    <a:p>
-                      <a:r>
-                        <a:rPr lang="en-US" altLang="zh-CN" sz="2200" baseline="0" dirty="0" smtClean="0">
-                          <a:latin typeface="微软雅黑" panose="020B0503020204020204" pitchFamily="34" charset="-122"/>
-                          <a:ea typeface="微软雅黑" panose="020B0503020204020204" pitchFamily="34" charset="-122"/>
-                        </a:rPr>
-                        <a:t>2</a:t>
-                      </a:r>
-                      <a:r>
-                        <a:rPr lang="en-US" altLang="zh-CN" sz="2200" dirty="0" smtClean="0">
-                          <a:latin typeface="微软雅黑" panose="020B0503020204020204" pitchFamily="34" charset="-122"/>
-                          <a:ea typeface="微软雅黑" panose="020B0503020204020204" pitchFamily="34" charset="-122"/>
-                          <a:sym typeface="+mn-ea"/>
-                        </a:rPr>
-                        <a:t>. </a:t>
-                      </a:r>
-                      <a:r>
-                        <a:rPr lang="zh-CN" altLang="en-US" sz="2200" baseline="0" dirty="0" smtClean="0">
-                          <a:latin typeface="微软雅黑" panose="020B0503020204020204" pitchFamily="34" charset="-122"/>
-                          <a:ea typeface="微软雅黑" panose="020B0503020204020204" pitchFamily="34" charset="-122"/>
-                        </a:rPr>
-                        <a:t>利用属性值进行设置</a:t>
                       </a:r>
                       <a:endParaRPr lang="en-US" altLang="zh-CN" sz="2200" baseline="0" dirty="0" smtClean="0">
                         <a:latin typeface="微软雅黑" panose="020B0503020204020204" pitchFamily="34" charset="-122"/>
@@ -10917,14 +11072,14 @@
                           <a:latin typeface="微软雅黑" panose="020B0503020204020204" pitchFamily="34" charset="-122"/>
                           <a:ea typeface="微软雅黑" panose="020B0503020204020204" pitchFamily="34" charset="-122"/>
                         </a:rPr>
-                        <a:t>嵌套于</a:t>
+                        <a:t>嵌套于 </a:t>
                       </a:r>
                       <a:r>
                         <a:rPr lang="en-US" altLang="zh-CN" sz="2200" baseline="0" dirty="0" smtClean="0">
                           <a:latin typeface="微软雅黑" panose="020B0503020204020204" pitchFamily="34" charset="-122"/>
                           <a:ea typeface="微软雅黑" panose="020B0503020204020204" pitchFamily="34" charset="-122"/>
                         </a:rPr>
-                        <a:t>html</a:t>
+                        <a:t>html </a:t>
                       </a:r>
                       <a:r>
                         <a:rPr lang="zh-CN" altLang="en-US" sz="2200" baseline="0" dirty="0" smtClean="0">
@@ -10951,14 +11106,14 @@
                           <a:latin typeface="微软雅黑" panose="020B0503020204020204" pitchFamily="34" charset="-122"/>
                           <a:ea typeface="微软雅黑" panose="020B0503020204020204" pitchFamily="34" charset="-122"/>
                         </a:rPr>
-                        <a:t>位于</a:t>
+                        <a:t>位于 </a:t>
                       </a:r>
                       <a:r>
                         <a:rPr lang="en-US" altLang="zh-CN" sz="2200" baseline="0" dirty="0" smtClean="0">
                           <a:latin typeface="微软雅黑" panose="020B0503020204020204" pitchFamily="34" charset="-122"/>
                           <a:ea typeface="微软雅黑" panose="020B0503020204020204" pitchFamily="34" charset="-122"/>
                         </a:rPr>
-                        <a:t>head</a:t>
+                        <a:t>head </a:t>
                       </a:r>
                       <a:r>
                         <a:rPr lang="zh-CN" altLang="en-US" sz="2200" baseline="0" dirty="0" smtClean="0">
@@ -11014,7 +11169,7 @@
                             </p:stCondLst>
                             <p:childTnLst>
                               <p:par>
-                                <p:cTn id="5" presetID="1" presetClass="entr" presetSubtype="0" fill="hold" nodeType="clickEffect">
+                                <p:cTn id="5" presetID="1" presetClass="exit" presetSubtype="0" fill="hold" nodeType="clickEffect">
                                   <p:stCondLst>
                                     <p:cond delay="0"/>
                                   </p:stCondLst>
@@ -11022,6 +11177,42 @@
                                     <p:set>
                                       <p:cBhvr>
                                         <p:cTn id="6" dur="1" fill="hold">
+                                          <p:stCondLst>
+                                            <p:cond delay="0"/>
+                                          </p:stCondLst>
+                                        </p:cTn>
+                                        <p:tgtEl>
+                                          <p:spTgt spid="19"/>
+                                        </p:tgtEl>
+                                        <p:attrNameLst>
+                                          <p:attrName>style.visibility</p:attrName>
+                                        </p:attrNameLst>
+                                      </p:cBhvr>
+                                      <p:to>
+                                        <p:strVal val="hidden"/>
+                                      </p:to>
+                                    </p:set>
+                                  </p:childTnLst>
+                                </p:cTn>
+                              </p:par>
+                            </p:childTnLst>
+                          </p:cTn>
+                        </p:par>
+                        <p:par>
+                          <p:cTn id="7" fill="hold">
+                            <p:stCondLst>
+                              <p:cond delay="0"/>
+                            </p:stCondLst>
+                            <p:childTnLst>
+                              <p:par>
+                                <p:cTn id="8" presetID="1" presetClass="entr" presetSubtype="0" fill="hold" nodeType="afterEffect">
+                                  <p:stCondLst>
+                                    <p:cond delay="0"/>
+                                  </p:stCondLst>
+                                  <p:childTnLst>
+                                    <p:set>
+                                      <p:cBhvr>
+                                        <p:cTn id="9" dur="1" fill="hold">
                                           <p:stCondLst>
                                             <p:cond delay="0"/>
                                           </p:stCondLst>
@@ -11047,26 +11238,62 @@
                     </p:cTn>
                   </p:par>
                   <p:par>
-                    <p:cTn id="7" fill="hold">
+                    <p:cTn id="10" fill="hold">
                       <p:stCondLst>
                         <p:cond delay="indefinite"/>
                       </p:stCondLst>
                       <p:childTnLst>
                         <p:par>
-                          <p:cTn id="8" fill="hold">
+                          <p:cTn id="11" fill="hold">
                             <p:stCondLst>
                               <p:cond delay="0"/>
                             </p:stCondLst>
                             <p:childTnLst>
                               <p:par>
-                                <p:cTn id="9" presetID="1" presetClass="entr" presetSubtype="0" fill="hold" nodeType="clickEffect">
+                                <p:cTn id="12" presetID="1" presetClass="exit" presetSubtype="0" fill="hold" nodeType="clickEffect">
                                   <p:stCondLst>
                                     <p:cond delay="0"/>
                                   </p:stCondLst>
                                   <p:childTnLst>
                                     <p:set>
                                       <p:cBhvr>
-                                        <p:cTn id="10" dur="1" fill="hold">
+                                        <p:cTn id="13" dur="1" fill="hold">
+                                          <p:stCondLst>
+                                            <p:cond delay="0"/>
+                                          </p:stCondLst>
+                                        </p:cTn>
+                                        <p:tgtEl>
+                                          <p:spTgt spid="25"/>
+                                        </p:tgtEl>
+                                        <p:attrNameLst>
+                                          <p:attrName>style.visibility</p:attrName>
+                                        </p:attrNameLst>
+                                      </p:cBhvr>
+                                      <p:to>
+                                        <p:strVal val="hidden"/>
+                                      </p:to>
+                                    </p:set>
+                                  </p:childTnLst>
+                                </p:cTn>
+                              </p:par>
+                            </p:childTnLst>
+                          </p:cTn>
+                        </p:par>
+                        <p:par>
+                          <p:cTn id="14" fill="hold">
+                            <p:stCondLst>
+                              <p:cond delay="0"/>
+                            </p:stCondLst>
+                            <p:childTnLst>
+                              <p:par>
+                                <p:cTn id="15" presetID="1" presetClass="entr" presetSubtype="0" fill="hold" nodeType="afterEffect">
+                                  <p:stCondLst>
+                                    <p:cond delay="0"/>
+                                  </p:stCondLst>
+                                  <p:childTnLst>
+                                    <p:set>
+                                      <p:cBhvr>
+                                        <p:cTn id="16" dur="1" fill="hold">
                                           <p:stCondLst>
                                             <p:cond delay="0"/>
                                           </p:stCondLst>
@@ -11092,26 +11319,62 @@
                     </p:cTn>
                   </p:par>
                   <p:par>
-                    <p:cTn id="11" fill="hold">
+                    <p:cTn id="17" fill="hold">
                       <p:stCondLst>
                         <p:cond delay="indefinite"/>
                       </p:stCondLst>
                       <p:childTnLst>
                         <p:par>
-                          <p:cTn id="12" fill="hold">
+                          <p:cTn id="18" fill="hold">
                             <p:stCondLst>
                               <p:cond delay="0"/>
                             </p:stCondLst>
                             <p:childTnLst>
                               <p:par>
-                                <p:cTn id="13" presetID="1" presetClass="entr" presetSubtype="0" fill="hold" nodeType="clickEffect">
+                                <p:cTn id="19" presetID="1" presetClass="exit" presetSubtype="0" fill="hold" nodeType="clickEffect">
                                   <p:stCondLst>
                                     <p:cond delay="0"/>
                                   </p:stCondLst>
                                   <p:childTnLst>
                                     <p:set>
                                       <p:cBhvr>
-                                        <p:cTn id="14" dur="1" fill="hold">
+                                        <p:cTn id="20" dur="1" fill="hold">
+                                          <p:stCondLst>
+                                            <p:cond delay="0"/>
+                                          </p:stCondLst>
+                                        </p:cTn>
+                                        <p:tgtEl>
+                                          <p:spTgt spid="20"/>
+                                        </p:tgtEl>
+                                        <p:attrNameLst>
+                                          <p:attrName>style.visibility</p:attrName>
+                                        </p:attrNameLst>
+                                      </p:cBhvr>
+                                      <p:to>
+                                        <p:strVal val="hidden"/>
+                                      </p:to>
+                                    </p:set>
+                                  </p:childTnLst>
+                                </p:cTn>
+                              </p:par>
+                            </p:childTnLst>
+                          </p:cTn>
+                        </p:par>
+                        <p:par>
+                          <p:cTn id="21" fill="hold">
+                            <p:stCondLst>
+                              <p:cond delay="0"/>
+                            </p:stCondLst>
+                            <p:childTnLst>
+                              <p:par>
+                                <p:cTn id="22" presetID="1" presetClass="entr" presetSubtype="0" fill="hold" nodeType="afterEffect">
+                                  <p:stCondLst>
+                                    <p:cond delay="0"/>
+                                  </p:stCondLst>
+                                  <p:childTnLst>
+                                    <p:set>
+                                      <p:cBhvr>
+                                        <p:cTn id="23" dur="1" fill="hold">
                                           <p:stCondLst>
                                             <p:cond delay="0"/>
                                           </p:stCondLst>
@@ -11137,26 +11400,62 @@
                     </p:cTn>
                   </p:par>
                   <p:par>
-                    <p:cTn id="15" fill="hold">
+                    <p:cTn id="24" fill="hold">
                       <p:stCondLst>
                         <p:cond delay="indefinite"/>
                       </p:stCondLst>
                       <p:childTnLst>
                         <p:par>
-                          <p:cTn id="16" fill="hold">
+                          <p:cTn id="25" fill="hold">
                             <p:stCondLst>
                               <p:cond delay="0"/>
                             </p:stCondLst>
                             <p:childTnLst>
                               <p:par>
-                                <p:cTn id="17" presetID="1" presetClass="entr" presetSubtype="0" fill="hold" nodeType="clickEffect">
+                                <p:cTn id="26" presetID="1" presetClass="exit" presetSubtype="0" fill="hold" nodeType="clickEffect">
                                   <p:stCondLst>
                                     <p:cond delay="0"/>
                                   </p:stCondLst>
                                   <p:childTnLst>
                                     <p:set>
                                       <p:cBhvr>
-                                        <p:cTn id="18" dur="1" fill="hold">
+                                        <p:cTn id="27" dur="1" fill="hold">
+                                          <p:stCondLst>
+                                            <p:cond delay="0"/>
+                                          </p:stCondLst>
+                                        </p:cTn>
+                                        <p:tgtEl>
+                                          <p:spTgt spid="21"/>
+                                        </p:tgtEl>
+                                        <p:attrNameLst>
+                                          <p:attrName>style.visibility</p:attrName>
+                                        </p:attrNameLst>
+                                      </p:cBhvr>
+                                      <p:to>
+                                        <p:strVal val="hidden"/>
+                                      </p:to>
+                                    </p:set>
+                                  </p:childTnLst>
+                                </p:cTn>
+                              </p:par>
+                            </p:childTnLst>
+                          </p:cTn>
+                        </p:par>
+                        <p:par>
+                          <p:cTn id="28" fill="hold">
+                            <p:stCondLst>
+                              <p:cond delay="0"/>
+                            </p:stCondLst>
+                            <p:childTnLst>
+                              <p:par>
+                                <p:cTn id="29" presetID="1" presetClass="entr" presetSubtype="0" fill="hold" nodeType="afterEffect">
+                                  <p:stCondLst>
+                                    <p:cond delay="0"/>
+                                  </p:stCondLst>
+                                  <p:childTnLst>
+                                    <p:set>
+                                      <p:cBhvr>
+                                        <p:cTn id="30" dur="1" fill="hold">
                                           <p:stCondLst>
                                             <p:cond delay="0"/>
                                           </p:stCondLst>
@@ -11182,26 +11481,62 @@
                     </p:cTn>
                   </p:par>
                   <p:par>
-                    <p:cTn id="19" fill="hold">
+                    <p:cTn id="31" fill="hold">
                       <p:stCondLst>
                         <p:cond delay="indefinite"/>
                       </p:stCondLst>
                       <p:childTnLst>
                         <p:par>
-                          <p:cTn id="20" fill="hold">
+                          <p:cTn id="32" fill="hold">
                             <p:stCondLst>
                               <p:cond delay="0"/>
                             </p:stCondLst>
                             <p:childTnLst>
                               <p:par>
-                                <p:cTn id="21" presetID="1" presetClass="entr" presetSubtype="0" fill="hold" nodeType="clickEffect">
+                                <p:cTn id="33" presetID="1" presetClass="exit" presetSubtype="0" fill="hold" nodeType="clickEffect">
                                   <p:stCondLst>
                                     <p:cond delay="0"/>
                                   </p:stCondLst>
                                   <p:childTnLst>
                                     <p:set>
                                       <p:cBhvr>
-                                        <p:cTn id="22" dur="1" fill="hold">
+                                        <p:cTn id="34" dur="1" fill="hold">
+                                          <p:stCondLst>
+                                            <p:cond delay="0"/>
+                                          </p:stCondLst>
+                                        </p:cTn>
+                                        <p:tgtEl>
+                                          <p:spTgt spid="23"/>
+                                        </p:tgtEl>
+                                        <p:attrNameLst>
+                                          <p:attrName>style.visibility</p:attrName>
+                                        </p:attrNameLst>
+                                      </p:cBhvr>
+                                      <p:to>
+                                        <p:strVal val="hidden"/>
+                                      </p:to>
+                                    </p:set>
+                                  </p:childTnLst>
+                                </p:cTn>
+                              </p:par>
+                            </p:childTnLst>
+                          </p:cTn>
+                        </p:par>
+                        <p:par>
+                          <p:cTn id="35" fill="hold">
+                            <p:stCondLst>
+                              <p:cond delay="0"/>
+                            </p:stCondLst>
+                            <p:childTnLst>
+                              <p:par>
+                                <p:cTn id="36" presetID="1" presetClass="entr" presetSubtype="0" fill="hold" nodeType="afterEffect">
+                                  <p:stCondLst>
+                                    <p:cond delay="0"/>
+                                  </p:stCondLst>
+                                  <p:childTnLst>
+                                    <p:set>
+                                      <p:cBhvr>
+                                        <p:cTn id="37" dur="1" fill="hold">
                                           <p:stCondLst>
                                             <p:cond delay="0"/>
                                           </p:stCondLst>
@@ -11567,13 +11902,13 @@
               <a:rPr lang="zh-CN" altLang="en-US">
                 <a:sym typeface="+mn-ea"/>
               </a:rPr>
-              <a:t>为什么</a:t>
+              <a:t>为什么 </a:t>
             </a:r>
             <a:r>
               <a:rPr>
                 <a:sym typeface="+mn-ea"/>
               </a:rPr>
-              <a:t>HTML</a:t>
+              <a:t>HTML </a:t>
             </a:r>
             <a:r>
               <a:rPr lang="zh-CN" altLang="en-US">
@@ -11681,6 +12016,224 @@
       <p:transition spd="slow"/>
     </mc:Fallback>
   </mc:AlternateContent>
+  <p:timing>
+    <p:tnLst>
+      <p:par>
+        <p:cTn id="1" dur="indefinite" restart="never" nodeType="tmRoot">
+          <p:childTnLst>
+            <p:seq concurrent="1" nextAc="seek">
+              <p:cTn id="2" dur="indefinite" nodeType="mainSeq">
+                <p:childTnLst>
+                  <p:par>
+                    <p:cTn id="3" fill="hold">
+                      <p:stCondLst>
+                        <p:cond delay="indefinite"/>
+                      </p:stCondLst>
+                      <p:childTnLst>
+                        <p:par>
+                          <p:cTn id="4" fill="hold">
+                            <p:stCondLst>
+                              <p:cond delay="0"/>
+                            </p:stCondLst>
+                            <p:childTnLst>
+                              <p:par>
+                                <p:cTn id="5" presetID="2" presetClass="entr" presetSubtype="4" fill="hold" nodeType="clickEffect">
+                                  <p:stCondLst>
+                                    <p:cond delay="0"/>
+                                  </p:stCondLst>
+                                  <p:childTnLst>
+                                    <p:set>
+                                      <p:cBhvr>
+                                        <p:cTn id="6" dur="1" fill="hold">
+                                          <p:stCondLst>
+                                            <p:cond delay="0"/>
+                                          </p:stCondLst>
+                                        </p:cTn>
+                                        <p:tgtEl>
+                                          <p:spTgt spid="3">
+                                            <p:txEl>
+                                              <p:pRg st="1" end="1"/>
+                                            </p:txEl>
+                                          </p:spTgt>
+                                        </p:tgtEl>
+                                        <p:attrNameLst>
+                                          <p:attrName>style.visibility</p:attrName>
+                                        </p:attrNameLst>
+                                      </p:cBhvr>
+                                      <p:to>
+                                        <p:strVal val="visible"/>
+                                      </p:to>
+                                    </p:set>
+                                    <p:anim calcmode="lin" valueType="num">
+                                      <p:cBhvr additive="base">
+                                        <p:cTn id="7" dur="500" fill="hold"/>
+                                        <p:tgtEl>
+                                          <p:spTgt spid="3">
+                                            <p:txEl>
+                                              <p:pRg st="1" end="1"/>
+                                            </p:txEl>
+                                          </p:spTgt>
+                                        </p:tgtEl>
+                                        <p:attrNameLst>
+                                          <p:attrName>ppt_x</p:attrName>
+                                        </p:attrNameLst>
+                                      </p:cBhvr>
+                                      <p:tavLst>
+                                        <p:tav tm="0">
+                                          <p:val>
+                                            <p:strVal val="#ppt_x"/>
+                                          </p:val>
+                                        </p:tav>
+                                        <p:tav tm="100000">
+                                          <p:val>
+                                            <p:strVal val="#ppt_x"/>
+                                          </p:val>
+                                        </p:tav>
+                                      </p:tavLst>
+                                    </p:anim>
+                                    <p:anim calcmode="lin" valueType="num">
+                                      <p:cBhvr additive="base">
+                                        <p:cTn id="8" dur="500" fill="hold"/>
+                                        <p:tgtEl>
+                                          <p:spTgt spid="3">
+                                            <p:txEl>
+                                              <p:pRg st="1" end="1"/>
+                                            </p:txEl>
+                                          </p:spTgt>
+                                        </p:tgtEl>
+                                        <p:attrNameLst>
+                                          <p:attrName>ppt_y</p:attrName>
+                                        </p:attrNameLst>
+                                      </p:cBhvr>
+                                      <p:tavLst>
+                                        <p:tav tm="0">
+                                          <p:val>
+                                            <p:strVal val="1+#ppt_h/2"/>
+                                          </p:val>
+                                        </p:tav>
+                                        <p:tav tm="100000">
+                                          <p:val>
+                                            <p:strVal val="#ppt_y"/>
+                                          </p:val>
+                                        </p:tav>
+                                      </p:tavLst>
+                                    </p:anim>
+                                  </p:childTnLst>
+                                </p:cTn>
+                              </p:par>
+                              <p:par>
+                                <p:cTn id="9" presetID="2" presetClass="entr" presetSubtype="4" fill="hold" nodeType="withEffect">
+                                  <p:stCondLst>
+                                    <p:cond delay="0"/>
+                                  </p:stCondLst>
+                                  <p:childTnLst>
+                                    <p:set>
+                                      <p:cBhvr>
+                                        <p:cTn id="10" dur="1" fill="hold">
+                                          <p:stCondLst>
+                                            <p:cond delay="0"/>
+                                          </p:stCondLst>
+                                        </p:cTn>
+                                        <p:tgtEl>
+                                          <p:spTgt spid="3">
+                                            <p:txEl>
+                                              <p:pRg st="2" end="2"/>
+                                            </p:txEl>
+                                          </p:spTgt>
+                                        </p:tgtEl>
+                                        <p:attrNameLst>
+                                          <p:attrName>style.visibility</p:attrName>
+                                        </p:attrNameLst>
+                                      </p:cBhvr>
+                                      <p:to>
+                                        <p:strVal val="visible"/>
+                                      </p:to>
+                                    </p:set>
+                                    <p:anim calcmode="lin" valueType="num">
+                                      <p:cBhvr additive="base">
+                                        <p:cTn id="11" dur="500" fill="hold"/>
+                                        <p:tgtEl>
+                                          <p:spTgt spid="3">
+                                            <p:txEl>
+                                              <p:pRg st="2" end="2"/>
+                                            </p:txEl>
+                                          </p:spTgt>
+                                        </p:tgtEl>
+                                        <p:attrNameLst>
+                                          <p:attrName>ppt_x</p:attrName>
+                                        </p:attrNameLst>
+                                      </p:cBhvr>
+                                      <p:tavLst>
+                                        <p:tav tm="0">
+                                          <p:val>
+                                            <p:strVal val="#ppt_x"/>
+                                          </p:val>
+                                        </p:tav>
+                                        <p:tav tm="100000">
+                                          <p:val>
+                                            <p:strVal val="#ppt_x"/>
+                                          </p:val>
+                                        </p:tav>
+                                      </p:tavLst>
+                                    </p:anim>
+                                    <p:anim calcmode="lin" valueType="num">
+                                      <p:cBhvr additive="base">
+                                        <p:cTn id="12" dur="500" fill="hold"/>
+                                        <p:tgtEl>
+                                          <p:spTgt spid="3">
+                                            <p:txEl>
+                                              <p:pRg st="2" end="2"/>
+                                            </p:txEl>
+                                          </p:spTgt>
+                                        </p:tgtEl>
+                                        <p:attrNameLst>
+                                          <p:attrName>ppt_y</p:attrName>
+                                        </p:attrNameLst>
+                                      </p:cBhvr>
+                                      <p:tavLst>
+                                        <p:tav tm="0">
+                                          <p:val>
+                                            <p:strVal val="1+#ppt_h/2"/>
+                                          </p:val>
+                                        </p:tav>
+                                        <p:tav tm="100000">
+                                          <p:val>
+                                            <p:strVal val="#ppt_y"/>
+                                          </p:val>
+                                        </p:tav>
+                                      </p:tavLst>
+                                    </p:anim>
+                                  </p:childTnLst>
+                                </p:cTn>
+                              </p:par>
+                            </p:childTnLst>
+                          </p:cTn>
+                        </p:par>
+                      </p:childTnLst>
+                    </p:cTn>
+                  </p:par>
+                </p:childTnLst>
+              </p:cTn>
+              <p:prevCondLst>
+                <p:cond evt="onPrev" delay="0">
+                  <p:tgtEl>
+                    <p:sldTgt/>
+                  </p:tgtEl>
+                </p:cond>
+              </p:prevCondLst>
+              <p:nextCondLst>
+                <p:cond evt="onNext" delay="0">
+                  <p:tgtEl>
+                    <p:sldTgt/>
+                  </p:tgtEl>
+                </p:cond>
+              </p:nextCondLst>
+            </p:seq>
+          </p:childTnLst>
+        </p:cTn>
+      </p:par>
+    </p:tnLst>
+  </p:timing>
 </p:sld>
 </file>
 
@@ -11750,7 +12303,7 @@
           </a:p>
           <a:p>
             <a:r>
-              <a:t>HTML</a:t>
+              <a:t>HTML </a:t>
             </a:r>
             <a:r>
               <a:rPr lang="zh-CN" altLang="en-US">
@@ -12474,6 +13027,41 @@
                 <a:ea typeface="微软雅黑" panose="020B0503020204020204" pitchFamily="34" charset="-122"/>
               </a:rPr>
               <a:t>标签内容</a:t>
+            </a:r>
+            <a:endParaRPr lang="zh-CN" altLang="en-US" sz="2600" dirty="0">
+              <a:latin typeface="微软雅黑" panose="020B0503020204020204" pitchFamily="34" charset="-122"/>
+              <a:ea typeface="微软雅黑" panose="020B0503020204020204" pitchFamily="34" charset="-122"/>
+            </a:endParaRPr>
+          </a:p>
+        </p:txBody>
+      </p:sp>
+      <p:sp>
+        <p:nvSpPr>
+          <p:cNvPr id="4" name="文本框 10"/>
+          <p:cNvSpPr txBox="1"/>
+          <p:nvPr/>
+        </p:nvSpPr>
+        <p:spPr>
+          <a:xfrm>
+            <a:off x="9360848" y="5758497"/>
+            <a:ext cx="2468245" cy="508000"/>
+          </a:xfrm>
+          <a:prstGeom prst="rect">
+            <a:avLst/>
+          </a:prstGeom>
+          <a:noFill/>
+        </p:spPr>
+        <p:txBody>
+          <a:bodyPr wrap="none" lIns="108850" tIns="54425" rIns="108850" bIns="54425" rtlCol="0">
+            <a:spAutoFit/>
+          </a:bodyPr>
+          <a:p>
+            <a:r>
+              <a:rPr lang="en-US" altLang="zh-CN" sz="2600" dirty="0" smtClean="0">
+                <a:latin typeface="微软雅黑" panose="020B0503020204020204" pitchFamily="34" charset="-122"/>
+                <a:ea typeface="微软雅黑" panose="020B0503020204020204" pitchFamily="34" charset="-122"/>
+              </a:rPr>
+              <a:t>demo2-2.html</a:t>
             </a:r>
             <a:endParaRPr lang="zh-CN" altLang="en-US" sz="2600" dirty="0">
               <a:latin typeface="微软雅黑" panose="020B0503020204020204" pitchFamily="34" charset="-122"/>
@@ -12591,6 +13179,67 @@
                       </p:childTnLst>
                     </p:cTn>
                   </p:par>
+                  <p:par>
+                    <p:cTn id="11" fill="hold">
+                      <p:stCondLst>
+                        <p:cond delay="indefinite"/>
+                      </p:stCondLst>
+                      <p:childTnLst>
+                        <p:par>
+                          <p:cTn id="12" fill="hold">
+                            <p:stCondLst>
+                              <p:cond delay="0"/>
+                            </p:stCondLst>
+                            <p:childTnLst>
+                              <p:par>
+                                <p:cTn id="13" presetID="22" presetClass="entr" presetSubtype="8" fill="hold" nodeType="clickEffect">
+                                  <p:stCondLst>
+                                    <p:cond delay="0"/>
+                                  </p:stCondLst>
+                                  <p:childTnLst>
+                                    <p:set>
+                                      <p:cBhvr>
+                                        <p:cTn id="14" dur="1" fill="hold">
+                                          <p:stCondLst>
+                                            <p:cond delay="0"/>
+                                          </p:stCondLst>
+                                        </p:cTn>
+                                        <p:tgtEl>
+                                          <p:spTgt spid="3">
+                                            <p:txEl>
+                                              <p:pRg st="5" end="5"/>
+                                            </p:txEl>
+                                          </p:spTgt>
+                                        </p:tgtEl>
+                                        <p:attrNameLst>
+                                          <p:attrName>style.visibility</p:attrName>
+                                        </p:attrNameLst>
+                                      </p:cBhvr>
+                                      <p:to>
+                                        <p:strVal val="visible"/>
+                                      </p:to>
+                                    </p:set>
+                                    <p:animEffect transition="in" filter="wipe(left)">
+                                      <p:cBhvr>
+                                        <p:cTn id="15" dur="500"/>
+                                        <p:tgtEl>
+                                          <p:spTgt spid="3">
+                                            <p:txEl>
+                                              <p:pRg st="5" end="5"/>
+                                            </p:txEl>
+                                          </p:spTgt>
+                                        </p:tgtEl>
+                                      </p:cBhvr>
+                                    </p:animEffect>
+                                  </p:childTnLst>
+                                </p:cTn>
+                              </p:par>
+                            </p:childTnLst>
+                          </p:cTn>
+                        </p:par>
+                      </p:childTnLst>
+                    </p:cTn>
+                  </p:par>
                 </p:childTnLst>
               </p:cTn>
               <p:prevCondLst>
@@ -12664,7 +13313,7 @@
         <p:spPr/>
         <p:txBody>
           <a:bodyPr>
-            <a:normAutofit lnSpcReduction="10000"/>
+            <a:normAutofit/>
           </a:bodyPr>
           <a:p>
             <a:r>
@@ -12686,7 +13335,19 @@
               <a:rPr lang="zh-CN" altLang="en-US">
                 <a:sym typeface="+mn-ea"/>
               </a:rPr>
-              <a:t>的，但先后书序必须保持一致，如：</a:t>
+              <a:t>的，但先后书序必须保持一致</a:t>
+            </a:r>
+            <a:endParaRPr lang="zh-CN" altLang="en-US">
+              <a:sym typeface="+mn-ea"/>
+            </a:endParaRPr>
+          </a:p>
+          <a:p>
+            <a:pPr lvl="1"/>
+            <a:r>
+              <a:rPr lang="zh-CN" altLang="en-US">
+                <a:sym typeface="+mn-ea"/>
+              </a:rPr>
+              <a:t>如：</a:t>
             </a:r>
             <a:r>
               <a:rPr>
@@ -12785,14 +13446,20 @@
               <a:rPr>
                 <a:sym typeface="+mn-ea"/>
               </a:rPr>
-              <a:t>HTML</a:t>
+              <a:t>HTML </a:t>
             </a:r>
             <a:r>
               <a:rPr lang="zh-CN" altLang="en-US">
                 <a:sym typeface="+mn-ea"/>
               </a:rPr>
-              <a:t>标签对大小写不敏感：</a:t>
-            </a:r>
+              <a:t>标签对大小写不敏感</a:t>
+            </a:r>
+            <a:endParaRPr lang="zh-CN" altLang="en-US">
+              <a:sym typeface="+mn-ea"/>
+            </a:endParaRPr>
+          </a:p>
+          <a:p>
+            <a:pPr lvl="1"/>
             <a:r>
               <a:rPr>
                 <a:sym typeface="+mn-ea"/>
@@ -12981,7 +13648,7 @@
 </file>
 
 <file path=ppt/slides/slide17.xml><?xml version="1.0" encoding="utf-8"?>
-<p:sld xmlns:a="http://schemas.openxmlformats.org/drawingml/2006/main" xmlns:r="http://schemas.openxmlformats.org/officeDocument/2006/relationships" xmlns:p="http://schemas.openxmlformats.org/presentationml/2006/main">
+<p:sld xmlns:a="http://schemas.openxmlformats.org/drawingml/2006/main" xmlns:r="http://schemas.openxmlformats.org/officeDocument/2006/relationships" xmlns:p="http://schemas.openxmlformats.org/presentationml/2006/main" show="0">
   <p:cSld>
     <p:spTree>
       <p:nvGrpSpPr>
@@ -13028,7 +13695,7 @@
           <a:p>
             <a:pPr algn="l"/>
             <a:r>
-              <a:t>HTML</a:t>
+              <a:t>HTML </a:t>
             </a:r>
             <a:r>
               <a:rPr lang="zh-CN" altLang="en-US"/>
@@ -13083,7 +13750,7 @@
                   <a:srgbClr val="C00000"/>
                 </a:solidFill>
               </a:rPr>
-              <a:t>name=</a:t>
+              <a:t>name = </a:t>
             </a:r>
             <a:r>
               <a:rPr>
@@ -16131,7 +16798,7 @@
             <a:lstStyle/>
             <a:p>
               <a:r>
-                <a:rPr lang="en-US" altLang="zh-CN" sz="2800" dirty="0" smtClean="0">
+                <a:rPr lang="zh-CN" altLang="en-US" sz="2800" dirty="0" smtClean="0">
                   <a:solidFill>
                     <a:srgbClr val="595E64"/>
                   </a:solidFill>
@@ -16140,9 +16807,9 @@
                 </a:rPr>
                 <a:t>理解网页文件</a:t>
               </a:r>
-              <a:endParaRPr lang="zh-CN" altLang="en-US" sz="2800" dirty="0" smtClean="0">
-                <a:solidFill>
-                  <a:schemeClr val="tx1"/>
+              <a:endParaRPr lang="zh-CN" altLang="en-US" sz="2800" dirty="0">
+                <a:solidFill>
+                  <a:srgbClr val="FF0000"/>
                 </a:solidFill>
                 <a:latin typeface="微软雅黑" panose="020B0503020204020204" pitchFamily="34" charset="-122"/>
                 <a:ea typeface="微软雅黑" panose="020B0503020204020204" pitchFamily="34" charset="-122"/>
@@ -16159,10 +16826,10 @@
         </p:nvGrpSpPr>
         <p:grpSpPr>
           <a:xfrm>
-            <a:off x="4199253" y="2395198"/>
-            <a:ext cx="7369354" cy="523240"/>
-            <a:chOff x="4199253" y="2780928"/>
-            <a:chExt cx="7369354" cy="523240"/>
+            <a:off x="4199254" y="2395198"/>
+            <a:ext cx="7369353" cy="521970"/>
+            <a:chOff x="4199254" y="2780928"/>
+            <a:chExt cx="7369353" cy="521970"/>
           </a:xfrm>
         </p:grpSpPr>
         <p:sp>
@@ -16174,7 +16841,7 @@
           <p:spPr>
             <a:xfrm>
               <a:off x="5043210" y="2780928"/>
-              <a:ext cx="6525397" cy="523240"/>
+              <a:ext cx="6525397" cy="521970"/>
             </a:xfrm>
             <a:prstGeom prst="rect">
               <a:avLst/>
@@ -16194,8 +16861,40 @@
                   </a:solidFill>
                   <a:latin typeface="微软雅黑" panose="020B0503020204020204" pitchFamily="34" charset="-122"/>
                   <a:ea typeface="微软雅黑" panose="020B0503020204020204" pitchFamily="34" charset="-122"/>
+                  <a:sym typeface="+mn-ea"/>
                 </a:rPr>
-                <a:t>段落标签和标题标签</a:t>
+                <a:t>标题</a:t>
+              </a:r>
+              <a:r>
+                <a:rPr lang="zh-CN" altLang="en-US" sz="2800" dirty="0" smtClean="0">
+                  <a:solidFill>
+                    <a:srgbClr val="FF0000"/>
+                  </a:solidFill>
+                  <a:latin typeface="微软雅黑" panose="020B0503020204020204" pitchFamily="34" charset="-122"/>
+                  <a:ea typeface="微软雅黑" panose="020B0503020204020204" pitchFamily="34" charset="-122"/>
+                </a:rPr>
+                <a:t>标签和</a:t>
+              </a:r>
+              <a:r>
+                <a:rPr lang="zh-CN" altLang="en-US" sz="2800" dirty="0" smtClean="0">
+                  <a:solidFill>
+                    <a:srgbClr val="FF0000"/>
+                  </a:solidFill>
+                  <a:latin typeface="微软雅黑" panose="020B0503020204020204" pitchFamily="34" charset="-122"/>
+                  <a:ea typeface="微软雅黑" panose="020B0503020204020204" pitchFamily="34" charset="-122"/>
+                  <a:sym typeface="+mn-ea"/>
+                </a:rPr>
+                <a:t>段落</a:t>
+              </a:r>
+              <a:r>
+                <a:rPr lang="zh-CN" altLang="en-US" sz="2800" dirty="0" smtClean="0">
+                  <a:solidFill>
+                    <a:srgbClr val="FF0000"/>
+                  </a:solidFill>
+                  <a:latin typeface="微软雅黑" panose="020B0503020204020204" pitchFamily="34" charset="-122"/>
+                  <a:ea typeface="微软雅黑" panose="020B0503020204020204" pitchFamily="34" charset="-122"/>
+                </a:rPr>
+                <a:t>标签</a:t>
               </a:r>
               <a:endParaRPr lang="zh-CN" altLang="en-US" sz="2800" dirty="0" smtClean="0">
                 <a:solidFill>
@@ -16468,10 +17167,10 @@
         </p:nvGrpSpPr>
         <p:grpSpPr>
           <a:xfrm>
-            <a:off x="4199253" y="1615955"/>
-            <a:ext cx="7196971" cy="521970"/>
-            <a:chOff x="4199253" y="1898918"/>
-            <a:chExt cx="7196971" cy="521970"/>
+            <a:off x="4199254" y="1615955"/>
+            <a:ext cx="7196970" cy="521970"/>
+            <a:chOff x="4199254" y="1898918"/>
+            <a:chExt cx="7196970" cy="521970"/>
           </a:xfrm>
         </p:grpSpPr>
         <p:sp>
@@ -16559,14 +17258,10 @@
             </a:lstStyle>
             <a:p>
               <a:r>
-                <a:rPr lang="en-US" altLang="zh-CN" dirty="0" smtClean="0"/>
-                <a:t>HTML</a:t>
+                <a:rPr lang="zh-CN" altLang="en-US" dirty="0" smtClean="0"/>
+                <a:t>HTML语法基础</a:t>
               </a:r>
-              <a:r>
-                <a:rPr lang="zh-CN" altLang="en-US" dirty="0" smtClean="0"/>
-                <a:t>语法基础</a:t>
-              </a:r>
-              <a:endParaRPr lang="zh-CN" altLang="en-US" dirty="0"/>
+              <a:endParaRPr lang="zh-CN" altLang="en-US" dirty="0" smtClean="0"/>
             </a:p>
           </p:txBody>
         </p:sp>
@@ -16674,10 +17369,10 @@
         </p:nvGrpSpPr>
         <p:grpSpPr>
           <a:xfrm>
-            <a:off x="4223792" y="4736717"/>
-            <a:ext cx="6264731" cy="523220"/>
-            <a:chOff x="4199253" y="4653136"/>
-            <a:chExt cx="6264731" cy="523220"/>
+            <a:off x="4223793" y="4736717"/>
+            <a:ext cx="6264730" cy="521970"/>
+            <a:chOff x="4199254" y="4653136"/>
+            <a:chExt cx="6264730" cy="521970"/>
           </a:xfrm>
         </p:grpSpPr>
         <p:sp>
@@ -16689,7 +17384,7 @@
           <p:spPr>
             <a:xfrm>
               <a:off x="5043210" y="4653136"/>
-              <a:ext cx="5420774" cy="523220"/>
+              <a:ext cx="5420774" cy="521970"/>
             </a:xfrm>
             <a:prstGeom prst="rect">
               <a:avLst/>
@@ -16710,7 +17405,7 @@
                   <a:latin typeface="微软雅黑" panose="020B0503020204020204" pitchFamily="34" charset="-122"/>
                   <a:ea typeface="微软雅黑" panose="020B0503020204020204" pitchFamily="34" charset="-122"/>
                 </a:rPr>
-                <a:t>有序列表标签和无序列表标签</a:t>
+                <a:t>无序列表标签和有序列表标签</a:t>
               </a:r>
               <a:endParaRPr lang="zh-CN" altLang="en-US" sz="2800" dirty="0">
                 <a:solidFill>
@@ -17905,22 +18600,60 @@
         <p:nvPr/>
       </p:nvGrpSpPr>
       <p:grpSpPr/>
-      <p:sp>
-        <p:nvSpPr>
-          <p:cNvPr id="6" name="内容占位符 5"/>
-          <p:cNvSpPr/>
-          <p:nvPr>
-            <p:ph sz="half" idx="1"/>
-          </p:nvPr>
-        </p:nvSpPr>
-        <p:spPr/>
-        <p:txBody>
-          <a:bodyPr/>
-          <a:p>
-            <a:endParaRPr lang="zh-CN" altLang="en-US"/>
-          </a:p>
-        </p:txBody>
-      </p:sp>
+      <p:pic>
+        <p:nvPicPr>
+          <p:cNvPr id="5" name="Picture 2"/>
+          <p:cNvPicPr>
+            <a:picLocks noChangeAspect="1" noChangeArrowheads="1"/>
+          </p:cNvPicPr>
+          <p:nvPr/>
+        </p:nvPicPr>
+        <p:blipFill>
+          <a:blip r:embed="rId1">
+            <a:extLst>
+              <a:ext uri="{28A0092B-C50C-407E-A947-70E740481C1C}">
+                <a14:useLocalDpi xmlns:a14="http://schemas.microsoft.com/office/drawing/2010/main" val="0"/>
+              </a:ext>
+            </a:extLst>
+          </a:blip>
+          <a:srcRect b="43490"/>
+          <a:stretch>
+            <a:fillRect/>
+          </a:stretch>
+        </p:blipFill>
+        <p:spPr bwMode="auto">
+          <a:xfrm>
+            <a:off x="1198880" y="850900"/>
+            <a:ext cx="3418205" cy="4652010"/>
+          </a:xfrm>
+          <a:prstGeom prst="rect">
+            <a:avLst/>
+          </a:prstGeom>
+          <a:noFill/>
+          <a:ln>
+            <a:noFill/>
+          </a:ln>
+          <a:extLst>
+            <a:ext uri="{909E8E84-426E-40DD-AFC4-6F175D3DCCD1}">
+              <a14:hiddenFill xmlns:a14="http://schemas.microsoft.com/office/drawing/2010/main">
+                <a:solidFill>
+                  <a:schemeClr val="accent1"/>
+                </a:solidFill>
+              </a14:hiddenFill>
+            </a:ext>
+            <a:ext uri="{91240B29-F687-4F45-9708-019B960494DF}">
+              <a14:hiddenLine xmlns:a14="http://schemas.microsoft.com/office/drawing/2010/main" w="9525">
+                <a:solidFill>
+                  <a:schemeClr val="tx1"/>
+                </a:solidFill>
+                <a:miter lim="800000"/>
+                <a:headEnd/>
+                <a:tailEnd/>
+              </a14:hiddenLine>
+            </a:ext>
+          </a:extLst>
+        </p:spPr>
+      </p:pic>
       <p:sp>
         <p:nvSpPr>
           <p:cNvPr id="2" name="标题 1"/>
@@ -17943,60 +18676,6 @@
           </a:p>
         </p:txBody>
       </p:sp>
-      <p:pic>
-        <p:nvPicPr>
-          <p:cNvPr id="1026" name="Picture 2"/>
-          <p:cNvPicPr>
-            <a:picLocks noChangeAspect="1" noChangeArrowheads="1"/>
-          </p:cNvPicPr>
-          <p:nvPr/>
-        </p:nvPicPr>
-        <p:blipFill>
-          <a:blip r:embed="rId1">
-            <a:extLst>
-              <a:ext uri="{28A0092B-C50C-407E-A947-70E740481C1C}">
-                <a14:useLocalDpi xmlns:a14="http://schemas.microsoft.com/office/drawing/2010/main" val="0"/>
-              </a:ext>
-            </a:extLst>
-          </a:blip>
-          <a:srcRect/>
-          <a:stretch>
-            <a:fillRect/>
-          </a:stretch>
-        </p:blipFill>
-        <p:spPr bwMode="auto">
-          <a:xfrm>
-            <a:off x="1729661" y="865594"/>
-            <a:ext cx="2183363" cy="5256584"/>
-          </a:xfrm>
-          <a:prstGeom prst="rect">
-            <a:avLst/>
-          </a:prstGeom>
-          <a:noFill/>
-          <a:ln>
-            <a:noFill/>
-          </a:ln>
-          <a:extLst>
-            <a:ext uri="{909E8E84-426E-40DD-AFC4-6F175D3DCCD1}">
-              <a14:hiddenFill xmlns:a14="http://schemas.microsoft.com/office/drawing/2010/main">
-                <a:solidFill>
-                  <a:schemeClr val="accent1"/>
-                </a:solidFill>
-              </a14:hiddenFill>
-            </a:ext>
-            <a:ext uri="{91240B29-F687-4F45-9708-019B960494DF}">
-              <a14:hiddenLine xmlns:a14="http://schemas.microsoft.com/office/drawing/2010/main" w="9525">
-                <a:solidFill>
-                  <a:schemeClr val="tx1"/>
-                </a:solidFill>
-                <a:miter lim="800000"/>
-                <a:headEnd/>
-                <a:tailEnd/>
-              </a14:hiddenLine>
-            </a:ext>
-          </a:extLst>
-        </p:spPr>
-      </p:pic>
       <p:sp>
         <p:nvSpPr>
           <p:cNvPr id="8" name="椭圆形标注 7"/>
@@ -19903,7 +20582,7 @@
                   <a:schemeClr val="tx1"/>
                 </a:solidFill>
               </a:rPr>
-              <a:t>在</a:t>
+              <a:t>在 </a:t>
             </a:r>
             <a:r>
               <a:rPr>
@@ -19911,7 +20590,7 @@
                   <a:schemeClr val="tx1"/>
                 </a:solidFill>
               </a:rPr>
-              <a:t>HTML</a:t>
+              <a:t>HTML </a:t>
             </a:r>
             <a:r>
               <a:rPr lang="zh-CN" altLang="en-US">
@@ -20542,6 +21221,41 @@
           </a:prstGeom>
         </p:spPr>
       </p:pic>
+      <p:sp>
+        <p:nvSpPr>
+          <p:cNvPr id="6" name="文本框 10"/>
+          <p:cNvSpPr txBox="1"/>
+          <p:nvPr/>
+        </p:nvSpPr>
+        <p:spPr>
+          <a:xfrm>
+            <a:off x="9360848" y="5830252"/>
+            <a:ext cx="2468245" cy="508000"/>
+          </a:xfrm>
+          <a:prstGeom prst="rect">
+            <a:avLst/>
+          </a:prstGeom>
+          <a:noFill/>
+        </p:spPr>
+        <p:txBody>
+          <a:bodyPr wrap="none" lIns="108850" tIns="54425" rIns="108850" bIns="54425" rtlCol="0">
+            <a:spAutoFit/>
+          </a:bodyPr>
+          <a:p>
+            <a:r>
+              <a:rPr lang="en-US" altLang="zh-CN" sz="2600" dirty="0" smtClean="0">
+                <a:latin typeface="微软雅黑" panose="020B0503020204020204" pitchFamily="34" charset="-122"/>
+                <a:ea typeface="微软雅黑" panose="020B0503020204020204" pitchFamily="34" charset="-122"/>
+              </a:rPr>
+              <a:t>demo2-3.html</a:t>
+            </a:r>
+            <a:endParaRPr lang="zh-CN" altLang="en-US" sz="2600" dirty="0">
+              <a:latin typeface="微软雅黑" panose="020B0503020204020204" pitchFamily="34" charset="-122"/>
+              <a:ea typeface="微软雅黑" panose="020B0503020204020204" pitchFamily="34" charset="-122"/>
+            </a:endParaRPr>
+          </a:p>
+        </p:txBody>
+      </p:sp>
     </p:spTree>
   </p:cSld>
   <p:clrMapOvr>
@@ -20878,33 +21592,15 @@
                                   </p:childTnLst>
                                 </p:cTn>
                               </p:par>
-                            </p:childTnLst>
-                          </p:cTn>
-                        </p:par>
-                      </p:childTnLst>
-                    </p:cTn>
-                  </p:par>
-                  <p:par>
-                    <p:cTn id="27" fill="hold">
-                      <p:stCondLst>
-                        <p:cond delay="indefinite"/>
-                      </p:stCondLst>
-                      <p:childTnLst>
-                        <p:par>
-                          <p:cTn id="28" fill="hold">
-                            <p:stCondLst>
-                              <p:cond delay="0"/>
-                            </p:stCondLst>
-                            <p:childTnLst>
                               <p:par>
-                                <p:cTn id="29" presetID="2" presetClass="entr" presetSubtype="4" fill="hold" nodeType="clickEffect">
+                                <p:cTn id="27" presetID="2" presetClass="entr" presetSubtype="4" fill="hold" nodeType="withEffect">
                                   <p:stCondLst>
                                     <p:cond delay="0"/>
                                   </p:stCondLst>
                                   <p:childTnLst>
                                     <p:set>
                                       <p:cBhvr>
-                                        <p:cTn id="30" dur="1" fill="hold">
+                                        <p:cTn id="28" dur="1" fill="hold">
                                           <p:stCondLst>
                                             <p:cond delay="0"/>
                                           </p:stCondLst>
@@ -20922,7 +21618,7 @@
                                     </p:set>
                                     <p:anim calcmode="lin" valueType="num">
                                       <p:cBhvr additive="base">
-                                        <p:cTn id="31" dur="500" fill="hold"/>
+                                        <p:cTn id="29" dur="500" fill="hold"/>
                                         <p:tgtEl>
                                           <p:spTgt spid="5"/>
                                         </p:tgtEl>
@@ -20945,7 +21641,7 @@
                                     </p:anim>
                                     <p:anim calcmode="lin" valueType="num">
                                       <p:cBhvr additive="base">
-                                        <p:cTn id="32" dur="500" fill="hold"/>
+                                        <p:cTn id="30" dur="500" fill="hold"/>
                                         <p:tgtEl>
                                           <p:spTgt spid="5"/>
                                         </p:tgtEl>
@@ -20976,26 +21672,26 @@
                     </p:cTn>
                   </p:par>
                   <p:par>
-                    <p:cTn id="33" fill="hold">
+                    <p:cTn id="31" fill="hold">
                       <p:stCondLst>
                         <p:cond delay="indefinite"/>
                       </p:stCondLst>
                       <p:childTnLst>
                         <p:par>
-                          <p:cTn id="34" fill="hold">
+                          <p:cTn id="32" fill="hold">
                             <p:stCondLst>
                               <p:cond delay="0"/>
                             </p:stCondLst>
                             <p:childTnLst>
                               <p:par>
-                                <p:cTn id="35" presetID="53" presetClass="entr" presetSubtype="528" fill="hold" grpId="0" nodeType="clickEffect">
+                                <p:cTn id="33" presetID="53" presetClass="entr" presetSubtype="528" fill="hold" grpId="0" nodeType="clickEffect">
                                   <p:stCondLst>
                                     <p:cond delay="0"/>
                                   </p:stCondLst>
                                   <p:childTnLst>
                                     <p:set>
                                       <p:cBhvr>
-                                        <p:cTn id="36" dur="1" fill="hold">
+                                        <p:cTn id="34" dur="1" fill="hold">
                                           <p:stCondLst>
                                             <p:cond delay="0"/>
                                           </p:stCondLst>
@@ -21013,7 +21709,7 @@
                                     </p:set>
                                     <p:anim calcmode="lin" valueType="num">
                                       <p:cBhvr>
-                                        <p:cTn id="37" dur="500" fill="hold"/>
+                                        <p:cTn id="35" dur="500" fill="hold"/>
                                         <p:tgtEl>
                                           <p:spTgt spid="4"/>
                                         </p:tgtEl>
@@ -21036,7 +21732,7 @@
                                     </p:anim>
                                     <p:anim calcmode="lin" valueType="num">
                                       <p:cBhvr>
-                                        <p:cTn id="38" dur="500" fill="hold"/>
+                                        <p:cTn id="36" dur="500" fill="hold"/>
                                         <p:tgtEl>
                                           <p:spTgt spid="4"/>
                                         </p:tgtEl>
@@ -21059,7 +21755,7 @@
                                     </p:anim>
                                     <p:animEffect transition="in" filter="fade">
                                       <p:cBhvr>
-                                        <p:cTn id="39" dur="500"/>
+                                        <p:cTn id="37" dur="500"/>
                                         <p:tgtEl>
                                           <p:spTgt spid="4"/>
                                         </p:tgtEl>
@@ -21067,7 +21763,7 @@
                                     </p:animEffect>
                                     <p:anim calcmode="lin" valueType="num">
                                       <p:cBhvr>
-                                        <p:cTn id="40" dur="500" fill="hold"/>
+                                        <p:cTn id="38" dur="500" fill="hold"/>
                                         <p:tgtEl>
                                           <p:spTgt spid="4"/>
                                         </p:tgtEl>
@@ -21090,7 +21786,7 @@
                                     </p:anim>
                                     <p:anim calcmode="lin" valueType="num">
                                       <p:cBhvr>
-                                        <p:cTn id="41" dur="500" fill="hold"/>
+                                        <p:cTn id="39" dur="500" fill="hold"/>
                                         <p:tgtEl>
                                           <p:spTgt spid="4"/>
                                         </p:tgtEl>
@@ -21937,7 +22633,7 @@
             <a:lstStyle/>
             <a:p>
               <a:r>
-                <a:rPr lang="en-US" altLang="zh-CN" sz="2800" dirty="0" smtClean="0">
+                <a:rPr lang="zh-CN" altLang="en-US" sz="2800" dirty="0" smtClean="0">
                   <a:solidFill>
                     <a:srgbClr val="595E64"/>
                   </a:solidFill>
@@ -21946,9 +22642,9 @@
                 </a:rPr>
                 <a:t>理解网页文件</a:t>
               </a:r>
-              <a:endParaRPr lang="zh-CN" altLang="en-US" sz="2800" dirty="0" smtClean="0">
-                <a:solidFill>
-                  <a:schemeClr val="tx1"/>
+              <a:endParaRPr lang="zh-CN" altLang="en-US" sz="2800" dirty="0">
+                <a:solidFill>
+                  <a:srgbClr val="FF0000"/>
                 </a:solidFill>
                 <a:latin typeface="微软雅黑" panose="020B0503020204020204" pitchFamily="34" charset="-122"/>
                 <a:ea typeface="微软雅黑" panose="020B0503020204020204" pitchFamily="34" charset="-122"/>
@@ -21965,10 +22661,10 @@
         </p:nvGrpSpPr>
         <p:grpSpPr>
           <a:xfrm>
-            <a:off x="4199253" y="2395198"/>
-            <a:ext cx="7369354" cy="523240"/>
-            <a:chOff x="4199253" y="2780928"/>
-            <a:chExt cx="7369354" cy="523240"/>
+            <a:off x="4199254" y="2395198"/>
+            <a:ext cx="7369353" cy="521970"/>
+            <a:chOff x="4199254" y="2780928"/>
+            <a:chExt cx="7369353" cy="521970"/>
           </a:xfrm>
         </p:grpSpPr>
         <p:sp>
@@ -21980,7 +22676,7 @@
           <p:spPr>
             <a:xfrm>
               <a:off x="5043210" y="2780928"/>
-              <a:ext cx="6525397" cy="523240"/>
+              <a:ext cx="6525397" cy="521970"/>
             </a:xfrm>
             <a:prstGeom prst="rect">
               <a:avLst/>
@@ -22000,12 +22696,44 @@
                   </a:solidFill>
                   <a:latin typeface="微软雅黑" panose="020B0503020204020204" pitchFamily="34" charset="-122"/>
                   <a:ea typeface="微软雅黑" panose="020B0503020204020204" pitchFamily="34" charset="-122"/>
+                  <a:sym typeface="+mn-ea"/>
                 </a:rPr>
-                <a:t>段落标签和标题标签</a:t>
+                <a:t>标题</a:t>
               </a:r>
-              <a:endParaRPr lang="zh-CN" altLang="en-US" sz="2800" dirty="0">
-                <a:solidFill>
-                  <a:srgbClr val="595E64"/>
+              <a:r>
+                <a:rPr lang="zh-CN" altLang="en-US" sz="2800" dirty="0" smtClean="0">
+                  <a:solidFill>
+                    <a:srgbClr val="595E64"/>
+                  </a:solidFill>
+                  <a:latin typeface="微软雅黑" panose="020B0503020204020204" pitchFamily="34" charset="-122"/>
+                  <a:ea typeface="微软雅黑" panose="020B0503020204020204" pitchFamily="34" charset="-122"/>
+                </a:rPr>
+                <a:t>标签和</a:t>
+              </a:r>
+              <a:r>
+                <a:rPr lang="zh-CN" altLang="en-US" sz="2800" dirty="0" smtClean="0">
+                  <a:solidFill>
+                    <a:srgbClr val="595E64"/>
+                  </a:solidFill>
+                  <a:latin typeface="微软雅黑" panose="020B0503020204020204" pitchFamily="34" charset="-122"/>
+                  <a:ea typeface="微软雅黑" panose="020B0503020204020204" pitchFamily="34" charset="-122"/>
+                  <a:sym typeface="+mn-ea"/>
+                </a:rPr>
+                <a:t>段落</a:t>
+              </a:r>
+              <a:r>
+                <a:rPr lang="zh-CN" altLang="en-US" sz="2800" dirty="0" smtClean="0">
+                  <a:solidFill>
+                    <a:srgbClr val="595E64"/>
+                  </a:solidFill>
+                  <a:latin typeface="微软雅黑" panose="020B0503020204020204" pitchFamily="34" charset="-122"/>
+                  <a:ea typeface="微软雅黑" panose="020B0503020204020204" pitchFamily="34" charset="-122"/>
+                </a:rPr>
+                <a:t>标签</a:t>
+              </a:r>
+              <a:endParaRPr lang="zh-CN" altLang="en-US" sz="2800" dirty="0" smtClean="0">
+                <a:solidFill>
+                  <a:srgbClr val="FF0000"/>
                 </a:solidFill>
                 <a:latin typeface="微软雅黑" panose="020B0503020204020204" pitchFamily="34" charset="-122"/>
                 <a:ea typeface="微软雅黑" panose="020B0503020204020204" pitchFamily="34" charset="-122"/>
@@ -22274,10 +23002,10 @@
         </p:nvGrpSpPr>
         <p:grpSpPr>
           <a:xfrm>
-            <a:off x="4199253" y="1615955"/>
-            <a:ext cx="7196971" cy="521970"/>
-            <a:chOff x="4199253" y="1898918"/>
-            <a:chExt cx="7196971" cy="521970"/>
+            <a:off x="4199254" y="1615955"/>
+            <a:ext cx="7196970" cy="521970"/>
+            <a:chOff x="4199254" y="1898918"/>
+            <a:chExt cx="7196970" cy="521970"/>
           </a:xfrm>
         </p:grpSpPr>
         <p:sp>
@@ -22365,14 +23093,10 @@
             </a:lstStyle>
             <a:p>
               <a:r>
-                <a:rPr lang="en-US" altLang="zh-CN" dirty="0" smtClean="0"/>
-                <a:t>HTML</a:t>
+                <a:rPr lang="zh-CN" altLang="en-US" dirty="0" smtClean="0"/>
+                <a:t>HTML语法基础</a:t>
               </a:r>
-              <a:r>
-                <a:rPr lang="zh-CN" altLang="en-US" dirty="0" smtClean="0"/>
-                <a:t>语法基础</a:t>
-              </a:r>
-              <a:endParaRPr lang="zh-CN" altLang="en-US" dirty="0"/>
+              <a:endParaRPr lang="zh-CN" altLang="en-US" dirty="0" smtClean="0"/>
             </a:p>
           </p:txBody>
         </p:sp>
@@ -22480,10 +23204,10 @@
         </p:nvGrpSpPr>
         <p:grpSpPr>
           <a:xfrm>
-            <a:off x="4223792" y="4736717"/>
-            <a:ext cx="6264731" cy="523220"/>
-            <a:chOff x="4199253" y="4653136"/>
-            <a:chExt cx="6264731" cy="523220"/>
+            <a:off x="4223793" y="4736717"/>
+            <a:ext cx="6264730" cy="521970"/>
+            <a:chOff x="4199254" y="4653136"/>
+            <a:chExt cx="6264730" cy="521970"/>
           </a:xfrm>
         </p:grpSpPr>
         <p:sp>
@@ -22495,7 +23219,7 @@
           <p:spPr>
             <a:xfrm>
               <a:off x="5043210" y="4653136"/>
-              <a:ext cx="5420774" cy="523220"/>
+              <a:ext cx="5420774" cy="521970"/>
             </a:xfrm>
             <a:prstGeom prst="rect">
               <a:avLst/>
@@ -22516,7 +23240,7 @@
                   <a:latin typeface="微软雅黑" panose="020B0503020204020204" pitchFamily="34" charset="-122"/>
                   <a:ea typeface="微软雅黑" panose="020B0503020204020204" pitchFamily="34" charset="-122"/>
                 </a:rPr>
-                <a:t>有序列表标签和无序列表标签</a:t>
+                <a:t>无序列表标签和有序列表标签</a:t>
               </a:r>
               <a:endParaRPr lang="zh-CN" altLang="en-US" sz="2800" dirty="0">
                 <a:solidFill>
@@ -22754,13 +23478,13 @@
       </p:sp>
       <p:sp>
         <p:nvSpPr>
-          <p:cNvPr id="4" name="矩形 3"/>
+          <p:cNvPr id="5" name="矩形 4"/>
           <p:cNvSpPr/>
           <p:nvPr/>
         </p:nvSpPr>
         <p:spPr>
           <a:xfrm>
-            <a:off x="2007235" y="2804795"/>
+            <a:off x="2080895" y="2804795"/>
             <a:ext cx="5455285" cy="3443605"/>
           </a:xfrm>
           <a:prstGeom prst="rect">
@@ -22844,7 +23568,7 @@
                                           </p:stCondLst>
                                         </p:cTn>
                                         <p:tgtEl>
-                                          <p:spTgt spid="4"/>
+                                          <p:spTgt spid="5"/>
                                         </p:tgtEl>
                                         <p:attrNameLst>
                                           <p:attrName>style.visibility</p:attrName>
@@ -22976,7 +23700,7 @@
     </p:tnLst>
     <p:bldLst>
       <p:bldP spid="7" grpId="0"/>
-      <p:bldP spid="4" grpId="0" animBg="1"/>
+      <p:bldP spid="5" grpId="0" bldLvl="0" animBg="1"/>
     </p:bldLst>
   </p:timing>
 </p:sld>
@@ -23779,6 +24503,41 @@
           </p:spPr>
         </p:pic>
       </p:grpSp>
+      <p:sp>
+        <p:nvSpPr>
+          <p:cNvPr id="4" name="文本框 10"/>
+          <p:cNvSpPr txBox="1"/>
+          <p:nvPr/>
+        </p:nvSpPr>
+        <p:spPr>
+          <a:xfrm>
+            <a:off x="9360848" y="5902007"/>
+            <a:ext cx="2468245" cy="508000"/>
+          </a:xfrm>
+          <a:prstGeom prst="rect">
+            <a:avLst/>
+          </a:prstGeom>
+          <a:noFill/>
+        </p:spPr>
+        <p:txBody>
+          <a:bodyPr wrap="none" lIns="108850" tIns="54425" rIns="108850" bIns="54425" rtlCol="0">
+            <a:spAutoFit/>
+          </a:bodyPr>
+          <a:p>
+            <a:r>
+              <a:rPr lang="en-US" altLang="zh-CN" sz="2600" dirty="0" smtClean="0">
+                <a:latin typeface="微软雅黑" panose="020B0503020204020204" pitchFamily="34" charset="-122"/>
+                <a:ea typeface="微软雅黑" panose="020B0503020204020204" pitchFamily="34" charset="-122"/>
+              </a:rPr>
+              <a:t>demo2-4.html</a:t>
+            </a:r>
+            <a:endParaRPr lang="zh-CN" altLang="en-US" sz="2600" dirty="0">
+              <a:latin typeface="微软雅黑" panose="020B0503020204020204" pitchFamily="34" charset="-122"/>
+              <a:ea typeface="微软雅黑" panose="020B0503020204020204" pitchFamily="34" charset="-122"/>
+            </a:endParaRPr>
+          </a:p>
+        </p:txBody>
+      </p:sp>
     </p:spTree>
   </p:cSld>
   <p:clrMapOvr>
@@ -23813,7 +24572,7 @@
                             </p:stCondLst>
                             <p:childTnLst>
                               <p:par>
-                                <p:cTn id="5" presetID="2" presetClass="entr" presetSubtype="2" fill="hold" grpId="0" nodeType="clickEffect">
+                                <p:cTn id="5" presetID="10" presetClass="entr" presetSubtype="0" fill="hold" nodeType="clickEffect">
                                   <p:stCondLst>
                                     <p:cond delay="0"/>
                                   </p:stCondLst>
@@ -23821,6 +24580,102 @@
                                     <p:set>
                                       <p:cBhvr>
                                         <p:cTn id="6" dur="1" fill="hold">
+                                          <p:stCondLst>
+                                            <p:cond delay="0"/>
+                                          </p:stCondLst>
+                                        </p:cTn>
+                                        <p:tgtEl>
+                                          <p:spTgt spid="3">
+                                            <p:txEl>
+                                              <p:pRg st="2" end="2"/>
+                                            </p:txEl>
+                                          </p:spTgt>
+                                        </p:tgtEl>
+                                        <p:attrNameLst>
+                                          <p:attrName>style.visibility</p:attrName>
+                                        </p:attrNameLst>
+                                      </p:cBhvr>
+                                      <p:to>
+                                        <p:strVal val="visible"/>
+                                      </p:to>
+                                    </p:set>
+                                    <p:animEffect transition="in" filter="fade">
+                                      <p:cBhvr>
+                                        <p:cTn id="7" dur="500"/>
+                                        <p:tgtEl>
+                                          <p:spTgt spid="3">
+                                            <p:txEl>
+                                              <p:pRg st="2" end="2"/>
+                                            </p:txEl>
+                                          </p:spTgt>
+                                        </p:tgtEl>
+                                      </p:cBhvr>
+                                    </p:animEffect>
+                                  </p:childTnLst>
+                                </p:cTn>
+                              </p:par>
+                              <p:par>
+                                <p:cTn id="8" presetID="10" presetClass="entr" presetSubtype="0" fill="hold" grpId="0" nodeType="withEffect">
+                                  <p:stCondLst>
+                                    <p:cond delay="0"/>
+                                  </p:stCondLst>
+                                  <p:childTnLst>
+                                    <p:set>
+                                      <p:cBhvr>
+                                        <p:cTn id="9" dur="1" fill="hold">
+                                          <p:stCondLst>
+                                            <p:cond delay="0"/>
+                                          </p:stCondLst>
+                                        </p:cTn>
+                                        <p:tgtEl>
+                                          <p:spTgt spid="8"/>
+                                        </p:tgtEl>
+                                        <p:attrNameLst>
+                                          <p:attrName>style.visibility</p:attrName>
+                                        </p:attrNameLst>
+                                      </p:cBhvr>
+                                      <p:to>
+                                        <p:strVal val="visible"/>
+                                      </p:to>
+                                    </p:set>
+                                    <p:animEffect transition="in" filter="fade">
+                                      <p:cBhvr>
+                                        <p:cTn id="10" dur="500"/>
+                                        <p:tgtEl>
+                                          <p:spTgt spid="8"/>
+                                        </p:tgtEl>
+                                      </p:cBhvr>
+                                    </p:animEffect>
+                                  </p:childTnLst>
+                                </p:cTn>
+                              </p:par>
+                            </p:childTnLst>
+                          </p:cTn>
+                        </p:par>
+                      </p:childTnLst>
+                    </p:cTn>
+                  </p:par>
+                  <p:par>
+                    <p:cTn id="11" fill="hold">
+                      <p:stCondLst>
+                        <p:cond delay="indefinite"/>
+                      </p:stCondLst>
+                      <p:childTnLst>
+                        <p:par>
+                          <p:cTn id="12" fill="hold">
+                            <p:stCondLst>
+                              <p:cond delay="0"/>
+                            </p:stCondLst>
+                            <p:childTnLst>
+                              <p:par>
+                                <p:cTn id="13" presetID="2" presetClass="entr" presetSubtype="2" fill="hold" grpId="0" nodeType="clickEffect">
+                                  <p:stCondLst>
+                                    <p:cond delay="0"/>
+                                  </p:stCondLst>
+                                  <p:childTnLst>
+                                    <p:set>
+                                      <p:cBhvr>
+                                        <p:cTn id="14" dur="1" fill="hold">
                                           <p:stCondLst>
                                             <p:cond delay="0"/>
                                           </p:stCondLst>
@@ -23838,7 +24693,7 @@
                                     </p:set>
                                     <p:anim calcmode="lin" valueType="num">
                                       <p:cBhvr additive="base">
-                                        <p:cTn id="7" dur="500" fill="hold"/>
+                                        <p:cTn id="15" dur="500" fill="hold"/>
                                         <p:tgtEl>
                                           <p:spTgt spid="10"/>
                                         </p:tgtEl>
@@ -23861,7 +24716,7 @@
                                     </p:anim>
                                     <p:anim calcmode="lin" valueType="num">
                                       <p:cBhvr additive="base">
-                                        <p:cTn id="8" dur="500" fill="hold"/>
+                                        <p:cTn id="16" dur="500" fill="hold"/>
                                         <p:tgtEl>
                                           <p:spTgt spid="10"/>
                                         </p:tgtEl>
@@ -23892,26 +24747,26 @@
                     </p:cTn>
                   </p:par>
                   <p:par>
-                    <p:cTn id="9" fill="hold">
+                    <p:cTn id="17" fill="hold">
                       <p:stCondLst>
                         <p:cond delay="indefinite"/>
                       </p:stCondLst>
                       <p:childTnLst>
                         <p:par>
-                          <p:cTn id="10" fill="hold">
+                          <p:cTn id="18" fill="hold">
                             <p:stCondLst>
                               <p:cond delay="0"/>
                             </p:stCondLst>
                             <p:childTnLst>
                               <p:par>
-                                <p:cTn id="11" presetID="2" presetClass="entr" presetSubtype="2" fill="hold" nodeType="clickEffect">
+                                <p:cTn id="19" presetID="2" presetClass="entr" presetSubtype="2" fill="hold" nodeType="clickEffect">
                                   <p:stCondLst>
                                     <p:cond delay="0"/>
                                   </p:stCondLst>
                                   <p:childTnLst>
                                     <p:set>
                                       <p:cBhvr>
-                                        <p:cTn id="12" dur="1" fill="hold">
+                                        <p:cTn id="20" dur="1" fill="hold">
                                           <p:stCondLst>
                                             <p:cond delay="0"/>
                                           </p:stCondLst>
@@ -23929,7 +24784,7 @@
                                     </p:set>
                                     <p:anim calcmode="lin" valueType="num">
                                       <p:cBhvr additive="base">
-                                        <p:cTn id="13" dur="500" fill="hold"/>
+                                        <p:cTn id="21" dur="500" fill="hold"/>
                                         <p:tgtEl>
                                           <p:spTgt spid="11"/>
                                         </p:tgtEl>
@@ -23952,7 +24807,7 @@
                                     </p:anim>
                                     <p:anim calcmode="lin" valueType="num">
                                       <p:cBhvr additive="base">
-                                        <p:cTn id="14" dur="500" fill="hold"/>
+                                        <p:cTn id="22" dur="500" fill="hold"/>
                                         <p:tgtEl>
                                           <p:spTgt spid="11"/>
                                         </p:tgtEl>
@@ -24005,6 +24860,7 @@
     </p:tnLst>
     <p:bldLst>
       <p:bldP spid="10" grpId="0" bldLvl="0" animBg="1"/>
+      <p:bldP spid="8" grpId="0"/>
     </p:bldLst>
   </p:timing>
 </p:sld>
@@ -24299,6 +25155,41 @@
           </a:extLst>
         </p:spPr>
       </p:pic>
+      <p:sp>
+        <p:nvSpPr>
+          <p:cNvPr id="6" name="文本框 10"/>
+          <p:cNvSpPr txBox="1"/>
+          <p:nvPr/>
+        </p:nvSpPr>
+        <p:spPr>
+          <a:xfrm>
+            <a:off x="5550848" y="5801677"/>
+            <a:ext cx="2468245" cy="508000"/>
+          </a:xfrm>
+          <a:prstGeom prst="rect">
+            <a:avLst/>
+          </a:prstGeom>
+          <a:noFill/>
+        </p:spPr>
+        <p:txBody>
+          <a:bodyPr wrap="none" lIns="108850" tIns="54425" rIns="108850" bIns="54425" rtlCol="0">
+            <a:spAutoFit/>
+          </a:bodyPr>
+          <a:p>
+            <a:r>
+              <a:rPr lang="en-US" altLang="zh-CN" sz="2600" dirty="0" smtClean="0">
+                <a:latin typeface="微软雅黑" panose="020B0503020204020204" pitchFamily="34" charset="-122"/>
+                <a:ea typeface="微软雅黑" panose="020B0503020204020204" pitchFamily="34" charset="-122"/>
+              </a:rPr>
+              <a:t>demo2-5.html</a:t>
+            </a:r>
+            <a:endParaRPr lang="zh-CN" altLang="en-US" sz="2600" dirty="0">
+              <a:latin typeface="微软雅黑" panose="020B0503020204020204" pitchFamily="34" charset="-122"/>
+              <a:ea typeface="微软雅黑" panose="020B0503020204020204" pitchFamily="34" charset="-122"/>
+            </a:endParaRPr>
+          </a:p>
+        </p:txBody>
+      </p:sp>
     </p:spTree>
   </p:cSld>
   <p:clrMapOvr>
@@ -24444,7 +25335,7 @@
                             </p:stCondLst>
                             <p:childTnLst>
                               <p:par>
-                                <p:cTn id="13" presetID="1" presetClass="entr" presetSubtype="0" fill="hold" grpId="0" nodeType="clickEffect">
+                                <p:cTn id="13" presetID="2" presetClass="entr" presetSubtype="4" fill="hold" nodeType="clickEffect">
                                   <p:stCondLst>
                                     <p:cond delay="0"/>
                                   </p:stCondLst>
@@ -24457,7 +25348,11 @@
                                           </p:stCondLst>
                                         </p:cTn>
                                         <p:tgtEl>
-                                          <p:spTgt spid="5"/>
+                                          <p:spTgt spid="5">
+                                            <p:txEl>
+                                              <p:pRg st="0" end="0"/>
+                                            </p:txEl>
+                                          </p:spTgt>
                                         </p:tgtEl>
                                         <p:attrNameLst>
                                           <p:attrName>style.visibility</p:attrName>
@@ -24467,6 +25362,60 @@
                                         <p:strVal val="visible"/>
                                       </p:to>
                                     </p:set>
+                                    <p:anim calcmode="lin" valueType="num">
+                                      <p:cBhvr additive="base">
+                                        <p:cTn id="15" dur="500" fill="hold"/>
+                                        <p:tgtEl>
+                                          <p:spTgt spid="5">
+                                            <p:txEl>
+                                              <p:pRg st="0" end="0"/>
+                                            </p:txEl>
+                                          </p:spTgt>
+                                        </p:tgtEl>
+                                        <p:attrNameLst>
+                                          <p:attrName>ppt_x</p:attrName>
+                                        </p:attrNameLst>
+                                      </p:cBhvr>
+                                      <p:tavLst>
+                                        <p:tav tm="0">
+                                          <p:val>
+                                            <p:strVal val="#ppt_x"/>
+                                          </p:val>
+                                        </p:tav>
+                                        <p:tav tm="100000">
+                                          <p:val>
+                                            <p:strVal val="#ppt_x"/>
+                                          </p:val>
+                                        </p:tav>
+                                      </p:tavLst>
+                                    </p:anim>
+                                    <p:anim calcmode="lin" valueType="num">
+                                      <p:cBhvr additive="base">
+                                        <p:cTn id="16" dur="500" fill="hold"/>
+                                        <p:tgtEl>
+                                          <p:spTgt spid="5">
+                                            <p:txEl>
+                                              <p:pRg st="0" end="0"/>
+                                            </p:txEl>
+                                          </p:spTgt>
+                                        </p:tgtEl>
+                                        <p:attrNameLst>
+                                          <p:attrName>ppt_y</p:attrName>
+                                        </p:attrNameLst>
+                                      </p:cBhvr>
+                                      <p:tavLst>
+                                        <p:tav tm="0">
+                                          <p:val>
+                                            <p:strVal val="1+#ppt_h/2"/>
+                                          </p:val>
+                                        </p:tav>
+                                        <p:tav tm="100000">
+                                          <p:val>
+                                            <p:strVal val="#ppt_y"/>
+                                          </p:val>
+                                        </p:tav>
+                                      </p:tavLst>
+                                    </p:anim>
                                   </p:childTnLst>
                                 </p:cTn>
                               </p:par>
@@ -24497,9 +25446,6 @@
         </p:cTn>
       </p:par>
     </p:tnLst>
-    <p:bldLst>
-      <p:bldP spid="5" grpId="0"/>
-    </p:bldLst>
   </p:timing>
 </p:sld>
 </file>
@@ -24595,12 +25541,6 @@
           <a:p>
             <a:pPr lvl="2"/>
             <a:r>
-              <a:rPr lang="en-US" altLang="zh-CN" dirty="0">
-                <a:sym typeface="+mn-ea"/>
-              </a:rPr>
-              <a:t>1. </a:t>
-            </a:r>
-            <a:r>
               <a:rPr lang="zh-CN" altLang="en-US" dirty="0">
                 <a:sym typeface="+mn-ea"/>
               </a:rPr>
@@ -24661,12 +25601,6 @@
           <a:p>
             <a:pPr lvl="2"/>
             <a:r>
-              <a:rPr lang="en-US" altLang="zh-CN" dirty="0">
-                <a:sym typeface="+mn-ea"/>
-              </a:rPr>
-              <a:t>2. </a:t>
-            </a:r>
-            <a:r>
               <a:rPr lang="zh-CN" altLang="en-US" dirty="0">
                 <a:sym typeface="+mn-ea"/>
               </a:rPr>
@@ -24738,12 +25672,6 @@
           </a:p>
           <a:p>
             <a:pPr lvl="2"/>
-            <a:r>
-              <a:rPr lang="en-US" altLang="zh-CN" dirty="0">
-                <a:sym typeface="+mn-ea"/>
-              </a:rPr>
-              <a:t>3. </a:t>
-            </a:r>
             <a:r>
               <a:rPr lang="zh-CN" altLang="en-US" dirty="0">
                 <a:sym typeface="+mn-ea"/>
@@ -25514,6 +26442,67 @@
                                         <p:strVal val="visible"/>
                                       </p:to>
                                     </p:set>
+                                  </p:childTnLst>
+                                </p:cTn>
+                              </p:par>
+                            </p:childTnLst>
+                          </p:cTn>
+                        </p:par>
+                      </p:childTnLst>
+                    </p:cTn>
+                  </p:par>
+                  <p:par>
+                    <p:cTn id="15" fill="hold">
+                      <p:stCondLst>
+                        <p:cond delay="indefinite"/>
+                      </p:stCondLst>
+                      <p:childTnLst>
+                        <p:par>
+                          <p:cTn id="16" fill="hold">
+                            <p:stCondLst>
+                              <p:cond delay="0"/>
+                            </p:stCondLst>
+                            <p:childTnLst>
+                              <p:par>
+                                <p:cTn id="17" presetID="22" presetClass="entr" presetSubtype="8" fill="hold" nodeType="clickEffect">
+                                  <p:stCondLst>
+                                    <p:cond delay="0"/>
+                                  </p:stCondLst>
+                                  <p:childTnLst>
+                                    <p:set>
+                                      <p:cBhvr>
+                                        <p:cTn id="18" dur="1" fill="hold">
+                                          <p:stCondLst>
+                                            <p:cond delay="0"/>
+                                          </p:stCondLst>
+                                        </p:cTn>
+                                        <p:tgtEl>
+                                          <p:spTgt spid="3">
+                                            <p:txEl>
+                                              <p:pRg st="7" end="7"/>
+                                            </p:txEl>
+                                          </p:spTgt>
+                                        </p:tgtEl>
+                                        <p:attrNameLst>
+                                          <p:attrName>style.visibility</p:attrName>
+                                        </p:attrNameLst>
+                                      </p:cBhvr>
+                                      <p:to>
+                                        <p:strVal val="visible"/>
+                                      </p:to>
+                                    </p:set>
+                                    <p:animEffect transition="in" filter="wipe(left)">
+                                      <p:cBhvr>
+                                        <p:cTn id="19" dur="500"/>
+                                        <p:tgtEl>
+                                          <p:spTgt spid="3">
+                                            <p:txEl>
+                                              <p:pRg st="7" end="7"/>
+                                            </p:txEl>
+                                          </p:spTgt>
+                                        </p:tgtEl>
+                                      </p:cBhvr>
+                                    </p:animEffect>
                                   </p:childTnLst>
                                 </p:cTn>
                               </p:par>
@@ -25931,10 +26920,10 @@
         </p:nvGrpSpPr>
         <p:grpSpPr>
           <a:xfrm>
-            <a:off x="4199253" y="2395198"/>
-            <a:ext cx="7369354" cy="523240"/>
-            <a:chOff x="4199253" y="2780928"/>
-            <a:chExt cx="7369354" cy="523240"/>
+            <a:off x="4199254" y="2395198"/>
+            <a:ext cx="7369353" cy="521970"/>
+            <a:chOff x="4199254" y="2780928"/>
+            <a:chExt cx="7369353" cy="521970"/>
           </a:xfrm>
         </p:grpSpPr>
         <p:sp>
@@ -25946,7 +26935,7 @@
           <p:spPr>
             <a:xfrm>
               <a:off x="5043210" y="2780928"/>
-              <a:ext cx="6525397" cy="523240"/>
+              <a:ext cx="6525397" cy="521970"/>
             </a:xfrm>
             <a:prstGeom prst="rect">
               <a:avLst/>
@@ -25966,8 +26955,40 @@
                   </a:solidFill>
                   <a:latin typeface="微软雅黑" panose="020B0503020204020204" pitchFamily="34" charset="-122"/>
                   <a:ea typeface="微软雅黑" panose="020B0503020204020204" pitchFamily="34" charset="-122"/>
+                  <a:sym typeface="+mn-ea"/>
                 </a:rPr>
-                <a:t>段落标签和标题标签</a:t>
+                <a:t>标题</a:t>
+              </a:r>
+              <a:r>
+                <a:rPr lang="zh-CN" altLang="en-US" sz="2800" dirty="0" smtClean="0">
+                  <a:solidFill>
+                    <a:srgbClr val="595E64"/>
+                  </a:solidFill>
+                  <a:latin typeface="微软雅黑" panose="020B0503020204020204" pitchFamily="34" charset="-122"/>
+                  <a:ea typeface="微软雅黑" panose="020B0503020204020204" pitchFamily="34" charset="-122"/>
+                </a:rPr>
+                <a:t>标签和</a:t>
+              </a:r>
+              <a:r>
+                <a:rPr lang="zh-CN" altLang="en-US" sz="2800" dirty="0" smtClean="0">
+                  <a:solidFill>
+                    <a:srgbClr val="595E64"/>
+                  </a:solidFill>
+                  <a:latin typeface="微软雅黑" panose="020B0503020204020204" pitchFamily="34" charset="-122"/>
+                  <a:ea typeface="微软雅黑" panose="020B0503020204020204" pitchFamily="34" charset="-122"/>
+                  <a:sym typeface="+mn-ea"/>
+                </a:rPr>
+                <a:t>段落</a:t>
+              </a:r>
+              <a:r>
+                <a:rPr lang="zh-CN" altLang="en-US" sz="2800" dirty="0" smtClean="0">
+                  <a:solidFill>
+                    <a:srgbClr val="595E64"/>
+                  </a:solidFill>
+                  <a:latin typeface="微软雅黑" panose="020B0503020204020204" pitchFamily="34" charset="-122"/>
+                  <a:ea typeface="微软雅黑" panose="020B0503020204020204" pitchFamily="34" charset="-122"/>
+                </a:rPr>
+                <a:t>标签</a:t>
               </a:r>
               <a:endParaRPr lang="zh-CN" altLang="en-US" sz="2800" dirty="0">
                 <a:solidFill>
@@ -26446,10 +27467,10 @@
         </p:nvGrpSpPr>
         <p:grpSpPr>
           <a:xfrm>
-            <a:off x="4223792" y="4736717"/>
-            <a:ext cx="6264731" cy="523220"/>
-            <a:chOff x="4199253" y="4653136"/>
-            <a:chExt cx="6264731" cy="523220"/>
+            <a:off x="4223793" y="4736717"/>
+            <a:ext cx="6264730" cy="521970"/>
+            <a:chOff x="4199254" y="4653136"/>
+            <a:chExt cx="6264730" cy="521970"/>
           </a:xfrm>
         </p:grpSpPr>
         <p:sp>
@@ -26461,7 +27482,7 @@
           <p:spPr>
             <a:xfrm>
               <a:off x="5043210" y="4653136"/>
-              <a:ext cx="5420774" cy="523220"/>
+              <a:ext cx="5420774" cy="521970"/>
             </a:xfrm>
             <a:prstGeom prst="rect">
               <a:avLst/>
@@ -26482,7 +27503,7 @@
                   <a:latin typeface="微软雅黑" panose="020B0503020204020204" pitchFamily="34" charset="-122"/>
                   <a:ea typeface="微软雅黑" panose="020B0503020204020204" pitchFamily="34" charset="-122"/>
                 </a:rPr>
-                <a:t>有序列表标签和无序列表标签</a:t>
+                <a:t>无序列表标签和有序列表标签</a:t>
               </a:r>
               <a:endParaRPr lang="zh-CN" altLang="en-US" sz="2800" dirty="0">
                 <a:solidFill>
@@ -27018,7 +28039,7 @@
             <a:lstStyle/>
             <a:p>
               <a:r>
-                <a:rPr lang="en-US" altLang="zh-CN" sz="2800" dirty="0" smtClean="0">
+                <a:rPr lang="zh-CN" altLang="en-US" sz="2800" dirty="0" smtClean="0">
                   <a:solidFill>
                     <a:srgbClr val="595E64"/>
                   </a:solidFill>
@@ -27027,9 +28048,9 @@
                 </a:rPr>
                 <a:t>理解网页文件</a:t>
               </a:r>
-              <a:endParaRPr lang="zh-CN" altLang="en-US" sz="2800" dirty="0" smtClean="0">
-                <a:solidFill>
-                  <a:schemeClr val="tx1"/>
+              <a:endParaRPr lang="zh-CN" altLang="en-US" sz="2800" dirty="0">
+                <a:solidFill>
+                  <a:srgbClr val="FF0000"/>
                 </a:solidFill>
                 <a:latin typeface="微软雅黑" panose="020B0503020204020204" pitchFamily="34" charset="-122"/>
                 <a:ea typeface="微软雅黑" panose="020B0503020204020204" pitchFamily="34" charset="-122"/>
@@ -27046,10 +28067,10 @@
         </p:nvGrpSpPr>
         <p:grpSpPr>
           <a:xfrm>
-            <a:off x="4199253" y="2395198"/>
-            <a:ext cx="7369354" cy="523240"/>
-            <a:chOff x="4199253" y="2780928"/>
-            <a:chExt cx="7369354" cy="523240"/>
+            <a:off x="4199254" y="2395198"/>
+            <a:ext cx="7369353" cy="521970"/>
+            <a:chOff x="4199254" y="2780928"/>
+            <a:chExt cx="7369353" cy="521970"/>
           </a:xfrm>
         </p:grpSpPr>
         <p:sp>
@@ -27061,7 +28082,7 @@
           <p:spPr>
             <a:xfrm>
               <a:off x="5043210" y="2780928"/>
-              <a:ext cx="6525397" cy="523240"/>
+              <a:ext cx="6525397" cy="521970"/>
             </a:xfrm>
             <a:prstGeom prst="rect">
               <a:avLst/>
@@ -27081,12 +28102,44 @@
                   </a:solidFill>
                   <a:latin typeface="微软雅黑" panose="020B0503020204020204" pitchFamily="34" charset="-122"/>
                   <a:ea typeface="微软雅黑" panose="020B0503020204020204" pitchFamily="34" charset="-122"/>
+                  <a:sym typeface="+mn-ea"/>
                 </a:rPr>
-                <a:t>段落标签和标题标签</a:t>
+                <a:t>标题</a:t>
               </a:r>
-              <a:endParaRPr lang="zh-CN" altLang="en-US" sz="2800" dirty="0">
-                <a:solidFill>
-                  <a:srgbClr val="595E64"/>
+              <a:r>
+                <a:rPr lang="zh-CN" altLang="en-US" sz="2800" dirty="0" smtClean="0">
+                  <a:solidFill>
+                    <a:srgbClr val="595E64"/>
+                  </a:solidFill>
+                  <a:latin typeface="微软雅黑" panose="020B0503020204020204" pitchFamily="34" charset="-122"/>
+                  <a:ea typeface="微软雅黑" panose="020B0503020204020204" pitchFamily="34" charset="-122"/>
+                </a:rPr>
+                <a:t>标签和</a:t>
+              </a:r>
+              <a:r>
+                <a:rPr lang="zh-CN" altLang="en-US" sz="2800" dirty="0" smtClean="0">
+                  <a:solidFill>
+                    <a:srgbClr val="595E64"/>
+                  </a:solidFill>
+                  <a:latin typeface="微软雅黑" panose="020B0503020204020204" pitchFamily="34" charset="-122"/>
+                  <a:ea typeface="微软雅黑" panose="020B0503020204020204" pitchFamily="34" charset="-122"/>
+                  <a:sym typeface="+mn-ea"/>
+                </a:rPr>
+                <a:t>段落</a:t>
+              </a:r>
+              <a:r>
+                <a:rPr lang="zh-CN" altLang="en-US" sz="2800" dirty="0" smtClean="0">
+                  <a:solidFill>
+                    <a:srgbClr val="595E64"/>
+                  </a:solidFill>
+                  <a:latin typeface="微软雅黑" panose="020B0503020204020204" pitchFamily="34" charset="-122"/>
+                  <a:ea typeface="微软雅黑" panose="020B0503020204020204" pitchFamily="34" charset="-122"/>
+                </a:rPr>
+                <a:t>标签</a:t>
+              </a:r>
+              <a:endParaRPr lang="zh-CN" altLang="en-US" sz="2800" dirty="0" smtClean="0">
+                <a:solidFill>
+                  <a:srgbClr val="FF0000"/>
                 </a:solidFill>
                 <a:latin typeface="微软雅黑" panose="020B0503020204020204" pitchFamily="34" charset="-122"/>
                 <a:ea typeface="微软雅黑" panose="020B0503020204020204" pitchFamily="34" charset="-122"/>
@@ -27149,10 +28202,10 @@
         </p:nvGrpSpPr>
         <p:grpSpPr>
           <a:xfrm>
-            <a:off x="4199253" y="3175711"/>
-            <a:ext cx="6289270" cy="523240"/>
-            <a:chOff x="4199253" y="3645024"/>
-            <a:chExt cx="6289270" cy="523240"/>
+            <a:off x="4199254" y="3175711"/>
+            <a:ext cx="6289269" cy="521970"/>
+            <a:chOff x="4199254" y="3645024"/>
+            <a:chExt cx="6289269" cy="521970"/>
           </a:xfrm>
         </p:grpSpPr>
         <p:sp>
@@ -27164,7 +28217,7 @@
           <p:spPr>
             <a:xfrm>
               <a:off x="5043210" y="3645024"/>
-              <a:ext cx="5445313" cy="523240"/>
+              <a:ext cx="5445313" cy="521970"/>
             </a:xfrm>
             <a:prstGeom prst="rect">
               <a:avLst/>
@@ -27187,7 +28240,7 @@
                 </a:rPr>
                 <a:t>图片标签、相对路径和绝对路径</a:t>
               </a:r>
-              <a:endParaRPr lang="zh-CN" altLang="en-US" sz="2800" dirty="0">
+              <a:endParaRPr lang="zh-CN" altLang="en-US" sz="2800" dirty="0" smtClean="0">
                 <a:solidFill>
                   <a:srgbClr val="595E64"/>
                 </a:solidFill>
@@ -27355,10 +28408,10 @@
         </p:nvGrpSpPr>
         <p:grpSpPr>
           <a:xfrm>
-            <a:off x="4199253" y="1615955"/>
-            <a:ext cx="7196971" cy="521970"/>
-            <a:chOff x="4199253" y="1898918"/>
-            <a:chExt cx="7196971" cy="521970"/>
+            <a:off x="4199254" y="1615955"/>
+            <a:ext cx="7196970" cy="521970"/>
+            <a:chOff x="4199254" y="1898918"/>
+            <a:chExt cx="7196970" cy="521970"/>
           </a:xfrm>
         </p:grpSpPr>
         <p:sp>
@@ -27446,14 +28499,10 @@
             </a:lstStyle>
             <a:p>
               <a:r>
-                <a:rPr lang="en-US" altLang="zh-CN" dirty="0" smtClean="0"/>
-                <a:t>HTML</a:t>
+                <a:rPr lang="zh-CN" altLang="en-US" dirty="0" smtClean="0"/>
+                <a:t>HTML语法基础</a:t>
               </a:r>
-              <a:r>
-                <a:rPr lang="zh-CN" altLang="en-US" dirty="0" smtClean="0"/>
-                <a:t>语法基础</a:t>
-              </a:r>
-              <a:endParaRPr lang="zh-CN" altLang="en-US" dirty="0"/>
+              <a:endParaRPr lang="zh-CN" altLang="en-US" dirty="0" smtClean="0"/>
             </a:p>
           </p:txBody>
         </p:sp>
@@ -27561,10 +28610,10 @@
         </p:nvGrpSpPr>
         <p:grpSpPr>
           <a:xfrm>
-            <a:off x="4223792" y="4736717"/>
-            <a:ext cx="6264731" cy="523220"/>
-            <a:chOff x="4199253" y="4653136"/>
-            <a:chExt cx="6264731" cy="523220"/>
+            <a:off x="4223793" y="4736717"/>
+            <a:ext cx="6264730" cy="521970"/>
+            <a:chOff x="4199254" y="4653136"/>
+            <a:chExt cx="6264730" cy="521970"/>
           </a:xfrm>
         </p:grpSpPr>
         <p:sp>
@@ -27576,7 +28625,7 @@
           <p:spPr>
             <a:xfrm>
               <a:off x="5043210" y="4653136"/>
-              <a:ext cx="5420774" cy="523220"/>
+              <a:ext cx="5420774" cy="521970"/>
             </a:xfrm>
             <a:prstGeom prst="rect">
               <a:avLst/>
@@ -27597,7 +28646,7 @@
                   <a:latin typeface="微软雅黑" panose="020B0503020204020204" pitchFamily="34" charset="-122"/>
                   <a:ea typeface="微软雅黑" panose="020B0503020204020204" pitchFamily="34" charset="-122"/>
                 </a:rPr>
-                <a:t>有序列表标签和无序列表标签</a:t>
+                <a:t>无序列表标签和有序列表标签</a:t>
               </a:r>
               <a:endParaRPr lang="zh-CN" altLang="en-US" sz="2800" dirty="0">
                 <a:solidFill>
@@ -27739,12 +28788,6 @@
                 <a:sym typeface="+mn-ea"/>
               </a:rPr>
               <a:t>接</a:t>
-            </a:r>
-            <a:r>
-              <a:rPr lang="zh-CN" altLang="en-US">
-                <a:sym typeface="+mn-ea"/>
-              </a:rPr>
-              <a:t>。</a:t>
             </a:r>
             <a:endParaRPr lang="zh-CN" altLang="en-US"/>
           </a:p>
@@ -28297,7 +29340,12 @@
             <p:ph sz="half" idx="1"/>
           </p:nvPr>
         </p:nvSpPr>
-        <p:spPr/>
+        <p:spPr>
+          <a:xfrm>
+            <a:off x="638895" y="1019462"/>
+            <a:ext cx="11106646" cy="4875092"/>
+          </a:xfrm>
+        </p:spPr>
         <p:txBody>
           <a:bodyPr/>
           <a:p>
@@ -28352,7 +29400,7 @@
               <a:t>&lt;a </a:t>
             </a:r>
             <a:r>
-              <a:rPr dirty="0" err="1">
+              <a:rPr lang="en-US">
                 <a:solidFill>
                   <a:srgbClr val="C00000"/>
                 </a:solidFill>
@@ -28362,23 +29410,14 @@
               <a:t>href</a:t>
             </a:r>
             <a:r>
-              <a:rPr>
+              <a:rPr lang="en-US">
                 <a:solidFill>
                   <a:schemeClr val="tx1"/>
                 </a:solidFill>
                 <a:ea typeface="宋体" panose="02010600030101010101" pitchFamily="2" charset="-122"/>
                 <a:sym typeface="+mn-ea"/>
               </a:rPr>
-              <a:t>="</a:t>
-            </a:r>
-            <a:r>
-              <a:rPr lang="zh-CN" altLang="en-US">
-                <a:solidFill>
-                  <a:schemeClr val="tx1"/>
-                </a:solidFill>
-                <a:sym typeface="+mn-ea"/>
-              </a:rPr>
-              <a:t>链接目标</a:t>
+              <a:t>=“”</a:t>
             </a:r>
             <a:r>
               <a:rPr>
@@ -28388,16 +29427,16 @@
                 <a:ea typeface="宋体" panose="02010600030101010101" pitchFamily="2" charset="-122"/>
                 <a:sym typeface="+mn-ea"/>
               </a:rPr>
-              <a:t>"&gt;</a:t>
-            </a:r>
-            <a:r>
-              <a:rPr lang="zh-CN" altLang="en-US">
+              <a:t>&gt;</a:t>
+            </a:r>
+            <a:r>
+              <a:rPr lang="en-US" altLang="zh-CN">
                 <a:solidFill>
                   <a:schemeClr val="tx1"/>
                 </a:solidFill>
                 <a:sym typeface="+mn-ea"/>
               </a:rPr>
-              <a:t>链接对象</a:t>
+              <a:t>...</a:t>
             </a:r>
             <a:r>
               <a:rPr>
@@ -28408,59 +29447,6 @@
                 <a:sym typeface="+mn-ea"/>
               </a:rPr>
               <a:t>&lt;/a&gt;</a:t>
-            </a:r>
-            <a:r>
-              <a:rPr lang="zh-CN">
-                <a:solidFill>
-                  <a:schemeClr val="tx1"/>
-                </a:solidFill>
-                <a:ea typeface="宋体" panose="02010600030101010101" pitchFamily="2" charset="-122"/>
-                <a:sym typeface="+mn-ea"/>
-              </a:rPr>
-              <a:t>。</a:t>
-            </a:r>
-            <a:endParaRPr lang="zh-CN">
-              <a:solidFill>
-                <a:schemeClr val="tx1"/>
-              </a:solidFill>
-              <a:ea typeface="宋体" panose="02010600030101010101" pitchFamily="2" charset="-122"/>
-              <a:sym typeface="+mn-ea"/>
-            </a:endParaRPr>
-          </a:p>
-          <a:p>
-            <a:pPr lvl="1"/>
-            <a:r>
-              <a:rPr lang="zh-CN" altLang="en-US">
-                <a:solidFill>
-                  <a:schemeClr val="tx1"/>
-                </a:solidFill>
-                <a:sym typeface="+mn-ea"/>
-              </a:rPr>
-              <a:t>适合用来制作超链接的内容：导航、推荐图文、友情链接等。</a:t>
-            </a:r>
-            <a:endParaRPr lang="zh-CN" altLang="en-US">
-              <a:solidFill>
-                <a:schemeClr val="tx1"/>
-              </a:solidFill>
-              <a:sym typeface="+mn-ea"/>
-            </a:endParaRPr>
-          </a:p>
-          <a:p>
-            <a:pPr lvl="1"/>
-            <a:r>
-              <a:rPr lang="zh-CN" altLang="en-US">
-                <a:solidFill>
-                  <a:schemeClr val="tx1"/>
-                </a:solidFill>
-                <a:sym typeface="+mn-ea"/>
-              </a:rPr>
-              <a:t>链接目标：另一个网页、图片等</a:t>
-            </a:r>
-            <a:r>
-              <a:rPr lang="zh-CN" altLang="en-US" smtClean="0">
-                <a:sym typeface="+mn-ea"/>
-              </a:rPr>
-              <a:t>。</a:t>
             </a:r>
             <a:endParaRPr lang="zh-CN" altLang="en-US" smtClean="0">
               <a:sym typeface="+mn-ea"/>
@@ -28469,144 +29455,64 @@
           <a:p>
             <a:pPr lvl="1"/>
             <a:r>
-              <a:rPr lang="zh-CN" altLang="en-US" smtClean="0">
+              <a:rPr lang="zh-CN" altLang="en-US">
+                <a:solidFill>
+                  <a:srgbClr val="C00000"/>
+                </a:solidFill>
                 <a:sym typeface="+mn-ea"/>
               </a:rPr>
-              <a:t>必</a:t>
-            </a:r>
-            <a:r>
-              <a:rPr lang="zh-CN" altLang="en-US">
-                <a:sym typeface="+mn-ea"/>
-              </a:rPr>
-              <a:t>选</a:t>
-            </a:r>
-            <a:r>
-              <a:rPr lang="zh-CN" altLang="en-US">
-                <a:solidFill>
-                  <a:srgbClr val="C00000"/>
-                </a:solidFill>
-                <a:sym typeface="+mn-ea"/>
-              </a:rPr>
               <a:t>属性</a:t>
-            </a:r>
-            <a:r>
-              <a:rPr lang="zh-CN" altLang="en-US">
-                <a:sym typeface="+mn-ea"/>
-              </a:rPr>
-              <a:t>：</a:t>
-            </a:r>
-            <a:r>
-              <a:rPr dirty="0" err="1">
-                <a:sym typeface="+mn-ea"/>
-              </a:rPr>
-              <a:t>href</a:t>
-            </a:r>
-            <a:r>
-              <a:rPr lang="zh-CN" altLang="en-US">
-                <a:sym typeface="+mn-ea"/>
-              </a:rPr>
-              <a:t>，创建指向另一个文档的链接。</a:t>
             </a:r>
             <a:endParaRPr lang="zh-CN" altLang="en-US">
               <a:sym typeface="+mn-ea"/>
             </a:endParaRPr>
           </a:p>
-        </p:txBody>
-      </p:sp>
-    </p:spTree>
-  </p:cSld>
-  <p:clrMapOvr>
-    <a:masterClrMapping/>
-  </p:clrMapOvr>
-  <mc:AlternateContent xmlns:mc="http://schemas.openxmlformats.org/markup-compatibility/2006">
-    <mc:Choice xmlns:p14="http://schemas.microsoft.com/office/powerpoint/2010/main" Requires="p14">
-      <p:transition spd="slow" p14:dur="1600"/>
-    </mc:Choice>
-    <mc:Fallback>
-      <p:transition spd="slow"/>
-    </mc:Fallback>
-  </mc:AlternateContent>
-  <p:timing>
-    <p:tnLst>
-      <p:par>
-        <p:cTn id="1" dur="indefinite" restart="never" nodeType="tmRoot"/>
-      </p:par>
-    </p:tnLst>
-  </p:timing>
-</p:sld>
-</file>
-
-<file path=ppt/slides/slide34.xml><?xml version="1.0" encoding="utf-8"?>
-<p:sld xmlns:a="http://schemas.openxmlformats.org/drawingml/2006/main" xmlns:r="http://schemas.openxmlformats.org/officeDocument/2006/relationships" xmlns:p="http://schemas.openxmlformats.org/presentationml/2006/main">
-  <p:cSld>
-    <p:spTree>
-      <p:nvGrpSpPr>
-        <p:cNvPr id="1" name=""/>
-        <p:cNvGrpSpPr/>
-        <p:nvPr/>
-      </p:nvGrpSpPr>
-      <p:grpSpPr/>
-      <p:sp>
-        <p:nvSpPr>
-          <p:cNvPr id="2" name="标题 1"/>
-          <p:cNvSpPr>
-            <a:spLocks noGrp="1"/>
-          </p:cNvSpPr>
-          <p:nvPr>
-            <p:ph type="title"/>
-          </p:nvPr>
-        </p:nvSpPr>
-        <p:spPr/>
-        <p:txBody>
-          <a:bodyPr/>
           <a:p>
-            <a:r>
-              <a:rPr lang="zh-CN" altLang="en-US"/>
-              <a:t>超链接属性</a:t>
-            </a:r>
-            <a:endParaRPr lang="zh-CN" altLang="en-US"/>
-          </a:p>
-        </p:txBody>
-      </p:sp>
-      <p:sp>
-        <p:nvSpPr>
-          <p:cNvPr id="3" name="内容占位符 2"/>
-          <p:cNvSpPr>
-            <a:spLocks noGrp="1"/>
-          </p:cNvSpPr>
-          <p:nvPr>
-            <p:ph sz="half" idx="1"/>
-          </p:nvPr>
-        </p:nvSpPr>
-        <p:spPr/>
-        <p:txBody>
-          <a:bodyPr/>
-          <a:p>
-            <a:r>
-              <a:rPr lang="zh-CN" altLang="en-US"/>
-              <a:t>属性：</a:t>
-            </a:r>
-            <a:endParaRPr lang="zh-CN" altLang="en-US"/>
-          </a:p>
-          <a:p>
-            <a:pPr lvl="1"/>
+            <a:pPr lvl="2"/>
             <a:r>
               <a:rPr lang="en-US" altLang="zh-CN" dirty="0" smtClean="0">
                 <a:solidFill>
+                  <a:srgbClr val="FF0000"/>
+                </a:solidFill>
+                <a:sym typeface="+mn-ea"/>
+              </a:rPr>
+              <a:t>href</a:t>
+            </a:r>
+            <a:r>
+              <a:rPr lang="zh-CN" altLang="en-US" dirty="0" smtClean="0">
+                <a:solidFill>
+                  <a:schemeClr val="tx1"/>
+                </a:solidFill>
+                <a:sym typeface="+mn-ea"/>
+              </a:rPr>
+              <a:t>：</a:t>
+            </a:r>
+            <a:r>
+              <a:rPr lang="zh-CN" altLang="en-US" dirty="0" smtClean="0">
+                <a:solidFill>
+                  <a:srgbClr val="FF0000"/>
+                </a:solidFill>
+                <a:sym typeface="+mn-ea"/>
+              </a:rPr>
+              <a:t>必选</a:t>
+            </a:r>
+            <a:r>
+              <a:rPr lang="zh-CN" altLang="en-US" dirty="0" smtClean="0">
+                <a:solidFill>
+                  <a:schemeClr val="tx1"/>
+                </a:solidFill>
+                <a:sym typeface="+mn-ea"/>
+              </a:rPr>
+              <a:t>属性</a:t>
+            </a:r>
+            <a:r>
+              <a:rPr lang="zh-CN" altLang="en-US" dirty="0" smtClean="0">
+                <a:solidFill>
                   <a:srgbClr val="C00000"/>
                 </a:solidFill>
                 <a:sym typeface="+mn-ea"/>
               </a:rPr>
-              <a:t>href</a:t>
-            </a:r>
-            <a:r>
-              <a:rPr lang="zh-CN" altLang="en-US" dirty="0" smtClean="0">
-                <a:solidFill>
-                  <a:srgbClr val="C00000"/>
-                </a:solidFill>
-                <a:sym typeface="+mn-ea"/>
-              </a:rPr>
-              <a:t>：</a:t>
+              <a:t>，</a:t>
             </a:r>
             <a:r>
               <a:rPr lang="zh-CN" altLang="en-US" dirty="0" smtClean="0">
@@ -28629,11 +29535,11 @@
             </a:endParaRPr>
           </a:p>
           <a:p>
-            <a:pPr lvl="1"/>
+            <a:pPr lvl="2"/>
             <a:r>
               <a:rPr lang="en-US" altLang="zh-CN" dirty="0" smtClean="0">
                 <a:solidFill>
-                  <a:srgbClr val="C00000"/>
+                  <a:srgbClr val="FF0000"/>
                 </a:solidFill>
                 <a:sym typeface="+mn-ea"/>
               </a:rPr>
@@ -28642,7 +29548,7 @@
             <a:r>
               <a:rPr lang="zh-CN" altLang="en-US" dirty="0" smtClean="0">
                 <a:solidFill>
-                  <a:srgbClr val="C00000"/>
+                  <a:schemeClr val="tx1"/>
                 </a:solidFill>
                 <a:sym typeface="+mn-ea"/>
               </a:rPr>
@@ -28654,17 +29560,9 @@
               </a:rPr>
               <a:t>在何处打开目标</a:t>
             </a:r>
-            <a:endParaRPr lang="en-US" altLang="zh-CN" dirty="0">
-              <a:solidFill>
-                <a:schemeClr val="tx1"/>
-              </a:solidFill>
-              <a:latin typeface="微软雅黑" panose="020B0503020204020204" pitchFamily="34" charset="-122"/>
-              <a:ea typeface="微软雅黑" panose="020B0503020204020204" pitchFamily="34" charset="-122"/>
+            <a:endParaRPr lang="zh-CN" altLang="en-US">
+              <a:sym typeface="+mn-ea"/>
             </a:endParaRPr>
-          </a:p>
-          <a:p>
-            <a:pPr lvl="1"/>
-            <a:endParaRPr lang="zh-CN" altLang="en-US"/>
           </a:p>
         </p:txBody>
       </p:sp>
@@ -28676,10 +29574,10 @@
         </p:nvGrpSpPr>
         <p:grpSpPr bwMode="auto">
           <a:xfrm>
-            <a:off x="4400618" y="1796891"/>
-            <a:ext cx="3207550" cy="718086"/>
+            <a:off x="6000818" y="2877026"/>
+            <a:ext cx="3209144" cy="718086"/>
             <a:chOff x="3995934" y="2137694"/>
-            <a:chExt cx="4451270" cy="1436314"/>
+            <a:chExt cx="4453482" cy="1436314"/>
           </a:xfrm>
           <a:noFill/>
         </p:grpSpPr>
@@ -28745,8 +29643,8 @@
           </p:nvSpPr>
           <p:spPr bwMode="auto">
             <a:xfrm>
-              <a:off x="4333735" y="2137694"/>
-              <a:ext cx="3930621" cy="1290448"/>
+              <a:off x="4518795" y="2137694"/>
+              <a:ext cx="3930621" cy="1197728"/>
             </a:xfrm>
             <a:prstGeom prst="rect">
               <a:avLst/>
@@ -28878,17 +29776,17 @@
                 <a:defRPr/>
               </a:pPr>
               <a:r>
-                <a:rPr lang="zh-CN" altLang="en-US" sz="2400" dirty="0" smtClean="0">
+                <a:rPr lang="zh-CN" altLang="en-US" sz="2200" dirty="0" smtClean="0">
                   <a:solidFill>
                     <a:srgbClr val="C00000"/>
                   </a:solidFill>
                   <a:latin typeface="微软雅黑" panose="020B0503020204020204" pitchFamily="34" charset="-122"/>
                   <a:ea typeface="微软雅黑" panose="020B0503020204020204" pitchFamily="34" charset="-122"/>
                 </a:rPr>
-                <a:t> 链接的目标</a:t>
+                <a:t> 链接的目标 </a:t>
               </a:r>
               <a:r>
-                <a:rPr lang="en-US" altLang="zh-CN" sz="2400" dirty="0" smtClean="0">
+                <a:rPr lang="en-US" altLang="zh-CN" sz="2200" dirty="0" smtClean="0">
                   <a:solidFill>
                     <a:srgbClr val="C00000"/>
                   </a:solidFill>
@@ -28897,7 +29795,7 @@
                 </a:rPr>
                 <a:t>URL</a:t>
               </a:r>
-              <a:endParaRPr lang="en-US" altLang="zh-CN" sz="2400" dirty="0">
+              <a:endParaRPr lang="en-US" altLang="zh-CN" sz="2200" dirty="0">
                 <a:solidFill>
                   <a:srgbClr val="C00000"/>
                 </a:solidFill>
@@ -28916,10 +29814,10 @@
         </p:nvGrpSpPr>
         <p:grpSpPr>
           <a:xfrm>
-            <a:off x="1613535" y="3096260"/>
-            <a:ext cx="5735955" cy="2015490"/>
-            <a:chOff x="1837" y="4722"/>
-            <a:chExt cx="9033" cy="3174"/>
+            <a:off x="1555750" y="3935730"/>
+            <a:ext cx="5321300" cy="1738630"/>
+            <a:chOff x="1746" y="2642"/>
+            <a:chExt cx="8380" cy="2738"/>
           </a:xfrm>
         </p:grpSpPr>
         <p:grpSp>
@@ -28930,10 +29828,10 @@
           </p:nvGrpSpPr>
           <p:grpSpPr bwMode="auto">
             <a:xfrm rot="5400000">
-              <a:off x="4018" y="2540"/>
-              <a:ext cx="3174" cy="7537"/>
-              <a:chOff x="3995933" y="2171748"/>
-              <a:chExt cx="5007334" cy="1580342"/>
+              <a:off x="4202" y="187"/>
+              <a:ext cx="2738" cy="7649"/>
+              <a:chOff x="716063" y="2167135"/>
+              <a:chExt cx="4319496" cy="1603840"/>
             </a:xfrm>
             <a:noFill/>
           </p:grpSpPr>
@@ -28945,8 +29843,8 @@
             </p:nvSpPr>
             <p:spPr bwMode="auto">
               <a:xfrm flipH="1">
-                <a:off x="3995933" y="2171748"/>
-                <a:ext cx="5007334" cy="1580342"/>
+                <a:off x="716063" y="2167135"/>
+                <a:ext cx="4319496" cy="1580342"/>
               </a:xfrm>
               <a:prstGeom prst="homePlate">
                 <a:avLst/>
@@ -28999,8 +29897,8 @@
             </p:nvSpPr>
             <p:spPr bwMode="auto">
               <a:xfrm rot="16200000">
-                <a:off x="5886646" y="2050011"/>
-                <a:ext cx="1422345" cy="1907657"/>
+                <a:off x="2540516" y="1684915"/>
+                <a:ext cx="1422345" cy="2749774"/>
               </a:xfrm>
               <a:prstGeom prst="rect">
                 <a:avLst/>
@@ -29132,28 +30030,21 @@
                   <a:defRPr/>
                 </a:pPr>
                 <a:r>
-                  <a:rPr lang="en-US" altLang="zh-CN" dirty="0">
+                  <a:rPr lang="en-US" altLang="zh-CN" sz="2200" dirty="0">
                     <a:latin typeface="微软雅黑" panose="020B0503020204020204" pitchFamily="34" charset="-122"/>
                     <a:ea typeface="微软雅黑" panose="020B0503020204020204" pitchFamily="34" charset="-122"/>
                   </a:rPr>
-                  <a:t> </a:t>
+                  <a:t> _blank</a:t>
                 </a:r>
                 <a:r>
-                  <a:rPr lang="en-US" altLang="zh-CN" sz="2400" dirty="0">
-                    <a:latin typeface="微软雅黑" panose="020B0503020204020204" pitchFamily="34" charset="-122"/>
-                    <a:ea typeface="微软雅黑" panose="020B0503020204020204" pitchFamily="34" charset="-122"/>
-                  </a:rPr>
-                  <a:t>_blank</a:t>
-                </a:r>
-                <a:r>
-                  <a:rPr lang="zh-CN" altLang="en-US" sz="2400" dirty="0">
+                  <a:rPr lang="zh-CN" altLang="en-US" sz="2200" dirty="0">
                     <a:latin typeface="微软雅黑" panose="020B0503020204020204" pitchFamily="34" charset="-122"/>
                     <a:ea typeface="微软雅黑" panose="020B0503020204020204" pitchFamily="34" charset="-122"/>
                   </a:rPr>
                   <a:t>：</a:t>
                 </a:r>
                 <a:r>
-                  <a:rPr lang="zh-CN" altLang="en-US" sz="2400" dirty="0">
+                  <a:rPr lang="zh-CN" altLang="en-US" sz="2200" dirty="0">
                     <a:solidFill>
                       <a:schemeClr val="tx1"/>
                     </a:solidFill>
@@ -29162,7 +30053,7 @@
                   </a:rPr>
                   <a:t>在新窗口打开</a:t>
                 </a:r>
-                <a:endParaRPr lang="en-US" altLang="zh-CN" sz="2400" dirty="0">
+                <a:endParaRPr lang="en-US" altLang="zh-CN" sz="2200" dirty="0">
                   <a:solidFill>
                     <a:schemeClr val="tx1"/>
                   </a:solidFill>
@@ -29178,35 +30069,35 @@
                   <a:defRPr/>
                 </a:pPr>
                 <a:r>
-                  <a:rPr lang="en-US" altLang="zh-CN" sz="2400" dirty="0">
+                  <a:rPr lang="en-US" altLang="zh-CN" sz="2200" dirty="0">
                     <a:latin typeface="微软雅黑" panose="020B0503020204020204" pitchFamily="34" charset="-122"/>
                     <a:ea typeface="微软雅黑" panose="020B0503020204020204" pitchFamily="34" charset="-122"/>
                   </a:rPr>
                   <a:t> </a:t>
                 </a:r>
                 <a:r>
-                  <a:rPr lang="en-US" altLang="zh-CN" sz="2400" dirty="0" smtClean="0">
+                  <a:rPr lang="en-US" altLang="zh-CN" sz="2200" dirty="0" smtClean="0">
                     <a:latin typeface="微软雅黑" panose="020B0503020204020204" pitchFamily="34" charset="-122"/>
                     <a:ea typeface="微软雅黑" panose="020B0503020204020204" pitchFamily="34" charset="-122"/>
                   </a:rPr>
                   <a:t>_</a:t>
                 </a:r>
                 <a:r>
-                  <a:rPr lang="en-US" altLang="zh-CN" sz="2400" dirty="0">
+                  <a:rPr lang="en-US" altLang="zh-CN" sz="2200" dirty="0">
                     <a:latin typeface="微软雅黑" panose="020B0503020204020204" pitchFamily="34" charset="-122"/>
                     <a:ea typeface="微软雅黑" panose="020B0503020204020204" pitchFamily="34" charset="-122"/>
                   </a:rPr>
                   <a:t>self</a:t>
                 </a:r>
                 <a:r>
-                  <a:rPr lang="zh-CN" altLang="en-US" sz="2400" dirty="0">
+                  <a:rPr lang="zh-CN" altLang="en-US" sz="2200" dirty="0">
                     <a:latin typeface="微软雅黑" panose="020B0503020204020204" pitchFamily="34" charset="-122"/>
                     <a:ea typeface="微软雅黑" panose="020B0503020204020204" pitchFamily="34" charset="-122"/>
                   </a:rPr>
                   <a:t>：</a:t>
                 </a:r>
                 <a:r>
-                  <a:rPr lang="zh-CN" altLang="en-US" sz="2400" dirty="0">
+                  <a:rPr lang="zh-CN" altLang="en-US" sz="2200" dirty="0">
                     <a:solidFill>
                       <a:schemeClr val="tx1"/>
                     </a:solidFill>
@@ -29216,7 +30107,7 @@
                   <a:t>在当前窗口</a:t>
                 </a:r>
                 <a:r>
-                  <a:rPr lang="zh-CN" altLang="en-US" sz="2400" dirty="0" smtClean="0">
+                  <a:rPr lang="zh-CN" altLang="en-US" sz="2200" dirty="0" smtClean="0">
                     <a:solidFill>
                       <a:schemeClr val="tx1"/>
                     </a:solidFill>
@@ -29225,7 +30116,7 @@
                   </a:rPr>
                   <a:t>打开</a:t>
                 </a:r>
-                <a:endParaRPr lang="en-US" altLang="zh-CN" sz="2400" dirty="0">
+                <a:endParaRPr lang="en-US" altLang="zh-CN" sz="2200" dirty="0">
                   <a:solidFill>
                     <a:schemeClr val="tx1"/>
                   </a:solidFill>
@@ -29244,7 +30135,7 @@
           </p:nvSpPr>
           <p:spPr>
             <a:xfrm>
-              <a:off x="6870" y="6735"/>
+              <a:off x="6126" y="4228"/>
               <a:ext cx="4000" cy="872"/>
             </a:xfrm>
             <a:prstGeom prst="rect">
@@ -29311,7 +30202,7 @@
                             </p:stCondLst>
                             <p:childTnLst>
                               <p:par>
-                                <p:cTn id="5" presetID="2" presetClass="entr" presetSubtype="2" fill="hold" nodeType="clickEffect">
+                                <p:cTn id="5" presetID="10" presetClass="entr" presetSubtype="0" fill="hold" nodeType="clickEffect">
                                   <p:stCondLst>
                                     <p:cond delay="0"/>
                                   </p:stCondLst>
@@ -29319,6 +30210,153 @@
                                     <p:set>
                                       <p:cBhvr>
                                         <p:cTn id="6" dur="1" fill="hold">
+                                          <p:stCondLst>
+                                            <p:cond delay="0"/>
+                                          </p:stCondLst>
+                                        </p:cTn>
+                                        <p:tgtEl>
+                                          <p:spTgt spid="3">
+                                            <p:txEl>
+                                              <p:pRg st="2" end="2"/>
+                                            </p:txEl>
+                                          </p:spTgt>
+                                        </p:tgtEl>
+                                        <p:attrNameLst>
+                                          <p:attrName>style.visibility</p:attrName>
+                                        </p:attrNameLst>
+                                      </p:cBhvr>
+                                      <p:to>
+                                        <p:strVal val="visible"/>
+                                      </p:to>
+                                    </p:set>
+                                    <p:animEffect transition="in" filter="fade">
+                                      <p:cBhvr>
+                                        <p:cTn id="7" dur="500"/>
+                                        <p:tgtEl>
+                                          <p:spTgt spid="3">
+                                            <p:txEl>
+                                              <p:pRg st="2" end="2"/>
+                                            </p:txEl>
+                                          </p:spTgt>
+                                        </p:tgtEl>
+                                      </p:cBhvr>
+                                    </p:animEffect>
+                                  </p:childTnLst>
+                                </p:cTn>
+                              </p:par>
+                              <p:par>
+                                <p:cTn id="8" presetID="10" presetClass="entr" presetSubtype="0" fill="hold" nodeType="withEffect">
+                                  <p:stCondLst>
+                                    <p:cond delay="0"/>
+                                  </p:stCondLst>
+                                  <p:childTnLst>
+                                    <p:set>
+                                      <p:cBhvr>
+                                        <p:cTn id="9" dur="1" fill="hold">
+                                          <p:stCondLst>
+                                            <p:cond delay="0"/>
+                                          </p:stCondLst>
+                                        </p:cTn>
+                                        <p:tgtEl>
+                                          <p:spTgt spid="3">
+                                            <p:txEl>
+                                              <p:pRg st="3" end="3"/>
+                                            </p:txEl>
+                                          </p:spTgt>
+                                        </p:tgtEl>
+                                        <p:attrNameLst>
+                                          <p:attrName>style.visibility</p:attrName>
+                                        </p:attrNameLst>
+                                      </p:cBhvr>
+                                      <p:to>
+                                        <p:strVal val="visible"/>
+                                      </p:to>
+                                    </p:set>
+                                    <p:animEffect transition="in" filter="fade">
+                                      <p:cBhvr>
+                                        <p:cTn id="10" dur="500"/>
+                                        <p:tgtEl>
+                                          <p:spTgt spid="3">
+                                            <p:txEl>
+                                              <p:pRg st="3" end="3"/>
+                                            </p:txEl>
+                                          </p:spTgt>
+                                        </p:tgtEl>
+                                      </p:cBhvr>
+                                    </p:animEffect>
+                                  </p:childTnLst>
+                                </p:cTn>
+                              </p:par>
+                              <p:par>
+                                <p:cTn id="11" presetID="10" presetClass="entr" presetSubtype="0" fill="hold" nodeType="withEffect">
+                                  <p:stCondLst>
+                                    <p:cond delay="0"/>
+                                  </p:stCondLst>
+                                  <p:childTnLst>
+                                    <p:set>
+                                      <p:cBhvr>
+                                        <p:cTn id="12" dur="1" fill="hold">
+                                          <p:stCondLst>
+                                            <p:cond delay="0"/>
+                                          </p:stCondLst>
+                                        </p:cTn>
+                                        <p:tgtEl>
+                                          <p:spTgt spid="3">
+                                            <p:txEl>
+                                              <p:pRg st="4" end="4"/>
+                                            </p:txEl>
+                                          </p:spTgt>
+                                        </p:tgtEl>
+                                        <p:attrNameLst>
+                                          <p:attrName>style.visibility</p:attrName>
+                                        </p:attrNameLst>
+                                      </p:cBhvr>
+                                      <p:to>
+                                        <p:strVal val="visible"/>
+                                      </p:to>
+                                    </p:set>
+                                    <p:animEffect transition="in" filter="fade">
+                                      <p:cBhvr>
+                                        <p:cTn id="13" dur="500"/>
+                                        <p:tgtEl>
+                                          <p:spTgt spid="3">
+                                            <p:txEl>
+                                              <p:pRg st="4" end="4"/>
+                                            </p:txEl>
+                                          </p:spTgt>
+                                        </p:tgtEl>
+                                      </p:cBhvr>
+                                    </p:animEffect>
+                                  </p:childTnLst>
+                                </p:cTn>
+                              </p:par>
+                            </p:childTnLst>
+                          </p:cTn>
+                        </p:par>
+                      </p:childTnLst>
+                    </p:cTn>
+                  </p:par>
+                  <p:par>
+                    <p:cTn id="14" fill="hold">
+                      <p:stCondLst>
+                        <p:cond delay="indefinite"/>
+                      </p:stCondLst>
+                      <p:childTnLst>
+                        <p:par>
+                          <p:cTn id="15" fill="hold">
+                            <p:stCondLst>
+                              <p:cond delay="0"/>
+                            </p:stCondLst>
+                            <p:childTnLst>
+                              <p:par>
+                                <p:cTn id="16" presetID="2" presetClass="entr" presetSubtype="2" fill="hold" nodeType="clickEffect">
+                                  <p:stCondLst>
+                                    <p:cond delay="0"/>
+                                  </p:stCondLst>
+                                  <p:childTnLst>
+                                    <p:set>
+                                      <p:cBhvr>
+                                        <p:cTn id="17" dur="1" fill="hold">
                                           <p:stCondLst>
                                             <p:cond delay="0"/>
                                           </p:stCondLst>
@@ -29336,7 +30374,7 @@
                                     </p:set>
                                     <p:anim calcmode="lin" valueType="num">
                                       <p:cBhvr additive="base">
-                                        <p:cTn id="7" dur="500" fill="hold"/>
+                                        <p:cTn id="18" dur="500" fill="hold"/>
                                         <p:tgtEl>
                                           <p:spTgt spid="6"/>
                                         </p:tgtEl>
@@ -29359,7 +30397,7 @@
                                     </p:anim>
                                     <p:anim calcmode="lin" valueType="num">
                                       <p:cBhvr additive="base">
-                                        <p:cTn id="8" dur="500" fill="hold"/>
+                                        <p:cTn id="19" dur="500" fill="hold"/>
                                         <p:tgtEl>
                                           <p:spTgt spid="6"/>
                                         </p:tgtEl>
@@ -29390,26 +30428,26 @@
                     </p:cTn>
                   </p:par>
                   <p:par>
-                    <p:cTn id="9" fill="hold">
+                    <p:cTn id="20" fill="hold">
                       <p:stCondLst>
                         <p:cond delay="indefinite"/>
                       </p:stCondLst>
                       <p:childTnLst>
                         <p:par>
-                          <p:cTn id="10" fill="hold">
+                          <p:cTn id="21" fill="hold">
                             <p:stCondLst>
                               <p:cond delay="0"/>
                             </p:stCondLst>
                             <p:childTnLst>
                               <p:par>
-                                <p:cTn id="11" presetID="2" presetClass="entr" presetSubtype="2" fill="hold" nodeType="clickEffect">
+                                <p:cTn id="22" presetID="2" presetClass="entr" presetSubtype="2" fill="hold" nodeType="clickEffect">
                                   <p:stCondLst>
                                     <p:cond delay="0"/>
                                   </p:stCondLst>
                                   <p:childTnLst>
                                     <p:set>
                                       <p:cBhvr>
-                                        <p:cTn id="12" dur="1" fill="hold">
+                                        <p:cTn id="23" dur="1" fill="hold">
                                           <p:stCondLst>
                                             <p:cond delay="0"/>
                                           </p:stCondLst>
@@ -29427,7 +30465,7 @@
                                     </p:set>
                                     <p:anim calcmode="lin" valueType="num">
                                       <p:cBhvr additive="base">
-                                        <p:cTn id="13" dur="500" fill="hold"/>
+                                        <p:cTn id="24" dur="500" fill="hold"/>
                                         <p:tgtEl>
                                           <p:spTgt spid="9"/>
                                         </p:tgtEl>
@@ -29450,7 +30488,7 @@
                                     </p:anim>
                                     <p:anim calcmode="lin" valueType="num">
                                       <p:cBhvr additive="base">
-                                        <p:cTn id="14" dur="500" fill="hold"/>
+                                        <p:cTn id="25" dur="500" fill="hold"/>
                                         <p:tgtEl>
                                           <p:spTgt spid="9"/>
                                         </p:tgtEl>
@@ -29505,7 +30543,7 @@
 </p:sld>
 </file>
 
-<file path=ppt/slides/slide35.xml><?xml version="1.0" encoding="utf-8"?>
+<file path=ppt/slides/slide34.xml><?xml version="1.0" encoding="utf-8"?>
 <p:sld xmlns:a="http://schemas.openxmlformats.org/drawingml/2006/main" xmlns:r="http://schemas.openxmlformats.org/officeDocument/2006/relationships" xmlns:p="http://schemas.openxmlformats.org/presentationml/2006/main">
   <p:cSld>
     <p:spTree>
@@ -29576,7 +30614,7 @@
         </p:spPr>
         <p:txBody>
           <a:bodyPr>
-            <a:normAutofit fontScale="97500"/>
+            <a:normAutofit/>
           </a:bodyPr>
           <a:lstStyle>
             <a:lvl1pPr marL="342900" indent="-342900" algn="l" defTabSz="914400" rtl="0" eaLnBrk="1" latinLnBrk="0" hangingPunct="1">
@@ -29754,14 +30792,14 @@
               <a:buNone/>
             </a:pPr>
             <a:r>
-              <a:rPr lang="en-US" altLang="zh-CN" sz="2500" dirty="0" smtClean="0">
+              <a:rPr lang="en-US" altLang="zh-CN" sz="2400" dirty="0" smtClean="0">
                 <a:solidFill>
                   <a:srgbClr val="0000FF"/>
                 </a:solidFill>
               </a:rPr>
               <a:t>&lt;body&gt;</a:t>
             </a:r>
-            <a:endParaRPr lang="en-US" altLang="zh-CN" sz="2500" dirty="0" smtClean="0">
+            <a:endParaRPr lang="en-US" altLang="zh-CN" sz="2400" dirty="0" smtClean="0">
               <a:solidFill>
                 <a:srgbClr val="0000FF"/>
               </a:solidFill>
@@ -29834,7 +30872,7 @@
                   <a:srgbClr val="0000FF"/>
                 </a:solidFill>
               </a:rPr>
-              <a:t>&gt;&lt;h6&gt;</a:t>
+              <a:t>&gt;&lt;h2&gt;</a:t>
             </a:r>
             <a:r>
               <a:rPr lang="en-US" altLang="zh-CN" sz="2400" dirty="0" smtClean="0"/>
@@ -29842,7 +30880,7 @@
             </a:r>
             <a:r>
               <a:rPr lang="zh-CN" altLang="en-US" sz="2400" dirty="0"/>
-              <a:t>中的六级</a:t>
+              <a:t>中的二级</a:t>
             </a:r>
             <a:r>
               <a:rPr lang="zh-CN" altLang="en-US" sz="2400" dirty="0" smtClean="0"/>
@@ -29854,7 +30892,7 @@
                   <a:srgbClr val="0000FF"/>
                 </a:solidFill>
               </a:rPr>
-              <a:t>&lt;/h6&gt;&lt;/</a:t>
+              <a:t>&lt;/h2&gt;&lt;/</a:t>
             </a:r>
             <a:r>
               <a:rPr lang="en-US" altLang="zh-CN" sz="2400" dirty="0" smtClean="0">
@@ -29960,7 +30998,7 @@
                   <a:srgbClr val="009900"/>
                 </a:solidFill>
               </a:rPr>
-              <a:t>= "http://www.baidu.com"  </a:t>
+              <a:t>= "http://www.baidu.com/"  </a:t>
             </a:r>
             <a:r>
               <a:rPr lang="en-US" altLang="zh-CN" sz="2400" dirty="0" err="1" smtClean="0">
@@ -30030,7 +31068,7 @@
                   <a:srgbClr val="009900"/>
                 </a:solidFill>
               </a:rPr>
-              <a:t>src ="image/bdlogo.jpg"  alt = "</a:t>
+              <a:t>src ="image/baidu.jpg"  alt = "</a:t>
             </a:r>
             <a:r>
               <a:rPr lang="en-US" altLang="zh-CN" sz="2400" dirty="0" err="1" smtClean="0">
@@ -30093,17 +31131,52 @@
               <a:buNone/>
             </a:pPr>
             <a:r>
-              <a:rPr lang="en-US" altLang="zh-CN" sz="2500" dirty="0" smtClean="0">
+              <a:rPr lang="en-US" altLang="zh-CN" sz="2400" dirty="0" smtClean="0">
                 <a:solidFill>
                   <a:srgbClr val="0000FF"/>
                 </a:solidFill>
               </a:rPr>
               <a:t>&lt;/body&gt;</a:t>
             </a:r>
-            <a:endParaRPr lang="en-US" altLang="zh-CN" sz="2500" dirty="0">
+            <a:endParaRPr lang="en-US" altLang="zh-CN" sz="2400" dirty="0">
               <a:solidFill>
                 <a:srgbClr val="0000FF"/>
               </a:solidFill>
+            </a:endParaRPr>
+          </a:p>
+        </p:txBody>
+      </p:sp>
+      <p:sp>
+        <p:nvSpPr>
+          <p:cNvPr id="4" name="文本框 10"/>
+          <p:cNvSpPr txBox="1"/>
+          <p:nvPr/>
+        </p:nvSpPr>
+        <p:spPr>
+          <a:xfrm>
+            <a:off x="9360848" y="5830252"/>
+            <a:ext cx="2468245" cy="508000"/>
+          </a:xfrm>
+          <a:prstGeom prst="rect">
+            <a:avLst/>
+          </a:prstGeom>
+          <a:noFill/>
+        </p:spPr>
+        <p:txBody>
+          <a:bodyPr wrap="none" lIns="108850" tIns="54425" rIns="108850" bIns="54425" rtlCol="0">
+            <a:spAutoFit/>
+          </a:bodyPr>
+          <a:p>
+            <a:r>
+              <a:rPr lang="en-US" altLang="zh-CN" sz="2600" dirty="0" smtClean="0">
+                <a:latin typeface="微软雅黑" panose="020B0503020204020204" pitchFamily="34" charset="-122"/>
+                <a:ea typeface="微软雅黑" panose="020B0503020204020204" pitchFamily="34" charset="-122"/>
+              </a:rPr>
+              <a:t>demo2-6.html</a:t>
+            </a:r>
+            <a:endParaRPr lang="zh-CN" altLang="en-US" sz="2600" dirty="0">
+              <a:latin typeface="微软雅黑" panose="020B0503020204020204" pitchFamily="34" charset="-122"/>
+              <a:ea typeface="微软雅黑" panose="020B0503020204020204" pitchFamily="34" charset="-122"/>
             </a:endParaRPr>
           </a:p>
         </p:txBody>
@@ -30124,7 +31197,7 @@
 </p:sld>
 </file>
 
-<file path=ppt/slides/slide36.xml><?xml version="1.0" encoding="utf-8"?>
+<file path=ppt/slides/slide35.xml><?xml version="1.0" encoding="utf-8"?>
 <p:sld xmlns:a="http://schemas.openxmlformats.org/drawingml/2006/main" xmlns:r="http://schemas.openxmlformats.org/officeDocument/2006/relationships" xmlns:p="http://schemas.openxmlformats.org/presentationml/2006/main">
   <p:cSld>
     <p:spTree>
@@ -30474,7 +31547,7 @@
             <a:lstStyle/>
             <a:p>
               <a:r>
-                <a:rPr lang="en-US" altLang="zh-CN" sz="2800" dirty="0" smtClean="0">
+                <a:rPr lang="zh-CN" altLang="en-US" sz="2800" dirty="0" smtClean="0">
                   <a:solidFill>
                     <a:srgbClr val="595E64"/>
                   </a:solidFill>
@@ -30483,9 +31556,9 @@
                 </a:rPr>
                 <a:t>理解网页文件</a:t>
               </a:r>
-              <a:endParaRPr lang="zh-CN" altLang="en-US" sz="2800" dirty="0" smtClean="0">
-                <a:solidFill>
-                  <a:schemeClr val="tx1"/>
+              <a:endParaRPr lang="zh-CN" altLang="en-US" sz="2800" dirty="0">
+                <a:solidFill>
+                  <a:srgbClr val="FF0000"/>
                 </a:solidFill>
                 <a:latin typeface="微软雅黑" panose="020B0503020204020204" pitchFamily="34" charset="-122"/>
                 <a:ea typeface="微软雅黑" panose="020B0503020204020204" pitchFamily="34" charset="-122"/>
@@ -30502,10 +31575,10 @@
         </p:nvGrpSpPr>
         <p:grpSpPr>
           <a:xfrm>
-            <a:off x="4199253" y="2395198"/>
-            <a:ext cx="7369354" cy="523240"/>
-            <a:chOff x="4199253" y="2780928"/>
-            <a:chExt cx="7369354" cy="523240"/>
+            <a:off x="4199254" y="2395198"/>
+            <a:ext cx="7369353" cy="521970"/>
+            <a:chOff x="4199254" y="2780928"/>
+            <a:chExt cx="7369353" cy="521970"/>
           </a:xfrm>
         </p:grpSpPr>
         <p:sp>
@@ -30517,7 +31590,7 @@
           <p:spPr>
             <a:xfrm>
               <a:off x="5043210" y="2780928"/>
-              <a:ext cx="6525397" cy="523240"/>
+              <a:ext cx="6525397" cy="521970"/>
             </a:xfrm>
             <a:prstGeom prst="rect">
               <a:avLst/>
@@ -30537,12 +31610,44 @@
                   </a:solidFill>
                   <a:latin typeface="微软雅黑" panose="020B0503020204020204" pitchFamily="34" charset="-122"/>
                   <a:ea typeface="微软雅黑" panose="020B0503020204020204" pitchFamily="34" charset="-122"/>
+                  <a:sym typeface="+mn-ea"/>
                 </a:rPr>
-                <a:t>段落标签和标题标签</a:t>
+                <a:t>标题</a:t>
               </a:r>
-              <a:endParaRPr lang="zh-CN" altLang="en-US" sz="2800" dirty="0">
-                <a:solidFill>
-                  <a:srgbClr val="595E64"/>
+              <a:r>
+                <a:rPr lang="zh-CN" altLang="en-US" sz="2800" dirty="0" smtClean="0">
+                  <a:solidFill>
+                    <a:srgbClr val="595E64"/>
+                  </a:solidFill>
+                  <a:latin typeface="微软雅黑" panose="020B0503020204020204" pitchFamily="34" charset="-122"/>
+                  <a:ea typeface="微软雅黑" panose="020B0503020204020204" pitchFamily="34" charset="-122"/>
+                </a:rPr>
+                <a:t>标签和</a:t>
+              </a:r>
+              <a:r>
+                <a:rPr lang="zh-CN" altLang="en-US" sz="2800" dirty="0" smtClean="0">
+                  <a:solidFill>
+                    <a:srgbClr val="595E64"/>
+                  </a:solidFill>
+                  <a:latin typeface="微软雅黑" panose="020B0503020204020204" pitchFamily="34" charset="-122"/>
+                  <a:ea typeface="微软雅黑" panose="020B0503020204020204" pitchFamily="34" charset="-122"/>
+                  <a:sym typeface="+mn-ea"/>
+                </a:rPr>
+                <a:t>段落</a:t>
+              </a:r>
+              <a:r>
+                <a:rPr lang="zh-CN" altLang="en-US" sz="2800" dirty="0" smtClean="0">
+                  <a:solidFill>
+                    <a:srgbClr val="595E64"/>
+                  </a:solidFill>
+                  <a:latin typeface="微软雅黑" panose="020B0503020204020204" pitchFamily="34" charset="-122"/>
+                  <a:ea typeface="微软雅黑" panose="020B0503020204020204" pitchFamily="34" charset="-122"/>
+                </a:rPr>
+                <a:t>标签</a:t>
+              </a:r>
+              <a:endParaRPr lang="zh-CN" altLang="en-US" sz="2800" dirty="0" smtClean="0">
+                <a:solidFill>
+                  <a:srgbClr val="FF0000"/>
                 </a:solidFill>
                 <a:latin typeface="微软雅黑" panose="020B0503020204020204" pitchFamily="34" charset="-122"/>
                 <a:ea typeface="微软雅黑" panose="020B0503020204020204" pitchFamily="34" charset="-122"/>
@@ -30605,10 +31710,10 @@
         </p:nvGrpSpPr>
         <p:grpSpPr>
           <a:xfrm>
-            <a:off x="4199253" y="3175711"/>
-            <a:ext cx="6289270" cy="523240"/>
-            <a:chOff x="4199253" y="3645024"/>
-            <a:chExt cx="6289270" cy="523240"/>
+            <a:off x="4199254" y="3175711"/>
+            <a:ext cx="6289269" cy="521970"/>
+            <a:chOff x="4199254" y="3645024"/>
+            <a:chExt cx="6289269" cy="521970"/>
           </a:xfrm>
         </p:grpSpPr>
         <p:sp>
@@ -30620,7 +31725,7 @@
           <p:spPr>
             <a:xfrm>
               <a:off x="5043210" y="3645024"/>
-              <a:ext cx="5445313" cy="523240"/>
+              <a:ext cx="5445313" cy="521970"/>
             </a:xfrm>
             <a:prstGeom prst="rect">
               <a:avLst/>
@@ -30643,7 +31748,7 @@
                 </a:rPr>
                 <a:t>图片标签、相对路径和绝对路径</a:t>
               </a:r>
-              <a:endParaRPr lang="zh-CN" altLang="en-US" sz="2800" dirty="0">
+              <a:endParaRPr lang="zh-CN" altLang="en-US" sz="2800" dirty="0" smtClean="0">
                 <a:solidFill>
                   <a:srgbClr val="595E64"/>
                 </a:solidFill>
@@ -30708,10 +31813,10 @@
         </p:nvGrpSpPr>
         <p:grpSpPr>
           <a:xfrm>
-            <a:off x="4199253" y="3956224"/>
-            <a:ext cx="6073211" cy="523220"/>
-            <a:chOff x="4199253" y="4653136"/>
-            <a:chExt cx="6073211" cy="523220"/>
+            <a:off x="4199254" y="3956224"/>
+            <a:ext cx="6073210" cy="521970"/>
+            <a:chOff x="4199254" y="4653136"/>
+            <a:chExt cx="6073210" cy="521970"/>
           </a:xfrm>
         </p:grpSpPr>
         <p:sp>
@@ -30723,7 +31828,7 @@
           <p:spPr>
             <a:xfrm>
               <a:off x="5043210" y="4653136"/>
-              <a:ext cx="5229254" cy="523220"/>
+              <a:ext cx="5229254" cy="521970"/>
             </a:xfrm>
             <a:prstGeom prst="rect">
               <a:avLst/>
@@ -30746,7 +31851,7 @@
                 </a:rPr>
                 <a:t>超链接标签</a:t>
               </a:r>
-              <a:endParaRPr lang="zh-CN" altLang="en-US" sz="2800" dirty="0">
+              <a:endParaRPr lang="zh-CN" altLang="en-US" sz="2800" dirty="0" smtClean="0">
                 <a:solidFill>
                   <a:srgbClr val="595E64"/>
                 </a:solidFill>
@@ -30811,10 +31916,10 @@
         </p:nvGrpSpPr>
         <p:grpSpPr>
           <a:xfrm>
-            <a:off x="4199253" y="1615955"/>
-            <a:ext cx="7196971" cy="521970"/>
-            <a:chOff x="4199253" y="1898918"/>
-            <a:chExt cx="7196971" cy="521970"/>
+            <a:off x="4199254" y="1615955"/>
+            <a:ext cx="7196970" cy="521970"/>
+            <a:chOff x="4199254" y="1898918"/>
+            <a:chExt cx="7196970" cy="521970"/>
           </a:xfrm>
         </p:grpSpPr>
         <p:sp>
@@ -30902,14 +32007,10 @@
             </a:lstStyle>
             <a:p>
               <a:r>
-                <a:rPr lang="en-US" altLang="zh-CN" dirty="0" smtClean="0"/>
-                <a:t>HTML</a:t>
+                <a:rPr lang="zh-CN" altLang="en-US" dirty="0" smtClean="0"/>
+                <a:t>HTML语法基础</a:t>
               </a:r>
-              <a:r>
-                <a:rPr lang="zh-CN" altLang="en-US" dirty="0" smtClean="0"/>
-                <a:t>语法基础</a:t>
-              </a:r>
-              <a:endParaRPr lang="zh-CN" altLang="en-US" dirty="0"/>
+              <a:endParaRPr lang="zh-CN" altLang="en-US" dirty="0" smtClean="0"/>
             </a:p>
           </p:txBody>
         </p:sp>
@@ -31017,10 +32118,10 @@
         </p:nvGrpSpPr>
         <p:grpSpPr>
           <a:xfrm>
-            <a:off x="4223792" y="4736717"/>
-            <a:ext cx="6264731" cy="523220"/>
-            <a:chOff x="4199253" y="4653136"/>
-            <a:chExt cx="6264731" cy="523220"/>
+            <a:off x="4223793" y="4736717"/>
+            <a:ext cx="6264730" cy="521970"/>
+            <a:chOff x="4199254" y="4653136"/>
+            <a:chExt cx="6264730" cy="521970"/>
           </a:xfrm>
         </p:grpSpPr>
         <p:sp>
@@ -31032,7 +32133,7 @@
           <p:spPr>
             <a:xfrm>
               <a:off x="5043210" y="4653136"/>
-              <a:ext cx="5420774" cy="523220"/>
+              <a:ext cx="5420774" cy="521970"/>
             </a:xfrm>
             <a:prstGeom prst="rect">
               <a:avLst/>
@@ -31053,7 +32154,7 @@
                   <a:latin typeface="微软雅黑" panose="020B0503020204020204" pitchFamily="34" charset="-122"/>
                   <a:ea typeface="微软雅黑" panose="020B0503020204020204" pitchFamily="34" charset="-122"/>
                 </a:rPr>
-                <a:t>有序列表标签和无序列表标签</a:t>
+                <a:t>无序列表标签和有序列表标签</a:t>
               </a:r>
               <a:endParaRPr lang="zh-CN" altLang="en-US" sz="2800" dirty="0">
                 <a:solidFill>
@@ -31120,7 +32221,7 @@
 </p:sld>
 </file>
 
-<file path=ppt/slides/slide37.xml><?xml version="1.0" encoding="utf-8"?>
+<file path=ppt/slides/slide36.xml><?xml version="1.0" encoding="utf-8"?>
 <p:sld xmlns:a="http://schemas.openxmlformats.org/drawingml/2006/main" xmlns:r="http://schemas.openxmlformats.org/officeDocument/2006/relationships" xmlns:p="http://schemas.openxmlformats.org/presentationml/2006/main">
   <p:cSld>
     <p:spTree>
@@ -31283,8 +32384,8 @@
         </p:blipFill>
         <p:spPr bwMode="auto">
           <a:xfrm>
-            <a:off x="2063552" y="3140968"/>
-            <a:ext cx="3672781" cy="1993043"/>
+            <a:off x="2063750" y="3140710"/>
+            <a:ext cx="4245610" cy="2304415"/>
           </a:xfrm>
           <a:prstGeom prst="rect">
             <a:avLst/>
@@ -31309,10 +32410,10 @@
         </p:nvGrpSpPr>
         <p:grpSpPr>
           <a:xfrm>
-            <a:off x="2091712" y="5134011"/>
-            <a:ext cx="2621280" cy="898471"/>
-            <a:chOff x="639347" y="5300702"/>
-            <a:chExt cx="2621280" cy="898471"/>
+            <a:off x="2089172" y="5250180"/>
+            <a:ext cx="2621280" cy="782302"/>
+            <a:chOff x="639347" y="5416871"/>
+            <a:chExt cx="2621280" cy="782302"/>
           </a:xfrm>
         </p:grpSpPr>
         <p:sp>
@@ -31381,8 +32482,8 @@
           </p:nvCxnSpPr>
           <p:spPr>
             <a:xfrm flipH="1" flipV="1">
-              <a:off x="719584" y="5300702"/>
-              <a:ext cx="408038" cy="438096"/>
+              <a:off x="765055" y="5416871"/>
+              <a:ext cx="636905" cy="321945"/>
             </a:xfrm>
             <a:prstGeom prst="straightConnector1">
               <a:avLst/>
@@ -31851,7 +32952,7 @@
 </p:sld>
 </file>
 
-<file path=ppt/slides/slide38.xml><?xml version="1.0" encoding="utf-8"?>
+<file path=ppt/slides/slide37.xml><?xml version="1.0" encoding="utf-8"?>
 <p:sld xmlns:a="http://schemas.openxmlformats.org/drawingml/2006/main" xmlns:r="http://schemas.openxmlformats.org/officeDocument/2006/relationships" xmlns:p="http://schemas.openxmlformats.org/presentationml/2006/main">
   <p:cSld>
     <p:spTree>
@@ -32241,6 +33342,41 @@
           </a:extLst>
         </p:spPr>
       </p:pic>
+      <p:sp>
+        <p:nvSpPr>
+          <p:cNvPr id="5" name="文本框 10"/>
+          <p:cNvSpPr txBox="1"/>
+          <p:nvPr/>
+        </p:nvSpPr>
+        <p:spPr>
+          <a:xfrm>
+            <a:off x="9277663" y="5808027"/>
+            <a:ext cx="2468245" cy="508000"/>
+          </a:xfrm>
+          <a:prstGeom prst="rect">
+            <a:avLst/>
+          </a:prstGeom>
+          <a:noFill/>
+        </p:spPr>
+        <p:txBody>
+          <a:bodyPr wrap="none" lIns="108850" tIns="54425" rIns="108850" bIns="54425" rtlCol="0">
+            <a:spAutoFit/>
+          </a:bodyPr>
+          <a:p>
+            <a:r>
+              <a:rPr lang="en-US" altLang="zh-CN" sz="2600" dirty="0" smtClean="0">
+                <a:latin typeface="微软雅黑" panose="020B0503020204020204" pitchFamily="34" charset="-122"/>
+                <a:ea typeface="微软雅黑" panose="020B0503020204020204" pitchFamily="34" charset="-122"/>
+              </a:rPr>
+              <a:t>demo2-7.html</a:t>
+            </a:r>
+            <a:endParaRPr lang="zh-CN" altLang="en-US" sz="2600" dirty="0">
+              <a:latin typeface="微软雅黑" panose="020B0503020204020204" pitchFamily="34" charset="-122"/>
+              <a:ea typeface="微软雅黑" panose="020B0503020204020204" pitchFamily="34" charset="-122"/>
+            </a:endParaRPr>
+          </a:p>
+        </p:txBody>
+      </p:sp>
     </p:spTree>
   </p:cSld>
   <p:clrMapOvr>
@@ -32467,7 +33603,7 @@
 </p:sld>
 </file>
 
-<file path=ppt/slides/slide39.xml><?xml version="1.0" encoding="utf-8"?>
+<file path=ppt/slides/slide38.xml><?xml version="1.0" encoding="utf-8"?>
 <p:sld xmlns:a="http://schemas.openxmlformats.org/drawingml/2006/main" xmlns:r="http://schemas.openxmlformats.org/officeDocument/2006/relationships" xmlns:p="http://schemas.openxmlformats.org/presentationml/2006/main">
   <p:cSld>
     <p:spTree>
@@ -32477,6 +33613,253 @@
         <p:nvPr/>
       </p:nvGrpSpPr>
       <p:grpSpPr/>
+      <p:sp>
+        <p:nvSpPr>
+          <p:cNvPr id="2" name="标题 1"/>
+          <p:cNvSpPr>
+            <a:spLocks noGrp="1"/>
+          </p:cNvSpPr>
+          <p:nvPr>
+            <p:ph type="title"/>
+          </p:nvPr>
+        </p:nvSpPr>
+        <p:spPr/>
+        <p:txBody>
+          <a:bodyPr/>
+          <a:p>
+            <a:r>
+              <a:rPr lang="zh-CN" altLang="en-US"/>
+              <a:t>有序列表</a:t>
+            </a:r>
+            <a:endParaRPr lang="zh-CN" altLang="en-US"/>
+          </a:p>
+        </p:txBody>
+      </p:sp>
+      <p:sp>
+        <p:nvSpPr>
+          <p:cNvPr id="3" name="内容占位符 2"/>
+          <p:cNvSpPr>
+            <a:spLocks noGrp="1"/>
+          </p:cNvSpPr>
+          <p:nvPr>
+            <p:ph sz="half" idx="1"/>
+          </p:nvPr>
+        </p:nvSpPr>
+        <p:spPr/>
+        <p:txBody>
+          <a:bodyPr/>
+          <a:p>
+            <a:r>
+              <a:rPr lang="zh-CN" altLang="en-US">
+                <a:sym typeface="+mn-ea"/>
+              </a:rPr>
+              <a:t>有序列表使用 </a:t>
+            </a:r>
+            <a:r>
+              <a:rPr>
+                <a:solidFill>
+                  <a:srgbClr val="FF0000"/>
+                </a:solidFill>
+                <a:sym typeface="+mn-ea"/>
+              </a:rPr>
+              <a:t>&lt;o</a:t>
+            </a:r>
+            <a:r>
+              <a:rPr dirty="0" err="1">
+                <a:solidFill>
+                  <a:srgbClr val="FF0000"/>
+                </a:solidFill>
+                <a:sym typeface="+mn-ea"/>
+              </a:rPr>
+              <a:t>l</a:t>
+            </a:r>
+            <a:r>
+              <a:rPr>
+                <a:solidFill>
+                  <a:srgbClr val="FF0000"/>
+                </a:solidFill>
+                <a:sym typeface="+mn-ea"/>
+              </a:rPr>
+              <a:t>&gt; </a:t>
+            </a:r>
+            <a:r>
+              <a:rPr lang="zh-CN" altLang="en-US">
+                <a:sym typeface="+mn-ea"/>
+              </a:rPr>
+              <a:t>标签，每个列表项使用 </a:t>
+            </a:r>
+            <a:r>
+              <a:rPr>
+                <a:solidFill>
+                  <a:srgbClr val="FF0000"/>
+                </a:solidFill>
+                <a:sym typeface="+mn-ea"/>
+              </a:rPr>
+              <a:t>&lt;li</a:t>
+            </a:r>
+            <a:r>
+              <a:rPr smtClean="0">
+                <a:solidFill>
+                  <a:srgbClr val="FF0000"/>
+                </a:solidFill>
+                <a:sym typeface="+mn-ea"/>
+              </a:rPr>
+              <a:t>&gt;</a:t>
+            </a:r>
+            <a:r>
+              <a:rPr lang="zh-CN" altLang="en-US" smtClean="0">
+                <a:sym typeface="+mn-ea"/>
+              </a:rPr>
+              <a:t>标签。</a:t>
+            </a:r>
+            <a:endParaRPr lang="zh-CN" altLang="en-US" dirty="0">
+              <a:latin typeface="微软雅黑" panose="020B0503020204020204" pitchFamily="34" charset="-122"/>
+              <a:ea typeface="微软雅黑" panose="020B0503020204020204" pitchFamily="34" charset="-122"/>
+            </a:endParaRPr>
+          </a:p>
+          <a:p>
+            <a:r>
+              <a:rPr lang="zh-CN" altLang="en-US" smtClean="0">
+                <a:sym typeface="+mn-ea"/>
+              </a:rPr>
+              <a:t>每个列表项默认使用</a:t>
+            </a:r>
+            <a:r>
+              <a:rPr lang="zh-CN" altLang="en-US" smtClean="0">
+                <a:solidFill>
+                  <a:srgbClr val="FF0000"/>
+                </a:solidFill>
+                <a:sym typeface="+mn-ea"/>
+              </a:rPr>
+              <a:t>数字</a:t>
+            </a:r>
+            <a:r>
+              <a:rPr lang="zh-CN" altLang="en-US" smtClean="0">
+                <a:sym typeface="+mn-ea"/>
+              </a:rPr>
+              <a:t>进行</a:t>
+            </a:r>
+            <a:r>
+              <a:rPr lang="zh-CN" altLang="en-US">
+                <a:sym typeface="+mn-ea"/>
+              </a:rPr>
+              <a:t>标记</a:t>
+            </a:r>
+            <a:r>
+              <a:rPr lang="zh-CN" altLang="en-US" smtClean="0">
+                <a:sym typeface="+mn-ea"/>
+              </a:rPr>
+              <a:t>。</a:t>
+            </a:r>
+            <a:endParaRPr lang="zh-CN" altLang="en-US" smtClean="0">
+              <a:sym typeface="+mn-ea"/>
+            </a:endParaRPr>
+          </a:p>
+          <a:p>
+            <a:r>
+              <a:rPr lang="zh-CN" altLang="en-US">
+                <a:sym typeface="+mn-ea"/>
+              </a:rPr>
+              <a:t>列表项内部可以使用段落、换行符、图片、链接以及其他列表</a:t>
+            </a:r>
+            <a:r>
+              <a:rPr lang="zh-CN" altLang="en-US" smtClean="0">
+                <a:sym typeface="+mn-ea"/>
+              </a:rPr>
+              <a:t>等。</a:t>
+            </a:r>
+            <a:endParaRPr lang="zh-CN" altLang="en-US" dirty="0">
+              <a:latin typeface="微软雅黑" panose="020B0503020204020204" pitchFamily="34" charset="-122"/>
+              <a:ea typeface="微软雅黑" panose="020B0503020204020204" pitchFamily="34" charset="-122"/>
+            </a:endParaRPr>
+          </a:p>
+          <a:p>
+            <a:endParaRPr lang="zh-CN" altLang="en-US"/>
+          </a:p>
+        </p:txBody>
+      </p:sp>
+      <p:sp>
+        <p:nvSpPr>
+          <p:cNvPr id="9" name="TextBox 8"/>
+          <p:cNvSpPr txBox="1"/>
+          <p:nvPr/>
+        </p:nvSpPr>
+        <p:spPr>
+          <a:xfrm>
+            <a:off x="2029386" y="3276352"/>
+            <a:ext cx="1097280" cy="460375"/>
+          </a:xfrm>
+          <a:prstGeom prst="rect">
+            <a:avLst/>
+          </a:prstGeom>
+          <a:noFill/>
+        </p:spPr>
+        <p:txBody>
+          <a:bodyPr wrap="none" rtlCol="0">
+            <a:spAutoFit/>
+          </a:bodyPr>
+          <a:p>
+            <a:r>
+              <a:rPr lang="zh-CN" altLang="en-US" sz="2400" dirty="0" smtClean="0">
+                <a:solidFill>
+                  <a:srgbClr val="C00000"/>
+                </a:solidFill>
+                <a:latin typeface="微软雅黑" panose="020B0503020204020204" pitchFamily="34" charset="-122"/>
+                <a:ea typeface="微软雅黑" panose="020B0503020204020204" pitchFamily="34" charset="-122"/>
+              </a:rPr>
+              <a:t>代码：</a:t>
+            </a:r>
+            <a:endParaRPr lang="zh-CN" altLang="en-US" sz="2400" dirty="0">
+              <a:solidFill>
+                <a:srgbClr val="C00000"/>
+              </a:solidFill>
+              <a:latin typeface="微软雅黑" panose="020B0503020204020204" pitchFamily="34" charset="-122"/>
+              <a:ea typeface="微软雅黑" panose="020B0503020204020204" pitchFamily="34" charset="-122"/>
+            </a:endParaRPr>
+          </a:p>
+        </p:txBody>
+      </p:sp>
+      <p:sp>
+        <p:nvSpPr>
+          <p:cNvPr id="10" name="TextBox 9"/>
+          <p:cNvSpPr txBox="1"/>
+          <p:nvPr/>
+        </p:nvSpPr>
+        <p:spPr>
+          <a:xfrm>
+            <a:off x="6831186" y="3348360"/>
+            <a:ext cx="1706880" cy="460375"/>
+          </a:xfrm>
+          <a:prstGeom prst="rect">
+            <a:avLst/>
+          </a:prstGeom>
+          <a:noFill/>
+        </p:spPr>
+        <p:txBody>
+          <a:bodyPr wrap="none" rtlCol="0">
+            <a:spAutoFit/>
+          </a:bodyPr>
+          <a:p>
+            <a:r>
+              <a:rPr lang="zh-CN" altLang="en-US" sz="2400" dirty="0" smtClean="0">
+                <a:solidFill>
+                  <a:srgbClr val="C00000"/>
+                </a:solidFill>
+                <a:latin typeface="微软雅黑" panose="020B0503020204020204" pitchFamily="34" charset="-122"/>
+                <a:ea typeface="微软雅黑" panose="020B0503020204020204" pitchFamily="34" charset="-122"/>
+              </a:rPr>
+              <a:t>页面效果：</a:t>
+            </a:r>
+            <a:endParaRPr lang="zh-CN" altLang="en-US" sz="2400" dirty="0">
+              <a:solidFill>
+                <a:srgbClr val="C00000"/>
+              </a:solidFill>
+              <a:latin typeface="微软雅黑" panose="020B0503020204020204" pitchFamily="34" charset="-122"/>
+              <a:ea typeface="微软雅黑" panose="020B0503020204020204" pitchFamily="34" charset="-122"/>
+            </a:endParaRPr>
+          </a:p>
+        </p:txBody>
+      </p:sp>
       <p:pic>
         <p:nvPicPr>
           <p:cNvPr id="2051" name="Picture 3"/>
@@ -32541,202 +33924,6 @@
           </a:extLst>
         </p:spPr>
       </p:pic>
-      <p:sp>
-        <p:nvSpPr>
-          <p:cNvPr id="2" name="标题 1"/>
-          <p:cNvSpPr>
-            <a:spLocks noGrp="1"/>
-          </p:cNvSpPr>
-          <p:nvPr>
-            <p:ph type="title"/>
-          </p:nvPr>
-        </p:nvSpPr>
-        <p:spPr/>
-        <p:txBody>
-          <a:bodyPr/>
-          <a:p>
-            <a:r>
-              <a:rPr lang="zh-CN" altLang="en-US"/>
-              <a:t>有序列表</a:t>
-            </a:r>
-            <a:endParaRPr lang="zh-CN" altLang="en-US"/>
-          </a:p>
-        </p:txBody>
-      </p:sp>
-      <p:sp>
-        <p:nvSpPr>
-          <p:cNvPr id="3" name="内容占位符 2"/>
-          <p:cNvSpPr>
-            <a:spLocks noGrp="1"/>
-          </p:cNvSpPr>
-          <p:nvPr>
-            <p:ph sz="half" idx="1"/>
-          </p:nvPr>
-        </p:nvSpPr>
-        <p:spPr/>
-        <p:txBody>
-          <a:bodyPr/>
-          <a:p>
-            <a:pPr marL="273685">
-              <a:lnSpc>
-                <a:spcPct val="150000"/>
-              </a:lnSpc>
-              <a:spcAft>
-                <a:spcPts val="600"/>
-              </a:spcAft>
-              <a:buFont typeface="Wingdings" panose="05000000000000000000" pitchFamily="2" charset="2"/>
-              <a:buChar char="l"/>
-            </a:pPr>
-            <a:r>
-              <a:rPr lang="zh-CN" altLang="en-US">
-                <a:sym typeface="+mn-ea"/>
-              </a:rPr>
-              <a:t>无序列表使用 </a:t>
-            </a:r>
-            <a:r>
-              <a:rPr>
-                <a:solidFill>
-                  <a:srgbClr val="FF0000"/>
-                </a:solidFill>
-                <a:sym typeface="+mn-ea"/>
-              </a:rPr>
-              <a:t>&lt;o</a:t>
-            </a:r>
-            <a:r>
-              <a:rPr dirty="0" err="1">
-                <a:solidFill>
-                  <a:srgbClr val="FF0000"/>
-                </a:solidFill>
-                <a:sym typeface="+mn-ea"/>
-              </a:rPr>
-              <a:t>l</a:t>
-            </a:r>
-            <a:r>
-              <a:rPr>
-                <a:solidFill>
-                  <a:srgbClr val="FF0000"/>
-                </a:solidFill>
-                <a:sym typeface="+mn-ea"/>
-              </a:rPr>
-              <a:t>&gt; </a:t>
-            </a:r>
-            <a:r>
-              <a:rPr lang="zh-CN" altLang="en-US">
-                <a:sym typeface="+mn-ea"/>
-              </a:rPr>
-              <a:t>标签，每个列表项使用 </a:t>
-            </a:r>
-            <a:r>
-              <a:rPr>
-                <a:solidFill>
-                  <a:srgbClr val="FF0000"/>
-                </a:solidFill>
-                <a:sym typeface="+mn-ea"/>
-              </a:rPr>
-              <a:t>&lt;li</a:t>
-            </a:r>
-            <a:r>
-              <a:rPr smtClean="0">
-                <a:solidFill>
-                  <a:srgbClr val="FF0000"/>
-                </a:solidFill>
-                <a:sym typeface="+mn-ea"/>
-              </a:rPr>
-              <a:t>&gt;</a:t>
-            </a:r>
-            <a:r>
-              <a:rPr lang="zh-CN" altLang="en-US" smtClean="0">
-                <a:sym typeface="+mn-ea"/>
-              </a:rPr>
-              <a:t>标签。</a:t>
-            </a:r>
-            <a:endParaRPr lang="zh-CN" altLang="en-US" dirty="0">
-              <a:latin typeface="微软雅黑" panose="020B0503020204020204" pitchFamily="34" charset="-122"/>
-              <a:ea typeface="微软雅黑" panose="020B0503020204020204" pitchFamily="34" charset="-122"/>
-            </a:endParaRPr>
-          </a:p>
-          <a:p>
-            <a:pPr marL="273685">
-              <a:lnSpc>
-                <a:spcPct val="150000"/>
-              </a:lnSpc>
-              <a:spcAft>
-                <a:spcPts val="600"/>
-              </a:spcAft>
-              <a:buFont typeface="Wingdings" panose="05000000000000000000" pitchFamily="2" charset="2"/>
-              <a:buChar char="l"/>
-            </a:pPr>
-            <a:r>
-              <a:rPr lang="zh-CN" altLang="en-US" smtClean="0">
-                <a:sym typeface="+mn-ea"/>
-              </a:rPr>
-              <a:t>每个列表项默认使用</a:t>
-            </a:r>
-            <a:r>
-              <a:rPr lang="zh-CN" altLang="en-US">
-                <a:solidFill>
-                  <a:srgbClr val="FF0000"/>
-                </a:solidFill>
-                <a:sym typeface="+mn-ea"/>
-              </a:rPr>
-              <a:t>数字</a:t>
-            </a:r>
-            <a:r>
-              <a:rPr lang="zh-CN" altLang="en-US" smtClean="0">
-                <a:sym typeface="+mn-ea"/>
-              </a:rPr>
-              <a:t>进行</a:t>
-            </a:r>
-            <a:r>
-              <a:rPr lang="zh-CN" altLang="en-US">
-                <a:sym typeface="+mn-ea"/>
-              </a:rPr>
-              <a:t>标记</a:t>
-            </a:r>
-            <a:r>
-              <a:rPr lang="zh-CN" altLang="en-US" smtClean="0">
-                <a:sym typeface="+mn-ea"/>
-              </a:rPr>
-              <a:t>。</a:t>
-            </a:r>
-            <a:endParaRPr lang="en-US" altLang="zh-CN" dirty="0" smtClean="0">
-              <a:latin typeface="微软雅黑" panose="020B0503020204020204" pitchFamily="34" charset="-122"/>
-              <a:ea typeface="微软雅黑" panose="020B0503020204020204" pitchFamily="34" charset="-122"/>
-            </a:endParaRPr>
-          </a:p>
-          <a:p>
-            <a:pPr marL="273685">
-              <a:lnSpc>
-                <a:spcPct val="150000"/>
-              </a:lnSpc>
-              <a:spcAft>
-                <a:spcPts val="600"/>
-              </a:spcAft>
-              <a:buFont typeface="Wingdings" panose="05000000000000000000" pitchFamily="2" charset="2"/>
-              <a:buChar char="l"/>
-            </a:pPr>
-            <a:r>
-              <a:rPr lang="zh-CN" altLang="en-US">
-                <a:sym typeface="+mn-ea"/>
-              </a:rPr>
-              <a:t>列表项内部可以使用段落、换行符、图片、链接以及其他列表</a:t>
-            </a:r>
-            <a:r>
-              <a:rPr lang="zh-CN" altLang="en-US" smtClean="0">
-                <a:sym typeface="+mn-ea"/>
-              </a:rPr>
-              <a:t>等。</a:t>
-            </a:r>
-            <a:endParaRPr lang="zh-CN" altLang="en-US" dirty="0">
-              <a:latin typeface="微软雅黑" panose="020B0503020204020204" pitchFamily="34" charset="-122"/>
-              <a:ea typeface="微软雅黑" panose="020B0503020204020204" pitchFamily="34" charset="-122"/>
-            </a:endParaRPr>
-          </a:p>
-          <a:p>
-            <a:endParaRPr lang="zh-CN" altLang="en-US"/>
-          </a:p>
-        </p:txBody>
-      </p:sp>
       <p:pic>
         <p:nvPicPr>
           <p:cNvPr id="2052" name="Picture 4"/>
@@ -32799,14 +33986,14 @@
       </p:pic>
       <p:sp>
         <p:nvSpPr>
-          <p:cNvPr id="4" name="TextBox 8"/>
+          <p:cNvPr id="4" name="文本框 10"/>
           <p:cNvSpPr txBox="1"/>
           <p:nvPr/>
         </p:nvSpPr>
         <p:spPr>
           <a:xfrm>
-            <a:off x="2029386" y="3276352"/>
-            <a:ext cx="1097280" cy="460375"/>
+            <a:off x="9277663" y="5808027"/>
+            <a:ext cx="2468245" cy="508000"/>
           </a:xfrm>
           <a:prstGeom prst="rect">
             <a:avLst/>
@@ -32814,65 +34001,18 @@
           <a:noFill/>
         </p:spPr>
         <p:txBody>
-          <a:bodyPr wrap="none" rtlCol="0">
+          <a:bodyPr wrap="none" lIns="108850" tIns="54425" rIns="108850" bIns="54425" rtlCol="0">
             <a:spAutoFit/>
           </a:bodyPr>
           <a:p>
             <a:r>
-              <a:rPr lang="zh-CN" altLang="en-US" sz="2400" dirty="0" smtClean="0">
-                <a:solidFill>
-                  <a:srgbClr val="C00000"/>
-                </a:solidFill>
+              <a:rPr lang="en-US" altLang="zh-CN" sz="2600" dirty="0" smtClean="0">
                 <a:latin typeface="微软雅黑" panose="020B0503020204020204" pitchFamily="34" charset="-122"/>
                 <a:ea typeface="微软雅黑" panose="020B0503020204020204" pitchFamily="34" charset="-122"/>
               </a:rPr>
-              <a:t>代码：</a:t>
-            </a:r>
-            <a:endParaRPr lang="zh-CN" altLang="en-US" sz="2400" dirty="0">
-              <a:solidFill>
-                <a:srgbClr val="C00000"/>
-              </a:solidFill>
-              <a:latin typeface="微软雅黑" panose="020B0503020204020204" pitchFamily="34" charset="-122"/>
-              <a:ea typeface="微软雅黑" panose="020B0503020204020204" pitchFamily="34" charset="-122"/>
-            </a:endParaRPr>
-          </a:p>
-        </p:txBody>
-      </p:sp>
-      <p:sp>
-        <p:nvSpPr>
-          <p:cNvPr id="12" name="TextBox 9"/>
-          <p:cNvSpPr txBox="1"/>
-          <p:nvPr/>
-        </p:nvSpPr>
-        <p:spPr>
-          <a:xfrm>
-            <a:off x="6831186" y="3348360"/>
-            <a:ext cx="1706880" cy="460375"/>
-          </a:xfrm>
-          <a:prstGeom prst="rect">
-            <a:avLst/>
-          </a:prstGeom>
-          <a:noFill/>
-        </p:spPr>
-        <p:txBody>
-          <a:bodyPr wrap="none" rtlCol="0">
-            <a:spAutoFit/>
-          </a:bodyPr>
-          <a:p>
-            <a:r>
-              <a:rPr lang="zh-CN" altLang="en-US" sz="2400" dirty="0" smtClean="0">
-                <a:solidFill>
-                  <a:srgbClr val="C00000"/>
-                </a:solidFill>
-                <a:latin typeface="微软雅黑" panose="020B0503020204020204" pitchFamily="34" charset="-122"/>
-                <a:ea typeface="微软雅黑" panose="020B0503020204020204" pitchFamily="34" charset="-122"/>
-              </a:rPr>
-              <a:t>页面效果：</a:t>
-            </a:r>
-            <a:endParaRPr lang="zh-CN" altLang="en-US" sz="2400" dirty="0">
-              <a:solidFill>
-                <a:srgbClr val="C00000"/>
-              </a:solidFill>
+              <a:t>demo2-7.html</a:t>
+            </a:r>
+            <a:endParaRPr lang="zh-CN" altLang="en-US" sz="2600" dirty="0">
               <a:latin typeface="微软雅黑" panose="020B0503020204020204" pitchFamily="34" charset="-122"/>
               <a:ea typeface="微软雅黑" panose="020B0503020204020204" pitchFamily="34" charset="-122"/>
             </a:endParaRPr>
@@ -32926,7 +34066,7 @@
                                           </p:stCondLst>
                                         </p:cTn>
                                         <p:tgtEl>
-                                          <p:spTgt spid="4"/>
+                                          <p:spTgt spid="9"/>
                                         </p:tgtEl>
                                         <p:attrNameLst>
                                           <p:attrName>style.visibility</p:attrName>
@@ -32940,7 +34080,60 @@
                                       <p:cBhvr>
                                         <p:cTn id="7" dur="500"/>
                                         <p:tgtEl>
-                                          <p:spTgt spid="4"/>
+                                          <p:spTgt spid="9"/>
+                                        </p:tgtEl>
+                                      </p:cBhvr>
+                                    </p:animEffect>
+                                  </p:childTnLst>
+                                </p:cTn>
+                              </p:par>
+                            </p:childTnLst>
+                          </p:cTn>
+                        </p:par>
+                      </p:childTnLst>
+                    </p:cTn>
+                  </p:par>
+                  <p:par>
+                    <p:cTn id="8" fill="hold">
+                      <p:stCondLst>
+                        <p:cond delay="indefinite"/>
+                      </p:stCondLst>
+                      <p:childTnLst>
+                        <p:par>
+                          <p:cTn id="9" fill="hold">
+                            <p:stCondLst>
+                              <p:cond delay="0"/>
+                            </p:stCondLst>
+                            <p:childTnLst>
+                              <p:par>
+                                <p:cTn id="10" presetID="14" presetClass="entr" presetSubtype="10" fill="hold" grpId="0" nodeType="clickEffect">
+                                  <p:stCondLst>
+                                    <p:cond delay="0"/>
+                                  </p:stCondLst>
+                                  <p:childTnLst>
+                                    <p:set>
+                                      <p:cBhvr>
+                                        <p:cTn id="11" dur="1" fill="hold">
+                                          <p:stCondLst>
+                                            <p:cond delay="0"/>
+                                          </p:stCondLst>
+                                        </p:cTn>
+                                        <p:tgtEl>
+                                          <p:spTgt spid="10"/>
+                                        </p:tgtEl>
+                                        <p:attrNameLst>
+                                          <p:attrName>style.visibility</p:attrName>
+                                        </p:attrNameLst>
+                                      </p:cBhvr>
+                                      <p:to>
+                                        <p:strVal val="visible"/>
+                                      </p:to>
+                                    </p:set>
+                                    <p:animEffect transition="in" filter="randombar(horizontal)">
+                                      <p:cBhvr>
+                                        <p:cTn id="12" dur="500"/>
+                                        <p:tgtEl>
+                                          <p:spTgt spid="10"/>
                                         </p:tgtEl>
                                       </p:cBhvr>
                                     </p:animEffect>
@@ -32948,14 +34141,14 @@
                                 </p:cTn>
                               </p:par>
                               <p:par>
-                                <p:cTn id="8" presetID="10" presetClass="entr" presetSubtype="0" fill="hold" nodeType="withEffect">
+                                <p:cTn id="13" presetID="10" presetClass="entr" presetSubtype="0" fill="hold" nodeType="withEffect">
                                   <p:stCondLst>
                                     <p:cond delay="0"/>
                                   </p:stCondLst>
                                   <p:childTnLst>
                                     <p:set>
                                       <p:cBhvr>
-                                        <p:cTn id="9" dur="1" fill="hold">
+                                        <p:cTn id="14" dur="1" fill="hold">
                                           <p:stCondLst>
                                             <p:cond delay="0"/>
                                           </p:stCondLst>
@@ -32973,62 +34166,9 @@
                                     </p:set>
                                     <p:animEffect transition="in" filter="fade">
                                       <p:cBhvr>
-                                        <p:cTn id="10" dur="500"/>
+                                        <p:cTn id="15" dur="500"/>
                                         <p:tgtEl>
                                           <p:spTgt spid="2051"/>
-                                        </p:tgtEl>
-                                      </p:cBhvr>
-                                    </p:animEffect>
-                                  </p:childTnLst>
-                                </p:cTn>
-                              </p:par>
-                            </p:childTnLst>
-                          </p:cTn>
-                        </p:par>
-                      </p:childTnLst>
-                    </p:cTn>
-                  </p:par>
-                  <p:par>
-                    <p:cTn id="11" fill="hold">
-                      <p:stCondLst>
-                        <p:cond delay="indefinite"/>
-                      </p:stCondLst>
-                      <p:childTnLst>
-                        <p:par>
-                          <p:cTn id="12" fill="hold">
-                            <p:stCondLst>
-                              <p:cond delay="0"/>
-                            </p:stCondLst>
-                            <p:childTnLst>
-                              <p:par>
-                                <p:cTn id="13" presetID="14" presetClass="entr" presetSubtype="10" fill="hold" grpId="0" nodeType="clickEffect">
-                                  <p:stCondLst>
-                                    <p:cond delay="0"/>
-                                  </p:stCondLst>
-                                  <p:childTnLst>
-                                    <p:set>
-                                      <p:cBhvr>
-                                        <p:cTn id="14" dur="1" fill="hold">
-                                          <p:stCondLst>
-                                            <p:cond delay="0"/>
-                                          </p:stCondLst>
-                                        </p:cTn>
-                                        <p:tgtEl>
-                                          <p:spTgt spid="12"/>
-                                        </p:tgtEl>
-                                        <p:attrNameLst>
-                                          <p:attrName>style.visibility</p:attrName>
-                                        </p:attrNameLst>
-                                      </p:cBhvr>
-                                      <p:to>
-                                        <p:strVal val="visible"/>
-                                      </p:to>
-                                    </p:set>
-                                    <p:animEffect transition="in" filter="randombar(horizontal)">
-                                      <p:cBhvr>
-                                        <p:cTn id="15" dur="500"/>
-                                        <p:tgtEl>
-                                          <p:spTgt spid="12"/>
                                         </p:tgtEl>
                                       </p:cBhvr>
                                     </p:animEffect>
@@ -33098,9 +34238,1033 @@
       </p:par>
     </p:tnLst>
     <p:bldLst>
-      <p:bldP spid="4" grpId="0"/>
-      <p:bldP spid="12" grpId="0"/>
+      <p:bldP spid="9" grpId="0"/>
+      <p:bldP spid="10" grpId="0"/>
     </p:bldLst>
+  </p:timing>
+</p:sld>
+</file>
+
+<file path=ppt/slides/slide39.xml><?xml version="1.0" encoding="utf-8"?>
+<p:sld xmlns:a="http://schemas.openxmlformats.org/drawingml/2006/main" xmlns:r="http://schemas.openxmlformats.org/officeDocument/2006/relationships" xmlns:p="http://schemas.openxmlformats.org/presentationml/2006/main">
+  <p:cSld>
+    <p:spTree>
+      <p:nvGrpSpPr>
+        <p:cNvPr id="1" name=""/>
+        <p:cNvGrpSpPr/>
+        <p:nvPr/>
+      </p:nvGrpSpPr>
+      <p:grpSpPr>
+        <a:xfrm>
+          <a:off x="0" y="0"/>
+          <a:ext cx="0" cy="0"/>
+          <a:chOff x="0" y="0"/>
+          <a:chExt cx="0" cy="0"/>
+        </a:xfrm>
+      </p:grpSpPr>
+      <p:grpSp>
+        <p:nvGrpSpPr>
+          <p:cNvPr id="2" name="组合 1"/>
+          <p:cNvGrpSpPr/>
+          <p:nvPr/>
+        </p:nvGrpSpPr>
+        <p:grpSpPr>
+          <a:xfrm>
+            <a:off x="-54001" y="-27162"/>
+            <a:ext cx="2708249" cy="6914070"/>
+            <a:chOff x="2288" y="45"/>
+            <a:chExt cx="4266" cy="10800"/>
+          </a:xfrm>
+        </p:grpSpPr>
+        <p:sp>
+          <p:nvSpPr>
+            <p:cNvPr id="3" name="矩形 2"/>
+            <p:cNvSpPr/>
+            <p:nvPr/>
+          </p:nvSpPr>
+          <p:spPr>
+            <a:xfrm>
+              <a:off x="2288" y="45"/>
+              <a:ext cx="4266" cy="10800"/>
+            </a:xfrm>
+            <a:prstGeom prst="rect">
+              <a:avLst/>
+            </a:prstGeom>
+            <a:solidFill>
+              <a:srgbClr val="1B90A2"/>
+            </a:solidFill>
+            <a:ln>
+              <a:noFill/>
+            </a:ln>
+          </p:spPr>
+          <p:style>
+            <a:lnRef idx="2">
+              <a:schemeClr val="accent1">
+                <a:shade val="50000"/>
+              </a:schemeClr>
+            </a:lnRef>
+            <a:fillRef idx="1">
+              <a:schemeClr val="accent1"/>
+            </a:fillRef>
+            <a:effectRef idx="0">
+              <a:schemeClr val="accent1"/>
+            </a:effectRef>
+            <a:fontRef idx="minor">
+              <a:schemeClr val="lt1"/>
+            </a:fontRef>
+          </p:style>
+          <p:txBody>
+            <a:bodyPr rtlCol="0" anchor="ctr"/>
+            <a:lstStyle/>
+            <a:p>
+              <a:pPr algn="ctr"/>
+              <a:endParaRPr lang="zh-CN" altLang="en-US"/>
+            </a:p>
+          </p:txBody>
+        </p:sp>
+        <p:sp>
+          <p:nvSpPr>
+            <p:cNvPr id="21" name="文本框 20"/>
+            <p:cNvSpPr txBox="1"/>
+            <p:nvPr/>
+          </p:nvSpPr>
+          <p:spPr>
+            <a:xfrm>
+              <a:off x="3557" y="2413"/>
+              <a:ext cx="1332" cy="4758"/>
+            </a:xfrm>
+            <a:prstGeom prst="rect">
+              <a:avLst/>
+            </a:prstGeom>
+            <a:noFill/>
+          </p:spPr>
+          <p:txBody>
+            <a:bodyPr wrap="square" rtlCol="0">
+              <a:spAutoFit/>
+            </a:bodyPr>
+            <a:lstStyle/>
+            <a:p>
+              <a:r>
+                <a:rPr lang="zh-CN" altLang="en-US" sz="4800" b="1" dirty="0">
+                  <a:solidFill>
+                    <a:schemeClr val="bg1"/>
+                  </a:solidFill>
+                  <a:latin typeface="微软雅黑" panose="020B0503020204020204" pitchFamily="34" charset="-122"/>
+                  <a:ea typeface="微软雅黑" panose="020B0503020204020204" pitchFamily="34" charset="-122"/>
+                </a:rPr>
+                <a:t>本节内容</a:t>
+              </a:r>
+              <a:endParaRPr lang="zh-CN" altLang="en-US" sz="4800" b="1" dirty="0">
+                <a:solidFill>
+                  <a:schemeClr val="bg1"/>
+                </a:solidFill>
+                <a:latin typeface="微软雅黑" panose="020B0503020204020204" pitchFamily="34" charset="-122"/>
+                <a:ea typeface="微软雅黑" panose="020B0503020204020204" pitchFamily="34" charset="-122"/>
+              </a:endParaRPr>
+            </a:p>
+          </p:txBody>
+        </p:sp>
+      </p:grpSp>
+      <p:grpSp>
+        <p:nvGrpSpPr>
+          <p:cNvPr id="4" name="组合 3"/>
+          <p:cNvGrpSpPr/>
+          <p:nvPr/>
+        </p:nvGrpSpPr>
+        <p:grpSpPr>
+          <a:xfrm>
+            <a:off x="1893293" y="2792745"/>
+            <a:ext cx="465294" cy="469990"/>
+            <a:chOff x="2099842" y="1975504"/>
+            <a:chExt cx="823123" cy="831130"/>
+          </a:xfrm>
+          <a:solidFill>
+            <a:schemeClr val="bg1"/>
+          </a:solidFill>
+        </p:grpSpPr>
+        <p:sp>
+          <p:nvSpPr>
+            <p:cNvPr id="15" name="等腰三角形 14"/>
+            <p:cNvSpPr/>
+            <p:nvPr/>
+          </p:nvSpPr>
+          <p:spPr>
+            <a:xfrm rot="19813541" flipH="1">
+              <a:off x="2099842" y="1975504"/>
+              <a:ext cx="443524" cy="386081"/>
+            </a:xfrm>
+            <a:prstGeom prst="triangle">
+              <a:avLst/>
+            </a:prstGeom>
+            <a:grpFill/>
+            <a:ln>
+              <a:noFill/>
+            </a:ln>
+          </p:spPr>
+          <p:style>
+            <a:lnRef idx="2">
+              <a:schemeClr val="accent1">
+                <a:shade val="50000"/>
+              </a:schemeClr>
+            </a:lnRef>
+            <a:fillRef idx="1">
+              <a:schemeClr val="accent1"/>
+            </a:fillRef>
+            <a:effectRef idx="0">
+              <a:schemeClr val="accent1"/>
+            </a:effectRef>
+            <a:fontRef idx="minor">
+              <a:schemeClr val="lt1"/>
+            </a:fontRef>
+          </p:style>
+          <p:txBody>
+            <a:bodyPr rtlCol="0" anchor="ctr"/>
+            <a:p>
+              <a:pPr algn="ctr"/>
+              <a:endParaRPr lang="zh-CN" altLang="en-US"/>
+            </a:p>
+          </p:txBody>
+        </p:sp>
+        <p:sp>
+          <p:nvSpPr>
+            <p:cNvPr id="16" name="等腰三角形 15"/>
+            <p:cNvSpPr/>
+            <p:nvPr/>
+          </p:nvSpPr>
+          <p:spPr>
+            <a:xfrm rot="19813541" flipH="1">
+              <a:off x="2099844" y="2420553"/>
+              <a:ext cx="443524" cy="386081"/>
+            </a:xfrm>
+            <a:prstGeom prst="triangle">
+              <a:avLst/>
+            </a:prstGeom>
+            <a:grpFill/>
+            <a:ln>
+              <a:noFill/>
+            </a:ln>
+          </p:spPr>
+          <p:style>
+            <a:lnRef idx="2">
+              <a:schemeClr val="accent1">
+                <a:shade val="50000"/>
+              </a:schemeClr>
+            </a:lnRef>
+            <a:fillRef idx="1">
+              <a:schemeClr val="accent1"/>
+            </a:fillRef>
+            <a:effectRef idx="0">
+              <a:schemeClr val="accent1"/>
+            </a:effectRef>
+            <a:fontRef idx="minor">
+              <a:schemeClr val="lt1"/>
+            </a:fontRef>
+          </p:style>
+          <p:txBody>
+            <a:bodyPr rtlCol="0" anchor="ctr"/>
+            <a:p>
+              <a:pPr algn="ctr"/>
+              <a:endParaRPr lang="zh-CN" altLang="en-US"/>
+            </a:p>
+          </p:txBody>
+        </p:sp>
+        <p:sp>
+          <p:nvSpPr>
+            <p:cNvPr id="26" name="等腰三角形 25"/>
+            <p:cNvSpPr/>
+            <p:nvPr/>
+          </p:nvSpPr>
+          <p:spPr>
+            <a:xfrm rot="19813541" flipH="1">
+              <a:off x="2479441" y="2198028"/>
+              <a:ext cx="443524" cy="386081"/>
+            </a:xfrm>
+            <a:prstGeom prst="triangle">
+              <a:avLst/>
+            </a:prstGeom>
+            <a:grpFill/>
+            <a:ln>
+              <a:noFill/>
+            </a:ln>
+          </p:spPr>
+          <p:style>
+            <a:lnRef idx="2">
+              <a:schemeClr val="accent1">
+                <a:shade val="50000"/>
+              </a:schemeClr>
+            </a:lnRef>
+            <a:fillRef idx="1">
+              <a:schemeClr val="accent1"/>
+            </a:fillRef>
+            <a:effectRef idx="0">
+              <a:schemeClr val="accent1"/>
+            </a:effectRef>
+            <a:fontRef idx="minor">
+              <a:schemeClr val="lt1"/>
+            </a:fontRef>
+          </p:style>
+          <p:txBody>
+            <a:bodyPr rtlCol="0" anchor="ctr"/>
+            <a:p>
+              <a:pPr algn="ctr"/>
+              <a:endParaRPr lang="zh-CN" altLang="en-US"/>
+            </a:p>
+          </p:txBody>
+        </p:sp>
+      </p:grpSp>
+      <p:grpSp>
+        <p:nvGrpSpPr>
+          <p:cNvPr id="17" name="组合 16"/>
+          <p:cNvGrpSpPr/>
+          <p:nvPr/>
+        </p:nvGrpSpPr>
+        <p:grpSpPr>
+          <a:xfrm>
+            <a:off x="4199254" y="836712"/>
+            <a:ext cx="4722563" cy="521970"/>
+            <a:chOff x="4199254" y="1085850"/>
+            <a:chExt cx="4722563" cy="521970"/>
+          </a:xfrm>
+        </p:grpSpPr>
+        <p:sp>
+          <p:nvSpPr>
+            <p:cNvPr id="19" name="等腰三角形 18"/>
+            <p:cNvSpPr/>
+            <p:nvPr/>
+          </p:nvSpPr>
+          <p:spPr>
+            <a:xfrm rot="5400000" flipH="1">
+              <a:off x="4179258" y="1107751"/>
+              <a:ext cx="519430" cy="479439"/>
+            </a:xfrm>
+            <a:prstGeom prst="triangle">
+              <a:avLst/>
+            </a:prstGeom>
+            <a:solidFill>
+              <a:srgbClr val="1B90A2"/>
+            </a:solidFill>
+            <a:ln>
+              <a:noFill/>
+            </a:ln>
+          </p:spPr>
+          <p:style>
+            <a:lnRef idx="2">
+              <a:schemeClr val="accent1">
+                <a:shade val="50000"/>
+              </a:schemeClr>
+            </a:lnRef>
+            <a:fillRef idx="1">
+              <a:schemeClr val="accent1"/>
+            </a:fillRef>
+            <a:effectRef idx="0">
+              <a:schemeClr val="accent1"/>
+            </a:effectRef>
+            <a:fontRef idx="minor">
+              <a:schemeClr val="lt1"/>
+            </a:fontRef>
+          </p:style>
+          <p:txBody>
+            <a:bodyPr rtlCol="0" anchor="ctr"/>
+            <a:lstStyle/>
+            <a:p>
+              <a:pPr algn="ctr"/>
+              <a:endParaRPr lang="zh-CN" altLang="en-US"/>
+            </a:p>
+          </p:txBody>
+        </p:sp>
+        <p:sp>
+          <p:nvSpPr>
+            <p:cNvPr id="20" name="文本框 18"/>
+            <p:cNvSpPr txBox="1"/>
+            <p:nvPr/>
+          </p:nvSpPr>
+          <p:spPr>
+            <a:xfrm>
+              <a:off x="5043210" y="1085850"/>
+              <a:ext cx="3878607" cy="521970"/>
+            </a:xfrm>
+            <a:prstGeom prst="rect">
+              <a:avLst/>
+            </a:prstGeom>
+            <a:noFill/>
+          </p:spPr>
+          <p:txBody>
+            <a:bodyPr wrap="square" rtlCol="0">
+              <a:spAutoFit/>
+            </a:bodyPr>
+            <a:lstStyle/>
+            <a:p>
+              <a:r>
+                <a:rPr lang="zh-CN" altLang="en-US" sz="2800" dirty="0" smtClean="0">
+                  <a:solidFill>
+                    <a:srgbClr val="595E64"/>
+                  </a:solidFill>
+                  <a:latin typeface="微软雅黑" panose="020B0503020204020204" pitchFamily="34" charset="-122"/>
+                  <a:ea typeface="微软雅黑" panose="020B0503020204020204" pitchFamily="34" charset="-122"/>
+                </a:rPr>
+                <a:t>理解网页文件</a:t>
+              </a:r>
+              <a:endParaRPr lang="zh-CN" altLang="en-US" sz="2800" dirty="0">
+                <a:solidFill>
+                  <a:srgbClr val="FF0000"/>
+                </a:solidFill>
+                <a:latin typeface="微软雅黑" panose="020B0503020204020204" pitchFamily="34" charset="-122"/>
+                <a:ea typeface="微软雅黑" panose="020B0503020204020204" pitchFamily="34" charset="-122"/>
+              </a:endParaRPr>
+            </a:p>
+          </p:txBody>
+        </p:sp>
+      </p:grpSp>
+      <p:grpSp>
+        <p:nvGrpSpPr>
+          <p:cNvPr id="18" name="组合 17"/>
+          <p:cNvGrpSpPr/>
+          <p:nvPr/>
+        </p:nvGrpSpPr>
+        <p:grpSpPr>
+          <a:xfrm>
+            <a:off x="4199254" y="2395198"/>
+            <a:ext cx="7369353" cy="521970"/>
+            <a:chOff x="4199254" y="2780928"/>
+            <a:chExt cx="7369353" cy="521970"/>
+          </a:xfrm>
+        </p:grpSpPr>
+        <p:sp>
+          <p:nvSpPr>
+            <p:cNvPr id="22" name="文本框 19"/>
+            <p:cNvSpPr txBox="1"/>
+            <p:nvPr/>
+          </p:nvSpPr>
+          <p:spPr>
+            <a:xfrm>
+              <a:off x="5043210" y="2780928"/>
+              <a:ext cx="6525397" cy="521970"/>
+            </a:xfrm>
+            <a:prstGeom prst="rect">
+              <a:avLst/>
+            </a:prstGeom>
+            <a:noFill/>
+          </p:spPr>
+          <p:txBody>
+            <a:bodyPr wrap="square" rtlCol="0">
+              <a:spAutoFit/>
+            </a:bodyPr>
+            <a:lstStyle/>
+            <a:p>
+              <a:r>
+                <a:rPr lang="zh-CN" altLang="en-US" sz="2800" dirty="0" smtClean="0">
+                  <a:solidFill>
+                    <a:srgbClr val="595E64"/>
+                  </a:solidFill>
+                  <a:latin typeface="微软雅黑" panose="020B0503020204020204" pitchFamily="34" charset="-122"/>
+                  <a:ea typeface="微软雅黑" panose="020B0503020204020204" pitchFamily="34" charset="-122"/>
+                  <a:sym typeface="+mn-ea"/>
+                </a:rPr>
+                <a:t>标题</a:t>
+              </a:r>
+              <a:r>
+                <a:rPr lang="zh-CN" altLang="en-US" sz="2800" dirty="0" smtClean="0">
+                  <a:solidFill>
+                    <a:srgbClr val="595E64"/>
+                  </a:solidFill>
+                  <a:latin typeface="微软雅黑" panose="020B0503020204020204" pitchFamily="34" charset="-122"/>
+                  <a:ea typeface="微软雅黑" panose="020B0503020204020204" pitchFamily="34" charset="-122"/>
+                </a:rPr>
+                <a:t>标签和</a:t>
+              </a:r>
+              <a:r>
+                <a:rPr lang="zh-CN" altLang="en-US" sz="2800" dirty="0" smtClean="0">
+                  <a:solidFill>
+                    <a:srgbClr val="595E64"/>
+                  </a:solidFill>
+                  <a:latin typeface="微软雅黑" panose="020B0503020204020204" pitchFamily="34" charset="-122"/>
+                  <a:ea typeface="微软雅黑" panose="020B0503020204020204" pitchFamily="34" charset="-122"/>
+                  <a:sym typeface="+mn-ea"/>
+                </a:rPr>
+                <a:t>段落</a:t>
+              </a:r>
+              <a:r>
+                <a:rPr lang="zh-CN" altLang="en-US" sz="2800" dirty="0" smtClean="0">
+                  <a:solidFill>
+                    <a:srgbClr val="595E64"/>
+                  </a:solidFill>
+                  <a:latin typeface="微软雅黑" panose="020B0503020204020204" pitchFamily="34" charset="-122"/>
+                  <a:ea typeface="微软雅黑" panose="020B0503020204020204" pitchFamily="34" charset="-122"/>
+                </a:rPr>
+                <a:t>标签</a:t>
+              </a:r>
+              <a:endParaRPr lang="zh-CN" altLang="en-US" sz="2800" dirty="0" smtClean="0">
+                <a:solidFill>
+                  <a:srgbClr val="FF0000"/>
+                </a:solidFill>
+                <a:latin typeface="微软雅黑" panose="020B0503020204020204" pitchFamily="34" charset="-122"/>
+                <a:ea typeface="微软雅黑" panose="020B0503020204020204" pitchFamily="34" charset="-122"/>
+              </a:endParaRPr>
+            </a:p>
+          </p:txBody>
+        </p:sp>
+        <p:sp>
+          <p:nvSpPr>
+            <p:cNvPr id="23" name="等腰三角形 22"/>
+            <p:cNvSpPr/>
+            <p:nvPr/>
+          </p:nvSpPr>
+          <p:spPr>
+            <a:xfrm rot="5400000" flipH="1">
+              <a:off x="4179258" y="2802829"/>
+              <a:ext cx="519430" cy="479439"/>
+            </a:xfrm>
+            <a:prstGeom prst="triangle">
+              <a:avLst/>
+            </a:prstGeom>
+            <a:solidFill>
+              <a:srgbClr val="93B784"/>
+            </a:solidFill>
+            <a:ln>
+              <a:noFill/>
+            </a:ln>
+          </p:spPr>
+          <p:style>
+            <a:lnRef idx="2">
+              <a:schemeClr val="accent1">
+                <a:shade val="50000"/>
+              </a:schemeClr>
+            </a:lnRef>
+            <a:fillRef idx="1">
+              <a:schemeClr val="accent1"/>
+            </a:fillRef>
+            <a:effectRef idx="0">
+              <a:schemeClr val="accent1"/>
+            </a:effectRef>
+            <a:fontRef idx="minor">
+              <a:schemeClr val="lt1"/>
+            </a:fontRef>
+          </p:style>
+          <p:txBody>
+            <a:bodyPr rtlCol="0" anchor="ctr"/>
+            <a:lstStyle/>
+            <a:p>
+              <a:pPr algn="ctr"/>
+              <a:endParaRPr lang="zh-CN" altLang="en-US"/>
+            </a:p>
+          </p:txBody>
+        </p:sp>
+      </p:grpSp>
+      <p:grpSp>
+        <p:nvGrpSpPr>
+          <p:cNvPr id="24" name="组合 23"/>
+          <p:cNvGrpSpPr/>
+          <p:nvPr/>
+        </p:nvGrpSpPr>
+        <p:grpSpPr>
+          <a:xfrm>
+            <a:off x="4199254" y="3175711"/>
+            <a:ext cx="6289269" cy="521970"/>
+            <a:chOff x="4199254" y="3645024"/>
+            <a:chExt cx="6289269" cy="521970"/>
+          </a:xfrm>
+        </p:grpSpPr>
+        <p:sp>
+          <p:nvSpPr>
+            <p:cNvPr id="25" name="文本框 20"/>
+            <p:cNvSpPr txBox="1"/>
+            <p:nvPr/>
+          </p:nvSpPr>
+          <p:spPr>
+            <a:xfrm>
+              <a:off x="5043210" y="3645024"/>
+              <a:ext cx="5445313" cy="521970"/>
+            </a:xfrm>
+            <a:prstGeom prst="rect">
+              <a:avLst/>
+            </a:prstGeom>
+            <a:noFill/>
+          </p:spPr>
+          <p:txBody>
+            <a:bodyPr wrap="square" rtlCol="0">
+              <a:spAutoFit/>
+            </a:bodyPr>
+            <a:lstStyle/>
+            <a:p>
+              <a:r>
+                <a:rPr lang="zh-CN" altLang="en-US" sz="2800" dirty="0" smtClean="0">
+                  <a:solidFill>
+                    <a:srgbClr val="595E64"/>
+                  </a:solidFill>
+                  <a:latin typeface="微软雅黑" panose="020B0503020204020204" pitchFamily="34" charset="-122"/>
+                  <a:ea typeface="微软雅黑" panose="020B0503020204020204" pitchFamily="34" charset="-122"/>
+                </a:rPr>
+                <a:t>图片标签、相对路径和绝对路径</a:t>
+              </a:r>
+              <a:endParaRPr lang="zh-CN" altLang="en-US" sz="2800" dirty="0" smtClean="0">
+                <a:solidFill>
+                  <a:srgbClr val="595E64"/>
+                </a:solidFill>
+                <a:latin typeface="微软雅黑" panose="020B0503020204020204" pitchFamily="34" charset="-122"/>
+                <a:ea typeface="微软雅黑" panose="020B0503020204020204" pitchFamily="34" charset="-122"/>
+              </a:endParaRPr>
+            </a:p>
+          </p:txBody>
+        </p:sp>
+        <p:sp>
+          <p:nvSpPr>
+            <p:cNvPr id="27" name="等腰三角形 26"/>
+            <p:cNvSpPr/>
+            <p:nvPr/>
+          </p:nvSpPr>
+          <p:spPr>
+            <a:xfrm rot="5400000" flipH="1">
+              <a:off x="4179258" y="3666925"/>
+              <a:ext cx="519430" cy="479439"/>
+            </a:xfrm>
+            <a:prstGeom prst="triangle">
+              <a:avLst/>
+            </a:prstGeom>
+            <a:solidFill>
+              <a:srgbClr val="55C1E7"/>
+            </a:solidFill>
+            <a:ln>
+              <a:noFill/>
+            </a:ln>
+          </p:spPr>
+          <p:style>
+            <a:lnRef idx="2">
+              <a:schemeClr val="accent1">
+                <a:shade val="50000"/>
+              </a:schemeClr>
+            </a:lnRef>
+            <a:fillRef idx="1">
+              <a:schemeClr val="accent1"/>
+            </a:fillRef>
+            <a:effectRef idx="0">
+              <a:schemeClr val="accent1"/>
+            </a:effectRef>
+            <a:fontRef idx="minor">
+              <a:schemeClr val="lt1"/>
+            </a:fontRef>
+          </p:style>
+          <p:txBody>
+            <a:bodyPr rtlCol="0" anchor="ctr"/>
+            <a:lstStyle/>
+            <a:p>
+              <a:pPr algn="ctr"/>
+              <a:endParaRPr lang="zh-CN" altLang="en-US"/>
+            </a:p>
+          </p:txBody>
+        </p:sp>
+      </p:grpSp>
+      <p:grpSp>
+        <p:nvGrpSpPr>
+          <p:cNvPr id="28" name="组合 27"/>
+          <p:cNvGrpSpPr/>
+          <p:nvPr/>
+        </p:nvGrpSpPr>
+        <p:grpSpPr>
+          <a:xfrm>
+            <a:off x="4199254" y="3956224"/>
+            <a:ext cx="6073210" cy="521970"/>
+            <a:chOff x="4199254" y="4653136"/>
+            <a:chExt cx="6073210" cy="521970"/>
+          </a:xfrm>
+        </p:grpSpPr>
+        <p:sp>
+          <p:nvSpPr>
+            <p:cNvPr id="29" name="文本框 21"/>
+            <p:cNvSpPr txBox="1"/>
+            <p:nvPr/>
+          </p:nvSpPr>
+          <p:spPr>
+            <a:xfrm>
+              <a:off x="5043210" y="4653136"/>
+              <a:ext cx="5229254" cy="521970"/>
+            </a:xfrm>
+            <a:prstGeom prst="rect">
+              <a:avLst/>
+            </a:prstGeom>
+            <a:noFill/>
+          </p:spPr>
+          <p:txBody>
+            <a:bodyPr wrap="square" rtlCol="0">
+              <a:spAutoFit/>
+            </a:bodyPr>
+            <a:lstStyle/>
+            <a:p>
+              <a:r>
+                <a:rPr lang="zh-CN" altLang="en-US" sz="2800" dirty="0" smtClean="0">
+                  <a:solidFill>
+                    <a:srgbClr val="595E64"/>
+                  </a:solidFill>
+                  <a:latin typeface="微软雅黑" panose="020B0503020204020204" pitchFamily="34" charset="-122"/>
+                  <a:ea typeface="微软雅黑" panose="020B0503020204020204" pitchFamily="34" charset="-122"/>
+                </a:rPr>
+                <a:t>超链接标签</a:t>
+              </a:r>
+              <a:endParaRPr lang="zh-CN" altLang="en-US" sz="2800" dirty="0" smtClean="0">
+                <a:solidFill>
+                  <a:srgbClr val="595E64"/>
+                </a:solidFill>
+                <a:latin typeface="微软雅黑" panose="020B0503020204020204" pitchFamily="34" charset="-122"/>
+                <a:ea typeface="微软雅黑" panose="020B0503020204020204" pitchFamily="34" charset="-122"/>
+              </a:endParaRPr>
+            </a:p>
+          </p:txBody>
+        </p:sp>
+        <p:sp>
+          <p:nvSpPr>
+            <p:cNvPr id="30" name="等腰三角形 29"/>
+            <p:cNvSpPr/>
+            <p:nvPr/>
+          </p:nvSpPr>
+          <p:spPr>
+            <a:xfrm rot="5400000" flipH="1">
+              <a:off x="4179258" y="4675037"/>
+              <a:ext cx="519430" cy="479439"/>
+            </a:xfrm>
+            <a:prstGeom prst="triangle">
+              <a:avLst/>
+            </a:prstGeom>
+            <a:solidFill>
+              <a:srgbClr val="FDCD5F"/>
+            </a:solidFill>
+            <a:ln>
+              <a:noFill/>
+            </a:ln>
+          </p:spPr>
+          <p:style>
+            <a:lnRef idx="2">
+              <a:schemeClr val="accent1">
+                <a:shade val="50000"/>
+              </a:schemeClr>
+            </a:lnRef>
+            <a:fillRef idx="1">
+              <a:schemeClr val="accent1"/>
+            </a:fillRef>
+            <a:effectRef idx="0">
+              <a:schemeClr val="accent1"/>
+            </a:effectRef>
+            <a:fontRef idx="minor">
+              <a:schemeClr val="lt1"/>
+            </a:fontRef>
+          </p:style>
+          <p:txBody>
+            <a:bodyPr rtlCol="0" anchor="ctr"/>
+            <a:lstStyle/>
+            <a:p>
+              <a:pPr algn="ctr"/>
+              <a:endParaRPr lang="zh-CN" altLang="en-US"/>
+            </a:p>
+          </p:txBody>
+        </p:sp>
+      </p:grpSp>
+      <p:grpSp>
+        <p:nvGrpSpPr>
+          <p:cNvPr id="31" name="组合 30"/>
+          <p:cNvGrpSpPr/>
+          <p:nvPr/>
+        </p:nvGrpSpPr>
+        <p:grpSpPr>
+          <a:xfrm>
+            <a:off x="4199254" y="1615955"/>
+            <a:ext cx="7196970" cy="521970"/>
+            <a:chOff x="4199254" y="1898918"/>
+            <a:chExt cx="7196970" cy="521970"/>
+          </a:xfrm>
+        </p:grpSpPr>
+        <p:sp>
+          <p:nvSpPr>
+            <p:cNvPr id="33" name="等腰三角形 32"/>
+            <p:cNvSpPr/>
+            <p:nvPr/>
+          </p:nvSpPr>
+          <p:spPr>
+            <a:xfrm rot="5400000" flipH="1">
+              <a:off x="4179258" y="1918914"/>
+              <a:ext cx="519430" cy="479439"/>
+            </a:xfrm>
+            <a:prstGeom prst="triangle">
+              <a:avLst/>
+            </a:prstGeom>
+            <a:solidFill>
+              <a:schemeClr val="accent2">
+                <a:lumMod val="60000"/>
+                <a:lumOff val="40000"/>
+              </a:schemeClr>
+            </a:solidFill>
+            <a:ln>
+              <a:noFill/>
+            </a:ln>
+          </p:spPr>
+          <p:style>
+            <a:lnRef idx="2">
+              <a:schemeClr val="accent1">
+                <a:shade val="50000"/>
+              </a:schemeClr>
+            </a:lnRef>
+            <a:fillRef idx="1">
+              <a:schemeClr val="accent1"/>
+            </a:fillRef>
+            <a:effectRef idx="0">
+              <a:schemeClr val="accent1"/>
+            </a:effectRef>
+            <a:fontRef idx="minor">
+              <a:schemeClr val="lt1"/>
+            </a:fontRef>
+          </p:style>
+          <p:txBody>
+            <a:bodyPr rtlCol="0" anchor="ctr"/>
+            <a:lstStyle/>
+            <a:p>
+              <a:pPr algn="ctr"/>
+              <a:endParaRPr lang="zh-CN" altLang="en-US"/>
+            </a:p>
+          </p:txBody>
+        </p:sp>
+        <p:sp>
+          <p:nvSpPr>
+            <p:cNvPr id="34" name="TextBox 33"/>
+            <p:cNvSpPr txBox="1"/>
+            <p:nvPr/>
+          </p:nvSpPr>
+          <p:spPr>
+            <a:xfrm>
+              <a:off x="5043210" y="1898918"/>
+              <a:ext cx="6353014" cy="521970"/>
+            </a:xfrm>
+            <a:prstGeom prst="rect">
+              <a:avLst/>
+            </a:prstGeom>
+            <a:noFill/>
+          </p:spPr>
+          <p:txBody>
+            <a:bodyPr wrap="square" rtlCol="0">
+              <a:spAutoFit/>
+            </a:bodyPr>
+            <a:lstStyle>
+              <a:defPPr>
+                <a:defRPr lang="zh-CN"/>
+              </a:defPPr>
+              <a:lvl1pPr>
+                <a:defRPr sz="2800">
+                  <a:solidFill>
+                    <a:srgbClr val="595E64"/>
+                  </a:solidFill>
+                  <a:latin typeface="微软雅黑" panose="020B0503020204020204" pitchFamily="34" charset="-122"/>
+                  <a:ea typeface="微软雅黑" panose="020B0503020204020204" pitchFamily="34" charset="-122"/>
+                </a:defRPr>
+              </a:lvl1pPr>
+            </a:lstStyle>
+            <a:p>
+              <a:r>
+                <a:rPr lang="zh-CN" altLang="en-US" dirty="0" smtClean="0"/>
+                <a:t>HTML语法基础</a:t>
+              </a:r>
+              <a:endParaRPr lang="zh-CN" altLang="en-US" dirty="0" smtClean="0"/>
+            </a:p>
+          </p:txBody>
+        </p:sp>
+      </p:grpSp>
+      <p:grpSp>
+        <p:nvGrpSpPr>
+          <p:cNvPr id="37" name="组合 36"/>
+          <p:cNvGrpSpPr/>
+          <p:nvPr/>
+        </p:nvGrpSpPr>
+        <p:grpSpPr>
+          <a:xfrm>
+            <a:off x="4223792" y="5517232"/>
+            <a:ext cx="4752528" cy="523240"/>
+            <a:chOff x="4223792" y="5517232"/>
+            <a:chExt cx="4752528" cy="523240"/>
+          </a:xfrm>
+        </p:grpSpPr>
+        <p:sp>
+          <p:nvSpPr>
+            <p:cNvPr id="35" name="文本框 21"/>
+            <p:cNvSpPr txBox="1"/>
+            <p:nvPr/>
+          </p:nvSpPr>
+          <p:spPr>
+            <a:xfrm>
+              <a:off x="5097713" y="5517232"/>
+              <a:ext cx="3878607" cy="523240"/>
+            </a:xfrm>
+            <a:prstGeom prst="rect">
+              <a:avLst/>
+            </a:prstGeom>
+            <a:noFill/>
+          </p:spPr>
+          <p:txBody>
+            <a:bodyPr wrap="square" rtlCol="0">
+              <a:spAutoFit/>
+            </a:bodyPr>
+            <a:lstStyle/>
+            <a:p>
+              <a:r>
+                <a:rPr lang="zh-CN" altLang="en-US" sz="2800" dirty="0" smtClean="0">
+                  <a:solidFill>
+                    <a:srgbClr val="FF0000"/>
+                  </a:solidFill>
+                  <a:latin typeface="微软雅黑" panose="020B0503020204020204" pitchFamily="34" charset="-122"/>
+                  <a:ea typeface="微软雅黑" panose="020B0503020204020204" pitchFamily="34" charset="-122"/>
+                </a:rPr>
+                <a:t>注意事项与编码规范</a:t>
+              </a:r>
+              <a:endParaRPr lang="zh-CN" altLang="en-US" sz="2800" dirty="0" smtClean="0">
+                <a:solidFill>
+                  <a:srgbClr val="FF0000"/>
+                </a:solidFill>
+                <a:latin typeface="微软雅黑" panose="020B0503020204020204" pitchFamily="34" charset="-122"/>
+                <a:ea typeface="微软雅黑" panose="020B0503020204020204" pitchFamily="34" charset="-122"/>
+              </a:endParaRPr>
+            </a:p>
+          </p:txBody>
+        </p:sp>
+        <p:sp>
+          <p:nvSpPr>
+            <p:cNvPr id="36" name="等腰三角形 35"/>
+            <p:cNvSpPr/>
+            <p:nvPr/>
+          </p:nvSpPr>
+          <p:spPr>
+            <a:xfrm rot="5400000" flipH="1">
+              <a:off x="4203797" y="5539133"/>
+              <a:ext cx="519430" cy="479439"/>
+            </a:xfrm>
+            <a:prstGeom prst="triangle">
+              <a:avLst/>
+            </a:prstGeom>
+          </p:spPr>
+          <p:style>
+            <a:lnRef idx="1">
+              <a:schemeClr val="dk1"/>
+            </a:lnRef>
+            <a:fillRef idx="3">
+              <a:schemeClr val="dk1"/>
+            </a:fillRef>
+            <a:effectRef idx="2">
+              <a:schemeClr val="dk1"/>
+            </a:effectRef>
+            <a:fontRef idx="minor">
+              <a:schemeClr val="lt1"/>
+            </a:fontRef>
+          </p:style>
+          <p:txBody>
+            <a:bodyPr rtlCol="0" anchor="ctr"/>
+            <a:lstStyle/>
+            <a:p>
+              <a:pPr algn="ctr"/>
+              <a:endParaRPr lang="zh-CN" altLang="en-US"/>
+            </a:p>
+          </p:txBody>
+        </p:sp>
+      </p:grpSp>
+      <p:grpSp>
+        <p:nvGrpSpPr>
+          <p:cNvPr id="32" name="组合 31"/>
+          <p:cNvGrpSpPr/>
+          <p:nvPr/>
+        </p:nvGrpSpPr>
+        <p:grpSpPr>
+          <a:xfrm>
+            <a:off x="4223793" y="4736717"/>
+            <a:ext cx="6264730" cy="521970"/>
+            <a:chOff x="4199254" y="4653136"/>
+            <a:chExt cx="6264730" cy="521970"/>
+          </a:xfrm>
+        </p:grpSpPr>
+        <p:sp>
+          <p:nvSpPr>
+            <p:cNvPr id="38" name="文本框 21"/>
+            <p:cNvSpPr txBox="1"/>
+            <p:nvPr/>
+          </p:nvSpPr>
+          <p:spPr>
+            <a:xfrm>
+              <a:off x="5043210" y="4653136"/>
+              <a:ext cx="5420774" cy="521970"/>
+            </a:xfrm>
+            <a:prstGeom prst="rect">
+              <a:avLst/>
+            </a:prstGeom>
+            <a:noFill/>
+          </p:spPr>
+          <p:txBody>
+            <a:bodyPr wrap="square" rtlCol="0">
+              <a:spAutoFit/>
+            </a:bodyPr>
+            <a:lstStyle/>
+            <a:p>
+              <a:r>
+                <a:rPr lang="zh-CN" altLang="en-US" sz="2800" dirty="0" smtClean="0">
+                  <a:solidFill>
+                    <a:srgbClr val="595E64"/>
+                  </a:solidFill>
+                  <a:latin typeface="微软雅黑" panose="020B0503020204020204" pitchFamily="34" charset="-122"/>
+                  <a:ea typeface="微软雅黑" panose="020B0503020204020204" pitchFamily="34" charset="-122"/>
+                </a:rPr>
+                <a:t>无序列表标签和有序列表标签</a:t>
+              </a:r>
+              <a:endParaRPr lang="zh-CN" altLang="en-US" sz="2800" dirty="0">
+                <a:solidFill>
+                  <a:schemeClr val="tx1"/>
+                </a:solidFill>
+                <a:latin typeface="微软雅黑" panose="020B0503020204020204" pitchFamily="34" charset="-122"/>
+                <a:ea typeface="微软雅黑" panose="020B0503020204020204" pitchFamily="34" charset="-122"/>
+              </a:endParaRPr>
+            </a:p>
+          </p:txBody>
+        </p:sp>
+        <p:sp>
+          <p:nvSpPr>
+            <p:cNvPr id="39" name="等腰三角形 38"/>
+            <p:cNvSpPr/>
+            <p:nvPr/>
+          </p:nvSpPr>
+          <p:spPr>
+            <a:xfrm rot="5400000" flipH="1">
+              <a:off x="4179258" y="4675037"/>
+              <a:ext cx="519430" cy="479439"/>
+            </a:xfrm>
+            <a:prstGeom prst="triangle">
+              <a:avLst/>
+            </a:prstGeom>
+          </p:spPr>
+          <p:style>
+            <a:lnRef idx="1">
+              <a:schemeClr val="accent4"/>
+            </a:lnRef>
+            <a:fillRef idx="3">
+              <a:schemeClr val="accent4"/>
+            </a:fillRef>
+            <a:effectRef idx="2">
+              <a:schemeClr val="accent4"/>
+            </a:effectRef>
+            <a:fontRef idx="minor">
+              <a:schemeClr val="lt1"/>
+            </a:fontRef>
+          </p:style>
+          <p:txBody>
+            <a:bodyPr rtlCol="0" anchor="ctr"/>
+            <a:lstStyle/>
+            <a:p>
+              <a:pPr algn="ctr"/>
+              <a:endParaRPr lang="zh-CN" altLang="en-US"/>
+            </a:p>
+          </p:txBody>
+        </p:sp>
+      </p:grpSp>
+    </p:spTree>
+  </p:cSld>
+  <p:clrMapOvr>
+    <a:masterClrMapping/>
+  </p:clrMapOvr>
+  <p:transition spd="slow"/>
+  <p:timing>
+    <p:tnLst>
+      <p:par>
+        <p:cTn id="1" dur="indefinite" restart="never" nodeType="tmRoot"/>
+      </p:par>
+    </p:tnLst>
   </p:timing>
 </p:sld>
 </file>
@@ -34580,1002 +36744,6 @@
         <p:cNvGrpSpPr/>
         <p:nvPr/>
       </p:nvGrpSpPr>
-      <p:grpSpPr>
-        <a:xfrm>
-          <a:off x="0" y="0"/>
-          <a:ext cx="0" cy="0"/>
-          <a:chOff x="0" y="0"/>
-          <a:chExt cx="0" cy="0"/>
-        </a:xfrm>
-      </p:grpSpPr>
-      <p:grpSp>
-        <p:nvGrpSpPr>
-          <p:cNvPr id="2" name="组合 1"/>
-          <p:cNvGrpSpPr/>
-          <p:nvPr/>
-        </p:nvGrpSpPr>
-        <p:grpSpPr>
-          <a:xfrm>
-            <a:off x="-54001" y="-27162"/>
-            <a:ext cx="2708249" cy="6914070"/>
-            <a:chOff x="2288" y="45"/>
-            <a:chExt cx="4266" cy="10800"/>
-          </a:xfrm>
-        </p:grpSpPr>
-        <p:sp>
-          <p:nvSpPr>
-            <p:cNvPr id="3" name="矩形 2"/>
-            <p:cNvSpPr/>
-            <p:nvPr/>
-          </p:nvSpPr>
-          <p:spPr>
-            <a:xfrm>
-              <a:off x="2288" y="45"/>
-              <a:ext cx="4266" cy="10800"/>
-            </a:xfrm>
-            <a:prstGeom prst="rect">
-              <a:avLst/>
-            </a:prstGeom>
-            <a:solidFill>
-              <a:srgbClr val="1B90A2"/>
-            </a:solidFill>
-            <a:ln>
-              <a:noFill/>
-            </a:ln>
-          </p:spPr>
-          <p:style>
-            <a:lnRef idx="2">
-              <a:schemeClr val="accent1">
-                <a:shade val="50000"/>
-              </a:schemeClr>
-            </a:lnRef>
-            <a:fillRef idx="1">
-              <a:schemeClr val="accent1"/>
-            </a:fillRef>
-            <a:effectRef idx="0">
-              <a:schemeClr val="accent1"/>
-            </a:effectRef>
-            <a:fontRef idx="minor">
-              <a:schemeClr val="lt1"/>
-            </a:fontRef>
-          </p:style>
-          <p:txBody>
-            <a:bodyPr rtlCol="0" anchor="ctr"/>
-            <a:lstStyle/>
-            <a:p>
-              <a:pPr algn="ctr"/>
-              <a:endParaRPr lang="zh-CN" altLang="en-US"/>
-            </a:p>
-          </p:txBody>
-        </p:sp>
-        <p:sp>
-          <p:nvSpPr>
-            <p:cNvPr id="21" name="文本框 20"/>
-            <p:cNvSpPr txBox="1"/>
-            <p:nvPr/>
-          </p:nvSpPr>
-          <p:spPr>
-            <a:xfrm>
-              <a:off x="3557" y="2413"/>
-              <a:ext cx="1332" cy="4758"/>
-            </a:xfrm>
-            <a:prstGeom prst="rect">
-              <a:avLst/>
-            </a:prstGeom>
-            <a:noFill/>
-          </p:spPr>
-          <p:txBody>
-            <a:bodyPr wrap="square" rtlCol="0">
-              <a:spAutoFit/>
-            </a:bodyPr>
-            <a:lstStyle/>
-            <a:p>
-              <a:r>
-                <a:rPr lang="zh-CN" altLang="en-US" sz="4800" b="1" dirty="0">
-                  <a:solidFill>
-                    <a:schemeClr val="bg1"/>
-                  </a:solidFill>
-                  <a:latin typeface="微软雅黑" panose="020B0503020204020204" pitchFamily="34" charset="-122"/>
-                  <a:ea typeface="微软雅黑" panose="020B0503020204020204" pitchFamily="34" charset="-122"/>
-                </a:rPr>
-                <a:t>本节内容</a:t>
-              </a:r>
-              <a:endParaRPr lang="zh-CN" altLang="en-US" sz="4800" b="1" dirty="0">
-                <a:solidFill>
-                  <a:schemeClr val="bg1"/>
-                </a:solidFill>
-                <a:latin typeface="微软雅黑" panose="020B0503020204020204" pitchFamily="34" charset="-122"/>
-                <a:ea typeface="微软雅黑" panose="020B0503020204020204" pitchFamily="34" charset="-122"/>
-              </a:endParaRPr>
-            </a:p>
-          </p:txBody>
-        </p:sp>
-      </p:grpSp>
-      <p:grpSp>
-        <p:nvGrpSpPr>
-          <p:cNvPr id="4" name="组合 3"/>
-          <p:cNvGrpSpPr/>
-          <p:nvPr/>
-        </p:nvGrpSpPr>
-        <p:grpSpPr>
-          <a:xfrm>
-            <a:off x="1893293" y="2792745"/>
-            <a:ext cx="465294" cy="469990"/>
-            <a:chOff x="2099842" y="1975504"/>
-            <a:chExt cx="823123" cy="831130"/>
-          </a:xfrm>
-          <a:solidFill>
-            <a:schemeClr val="bg1"/>
-          </a:solidFill>
-        </p:grpSpPr>
-        <p:sp>
-          <p:nvSpPr>
-            <p:cNvPr id="15" name="等腰三角形 14"/>
-            <p:cNvSpPr/>
-            <p:nvPr/>
-          </p:nvSpPr>
-          <p:spPr>
-            <a:xfrm rot="19813541" flipH="1">
-              <a:off x="2099842" y="1975504"/>
-              <a:ext cx="443524" cy="386081"/>
-            </a:xfrm>
-            <a:prstGeom prst="triangle">
-              <a:avLst/>
-            </a:prstGeom>
-            <a:grpFill/>
-            <a:ln>
-              <a:noFill/>
-            </a:ln>
-          </p:spPr>
-          <p:style>
-            <a:lnRef idx="2">
-              <a:schemeClr val="accent1">
-                <a:shade val="50000"/>
-              </a:schemeClr>
-            </a:lnRef>
-            <a:fillRef idx="1">
-              <a:schemeClr val="accent1"/>
-            </a:fillRef>
-            <a:effectRef idx="0">
-              <a:schemeClr val="accent1"/>
-            </a:effectRef>
-            <a:fontRef idx="minor">
-              <a:schemeClr val="lt1"/>
-            </a:fontRef>
-          </p:style>
-          <p:txBody>
-            <a:bodyPr rtlCol="0" anchor="ctr"/>
-            <a:p>
-              <a:pPr algn="ctr"/>
-              <a:endParaRPr lang="zh-CN" altLang="en-US"/>
-            </a:p>
-          </p:txBody>
-        </p:sp>
-        <p:sp>
-          <p:nvSpPr>
-            <p:cNvPr id="16" name="等腰三角形 15"/>
-            <p:cNvSpPr/>
-            <p:nvPr/>
-          </p:nvSpPr>
-          <p:spPr>
-            <a:xfrm rot="19813541" flipH="1">
-              <a:off x="2099844" y="2420553"/>
-              <a:ext cx="443524" cy="386081"/>
-            </a:xfrm>
-            <a:prstGeom prst="triangle">
-              <a:avLst/>
-            </a:prstGeom>
-            <a:grpFill/>
-            <a:ln>
-              <a:noFill/>
-            </a:ln>
-          </p:spPr>
-          <p:style>
-            <a:lnRef idx="2">
-              <a:schemeClr val="accent1">
-                <a:shade val="50000"/>
-              </a:schemeClr>
-            </a:lnRef>
-            <a:fillRef idx="1">
-              <a:schemeClr val="accent1"/>
-            </a:fillRef>
-            <a:effectRef idx="0">
-              <a:schemeClr val="accent1"/>
-            </a:effectRef>
-            <a:fontRef idx="minor">
-              <a:schemeClr val="lt1"/>
-            </a:fontRef>
-          </p:style>
-          <p:txBody>
-            <a:bodyPr rtlCol="0" anchor="ctr"/>
-            <a:p>
-              <a:pPr algn="ctr"/>
-              <a:endParaRPr lang="zh-CN" altLang="en-US"/>
-            </a:p>
-          </p:txBody>
-        </p:sp>
-        <p:sp>
-          <p:nvSpPr>
-            <p:cNvPr id="26" name="等腰三角形 25"/>
-            <p:cNvSpPr/>
-            <p:nvPr/>
-          </p:nvSpPr>
-          <p:spPr>
-            <a:xfrm rot="19813541" flipH="1">
-              <a:off x="2479441" y="2198028"/>
-              <a:ext cx="443524" cy="386081"/>
-            </a:xfrm>
-            <a:prstGeom prst="triangle">
-              <a:avLst/>
-            </a:prstGeom>
-            <a:grpFill/>
-            <a:ln>
-              <a:noFill/>
-            </a:ln>
-          </p:spPr>
-          <p:style>
-            <a:lnRef idx="2">
-              <a:schemeClr val="accent1">
-                <a:shade val="50000"/>
-              </a:schemeClr>
-            </a:lnRef>
-            <a:fillRef idx="1">
-              <a:schemeClr val="accent1"/>
-            </a:fillRef>
-            <a:effectRef idx="0">
-              <a:schemeClr val="accent1"/>
-            </a:effectRef>
-            <a:fontRef idx="minor">
-              <a:schemeClr val="lt1"/>
-            </a:fontRef>
-          </p:style>
-          <p:txBody>
-            <a:bodyPr rtlCol="0" anchor="ctr"/>
-            <a:p>
-              <a:pPr algn="ctr"/>
-              <a:endParaRPr lang="zh-CN" altLang="en-US"/>
-            </a:p>
-          </p:txBody>
-        </p:sp>
-      </p:grpSp>
-      <p:grpSp>
-        <p:nvGrpSpPr>
-          <p:cNvPr id="17" name="组合 16"/>
-          <p:cNvGrpSpPr/>
-          <p:nvPr/>
-        </p:nvGrpSpPr>
-        <p:grpSpPr>
-          <a:xfrm>
-            <a:off x="4199254" y="836712"/>
-            <a:ext cx="4722563" cy="521970"/>
-            <a:chOff x="4199254" y="1085850"/>
-            <a:chExt cx="4722563" cy="521970"/>
-          </a:xfrm>
-        </p:grpSpPr>
-        <p:sp>
-          <p:nvSpPr>
-            <p:cNvPr id="19" name="等腰三角形 18"/>
-            <p:cNvSpPr/>
-            <p:nvPr/>
-          </p:nvSpPr>
-          <p:spPr>
-            <a:xfrm rot="5400000" flipH="1">
-              <a:off x="4179258" y="1107751"/>
-              <a:ext cx="519430" cy="479439"/>
-            </a:xfrm>
-            <a:prstGeom prst="triangle">
-              <a:avLst/>
-            </a:prstGeom>
-            <a:solidFill>
-              <a:srgbClr val="1B90A2"/>
-            </a:solidFill>
-            <a:ln>
-              <a:noFill/>
-            </a:ln>
-          </p:spPr>
-          <p:style>
-            <a:lnRef idx="2">
-              <a:schemeClr val="accent1">
-                <a:shade val="50000"/>
-              </a:schemeClr>
-            </a:lnRef>
-            <a:fillRef idx="1">
-              <a:schemeClr val="accent1"/>
-            </a:fillRef>
-            <a:effectRef idx="0">
-              <a:schemeClr val="accent1"/>
-            </a:effectRef>
-            <a:fontRef idx="minor">
-              <a:schemeClr val="lt1"/>
-            </a:fontRef>
-          </p:style>
-          <p:txBody>
-            <a:bodyPr rtlCol="0" anchor="ctr"/>
-            <a:lstStyle/>
-            <a:p>
-              <a:pPr algn="ctr"/>
-              <a:endParaRPr lang="zh-CN" altLang="en-US"/>
-            </a:p>
-          </p:txBody>
-        </p:sp>
-        <p:sp>
-          <p:nvSpPr>
-            <p:cNvPr id="20" name="文本框 18"/>
-            <p:cNvSpPr txBox="1"/>
-            <p:nvPr/>
-          </p:nvSpPr>
-          <p:spPr>
-            <a:xfrm>
-              <a:off x="5043210" y="1085850"/>
-              <a:ext cx="3878607" cy="521970"/>
-            </a:xfrm>
-            <a:prstGeom prst="rect">
-              <a:avLst/>
-            </a:prstGeom>
-            <a:noFill/>
-          </p:spPr>
-          <p:txBody>
-            <a:bodyPr wrap="square" rtlCol="0">
-              <a:spAutoFit/>
-            </a:bodyPr>
-            <a:lstStyle/>
-            <a:p>
-              <a:r>
-                <a:rPr lang="zh-CN" altLang="en-US" sz="2800" dirty="0" smtClean="0">
-                  <a:solidFill>
-                    <a:srgbClr val="595E64"/>
-                  </a:solidFill>
-                  <a:latin typeface="微软雅黑" panose="020B0503020204020204" pitchFamily="34" charset="-122"/>
-                  <a:ea typeface="微软雅黑" panose="020B0503020204020204" pitchFamily="34" charset="-122"/>
-                </a:rPr>
-                <a:t>理解网页文件</a:t>
-              </a:r>
-              <a:endParaRPr lang="zh-CN" altLang="en-US" sz="2800" dirty="0" smtClean="0">
-                <a:solidFill>
-                  <a:schemeClr val="tx1"/>
-                </a:solidFill>
-                <a:latin typeface="微软雅黑" panose="020B0503020204020204" pitchFamily="34" charset="-122"/>
-                <a:ea typeface="微软雅黑" panose="020B0503020204020204" pitchFamily="34" charset="-122"/>
-              </a:endParaRPr>
-            </a:p>
-          </p:txBody>
-        </p:sp>
-      </p:grpSp>
-      <p:grpSp>
-        <p:nvGrpSpPr>
-          <p:cNvPr id="18" name="组合 17"/>
-          <p:cNvGrpSpPr/>
-          <p:nvPr/>
-        </p:nvGrpSpPr>
-        <p:grpSpPr>
-          <a:xfrm>
-            <a:off x="4199253" y="2395198"/>
-            <a:ext cx="7369354" cy="523240"/>
-            <a:chOff x="4199253" y="2780928"/>
-            <a:chExt cx="7369354" cy="523240"/>
-          </a:xfrm>
-        </p:grpSpPr>
-        <p:sp>
-          <p:nvSpPr>
-            <p:cNvPr id="22" name="文本框 19"/>
-            <p:cNvSpPr txBox="1"/>
-            <p:nvPr/>
-          </p:nvSpPr>
-          <p:spPr>
-            <a:xfrm>
-              <a:off x="5043210" y="2780928"/>
-              <a:ext cx="6525397" cy="523240"/>
-            </a:xfrm>
-            <a:prstGeom prst="rect">
-              <a:avLst/>
-            </a:prstGeom>
-            <a:noFill/>
-          </p:spPr>
-          <p:txBody>
-            <a:bodyPr wrap="square" rtlCol="0">
-              <a:spAutoFit/>
-            </a:bodyPr>
-            <a:lstStyle/>
-            <a:p>
-              <a:r>
-                <a:rPr lang="zh-CN" altLang="en-US" sz="2800" dirty="0" smtClean="0">
-                  <a:solidFill>
-                    <a:srgbClr val="595E64"/>
-                  </a:solidFill>
-                  <a:latin typeface="微软雅黑" panose="020B0503020204020204" pitchFamily="34" charset="-122"/>
-                  <a:ea typeface="微软雅黑" panose="020B0503020204020204" pitchFamily="34" charset="-122"/>
-                </a:rPr>
-                <a:t>段落标签和标题标签</a:t>
-              </a:r>
-              <a:endParaRPr lang="zh-CN" altLang="en-US" sz="2800" dirty="0">
-                <a:solidFill>
-                  <a:srgbClr val="595E64"/>
-                </a:solidFill>
-                <a:latin typeface="微软雅黑" panose="020B0503020204020204" pitchFamily="34" charset="-122"/>
-                <a:ea typeface="微软雅黑" panose="020B0503020204020204" pitchFamily="34" charset="-122"/>
-              </a:endParaRPr>
-            </a:p>
-          </p:txBody>
-        </p:sp>
-        <p:sp>
-          <p:nvSpPr>
-            <p:cNvPr id="23" name="等腰三角形 22"/>
-            <p:cNvSpPr/>
-            <p:nvPr/>
-          </p:nvSpPr>
-          <p:spPr>
-            <a:xfrm rot="5400000" flipH="1">
-              <a:off x="4179258" y="2802829"/>
-              <a:ext cx="519430" cy="479439"/>
-            </a:xfrm>
-            <a:prstGeom prst="triangle">
-              <a:avLst/>
-            </a:prstGeom>
-            <a:solidFill>
-              <a:srgbClr val="93B784"/>
-            </a:solidFill>
-            <a:ln>
-              <a:noFill/>
-            </a:ln>
-          </p:spPr>
-          <p:style>
-            <a:lnRef idx="2">
-              <a:schemeClr val="accent1">
-                <a:shade val="50000"/>
-              </a:schemeClr>
-            </a:lnRef>
-            <a:fillRef idx="1">
-              <a:schemeClr val="accent1"/>
-            </a:fillRef>
-            <a:effectRef idx="0">
-              <a:schemeClr val="accent1"/>
-            </a:effectRef>
-            <a:fontRef idx="minor">
-              <a:schemeClr val="lt1"/>
-            </a:fontRef>
-          </p:style>
-          <p:txBody>
-            <a:bodyPr rtlCol="0" anchor="ctr"/>
-            <a:lstStyle/>
-            <a:p>
-              <a:pPr algn="ctr"/>
-              <a:endParaRPr lang="zh-CN" altLang="en-US"/>
-            </a:p>
-          </p:txBody>
-        </p:sp>
-      </p:grpSp>
-      <p:grpSp>
-        <p:nvGrpSpPr>
-          <p:cNvPr id="24" name="组合 23"/>
-          <p:cNvGrpSpPr/>
-          <p:nvPr/>
-        </p:nvGrpSpPr>
-        <p:grpSpPr>
-          <a:xfrm>
-            <a:off x="4199253" y="3175711"/>
-            <a:ext cx="6289270" cy="523240"/>
-            <a:chOff x="4199253" y="3645024"/>
-            <a:chExt cx="6289270" cy="523240"/>
-          </a:xfrm>
-        </p:grpSpPr>
-        <p:sp>
-          <p:nvSpPr>
-            <p:cNvPr id="25" name="文本框 20"/>
-            <p:cNvSpPr txBox="1"/>
-            <p:nvPr/>
-          </p:nvSpPr>
-          <p:spPr>
-            <a:xfrm>
-              <a:off x="5043210" y="3645024"/>
-              <a:ext cx="5445313" cy="523240"/>
-            </a:xfrm>
-            <a:prstGeom prst="rect">
-              <a:avLst/>
-            </a:prstGeom>
-            <a:noFill/>
-          </p:spPr>
-          <p:txBody>
-            <a:bodyPr wrap="square" rtlCol="0">
-              <a:spAutoFit/>
-            </a:bodyPr>
-            <a:lstStyle/>
-            <a:p>
-              <a:r>
-                <a:rPr lang="zh-CN" altLang="en-US" sz="2800" dirty="0" smtClean="0">
-                  <a:solidFill>
-                    <a:srgbClr val="595E64"/>
-                  </a:solidFill>
-                  <a:latin typeface="微软雅黑" panose="020B0503020204020204" pitchFamily="34" charset="-122"/>
-                  <a:ea typeface="微软雅黑" panose="020B0503020204020204" pitchFamily="34" charset="-122"/>
-                </a:rPr>
-                <a:t>图片标签、相对路径和绝对路径</a:t>
-              </a:r>
-              <a:endParaRPr lang="zh-CN" altLang="en-US" sz="2800" dirty="0">
-                <a:solidFill>
-                  <a:srgbClr val="595E64"/>
-                </a:solidFill>
-                <a:latin typeface="微软雅黑" panose="020B0503020204020204" pitchFamily="34" charset="-122"/>
-                <a:ea typeface="微软雅黑" panose="020B0503020204020204" pitchFamily="34" charset="-122"/>
-              </a:endParaRPr>
-            </a:p>
-          </p:txBody>
-        </p:sp>
-        <p:sp>
-          <p:nvSpPr>
-            <p:cNvPr id="27" name="等腰三角形 26"/>
-            <p:cNvSpPr/>
-            <p:nvPr/>
-          </p:nvSpPr>
-          <p:spPr>
-            <a:xfrm rot="5400000" flipH="1">
-              <a:off x="4179258" y="3666925"/>
-              <a:ext cx="519430" cy="479439"/>
-            </a:xfrm>
-            <a:prstGeom prst="triangle">
-              <a:avLst/>
-            </a:prstGeom>
-            <a:solidFill>
-              <a:srgbClr val="55C1E7"/>
-            </a:solidFill>
-            <a:ln>
-              <a:noFill/>
-            </a:ln>
-          </p:spPr>
-          <p:style>
-            <a:lnRef idx="2">
-              <a:schemeClr val="accent1">
-                <a:shade val="50000"/>
-              </a:schemeClr>
-            </a:lnRef>
-            <a:fillRef idx="1">
-              <a:schemeClr val="accent1"/>
-            </a:fillRef>
-            <a:effectRef idx="0">
-              <a:schemeClr val="accent1"/>
-            </a:effectRef>
-            <a:fontRef idx="minor">
-              <a:schemeClr val="lt1"/>
-            </a:fontRef>
-          </p:style>
-          <p:txBody>
-            <a:bodyPr rtlCol="0" anchor="ctr"/>
-            <a:lstStyle/>
-            <a:p>
-              <a:pPr algn="ctr"/>
-              <a:endParaRPr lang="zh-CN" altLang="en-US"/>
-            </a:p>
-          </p:txBody>
-        </p:sp>
-      </p:grpSp>
-      <p:grpSp>
-        <p:nvGrpSpPr>
-          <p:cNvPr id="28" name="组合 27"/>
-          <p:cNvGrpSpPr/>
-          <p:nvPr/>
-        </p:nvGrpSpPr>
-        <p:grpSpPr>
-          <a:xfrm>
-            <a:off x="4199253" y="3956224"/>
-            <a:ext cx="6073211" cy="523220"/>
-            <a:chOff x="4199253" y="4653136"/>
-            <a:chExt cx="6073211" cy="523220"/>
-          </a:xfrm>
-        </p:grpSpPr>
-        <p:sp>
-          <p:nvSpPr>
-            <p:cNvPr id="29" name="文本框 21"/>
-            <p:cNvSpPr txBox="1"/>
-            <p:nvPr/>
-          </p:nvSpPr>
-          <p:spPr>
-            <a:xfrm>
-              <a:off x="5043210" y="4653136"/>
-              <a:ext cx="5229254" cy="523220"/>
-            </a:xfrm>
-            <a:prstGeom prst="rect">
-              <a:avLst/>
-            </a:prstGeom>
-            <a:noFill/>
-          </p:spPr>
-          <p:txBody>
-            <a:bodyPr wrap="square" rtlCol="0">
-              <a:spAutoFit/>
-            </a:bodyPr>
-            <a:lstStyle/>
-            <a:p>
-              <a:r>
-                <a:rPr lang="zh-CN" altLang="en-US" sz="2800" dirty="0" smtClean="0">
-                  <a:solidFill>
-                    <a:srgbClr val="595E64"/>
-                  </a:solidFill>
-                  <a:latin typeface="微软雅黑" panose="020B0503020204020204" pitchFamily="34" charset="-122"/>
-                  <a:ea typeface="微软雅黑" panose="020B0503020204020204" pitchFamily="34" charset="-122"/>
-                </a:rPr>
-                <a:t>超链接标签</a:t>
-              </a:r>
-              <a:endParaRPr lang="zh-CN" altLang="en-US" sz="2800" dirty="0">
-                <a:solidFill>
-                  <a:srgbClr val="595E64"/>
-                </a:solidFill>
-                <a:latin typeface="微软雅黑" panose="020B0503020204020204" pitchFamily="34" charset="-122"/>
-                <a:ea typeface="微软雅黑" panose="020B0503020204020204" pitchFamily="34" charset="-122"/>
-              </a:endParaRPr>
-            </a:p>
-          </p:txBody>
-        </p:sp>
-        <p:sp>
-          <p:nvSpPr>
-            <p:cNvPr id="30" name="等腰三角形 29"/>
-            <p:cNvSpPr/>
-            <p:nvPr/>
-          </p:nvSpPr>
-          <p:spPr>
-            <a:xfrm rot="5400000" flipH="1">
-              <a:off x="4179258" y="4675037"/>
-              <a:ext cx="519430" cy="479439"/>
-            </a:xfrm>
-            <a:prstGeom prst="triangle">
-              <a:avLst/>
-            </a:prstGeom>
-            <a:solidFill>
-              <a:srgbClr val="FDCD5F"/>
-            </a:solidFill>
-            <a:ln>
-              <a:noFill/>
-            </a:ln>
-          </p:spPr>
-          <p:style>
-            <a:lnRef idx="2">
-              <a:schemeClr val="accent1">
-                <a:shade val="50000"/>
-              </a:schemeClr>
-            </a:lnRef>
-            <a:fillRef idx="1">
-              <a:schemeClr val="accent1"/>
-            </a:fillRef>
-            <a:effectRef idx="0">
-              <a:schemeClr val="accent1"/>
-            </a:effectRef>
-            <a:fontRef idx="minor">
-              <a:schemeClr val="lt1"/>
-            </a:fontRef>
-          </p:style>
-          <p:txBody>
-            <a:bodyPr rtlCol="0" anchor="ctr"/>
-            <a:lstStyle/>
-            <a:p>
-              <a:pPr algn="ctr"/>
-              <a:endParaRPr lang="zh-CN" altLang="en-US"/>
-            </a:p>
-          </p:txBody>
-        </p:sp>
-      </p:grpSp>
-      <p:grpSp>
-        <p:nvGrpSpPr>
-          <p:cNvPr id="31" name="组合 30"/>
-          <p:cNvGrpSpPr/>
-          <p:nvPr/>
-        </p:nvGrpSpPr>
-        <p:grpSpPr>
-          <a:xfrm>
-            <a:off x="4199253" y="1615955"/>
-            <a:ext cx="7196971" cy="521970"/>
-            <a:chOff x="4199253" y="1898918"/>
-            <a:chExt cx="7196971" cy="521970"/>
-          </a:xfrm>
-        </p:grpSpPr>
-        <p:sp>
-          <p:nvSpPr>
-            <p:cNvPr id="33" name="等腰三角形 32"/>
-            <p:cNvSpPr/>
-            <p:nvPr/>
-          </p:nvSpPr>
-          <p:spPr>
-            <a:xfrm rot="5400000" flipH="1">
-              <a:off x="4179258" y="1918914"/>
-              <a:ext cx="519430" cy="479439"/>
-            </a:xfrm>
-            <a:prstGeom prst="triangle">
-              <a:avLst/>
-            </a:prstGeom>
-            <a:solidFill>
-              <a:schemeClr val="accent2">
-                <a:lumMod val="60000"/>
-                <a:lumOff val="40000"/>
-              </a:schemeClr>
-            </a:solidFill>
-            <a:ln>
-              <a:noFill/>
-            </a:ln>
-          </p:spPr>
-          <p:style>
-            <a:lnRef idx="2">
-              <a:schemeClr val="accent1">
-                <a:shade val="50000"/>
-              </a:schemeClr>
-            </a:lnRef>
-            <a:fillRef idx="1">
-              <a:schemeClr val="accent1"/>
-            </a:fillRef>
-            <a:effectRef idx="0">
-              <a:schemeClr val="accent1"/>
-            </a:effectRef>
-            <a:fontRef idx="minor">
-              <a:schemeClr val="lt1"/>
-            </a:fontRef>
-          </p:style>
-          <p:txBody>
-            <a:bodyPr rtlCol="0" anchor="ctr"/>
-            <a:lstStyle/>
-            <a:p>
-              <a:pPr algn="ctr"/>
-              <a:endParaRPr lang="zh-CN" altLang="en-US"/>
-            </a:p>
-          </p:txBody>
-        </p:sp>
-        <p:sp>
-          <p:nvSpPr>
-            <p:cNvPr id="34" name="TextBox 33"/>
-            <p:cNvSpPr txBox="1"/>
-            <p:nvPr/>
-          </p:nvSpPr>
-          <p:spPr>
-            <a:xfrm>
-              <a:off x="5043210" y="1898918"/>
-              <a:ext cx="6353014" cy="521970"/>
-            </a:xfrm>
-            <a:prstGeom prst="rect">
-              <a:avLst/>
-            </a:prstGeom>
-            <a:noFill/>
-          </p:spPr>
-          <p:txBody>
-            <a:bodyPr wrap="square" rtlCol="0">
-              <a:spAutoFit/>
-            </a:bodyPr>
-            <a:lstStyle>
-              <a:defPPr>
-                <a:defRPr lang="zh-CN"/>
-              </a:defPPr>
-              <a:lvl1pPr>
-                <a:defRPr sz="2800">
-                  <a:solidFill>
-                    <a:srgbClr val="595E64"/>
-                  </a:solidFill>
-                  <a:latin typeface="微软雅黑" panose="020B0503020204020204" pitchFamily="34" charset="-122"/>
-                  <a:ea typeface="微软雅黑" panose="020B0503020204020204" pitchFamily="34" charset="-122"/>
-                </a:defRPr>
-              </a:lvl1pPr>
-            </a:lstStyle>
-            <a:p>
-              <a:r>
-                <a:rPr lang="en-US" altLang="zh-CN" dirty="0" smtClean="0"/>
-                <a:t>HTML</a:t>
-              </a:r>
-              <a:r>
-                <a:rPr lang="zh-CN" altLang="en-US" dirty="0" smtClean="0"/>
-                <a:t>语法基础</a:t>
-              </a:r>
-              <a:endParaRPr lang="zh-CN" altLang="en-US" dirty="0"/>
-            </a:p>
-          </p:txBody>
-        </p:sp>
-      </p:grpSp>
-      <p:grpSp>
-        <p:nvGrpSpPr>
-          <p:cNvPr id="37" name="组合 36"/>
-          <p:cNvGrpSpPr/>
-          <p:nvPr/>
-        </p:nvGrpSpPr>
-        <p:grpSpPr>
-          <a:xfrm>
-            <a:off x="4223793" y="5517232"/>
-            <a:ext cx="4752527" cy="521970"/>
-            <a:chOff x="4223793" y="5517232"/>
-            <a:chExt cx="4752527" cy="521970"/>
-          </a:xfrm>
-        </p:grpSpPr>
-        <p:sp>
-          <p:nvSpPr>
-            <p:cNvPr id="35" name="文本框 21"/>
-            <p:cNvSpPr txBox="1"/>
-            <p:nvPr/>
-          </p:nvSpPr>
-          <p:spPr>
-            <a:xfrm>
-              <a:off x="5097713" y="5517232"/>
-              <a:ext cx="3878607" cy="521970"/>
-            </a:xfrm>
-            <a:prstGeom prst="rect">
-              <a:avLst/>
-            </a:prstGeom>
-            <a:noFill/>
-          </p:spPr>
-          <p:txBody>
-            <a:bodyPr wrap="square" rtlCol="0">
-              <a:spAutoFit/>
-            </a:bodyPr>
-            <a:lstStyle/>
-            <a:p>
-              <a:r>
-                <a:rPr lang="zh-CN" altLang="en-US" sz="2800" dirty="0" smtClean="0">
-                  <a:solidFill>
-                    <a:srgbClr val="FF0000"/>
-                  </a:solidFill>
-                  <a:latin typeface="微软雅黑" panose="020B0503020204020204" pitchFamily="34" charset="-122"/>
-                  <a:ea typeface="微软雅黑" panose="020B0503020204020204" pitchFamily="34" charset="-122"/>
-                </a:rPr>
-                <a:t>注意事项与编码规范</a:t>
-              </a:r>
-              <a:endParaRPr lang="zh-CN" altLang="en-US" sz="2800" dirty="0" smtClean="0">
-                <a:solidFill>
-                  <a:srgbClr val="FF0000"/>
-                </a:solidFill>
-                <a:latin typeface="微软雅黑" panose="020B0503020204020204" pitchFamily="34" charset="-122"/>
-                <a:ea typeface="微软雅黑" panose="020B0503020204020204" pitchFamily="34" charset="-122"/>
-              </a:endParaRPr>
-            </a:p>
-          </p:txBody>
-        </p:sp>
-        <p:sp>
-          <p:nvSpPr>
-            <p:cNvPr id="36" name="等腰三角形 35"/>
-            <p:cNvSpPr/>
-            <p:nvPr/>
-          </p:nvSpPr>
-          <p:spPr>
-            <a:xfrm rot="5400000" flipH="1">
-              <a:off x="4203797" y="5539133"/>
-              <a:ext cx="519430" cy="479439"/>
-            </a:xfrm>
-            <a:prstGeom prst="triangle">
-              <a:avLst/>
-            </a:prstGeom>
-          </p:spPr>
-          <p:style>
-            <a:lnRef idx="1">
-              <a:schemeClr val="dk1"/>
-            </a:lnRef>
-            <a:fillRef idx="3">
-              <a:schemeClr val="dk1"/>
-            </a:fillRef>
-            <a:effectRef idx="2">
-              <a:schemeClr val="dk1"/>
-            </a:effectRef>
-            <a:fontRef idx="minor">
-              <a:schemeClr val="lt1"/>
-            </a:fontRef>
-          </p:style>
-          <p:txBody>
-            <a:bodyPr rtlCol="0" anchor="ctr"/>
-            <a:lstStyle/>
-            <a:p>
-              <a:pPr algn="ctr"/>
-              <a:endParaRPr lang="zh-CN" altLang="en-US"/>
-            </a:p>
-          </p:txBody>
-        </p:sp>
-      </p:grpSp>
-      <p:grpSp>
-        <p:nvGrpSpPr>
-          <p:cNvPr id="32" name="组合 31"/>
-          <p:cNvGrpSpPr/>
-          <p:nvPr/>
-        </p:nvGrpSpPr>
-        <p:grpSpPr>
-          <a:xfrm>
-            <a:off x="4223792" y="4736717"/>
-            <a:ext cx="6264731" cy="523220"/>
-            <a:chOff x="4199253" y="4653136"/>
-            <a:chExt cx="6264731" cy="523220"/>
-          </a:xfrm>
-        </p:grpSpPr>
-        <p:sp>
-          <p:nvSpPr>
-            <p:cNvPr id="38" name="文本框 21"/>
-            <p:cNvSpPr txBox="1"/>
-            <p:nvPr/>
-          </p:nvSpPr>
-          <p:spPr>
-            <a:xfrm>
-              <a:off x="5043210" y="4653136"/>
-              <a:ext cx="5420774" cy="523220"/>
-            </a:xfrm>
-            <a:prstGeom prst="rect">
-              <a:avLst/>
-            </a:prstGeom>
-            <a:noFill/>
-          </p:spPr>
-          <p:txBody>
-            <a:bodyPr wrap="square" rtlCol="0">
-              <a:spAutoFit/>
-            </a:bodyPr>
-            <a:lstStyle/>
-            <a:p>
-              <a:r>
-                <a:rPr lang="zh-CN" altLang="en-US" sz="2800" dirty="0">
-                  <a:solidFill>
-                    <a:srgbClr val="595E64"/>
-                  </a:solidFill>
-                  <a:latin typeface="微软雅黑" panose="020B0503020204020204" pitchFamily="34" charset="-122"/>
-                  <a:ea typeface="微软雅黑" panose="020B0503020204020204" pitchFamily="34" charset="-122"/>
-                </a:rPr>
-                <a:t>有序列表标签和无序列表标签</a:t>
-              </a:r>
-              <a:endParaRPr lang="zh-CN" altLang="en-US" sz="2800" dirty="0">
-                <a:solidFill>
-                  <a:srgbClr val="595E64"/>
-                </a:solidFill>
-                <a:latin typeface="微软雅黑" panose="020B0503020204020204" pitchFamily="34" charset="-122"/>
-                <a:ea typeface="微软雅黑" panose="020B0503020204020204" pitchFamily="34" charset="-122"/>
-              </a:endParaRPr>
-            </a:p>
-          </p:txBody>
-        </p:sp>
-        <p:sp>
-          <p:nvSpPr>
-            <p:cNvPr id="39" name="等腰三角形 38"/>
-            <p:cNvSpPr/>
-            <p:nvPr/>
-          </p:nvSpPr>
-          <p:spPr>
-            <a:xfrm rot="5400000" flipH="1">
-              <a:off x="4179258" y="4675037"/>
-              <a:ext cx="519430" cy="479439"/>
-            </a:xfrm>
-            <a:prstGeom prst="triangle">
-              <a:avLst/>
-            </a:prstGeom>
-          </p:spPr>
-          <p:style>
-            <a:lnRef idx="1">
-              <a:schemeClr val="accent4"/>
-            </a:lnRef>
-            <a:fillRef idx="3">
-              <a:schemeClr val="accent4"/>
-            </a:fillRef>
-            <a:effectRef idx="2">
-              <a:schemeClr val="accent4"/>
-            </a:effectRef>
-            <a:fontRef idx="minor">
-              <a:schemeClr val="lt1"/>
-            </a:fontRef>
-          </p:style>
-          <p:txBody>
-            <a:bodyPr rtlCol="0" anchor="ctr"/>
-            <a:lstStyle/>
-            <a:p>
-              <a:pPr algn="ctr"/>
-              <a:endParaRPr lang="zh-CN" altLang="en-US"/>
-            </a:p>
-          </p:txBody>
-        </p:sp>
-      </p:grpSp>
-    </p:spTree>
-  </p:cSld>
-  <p:clrMapOvr>
-    <a:masterClrMapping/>
-  </p:clrMapOvr>
-  <p:transition spd="slow"/>
-  <p:timing>
-    <p:tnLst>
-      <p:par>
-        <p:cTn id="1" dur="indefinite" restart="never" nodeType="tmRoot"/>
-      </p:par>
-    </p:tnLst>
-  </p:timing>
-</p:sld>
-</file>
-
-<file path=ppt/slides/slide41.xml><?xml version="1.0" encoding="utf-8"?>
-<p:sld xmlns:a="http://schemas.openxmlformats.org/drawingml/2006/main" xmlns:r="http://schemas.openxmlformats.org/officeDocument/2006/relationships" xmlns:p="http://schemas.openxmlformats.org/presentationml/2006/main">
-  <p:cSld>
-    <p:spTree>
-      <p:nvGrpSpPr>
-        <p:cNvPr id="1" name=""/>
-        <p:cNvGrpSpPr/>
-        <p:nvPr/>
-      </p:nvGrpSpPr>
       <p:grpSpPr/>
       <p:sp>
         <p:nvSpPr>
@@ -35617,7 +36785,7 @@
               <a:rPr lang="zh-CN" altLang="en-US" smtClean="0">
                 <a:sym typeface="+mn-ea"/>
               </a:rPr>
-              <a:t>文件的扩展名要以</a:t>
+              <a:t>文件的扩展名要以 </a:t>
             </a:r>
             <a:r>
               <a:rPr smtClean="0">
@@ -35626,13 +36794,13 @@
                 </a:solidFill>
                 <a:sym typeface="+mn-ea"/>
               </a:rPr>
-              <a:t>.html</a:t>
+              <a:t>.html </a:t>
             </a:r>
             <a:r>
               <a:rPr lang="zh-CN" altLang="en-US" smtClean="0">
                 <a:sym typeface="+mn-ea"/>
               </a:rPr>
-              <a:t>或者</a:t>
+              <a:t>或者 </a:t>
             </a:r>
             <a:r>
               <a:rPr smtClean="0">
@@ -35650,7 +36818,7 @@
                 </a:solidFill>
                 <a:sym typeface="+mn-ea"/>
               </a:rPr>
-              <a:t>htm</a:t>
+              <a:t>htm </a:t>
             </a:r>
             <a:r>
               <a:rPr lang="zh-CN" altLang="en-US" smtClean="0">
@@ -35691,7 +36859,7 @@
               <a:rPr lang="zh-CN" altLang="en-US" smtClean="0">
                 <a:sym typeface="+mn-ea"/>
               </a:rPr>
-              <a:t>文件名中</a:t>
+              <a:t>文件名中不要包含</a:t>
             </a:r>
             <a:r>
               <a:rPr lang="zh-CN" altLang="en-US" smtClean="0">
@@ -35700,25 +36868,19 @@
                 </a:solidFill>
                 <a:sym typeface="+mn-ea"/>
               </a:rPr>
-              <a:t>不要</a:t>
+              <a:t>特殊符号</a:t>
             </a:r>
             <a:r>
               <a:rPr lang="zh-CN" altLang="en-US" smtClean="0">
                 <a:sym typeface="+mn-ea"/>
               </a:rPr>
-              <a:t>包含特殊符号</a:t>
-            </a:r>
-            <a:r>
-              <a:rPr lang="zh-CN" altLang="en-US" smtClean="0">
-                <a:sym typeface="+mn-ea"/>
-              </a:rPr>
               <a:t>，比如空格、</a:t>
             </a:r>
             <a:r>
               <a:rPr smtClean="0">
                 <a:sym typeface="+mn-ea"/>
               </a:rPr>
-              <a:t>$</a:t>
+              <a:t>$ </a:t>
             </a:r>
             <a:r>
               <a:rPr lang="zh-CN" altLang="en-US" smtClean="0">
@@ -35755,7 +36917,7 @@
 </p:sld>
 </file>
 
-<file path=ppt/slides/slide42.xml><?xml version="1.0" encoding="utf-8"?>
+<file path=ppt/slides/slide41.xml><?xml version="1.0" encoding="utf-8"?>
 <p:sld xmlns:a="http://schemas.openxmlformats.org/drawingml/2006/main" xmlns:r="http://schemas.openxmlformats.org/officeDocument/2006/relationships" xmlns:p="http://schemas.openxmlformats.org/presentationml/2006/main">
   <p:cSld>
     <p:spTree>
@@ -36559,7 +37721,7 @@
 </p:sld>
 </file>
 
-<file path=ppt/slides/slide43.xml><?xml version="1.0" encoding="utf-8"?>
+<file path=ppt/slides/slide42.xml><?xml version="1.0" encoding="utf-8"?>
 <p:sld xmlns:a="http://schemas.openxmlformats.org/drawingml/2006/main" xmlns:r="http://schemas.openxmlformats.org/officeDocument/2006/relationships" xmlns:p="http://schemas.openxmlformats.org/presentationml/2006/main">
   <p:cSld>
     <p:spTree>
@@ -36655,7 +37817,7 @@
               <a:rPr smtClean="0">
                 <a:sym typeface="+mn-ea"/>
               </a:rPr>
-              <a:t>HTML</a:t>
+              <a:t>HTML </a:t>
             </a:r>
             <a:r>
               <a:rPr lang="zh-CN" altLang="en-US" smtClean="0">
@@ -36748,25 +37910,13 @@
               <a:rPr smtClean="0">
                 <a:sym typeface="+mn-ea"/>
               </a:rPr>
-              <a:t>&gt; </a:t>
+              <a:t>&gt;</a:t>
             </a:r>
             <a:r>
               <a:rPr lang="zh-CN" altLang="en-US" smtClean="0">
                 <a:sym typeface="+mn-ea"/>
               </a:rPr>
-              <a:t>，</a:t>
-            </a:r>
-            <a:r>
-              <a:rPr dirty="0" err="1" smtClean="0">
-                <a:sym typeface="+mn-ea"/>
-              </a:rPr>
-              <a:t> </a:t>
-            </a:r>
-            <a:r>
-              <a:rPr lang="zh-CN" altLang="en-US" smtClean="0">
-                <a:sym typeface="+mn-ea"/>
-              </a:rPr>
-              <a:t>相对路径</a:t>
+              <a:t>，相对路径</a:t>
             </a:r>
             <a:r>
               <a:rPr lang="zh-CN" altLang="en-US">
@@ -36875,7 +38025,7 @@
 </p:sld>
 </file>
 
-<file path=ppt/slides/slide44.xml><?xml version="1.0" encoding="utf-8"?>
+<file path=ppt/slides/slide43.xml><?xml version="1.0" encoding="utf-8"?>
 <p:sld xmlns:a="http://schemas.openxmlformats.org/drawingml/2006/main" xmlns:r="http://schemas.openxmlformats.org/officeDocument/2006/relationships" xmlns:p="http://schemas.openxmlformats.org/presentationml/2006/main">
   <p:cSld>
     <p:spTree>
@@ -38940,6 +40090,9 @@
             <a:pPr lvl="1"/>
             <a:r>
               <a:rPr lang="zh-CN" altLang="en-US">
+                <a:solidFill>
+                  <a:srgbClr val="C00000"/>
+                </a:solidFill>
                 <a:sym typeface="+mn-ea"/>
               </a:rPr>
               <a:t>文本文件</a:t>
@@ -38957,7 +40110,7 @@
               <a:rPr lang="zh-CN" altLang="en-US">
                 <a:sym typeface="+mn-ea"/>
               </a:rPr>
-              <a:t>扩展名为</a:t>
+              <a:t>扩展名为 </a:t>
             </a:r>
             <a:r>
               <a:rPr lang="zh-CN" altLang="en-US">
@@ -38966,13 +40119,13 @@
                 </a:solidFill>
                 <a:sym typeface="+mn-ea"/>
               </a:rPr>
-              <a:t>.html</a:t>
+              <a:t>.html </a:t>
             </a:r>
             <a:r>
               <a:rPr lang="zh-CN" altLang="en-US">
                 <a:sym typeface="+mn-ea"/>
               </a:rPr>
-              <a:t>或</a:t>
+              <a:t>或 </a:t>
             </a:r>
             <a:r>
               <a:rPr lang="zh-CN" altLang="en-US">
@@ -38996,7 +40149,7 @@
               <a:rPr lang="zh-CN" altLang="en-US">
                 <a:sym typeface="+mn-ea"/>
               </a:rPr>
-              <a:t>文件内容为</a:t>
+              <a:t>文件内容为 </a:t>
             </a:r>
             <a:r>
               <a:rPr lang="zh-CN" altLang="en-US">
@@ -39005,7 +40158,7 @@
                 </a:solidFill>
                 <a:sym typeface="+mn-ea"/>
               </a:rPr>
-              <a:t>HTML代码</a:t>
+              <a:t>HTML 代码</a:t>
             </a:r>
             <a:r>
               <a:rPr lang="zh-CN" altLang="en-US">
@@ -39420,7 +40573,7 @@
             <a:lstStyle/>
             <a:p>
               <a:r>
-                <a:rPr lang="en-US" altLang="zh-CN" sz="2800" dirty="0" smtClean="0">
+                <a:rPr lang="zh-CN" altLang="en-US" sz="2800" dirty="0" smtClean="0">
                   <a:solidFill>
                     <a:srgbClr val="595E64"/>
                   </a:solidFill>
@@ -39429,9 +40582,9 @@
                 </a:rPr>
                 <a:t>理解网页文件</a:t>
               </a:r>
-              <a:endParaRPr lang="zh-CN" altLang="en-US" sz="2800" dirty="0" smtClean="0">
-                <a:solidFill>
-                  <a:schemeClr val="tx1"/>
+              <a:endParaRPr lang="zh-CN" altLang="en-US" sz="2800" dirty="0">
+                <a:solidFill>
+                  <a:srgbClr val="FF0000"/>
                 </a:solidFill>
                 <a:latin typeface="微软雅黑" panose="020B0503020204020204" pitchFamily="34" charset="-122"/>
                 <a:ea typeface="微软雅黑" panose="020B0503020204020204" pitchFamily="34" charset="-122"/>
@@ -39448,10 +40601,10 @@
         </p:nvGrpSpPr>
         <p:grpSpPr>
           <a:xfrm>
-            <a:off x="4199253" y="2395198"/>
-            <a:ext cx="7369354" cy="523240"/>
-            <a:chOff x="4199253" y="2780928"/>
-            <a:chExt cx="7369354" cy="523240"/>
+            <a:off x="4199254" y="2395198"/>
+            <a:ext cx="7369353" cy="521970"/>
+            <a:chOff x="4199254" y="2780928"/>
+            <a:chExt cx="7369353" cy="521970"/>
           </a:xfrm>
         </p:grpSpPr>
         <p:sp>
@@ -39463,7 +40616,7 @@
           <p:spPr>
             <a:xfrm>
               <a:off x="5043210" y="2780928"/>
-              <a:ext cx="6525397" cy="523240"/>
+              <a:ext cx="6525397" cy="521970"/>
             </a:xfrm>
             <a:prstGeom prst="rect">
               <a:avLst/>
@@ -39483,8 +40636,40 @@
                   </a:solidFill>
                   <a:latin typeface="微软雅黑" panose="020B0503020204020204" pitchFamily="34" charset="-122"/>
                   <a:ea typeface="微软雅黑" panose="020B0503020204020204" pitchFamily="34" charset="-122"/>
+                  <a:sym typeface="+mn-ea"/>
                 </a:rPr>
-                <a:t>段落标签和标题标签</a:t>
+                <a:t>标题</a:t>
+              </a:r>
+              <a:r>
+                <a:rPr lang="zh-CN" altLang="en-US" sz="2800" dirty="0" smtClean="0">
+                  <a:solidFill>
+                    <a:srgbClr val="595E64"/>
+                  </a:solidFill>
+                  <a:latin typeface="微软雅黑" panose="020B0503020204020204" pitchFamily="34" charset="-122"/>
+                  <a:ea typeface="微软雅黑" panose="020B0503020204020204" pitchFamily="34" charset="-122"/>
+                </a:rPr>
+                <a:t>标签和</a:t>
+              </a:r>
+              <a:r>
+                <a:rPr lang="zh-CN" altLang="en-US" sz="2800" dirty="0" smtClean="0">
+                  <a:solidFill>
+                    <a:srgbClr val="595E64"/>
+                  </a:solidFill>
+                  <a:latin typeface="微软雅黑" panose="020B0503020204020204" pitchFamily="34" charset="-122"/>
+                  <a:ea typeface="微软雅黑" panose="020B0503020204020204" pitchFamily="34" charset="-122"/>
+                  <a:sym typeface="+mn-ea"/>
+                </a:rPr>
+                <a:t>段落</a:t>
+              </a:r>
+              <a:r>
+                <a:rPr lang="zh-CN" altLang="en-US" sz="2800" dirty="0" smtClean="0">
+                  <a:solidFill>
+                    <a:srgbClr val="595E64"/>
+                  </a:solidFill>
+                  <a:latin typeface="微软雅黑" panose="020B0503020204020204" pitchFamily="34" charset="-122"/>
+                  <a:ea typeface="微软雅黑" panose="020B0503020204020204" pitchFamily="34" charset="-122"/>
+                </a:rPr>
+                <a:t>标签</a:t>
               </a:r>
               <a:endParaRPr lang="zh-CN" altLang="en-US" sz="2800" dirty="0">
                 <a:solidFill>
@@ -39975,10 +41160,10 @@
         </p:nvGrpSpPr>
         <p:grpSpPr>
           <a:xfrm>
-            <a:off x="4223792" y="4736717"/>
-            <a:ext cx="6264731" cy="523220"/>
-            <a:chOff x="4199253" y="4653136"/>
-            <a:chExt cx="6264731" cy="523220"/>
+            <a:off x="4223793" y="4736717"/>
+            <a:ext cx="6264730" cy="521970"/>
+            <a:chOff x="4199254" y="4653136"/>
+            <a:chExt cx="6264730" cy="521970"/>
           </a:xfrm>
         </p:grpSpPr>
         <p:sp>
@@ -39990,7 +41175,7 @@
           <p:spPr>
             <a:xfrm>
               <a:off x="5043210" y="4653136"/>
-              <a:ext cx="5420774" cy="523220"/>
+              <a:ext cx="5420774" cy="521970"/>
             </a:xfrm>
             <a:prstGeom prst="rect">
               <a:avLst/>
@@ -40011,7 +41196,7 @@
                   <a:latin typeface="微软雅黑" panose="020B0503020204020204" pitchFamily="34" charset="-122"/>
                   <a:ea typeface="微软雅黑" panose="020B0503020204020204" pitchFamily="34" charset="-122"/>
                 </a:rPr>
-                <a:t>有序列表标签和无序列表标签</a:t>
+                <a:t>无序列表标签和有序列表标签</a:t>
               </a:r>
               <a:endParaRPr lang="zh-CN" altLang="en-US" sz="2800" dirty="0">
                 <a:solidFill>
@@ -40127,7 +41312,7 @@
         <p:spPr/>
         <p:txBody>
           <a:bodyPr>
-            <a:normAutofit lnSpcReduction="10000"/>
+            <a:normAutofit/>
           </a:bodyPr>
           <a:p>
             <a:endParaRPr lang="zh-CN" altLang="en-US" dirty="0"/>
@@ -40228,9 +41413,10 @@
             </a:endParaRPr>
           </a:p>
           <a:p>
+            <a:pPr lvl="1"/>
             <a:r>
               <a:rPr dirty="0"/>
-              <a:t>HTML</a:t>
+              <a:t>HTML </a:t>
             </a:r>
             <a:r>
               <a:rPr lang="zh-CN" altLang="en-US" dirty="0"/>
@@ -40239,22 +41425,42 @@
             <a:r>
               <a:rPr lang="zh-CN" altLang="en-US" dirty="0">
                 <a:solidFill>
-                  <a:srgbClr val="FF0000"/>
+                  <a:srgbClr val="C00000"/>
                 </a:solidFill>
               </a:rPr>
               <a:t>标记语言</a:t>
             </a:r>
+            <a:endParaRPr lang="zh-CN" altLang="en-US" dirty="0">
+              <a:solidFill>
+                <a:srgbClr val="C00000"/>
+              </a:solidFill>
+            </a:endParaRPr>
+          </a:p>
+          <a:p>
+            <a:pPr lvl="1"/>
             <a:r>
               <a:rPr lang="zh-CN" altLang="en-US" dirty="0"/>
-              <a:t>。标记语言是一套标签，</a:t>
+              <a:t>标记语言是一套</a:t>
+            </a:r>
+            <a:r>
+              <a:rPr lang="zh-CN" altLang="en-US" dirty="0">
+                <a:solidFill>
+                  <a:srgbClr val="C00000"/>
+                </a:solidFill>
+              </a:rPr>
+              <a:t>标记标签</a:t>
+            </a:r>
+            <a:r>
+              <a:rPr lang="zh-CN" altLang="en-US" dirty="0"/>
+              <a:t>，</a:t>
             </a:r>
             <a:r>
               <a:rPr dirty="0"/>
-              <a:t>HTML</a:t>
+              <a:t>HTML </a:t>
             </a:r>
             <a:r>
               <a:rPr lang="zh-CN" altLang="en-US" dirty="0"/>
-              <a:t>使用标签来描述网页。</a:t>
+              <a:t>使用标记标签来描述网页</a:t>
             </a:r>
             <a:endParaRPr lang="zh-CN" altLang="en-US" dirty="0"/>
           </a:p>
@@ -40509,6 +41715,9 @@
                     <p:cTn id="3" fill="hold">
                       <p:stCondLst>
                         <p:cond delay="indefinite"/>
+                        <p:cond evt="onBegin" delay="0">
+                          <p:tn val="2"/>
+                        </p:cond>
                       </p:stCondLst>
                       <p:childTnLst>
                         <p:par>
@@ -40518,7 +41727,7 @@
                             </p:stCondLst>
                             <p:childTnLst>
                               <p:par>
-                                <p:cTn id="5" presetID="22" presetClass="entr" presetSubtype="8" fill="hold" nodeType="clickEffect">
+                                <p:cTn id="5" presetID="22" presetClass="entr" presetSubtype="8" fill="hold" nodeType="withEffect">
                                   <p:stCondLst>
                                     <p:cond delay="0"/>
                                   </p:stCondLst>
@@ -40543,7 +41752,7 @@
                                     </p:set>
                                     <p:animEffect transition="in" filter="wipe(left)">
                                       <p:cBhvr>
-                                        <p:cTn id="7" dur="500"/>
+                                        <p:cTn id="7" dur="2000"/>
                                         <p:tgtEl>
                                           <p:spTgt spid="8"/>
                                         </p:tgtEl>
@@ -40604,7 +41813,7 @@
                                     </p:set>
                                     <p:animEffect transition="in" filter="wipe(left)">
                                       <p:cBhvr>
-                                        <p:cTn id="10" dur="500"/>
+                                        <p:cTn id="10" dur="1000"/>
                                         <p:tgtEl>
                                           <p:spTgt spid="9"/>
                                         </p:tgtEl>
@@ -40746,25 +41955,22 @@
             <a:r>
               <a:rPr>
                 <a:solidFill>
+                  <a:schemeClr val="tx1"/>
+                </a:solidFill>
+              </a:rPr>
+              <a:t>HTML </a:t>
+            </a:r>
+            <a:r>
+              <a:rPr lang="zh-CN" altLang="en-US"/>
+              <a:t>标记标签通常被称为 </a:t>
+            </a:r>
+            <a:r>
+              <a:rPr>
+                <a:solidFill>
                   <a:srgbClr val="FF0000"/>
                 </a:solidFill>
               </a:rPr>
-              <a:t>HTML</a:t>
-            </a:r>
-            <a:r>
-              <a:rPr lang="zh-CN" altLang="en-US"/>
-              <a:t>标记标签通常被成为</a:t>
-            </a:r>
-            <a:r>
-              <a:t>HTML</a:t>
-            </a:r>
-            <a:r>
-              <a:rPr>
-                <a:solidFill>
-                  <a:srgbClr val="FF0000"/>
-                </a:solidFill>
-              </a:rPr>
-              <a:t>标签</a:t>
+              <a:t>HTML 标签</a:t>
             </a:r>
             <a:r>
               <a:rPr lang="zh-CN" altLang="en-US"/>
